--- a/AAIC_poster_AH.pptx
+++ b/AAIC_poster_AH.pptx
@@ -1,6 +1,6 @@
 
 <file path=ppt/presentation.xml><?xml version="1.0" encoding="utf-8"?>
-<p:presentation xmlns:a="http://schemas.openxmlformats.org/drawingml/2006/main" xmlns:r="http://schemas.openxmlformats.org/officeDocument/2006/relationships" xmlns:mc="http://schemas.openxmlformats.org/markup-compatibility/2006" xmlns:mv="urn:schemas-microsoft-com:mac:vml" xmlns:p="http://schemas.openxmlformats.org/presentationml/2006/main" mc:Ignorable="mv" mc:PreserveAttributes="mv:*" saveSubsetFonts="1" autoCompressPictures="0">
+<p:presentation xmlns:a="http://schemas.openxmlformats.org/drawingml/2006/main" xmlns:r="http://schemas.openxmlformats.org/officeDocument/2006/relationships" xmlns:p="http://schemas.openxmlformats.org/presentationml/2006/main" saveSubsetFonts="1" autoCompressPictures="0">
   <p:sldMasterIdLst>
     <p:sldMasterId id="2147483648" r:id="rId1"/>
   </p:sldMasterIdLst>
@@ -111,7 +111,7 @@
 </file>
 
 <file path=ppt/notesMasters/notesMaster1.xml><?xml version="1.0" encoding="utf-8"?>
-<p:notesMaster xmlns:a="http://schemas.openxmlformats.org/drawingml/2006/main" xmlns:r="http://schemas.openxmlformats.org/officeDocument/2006/relationships" xmlns:mc="http://schemas.openxmlformats.org/markup-compatibility/2006" xmlns:mv="urn:schemas-microsoft-com:mac:vml" xmlns:p="http://schemas.openxmlformats.org/presentationml/2006/main" mc:Ignorable="mv" mc:PreserveAttributes="mv:*">
+<p:notesMaster xmlns:a="http://schemas.openxmlformats.org/drawingml/2006/main" xmlns:r="http://schemas.openxmlformats.org/officeDocument/2006/relationships" xmlns:p="http://schemas.openxmlformats.org/presentationml/2006/main">
   <p:cSld>
     <p:bg>
       <p:bgRef idx="1001">
@@ -192,7 +192,7 @@
           <a:p>
             <a:fld id="{638CD603-6CD8-3547-B973-087475E71BF4}" type="datetimeFigureOut">
               <a:rPr lang="en-US" smtClean="0"/>
-              <a:t>7/13/16</a:t>
+              <a:t>7/14/16</a:t>
             </a:fld>
             <a:endParaRPr lang="en-US"/>
           </a:p>
@@ -360,6 +360,11 @@
         </p:txBody>
       </p:sp>
     </p:spTree>
+    <p:extLst>
+      <p:ext uri="{BB962C8B-B14F-4D97-AF65-F5344CB8AC3E}">
+        <p14:creationId xmlns:p14="http://schemas.microsoft.com/office/powerpoint/2010/main" val="3208004686"/>
+      </p:ext>
+    </p:extLst>
   </p:cSld>
   <p:clrMap bg1="lt1" tx1="dk1" bg2="lt2" tx2="dk2" accent1="accent1" accent2="accent2" accent3="accent3" accent4="accent4" accent5="accent5" accent6="accent6" hlink="hlink" folHlink="folHlink"/>
   <p:notesStyle>
@@ -458,7 +463,7 @@
 </file>
 
 <file path=ppt/slideLayouts/slideLayout1.xml><?xml version="1.0" encoding="utf-8"?>
-<p:sldLayout xmlns:a="http://schemas.openxmlformats.org/drawingml/2006/main" xmlns:r="http://schemas.openxmlformats.org/officeDocument/2006/relationships" xmlns:mc="http://schemas.openxmlformats.org/markup-compatibility/2006" xmlns:mv="urn:schemas-microsoft-com:mac:vml" xmlns:p="http://schemas.openxmlformats.org/presentationml/2006/main" mc:Ignorable="mv" mc:PreserveAttributes="mv:*" type="title" preserve="1">
+<p:sldLayout xmlns:a="http://schemas.openxmlformats.org/drawingml/2006/main" xmlns:r="http://schemas.openxmlformats.org/officeDocument/2006/relationships" xmlns:p="http://schemas.openxmlformats.org/presentationml/2006/main" type="title" preserve="1">
   <p:cSld name="Title Slide">
     <p:spTree>
       <p:nvGrpSpPr>
@@ -638,7 +643,7 @@
           <a:p>
             <a:fld id="{6F968270-718C-D14D-BC56-854E11C91F7D}" type="datetimeFigureOut">
               <a:rPr lang="en-US" smtClean="0"/>
-              <a:t>7/13/16</a:t>
+              <a:t>7/14/16</a:t>
             </a:fld>
             <a:endParaRPr lang="en-US"/>
           </a:p>
@@ -695,7 +700,7 @@
 </file>
 
 <file path=ppt/slideLayouts/slideLayout10.xml><?xml version="1.0" encoding="utf-8"?>
-<p:sldLayout xmlns:a="http://schemas.openxmlformats.org/drawingml/2006/main" xmlns:r="http://schemas.openxmlformats.org/officeDocument/2006/relationships" xmlns:mc="http://schemas.openxmlformats.org/markup-compatibility/2006" xmlns:mv="urn:schemas-microsoft-com:mac:vml" xmlns:p="http://schemas.openxmlformats.org/presentationml/2006/main" mc:Ignorable="mv" mc:PreserveAttributes="mv:*" type="vertTx" preserve="1">
+<p:sldLayout xmlns:a="http://schemas.openxmlformats.org/drawingml/2006/main" xmlns:r="http://schemas.openxmlformats.org/officeDocument/2006/relationships" xmlns:p="http://schemas.openxmlformats.org/presentationml/2006/main" type="vertTx" preserve="1">
   <p:cSld name="Title and Vertical Text">
     <p:spTree>
       <p:nvGrpSpPr>
@@ -803,7 +808,7 @@
           <a:p>
             <a:fld id="{6F968270-718C-D14D-BC56-854E11C91F7D}" type="datetimeFigureOut">
               <a:rPr lang="en-US" smtClean="0"/>
-              <a:t>7/13/16</a:t>
+              <a:t>7/14/16</a:t>
             </a:fld>
             <a:endParaRPr lang="en-US"/>
           </a:p>
@@ -860,7 +865,7 @@
 </file>
 
 <file path=ppt/slideLayouts/slideLayout11.xml><?xml version="1.0" encoding="utf-8"?>
-<p:sldLayout xmlns:a="http://schemas.openxmlformats.org/drawingml/2006/main" xmlns:r="http://schemas.openxmlformats.org/officeDocument/2006/relationships" xmlns:mc="http://schemas.openxmlformats.org/markup-compatibility/2006" xmlns:mv="urn:schemas-microsoft-com:mac:vml" xmlns:p="http://schemas.openxmlformats.org/presentationml/2006/main" mc:Ignorable="mv" mc:PreserveAttributes="mv:*" type="vertTitleAndTx" preserve="1">
+<p:sldLayout xmlns:a="http://schemas.openxmlformats.org/drawingml/2006/main" xmlns:r="http://schemas.openxmlformats.org/officeDocument/2006/relationships" xmlns:p="http://schemas.openxmlformats.org/presentationml/2006/main" type="vertTitleAndTx" preserve="1">
   <p:cSld name="Vertical Title and Text">
     <p:spTree>
       <p:nvGrpSpPr>
@@ -978,7 +983,7 @@
           <a:p>
             <a:fld id="{6F968270-718C-D14D-BC56-854E11C91F7D}" type="datetimeFigureOut">
               <a:rPr lang="en-US" smtClean="0"/>
-              <a:t>7/13/16</a:t>
+              <a:t>7/14/16</a:t>
             </a:fld>
             <a:endParaRPr lang="en-US"/>
           </a:p>
@@ -1035,7 +1040,7 @@
 </file>
 
 <file path=ppt/slideLayouts/slideLayout2.xml><?xml version="1.0" encoding="utf-8"?>
-<p:sldLayout xmlns:a="http://schemas.openxmlformats.org/drawingml/2006/main" xmlns:r="http://schemas.openxmlformats.org/officeDocument/2006/relationships" xmlns:mc="http://schemas.openxmlformats.org/markup-compatibility/2006" xmlns:mv="urn:schemas-microsoft-com:mac:vml" xmlns:p="http://schemas.openxmlformats.org/presentationml/2006/main" mc:Ignorable="mv" mc:PreserveAttributes="mv:*" type="obj" preserve="1">
+<p:sldLayout xmlns:a="http://schemas.openxmlformats.org/drawingml/2006/main" xmlns:r="http://schemas.openxmlformats.org/officeDocument/2006/relationships" xmlns:p="http://schemas.openxmlformats.org/presentationml/2006/main" type="obj" preserve="1">
   <p:cSld name="Title and Content">
     <p:spTree>
       <p:nvGrpSpPr>
@@ -1143,7 +1148,7 @@
           <a:p>
             <a:fld id="{6F968270-718C-D14D-BC56-854E11C91F7D}" type="datetimeFigureOut">
               <a:rPr lang="en-US" smtClean="0"/>
-              <a:t>7/13/16</a:t>
+              <a:t>7/14/16</a:t>
             </a:fld>
             <a:endParaRPr lang="en-US"/>
           </a:p>
@@ -1200,7 +1205,7 @@
 </file>
 
 <file path=ppt/slideLayouts/slideLayout3.xml><?xml version="1.0" encoding="utf-8"?>
-<p:sldLayout xmlns:a="http://schemas.openxmlformats.org/drawingml/2006/main" xmlns:r="http://schemas.openxmlformats.org/officeDocument/2006/relationships" xmlns:mc="http://schemas.openxmlformats.org/markup-compatibility/2006" xmlns:mv="urn:schemas-microsoft-com:mac:vml" xmlns:p="http://schemas.openxmlformats.org/presentationml/2006/main" mc:Ignorable="mv" mc:PreserveAttributes="mv:*" type="secHead" preserve="1">
+<p:sldLayout xmlns:a="http://schemas.openxmlformats.org/drawingml/2006/main" xmlns:r="http://schemas.openxmlformats.org/officeDocument/2006/relationships" xmlns:p="http://schemas.openxmlformats.org/presentationml/2006/main" type="secHead" preserve="1">
   <p:cSld name="Section Header">
     <p:spTree>
       <p:nvGrpSpPr>
@@ -1384,7 +1389,7 @@
           <a:p>
             <a:fld id="{6F968270-718C-D14D-BC56-854E11C91F7D}" type="datetimeFigureOut">
               <a:rPr lang="en-US" smtClean="0"/>
-              <a:t>7/13/16</a:t>
+              <a:t>7/14/16</a:t>
             </a:fld>
             <a:endParaRPr lang="en-US"/>
           </a:p>
@@ -1441,7 +1446,7 @@
 </file>
 
 <file path=ppt/slideLayouts/slideLayout4.xml><?xml version="1.0" encoding="utf-8"?>
-<p:sldLayout xmlns:a="http://schemas.openxmlformats.org/drawingml/2006/main" xmlns:r="http://schemas.openxmlformats.org/officeDocument/2006/relationships" xmlns:mc="http://schemas.openxmlformats.org/markup-compatibility/2006" xmlns:mv="urn:schemas-microsoft-com:mac:vml" xmlns:p="http://schemas.openxmlformats.org/presentationml/2006/main" mc:Ignorable="mv" mc:PreserveAttributes="mv:*" type="twoObj" preserve="1">
+<p:sldLayout xmlns:a="http://schemas.openxmlformats.org/drawingml/2006/main" xmlns:r="http://schemas.openxmlformats.org/officeDocument/2006/relationships" xmlns:p="http://schemas.openxmlformats.org/presentationml/2006/main" type="twoObj" preserve="1">
   <p:cSld name="Two Content">
     <p:spTree>
       <p:nvGrpSpPr>
@@ -1667,7 +1672,7 @@
           <a:p>
             <a:fld id="{6F968270-718C-D14D-BC56-854E11C91F7D}" type="datetimeFigureOut">
               <a:rPr lang="en-US" smtClean="0"/>
-              <a:t>7/13/16</a:t>
+              <a:t>7/14/16</a:t>
             </a:fld>
             <a:endParaRPr lang="en-US"/>
           </a:p>
@@ -1724,7 +1729,7 @@
 </file>
 
 <file path=ppt/slideLayouts/slideLayout5.xml><?xml version="1.0" encoding="utf-8"?>
-<p:sldLayout xmlns:a="http://schemas.openxmlformats.org/drawingml/2006/main" xmlns:r="http://schemas.openxmlformats.org/officeDocument/2006/relationships" xmlns:mc="http://schemas.openxmlformats.org/markup-compatibility/2006" xmlns:mv="urn:schemas-microsoft-com:mac:vml" xmlns:p="http://schemas.openxmlformats.org/presentationml/2006/main" mc:Ignorable="mv" mc:PreserveAttributes="mv:*" type="twoTxTwoObj" preserve="1">
+<p:sldLayout xmlns:a="http://schemas.openxmlformats.org/drawingml/2006/main" xmlns:r="http://schemas.openxmlformats.org/officeDocument/2006/relationships" xmlns:p="http://schemas.openxmlformats.org/presentationml/2006/main" type="twoTxTwoObj" preserve="1">
   <p:cSld name="Comparison">
     <p:spTree>
       <p:nvGrpSpPr>
@@ -2084,7 +2089,7 @@
           <a:p>
             <a:fld id="{6F968270-718C-D14D-BC56-854E11C91F7D}" type="datetimeFigureOut">
               <a:rPr lang="en-US" smtClean="0"/>
-              <a:t>7/13/16</a:t>
+              <a:t>7/14/16</a:t>
             </a:fld>
             <a:endParaRPr lang="en-US"/>
           </a:p>
@@ -2141,7 +2146,7 @@
 </file>
 
 <file path=ppt/slideLayouts/slideLayout6.xml><?xml version="1.0" encoding="utf-8"?>
-<p:sldLayout xmlns:a="http://schemas.openxmlformats.org/drawingml/2006/main" xmlns:r="http://schemas.openxmlformats.org/officeDocument/2006/relationships" xmlns:mc="http://schemas.openxmlformats.org/markup-compatibility/2006" xmlns:mv="urn:schemas-microsoft-com:mac:vml" xmlns:p="http://schemas.openxmlformats.org/presentationml/2006/main" mc:Ignorable="mv" mc:PreserveAttributes="mv:*" type="titleOnly" preserve="1">
+<p:sldLayout xmlns:a="http://schemas.openxmlformats.org/drawingml/2006/main" xmlns:r="http://schemas.openxmlformats.org/officeDocument/2006/relationships" xmlns:p="http://schemas.openxmlformats.org/presentationml/2006/main" type="titleOnly" preserve="1">
   <p:cSld name="Title Only">
     <p:spTree>
       <p:nvGrpSpPr>
@@ -2197,7 +2202,7 @@
           <a:p>
             <a:fld id="{6F968270-718C-D14D-BC56-854E11C91F7D}" type="datetimeFigureOut">
               <a:rPr lang="en-US" smtClean="0"/>
-              <a:t>7/13/16</a:t>
+              <a:t>7/14/16</a:t>
             </a:fld>
             <a:endParaRPr lang="en-US"/>
           </a:p>
@@ -2254,7 +2259,7 @@
 </file>
 
 <file path=ppt/slideLayouts/slideLayout7.xml><?xml version="1.0" encoding="utf-8"?>
-<p:sldLayout xmlns:a="http://schemas.openxmlformats.org/drawingml/2006/main" xmlns:r="http://schemas.openxmlformats.org/officeDocument/2006/relationships" xmlns:mc="http://schemas.openxmlformats.org/markup-compatibility/2006" xmlns:mv="urn:schemas-microsoft-com:mac:vml" xmlns:p="http://schemas.openxmlformats.org/presentationml/2006/main" mc:Ignorable="mv" mc:PreserveAttributes="mv:*" type="blank" preserve="1">
+<p:sldLayout xmlns:a="http://schemas.openxmlformats.org/drawingml/2006/main" xmlns:r="http://schemas.openxmlformats.org/officeDocument/2006/relationships" xmlns:p="http://schemas.openxmlformats.org/presentationml/2006/main" type="blank" preserve="1">
   <p:cSld name="Blank">
     <p:spTree>
       <p:nvGrpSpPr>
@@ -2287,7 +2292,7 @@
           <a:p>
             <a:fld id="{6F968270-718C-D14D-BC56-854E11C91F7D}" type="datetimeFigureOut">
               <a:rPr lang="en-US" smtClean="0"/>
-              <a:t>7/13/16</a:t>
+              <a:t>7/14/16</a:t>
             </a:fld>
             <a:endParaRPr lang="en-US"/>
           </a:p>
@@ -2344,7 +2349,7 @@
 </file>
 
 <file path=ppt/slideLayouts/slideLayout8.xml><?xml version="1.0" encoding="utf-8"?>
-<p:sldLayout xmlns:a="http://schemas.openxmlformats.org/drawingml/2006/main" xmlns:r="http://schemas.openxmlformats.org/officeDocument/2006/relationships" xmlns:mc="http://schemas.openxmlformats.org/markup-compatibility/2006" xmlns:mv="urn:schemas-microsoft-com:mac:vml" xmlns:p="http://schemas.openxmlformats.org/presentationml/2006/main" mc:Ignorable="mv" mc:PreserveAttributes="mv:*" type="objTx" preserve="1">
+<p:sldLayout xmlns:a="http://schemas.openxmlformats.org/drawingml/2006/main" xmlns:r="http://schemas.openxmlformats.org/officeDocument/2006/relationships" xmlns:p="http://schemas.openxmlformats.org/presentationml/2006/main" type="objTx" preserve="1">
   <p:cSld name="Content with Caption">
     <p:spTree>
       <p:nvGrpSpPr>
@@ -2559,7 +2564,7 @@
           <a:p>
             <a:fld id="{6F968270-718C-D14D-BC56-854E11C91F7D}" type="datetimeFigureOut">
               <a:rPr lang="en-US" smtClean="0"/>
-              <a:t>7/13/16</a:t>
+              <a:t>7/14/16</a:t>
             </a:fld>
             <a:endParaRPr lang="en-US"/>
           </a:p>
@@ -2616,7 +2621,7 @@
 </file>
 
 <file path=ppt/slideLayouts/slideLayout9.xml><?xml version="1.0" encoding="utf-8"?>
-<p:sldLayout xmlns:a="http://schemas.openxmlformats.org/drawingml/2006/main" xmlns:r="http://schemas.openxmlformats.org/officeDocument/2006/relationships" xmlns:mc="http://schemas.openxmlformats.org/markup-compatibility/2006" xmlns:mv="urn:schemas-microsoft-com:mac:vml" xmlns:p="http://schemas.openxmlformats.org/presentationml/2006/main" mc:Ignorable="mv" mc:PreserveAttributes="mv:*" type="picTx" preserve="1">
+<p:sldLayout xmlns:a="http://schemas.openxmlformats.org/drawingml/2006/main" xmlns:r="http://schemas.openxmlformats.org/officeDocument/2006/relationships" xmlns:p="http://schemas.openxmlformats.org/presentationml/2006/main" type="picTx" preserve="1">
   <p:cSld name="Picture with Caption">
     <p:spTree>
       <p:nvGrpSpPr>
@@ -2807,7 +2812,7 @@
           <a:p>
             <a:fld id="{6F968270-718C-D14D-BC56-854E11C91F7D}" type="datetimeFigureOut">
               <a:rPr lang="en-US" smtClean="0"/>
-              <a:t>7/13/16</a:t>
+              <a:t>7/14/16</a:t>
             </a:fld>
             <a:endParaRPr lang="en-US"/>
           </a:p>
@@ -2864,7 +2869,7 @@
 </file>
 
 <file path=ppt/slideMasters/slideMaster1.xml><?xml version="1.0" encoding="utf-8"?>
-<p:sldMaster xmlns:a="http://schemas.openxmlformats.org/drawingml/2006/main" xmlns:r="http://schemas.openxmlformats.org/officeDocument/2006/relationships" xmlns:mc="http://schemas.openxmlformats.org/markup-compatibility/2006" xmlns:mv="urn:schemas-microsoft-com:mac:vml" xmlns:p="http://schemas.openxmlformats.org/presentationml/2006/main" mc:Ignorable="mv" mc:PreserveAttributes="mv:*">
+<p:sldMaster xmlns:a="http://schemas.openxmlformats.org/drawingml/2006/main" xmlns:r="http://schemas.openxmlformats.org/officeDocument/2006/relationships" xmlns:p="http://schemas.openxmlformats.org/presentationml/2006/main">
   <p:cSld>
     <p:bg>
       <p:bgRef idx="1001">
@@ -3015,7 +3020,7 @@
           <a:p>
             <a:fld id="{6F968270-718C-D14D-BC56-854E11C91F7D}" type="datetimeFigureOut">
               <a:rPr lang="en-US" smtClean="0"/>
-              <a:t>7/13/16</a:t>
+              <a:t>7/14/16</a:t>
             </a:fld>
             <a:endParaRPr lang="en-US"/>
           </a:p>
@@ -3369,7 +3374,7 @@
 </file>
 
 <file path=ppt/slides/slide1.xml><?xml version="1.0" encoding="utf-8"?>
-<p:sld xmlns:a="http://schemas.openxmlformats.org/drawingml/2006/main" xmlns:r="http://schemas.openxmlformats.org/officeDocument/2006/relationships" xmlns:mc="http://schemas.openxmlformats.org/markup-compatibility/2006" xmlns:mv="urn:schemas-microsoft-com:mac:vml" xmlns:p="http://schemas.openxmlformats.org/presentationml/2006/main" mc:Ignorable="mv" mc:PreserveAttributes="mv:*">
+<p:sld xmlns:a="http://schemas.openxmlformats.org/drawingml/2006/main" xmlns:r="http://schemas.openxmlformats.org/officeDocument/2006/relationships" xmlns:p="http://schemas.openxmlformats.org/presentationml/2006/main">
   <p:cSld>
     <p:bg>
       <p:bgPr>
@@ -3700,24 +3705,12 @@
           </p:cNvPicPr>
           <p:nvPr/>
         </p:nvPicPr>
-        <mc:AlternateContent>
-          <mc:Choice xmlns:ma="http://schemas.microsoft.com/office/mac/drawingml/2008/main" Requires="ma">
-            <p:blipFill>
-              <a:blip r:embed="rId3"/>
-              <a:stretch>
-                <a:fillRect/>
-              </a:stretch>
-            </p:blipFill>
-          </mc:Choice>
-          <mc:Fallback>
-            <p:blipFill>
-              <a:blip r:embed="rId4"/>
-              <a:stretch>
-                <a:fillRect/>
-              </a:stretch>
-            </p:blipFill>
-          </mc:Fallback>
-        </mc:AlternateContent>
+        <p:blipFill>
+          <a:blip r:embed="rId3"/>
+          <a:stretch>
+            <a:fillRect/>
+          </a:stretch>
+        </p:blipFill>
         <p:spPr>
           <a:xfrm>
             <a:off x="1058366" y="395390"/>
@@ -4234,13 +4227,7 @@
               <a:rPr lang="en-US" sz="1600" dirty="0" smtClean="0">
                 <a:latin typeface="Arial"/>
               </a:rPr>
-              <a:t>F-AV-45 PET scans </a:t>
-            </a:r>
-            <a:r>
-              <a:rPr lang="en-US" sz="1600" dirty="0" smtClean="0">
-                <a:latin typeface="Arial"/>
-              </a:rPr>
-              <a:t>(frontal/parietal/temporal/</a:t>
+              <a:t>F-AV-45 PET scans (frontal/parietal/temporal/</a:t>
             </a:r>
             <a:r>
               <a:rPr lang="en-US" sz="1600" dirty="0" err="1" smtClean="0">
@@ -4252,13 +4239,7 @@
               <a:rPr lang="en-US" sz="1600" dirty="0" smtClean="0">
                 <a:latin typeface="Arial"/>
               </a:rPr>
-              <a:t> ROI)</a:t>
-            </a:r>
-            <a:r>
-              <a:rPr lang="en-US" sz="1600" dirty="0" smtClean="0">
-                <a:latin typeface="Arial"/>
-              </a:rPr>
-              <a:t> is a conveniently calculated measure of global </a:t>
+              <a:t> ROI) is a conveniently calculated measure of global </a:t>
             </a:r>
             <a:r>
               <a:rPr lang="en-US" sz="1600" dirty="0" err="1" smtClean="0">
@@ -4347,13 +4328,7 @@
               <a:rPr lang="en-US" sz="1600" b="1" dirty="0" smtClean="0">
                 <a:latin typeface="Arial"/>
               </a:rPr>
-              <a:t> Convert regional uptakes of</a:t>
-            </a:r>
-            <a:r>
-              <a:rPr lang="en-US" sz="1600" b="1" dirty="0" smtClean="0">
-                <a:latin typeface="Arial"/>
-              </a:rPr>
-              <a:t> ADNI </a:t>
+              <a:t> Convert regional uptakes of ADNI </a:t>
             </a:r>
             <a:r>
               <a:rPr lang="en-US" sz="1600" b="1" baseline="30000" dirty="0" smtClean="0">
@@ -4377,13 +4352,7 @@
               <a:rPr lang="en-US" sz="1600" b="1" dirty="0" smtClean="0">
                 <a:latin typeface="Arial"/>
               </a:rPr>
-              <a:t>F-AV-1451 PET scans</a:t>
-            </a:r>
-            <a:r>
-              <a:rPr lang="en-US" sz="1600" b="1" dirty="0" smtClean="0">
-                <a:latin typeface="Arial"/>
-              </a:rPr>
-              <a:t> to standardized units via a regionally-unbiased intensity normalization method.</a:t>
+              <a:t>F-AV-1451 PET scans to standardized units via a regionally-unbiased intensity normalization method.</a:t>
             </a:r>
           </a:p>
           <a:p>
@@ -4404,19 +4373,25 @@
               <a:rPr lang="en-US" sz="1600" b="1" dirty="0" smtClean="0">
                 <a:latin typeface="Arial"/>
               </a:rPr>
-              <a:t> Perform a sparse nonparametric factor analysis to the normalized regional dataset</a:t>
+              <a:t> Perform a sparse nonparametric factor analysis </a:t>
             </a:r>
             <a:r>
               <a:rPr lang="en-US" sz="1600" b="1" dirty="0" smtClean="0">
                 <a:latin typeface="Arial"/>
               </a:rPr>
-              <a:t>, </a:t>
+              <a:t>of</a:t>
             </a:r>
             <a:r>
               <a:rPr lang="en-US" sz="1600" b="1" dirty="0" smtClean="0">
                 <a:latin typeface="Arial"/>
               </a:rPr>
-              <a:t>determining a set of recurring uptake topographies underlying the variance in individual uptake patterns.</a:t>
+              <a:t> </a:t>
+            </a:r>
+            <a:r>
+              <a:rPr lang="en-US" sz="1600" b="1" dirty="0" smtClean="0">
+                <a:latin typeface="Arial"/>
+              </a:rPr>
+              <a:t>the normalized regional dataset, determining a set of recurring uptake topographies underlying the variance in individual uptake patterns.</a:t>
             </a:r>
           </a:p>
           <a:p>
@@ -4460,7 +4435,7 @@
           <p:nvPr>
             <p:extLst>
               <p:ext uri="{D42A27DB-BD31-4B8C-83A1-F6EECF244321}">
-                <p14:modId xmlns:p14="http://schemas.microsoft.com/office/powerpoint/2010/main" xmlns:p="http://schemas.openxmlformats.org/presentationml/2006/main" xmlns:r="http://schemas.openxmlformats.org/officeDocument/2006/relationships" xmlns:a="http://schemas.openxmlformats.org/drawingml/2006/main" xmlns="" val="2693446380"/>
+                <p14:modId xmlns:p14="http://schemas.microsoft.com/office/powerpoint/2010/main" val="2693446380"/>
               </p:ext>
             </p:extLst>
           </p:nvPr>
@@ -4586,11 +4561,7 @@
                     <a:p>
                       <a:r>
                         <a:rPr lang="en-US" sz="2000" dirty="0" smtClean="0"/>
-                        <a:t>73.77 </a:t>
-                      </a:r>
-                      <a:r>
-                        <a:rPr lang="en-US" sz="2000" dirty="0" smtClean="0"/>
-                        <a:t>(7.48)</a:t>
+                        <a:t>73.77 (7.48)</a:t>
                       </a:r>
                       <a:endParaRPr lang="en-US" sz="2000" dirty="0"/>
                     </a:p>
@@ -4634,11 +4605,7 @@
                     <a:p>
                       <a:r>
                         <a:rPr lang="en-US" sz="2000" dirty="0" smtClean="0"/>
-                        <a:t>569/494 </a:t>
-                      </a:r>
-                      <a:r>
-                        <a:rPr lang="en-US" sz="2000" dirty="0" smtClean="0"/>
-                        <a:t>(1 N/A)</a:t>
+                        <a:t>569/494 (1 N/A)</a:t>
                       </a:r>
                       <a:endParaRPr lang="en-US" sz="2000" dirty="0"/>
                     </a:p>
@@ -4652,11 +4619,7 @@
                     <a:p>
                       <a:r>
                         <a:rPr lang="en-US" sz="2000" dirty="0" smtClean="0"/>
-                        <a:t>31/</a:t>
-                      </a:r>
-                      <a:r>
-                        <a:rPr lang="en-US" sz="2000" dirty="0" smtClean="0"/>
-                        <a:t>24</a:t>
+                        <a:t>31/24</a:t>
                       </a:r>
                       <a:endParaRPr lang="en-US" sz="2000" dirty="0"/>
                     </a:p>
@@ -4700,15 +4663,7 @@
                     <a:p>
                       <a:r>
                         <a:rPr lang="en-US" sz="2000" dirty="0" smtClean="0"/>
-                        <a:t>16.72 </a:t>
-                      </a:r>
-                      <a:r>
-                        <a:rPr lang="en-US" sz="2000" dirty="0" smtClean="0"/>
-                        <a:t>(</a:t>
-                      </a:r>
-                      <a:r>
-                        <a:rPr lang="en-US" sz="2000" dirty="0" smtClean="0"/>
-                        <a:t>2.65)</a:t>
+                        <a:t>16.72 (2.65)</a:t>
                       </a:r>
                       <a:endParaRPr lang="en-US" sz="2000" dirty="0"/>
                     </a:p>
@@ -4826,11 +4781,7 @@
                     <a:p>
                       <a:r>
                         <a:rPr lang="en-US" sz="2000" dirty="0" smtClean="0"/>
-                        <a:t>259 (24.3%</a:t>
-                      </a:r>
-                      <a:r>
-                        <a:rPr lang="en-US" sz="2000" dirty="0" smtClean="0"/>
-                        <a:t>)</a:t>
+                        <a:t>259 (24.3%)</a:t>
                       </a:r>
                       <a:endParaRPr lang="en-US" sz="2000" dirty="0"/>
                     </a:p>
@@ -4844,19 +4795,7 @@
                     <a:p>
                       <a:r>
                         <a:rPr lang="en-US" sz="2000" dirty="0" smtClean="0"/>
-                        <a:t>17 </a:t>
-                      </a:r>
-                      <a:r>
-                        <a:rPr lang="en-US" sz="2000" dirty="0" smtClean="0"/>
-                        <a:t>(</a:t>
-                      </a:r>
-                      <a:r>
-                        <a:rPr lang="en-US" sz="2000" dirty="0" smtClean="0"/>
-                        <a:t>30.9%</a:t>
-                      </a:r>
-                      <a:r>
-                        <a:rPr lang="en-US" sz="2000" dirty="0" smtClean="0"/>
-                        <a:t>)</a:t>
+                        <a:t>17 (30.9%)</a:t>
                       </a:r>
                       <a:endParaRPr lang="en-US" sz="2000" dirty="0"/>
                     </a:p>
@@ -4885,11 +4824,7 @@
                     <a:p>
                       <a:r>
                         <a:rPr lang="en-US" sz="2000" dirty="0" smtClean="0"/>
-                        <a:t>100 (9.4%</a:t>
-                      </a:r>
-                      <a:r>
-                        <a:rPr lang="en-US" sz="2000" dirty="0" smtClean="0"/>
-                        <a:t>)</a:t>
+                        <a:t>100 (9.4%)</a:t>
                       </a:r>
                       <a:endParaRPr lang="en-US" sz="2000" dirty="0"/>
                     </a:p>
@@ -4903,11 +4838,7 @@
                     <a:p>
                       <a:r>
                         <a:rPr lang="en-US" sz="2000" dirty="0" smtClean="0"/>
-                        <a:t>6 (10.9%</a:t>
-                      </a:r>
-                      <a:r>
-                        <a:rPr lang="en-US" sz="2000" dirty="0" smtClean="0"/>
-                        <a:t>)</a:t>
+                        <a:t>6 (10.9%)</a:t>
                       </a:r>
                       <a:endParaRPr lang="en-US" sz="2000" dirty="0"/>
                     </a:p>
@@ -4950,11 +4881,7 @@
                     <a:p>
                       <a:r>
                         <a:rPr lang="en-US" sz="2000" dirty="0" smtClean="0"/>
-                        <a:t>11 (20%</a:t>
-                      </a:r>
-                      <a:r>
-                        <a:rPr lang="en-US" sz="2000" dirty="0" smtClean="0"/>
-                        <a:t>)</a:t>
+                        <a:t>11 (20%)</a:t>
                       </a:r>
                       <a:endParaRPr lang="en-US" sz="2000" dirty="0"/>
                     </a:p>
@@ -4983,19 +4910,7 @@
                     <a:p>
                       <a:r>
                         <a:rPr lang="en-US" sz="2000" dirty="0" smtClean="0"/>
-                        <a:t>215 </a:t>
-                      </a:r>
-                      <a:r>
-                        <a:rPr lang="en-US" sz="2000" dirty="0" smtClean="0"/>
-                        <a:t>(</a:t>
-                      </a:r>
-                      <a:r>
-                        <a:rPr lang="en-US" sz="2000" dirty="0" smtClean="0"/>
-                        <a:t>20.2%</a:t>
-                      </a:r>
-                      <a:r>
-                        <a:rPr lang="en-US" sz="2000" dirty="0" smtClean="0"/>
-                        <a:t>)</a:t>
+                        <a:t>215 (20.2%)</a:t>
                       </a:r>
                       <a:endParaRPr lang="en-US" sz="2000" dirty="0"/>
                     </a:p>
@@ -5009,19 +4924,7 @@
                     <a:p>
                       <a:r>
                         <a:rPr lang="en-US" sz="2000" dirty="0" smtClean="0"/>
-                        <a:t>16 </a:t>
-                      </a:r>
-                      <a:r>
-                        <a:rPr lang="en-US" sz="2000" dirty="0" smtClean="0"/>
-                        <a:t>(</a:t>
-                      </a:r>
-                      <a:r>
-                        <a:rPr lang="en-US" sz="2000" dirty="0" smtClean="0"/>
-                        <a:t>29.1%</a:t>
-                      </a:r>
-                      <a:r>
-                        <a:rPr lang="en-US" sz="2000" dirty="0" smtClean="0"/>
-                        <a:t>)</a:t>
+                        <a:t>16 (29.1%)</a:t>
                       </a:r>
                       <a:endParaRPr lang="en-US" sz="2000" dirty="0"/>
                     </a:p>
@@ -5064,11 +4967,7 @@
                     <a:p>
                       <a:r>
                         <a:rPr lang="en-US" sz="2000" dirty="0" smtClean="0"/>
-                        <a:t>5 (9.1%</a:t>
-                      </a:r>
-                      <a:r>
-                        <a:rPr lang="en-US" sz="2000" dirty="0" smtClean="0"/>
-                        <a:t>)</a:t>
+                        <a:t>5 (9.1%)</a:t>
                       </a:r>
                       <a:endParaRPr lang="en-US" sz="2000" dirty="0"/>
                     </a:p>

--- a/AAIC_poster_AH.pptx
+++ b/AAIC_poster_AH.pptx
@@ -1,6 +1,6 @@
 
 <file path=ppt/presentation.xml><?xml version="1.0" encoding="utf-8"?>
-<p:presentation xmlns:a="http://schemas.openxmlformats.org/drawingml/2006/main" xmlns:r="http://schemas.openxmlformats.org/officeDocument/2006/relationships" xmlns:p="http://schemas.openxmlformats.org/presentationml/2006/main" saveSubsetFonts="1" autoCompressPictures="0">
+<p:presentation xmlns:a="http://schemas.openxmlformats.org/drawingml/2006/main" xmlns:r="http://schemas.openxmlformats.org/officeDocument/2006/relationships" xmlns:mc="http://schemas.openxmlformats.org/markup-compatibility/2006" xmlns:mv="urn:schemas-microsoft-com:mac:vml" xmlns:p="http://schemas.openxmlformats.org/presentationml/2006/main" mc:Ignorable="mv" mc:PreserveAttributes="mv:*" saveSubsetFonts="1" autoCompressPictures="0">
   <p:sldMasterIdLst>
     <p:sldMasterId id="2147483648" r:id="rId1"/>
   </p:sldMasterIdLst>
@@ -111,7 +111,7 @@
 </file>
 
 <file path=ppt/notesMasters/notesMaster1.xml><?xml version="1.0" encoding="utf-8"?>
-<p:notesMaster xmlns:a="http://schemas.openxmlformats.org/drawingml/2006/main" xmlns:r="http://schemas.openxmlformats.org/officeDocument/2006/relationships" xmlns:p="http://schemas.openxmlformats.org/presentationml/2006/main">
+<p:notesMaster xmlns:a="http://schemas.openxmlformats.org/drawingml/2006/main" xmlns:r="http://schemas.openxmlformats.org/officeDocument/2006/relationships" xmlns:mc="http://schemas.openxmlformats.org/markup-compatibility/2006" xmlns:mv="urn:schemas-microsoft-com:mac:vml" xmlns:p="http://schemas.openxmlformats.org/presentationml/2006/main" mc:Ignorable="mv" mc:PreserveAttributes="mv:*">
   <p:cSld>
     <p:bg>
       <p:bgRef idx="1001">
@@ -192,6 +192,7 @@
           <a:p>
             <a:fld id="{638CD603-6CD8-3547-B973-087475E71BF4}" type="datetimeFigureOut">
               <a:rPr lang="en-US" smtClean="0"/>
+              <a:pPr/>
               <a:t>7/14/16</a:t>
             </a:fld>
             <a:endParaRPr lang="en-US"/>
@@ -353,6 +354,7 @@
           <a:p>
             <a:fld id="{EDC3963F-059A-F942-B5E2-FC104F9B7963}" type="slidenum">
               <a:rPr lang="en-US" smtClean="0"/>
+              <a:pPr/>
               <a:t>‹#›</a:t>
             </a:fld>
             <a:endParaRPr lang="en-US"/>
@@ -362,7 +364,7 @@
     </p:spTree>
     <p:extLst>
       <p:ext uri="{BB962C8B-B14F-4D97-AF65-F5344CB8AC3E}">
-        <p14:creationId xmlns:p14="http://schemas.microsoft.com/office/powerpoint/2010/main" val="3208004686"/>
+        <p14:creationId xmlns:p14="http://schemas.microsoft.com/office/powerpoint/2010/main" xmlns:p="http://schemas.openxmlformats.org/presentationml/2006/main" xmlns:r="http://schemas.openxmlformats.org/officeDocument/2006/relationships" xmlns:a="http://schemas.openxmlformats.org/drawingml/2006/main" xmlns="" val="3208004686"/>
       </p:ext>
     </p:extLst>
   </p:cSld>
@@ -463,7 +465,7 @@
 </file>
 
 <file path=ppt/slideLayouts/slideLayout1.xml><?xml version="1.0" encoding="utf-8"?>
-<p:sldLayout xmlns:a="http://schemas.openxmlformats.org/drawingml/2006/main" xmlns:r="http://schemas.openxmlformats.org/officeDocument/2006/relationships" xmlns:p="http://schemas.openxmlformats.org/presentationml/2006/main" type="title" preserve="1">
+<p:sldLayout xmlns:a="http://schemas.openxmlformats.org/drawingml/2006/main" xmlns:r="http://schemas.openxmlformats.org/officeDocument/2006/relationships" xmlns:mc="http://schemas.openxmlformats.org/markup-compatibility/2006" xmlns:mv="urn:schemas-microsoft-com:mac:vml" xmlns:p="http://schemas.openxmlformats.org/presentationml/2006/main" mc:Ignorable="mv" mc:PreserveAttributes="mv:*" type="title" preserve="1">
   <p:cSld name="Title Slide">
     <p:spTree>
       <p:nvGrpSpPr>
@@ -643,6 +645,7 @@
           <a:p>
             <a:fld id="{6F968270-718C-D14D-BC56-854E11C91F7D}" type="datetimeFigureOut">
               <a:rPr lang="en-US" smtClean="0"/>
+              <a:pPr/>
               <a:t>7/14/16</a:t>
             </a:fld>
             <a:endParaRPr lang="en-US"/>
@@ -685,6 +688,7 @@
           <a:p>
             <a:fld id="{759CB1EC-7669-EC4C-86B4-FFEA13548DC3}" type="slidenum">
               <a:rPr lang="en-US" smtClean="0"/>
+              <a:pPr/>
               <a:t>‹#›</a:t>
             </a:fld>
             <a:endParaRPr lang="en-US"/>
@@ -700,7 +704,7 @@
 </file>
 
 <file path=ppt/slideLayouts/slideLayout10.xml><?xml version="1.0" encoding="utf-8"?>
-<p:sldLayout xmlns:a="http://schemas.openxmlformats.org/drawingml/2006/main" xmlns:r="http://schemas.openxmlformats.org/officeDocument/2006/relationships" xmlns:p="http://schemas.openxmlformats.org/presentationml/2006/main" type="vertTx" preserve="1">
+<p:sldLayout xmlns:a="http://schemas.openxmlformats.org/drawingml/2006/main" xmlns:r="http://schemas.openxmlformats.org/officeDocument/2006/relationships" xmlns:mc="http://schemas.openxmlformats.org/markup-compatibility/2006" xmlns:mv="urn:schemas-microsoft-com:mac:vml" xmlns:p="http://schemas.openxmlformats.org/presentationml/2006/main" mc:Ignorable="mv" mc:PreserveAttributes="mv:*" type="vertTx" preserve="1">
   <p:cSld name="Title and Vertical Text">
     <p:spTree>
       <p:nvGrpSpPr>
@@ -808,6 +812,7 @@
           <a:p>
             <a:fld id="{6F968270-718C-D14D-BC56-854E11C91F7D}" type="datetimeFigureOut">
               <a:rPr lang="en-US" smtClean="0"/>
+              <a:pPr/>
               <a:t>7/14/16</a:t>
             </a:fld>
             <a:endParaRPr lang="en-US"/>
@@ -850,6 +855,7 @@
           <a:p>
             <a:fld id="{759CB1EC-7669-EC4C-86B4-FFEA13548DC3}" type="slidenum">
               <a:rPr lang="en-US" smtClean="0"/>
+              <a:pPr/>
               <a:t>‹#›</a:t>
             </a:fld>
             <a:endParaRPr lang="en-US"/>
@@ -865,7 +871,7 @@
 </file>
 
 <file path=ppt/slideLayouts/slideLayout11.xml><?xml version="1.0" encoding="utf-8"?>
-<p:sldLayout xmlns:a="http://schemas.openxmlformats.org/drawingml/2006/main" xmlns:r="http://schemas.openxmlformats.org/officeDocument/2006/relationships" xmlns:p="http://schemas.openxmlformats.org/presentationml/2006/main" type="vertTitleAndTx" preserve="1">
+<p:sldLayout xmlns:a="http://schemas.openxmlformats.org/drawingml/2006/main" xmlns:r="http://schemas.openxmlformats.org/officeDocument/2006/relationships" xmlns:mc="http://schemas.openxmlformats.org/markup-compatibility/2006" xmlns:mv="urn:schemas-microsoft-com:mac:vml" xmlns:p="http://schemas.openxmlformats.org/presentationml/2006/main" mc:Ignorable="mv" mc:PreserveAttributes="mv:*" type="vertTitleAndTx" preserve="1">
   <p:cSld name="Vertical Title and Text">
     <p:spTree>
       <p:nvGrpSpPr>
@@ -983,6 +989,7 @@
           <a:p>
             <a:fld id="{6F968270-718C-D14D-BC56-854E11C91F7D}" type="datetimeFigureOut">
               <a:rPr lang="en-US" smtClean="0"/>
+              <a:pPr/>
               <a:t>7/14/16</a:t>
             </a:fld>
             <a:endParaRPr lang="en-US"/>
@@ -1025,6 +1032,7 @@
           <a:p>
             <a:fld id="{759CB1EC-7669-EC4C-86B4-FFEA13548DC3}" type="slidenum">
               <a:rPr lang="en-US" smtClean="0"/>
+              <a:pPr/>
               <a:t>‹#›</a:t>
             </a:fld>
             <a:endParaRPr lang="en-US"/>
@@ -1040,7 +1048,7 @@
 </file>
 
 <file path=ppt/slideLayouts/slideLayout2.xml><?xml version="1.0" encoding="utf-8"?>
-<p:sldLayout xmlns:a="http://schemas.openxmlformats.org/drawingml/2006/main" xmlns:r="http://schemas.openxmlformats.org/officeDocument/2006/relationships" xmlns:p="http://schemas.openxmlformats.org/presentationml/2006/main" type="obj" preserve="1">
+<p:sldLayout xmlns:a="http://schemas.openxmlformats.org/drawingml/2006/main" xmlns:r="http://schemas.openxmlformats.org/officeDocument/2006/relationships" xmlns:mc="http://schemas.openxmlformats.org/markup-compatibility/2006" xmlns:mv="urn:schemas-microsoft-com:mac:vml" xmlns:p="http://schemas.openxmlformats.org/presentationml/2006/main" mc:Ignorable="mv" mc:PreserveAttributes="mv:*" type="obj" preserve="1">
   <p:cSld name="Title and Content">
     <p:spTree>
       <p:nvGrpSpPr>
@@ -1148,6 +1156,7 @@
           <a:p>
             <a:fld id="{6F968270-718C-D14D-BC56-854E11C91F7D}" type="datetimeFigureOut">
               <a:rPr lang="en-US" smtClean="0"/>
+              <a:pPr/>
               <a:t>7/14/16</a:t>
             </a:fld>
             <a:endParaRPr lang="en-US"/>
@@ -1190,6 +1199,7 @@
           <a:p>
             <a:fld id="{759CB1EC-7669-EC4C-86B4-FFEA13548DC3}" type="slidenum">
               <a:rPr lang="en-US" smtClean="0"/>
+              <a:pPr/>
               <a:t>‹#›</a:t>
             </a:fld>
             <a:endParaRPr lang="en-US"/>
@@ -1205,7 +1215,7 @@
 </file>
 
 <file path=ppt/slideLayouts/slideLayout3.xml><?xml version="1.0" encoding="utf-8"?>
-<p:sldLayout xmlns:a="http://schemas.openxmlformats.org/drawingml/2006/main" xmlns:r="http://schemas.openxmlformats.org/officeDocument/2006/relationships" xmlns:p="http://schemas.openxmlformats.org/presentationml/2006/main" type="secHead" preserve="1">
+<p:sldLayout xmlns:a="http://schemas.openxmlformats.org/drawingml/2006/main" xmlns:r="http://schemas.openxmlformats.org/officeDocument/2006/relationships" xmlns:mc="http://schemas.openxmlformats.org/markup-compatibility/2006" xmlns:mv="urn:schemas-microsoft-com:mac:vml" xmlns:p="http://schemas.openxmlformats.org/presentationml/2006/main" mc:Ignorable="mv" mc:PreserveAttributes="mv:*" type="secHead" preserve="1">
   <p:cSld name="Section Header">
     <p:spTree>
       <p:nvGrpSpPr>
@@ -1389,6 +1399,7 @@
           <a:p>
             <a:fld id="{6F968270-718C-D14D-BC56-854E11C91F7D}" type="datetimeFigureOut">
               <a:rPr lang="en-US" smtClean="0"/>
+              <a:pPr/>
               <a:t>7/14/16</a:t>
             </a:fld>
             <a:endParaRPr lang="en-US"/>
@@ -1431,6 +1442,7 @@
           <a:p>
             <a:fld id="{759CB1EC-7669-EC4C-86B4-FFEA13548DC3}" type="slidenum">
               <a:rPr lang="en-US" smtClean="0"/>
+              <a:pPr/>
               <a:t>‹#›</a:t>
             </a:fld>
             <a:endParaRPr lang="en-US"/>
@@ -1446,7 +1458,7 @@
 </file>
 
 <file path=ppt/slideLayouts/slideLayout4.xml><?xml version="1.0" encoding="utf-8"?>
-<p:sldLayout xmlns:a="http://schemas.openxmlformats.org/drawingml/2006/main" xmlns:r="http://schemas.openxmlformats.org/officeDocument/2006/relationships" xmlns:p="http://schemas.openxmlformats.org/presentationml/2006/main" type="twoObj" preserve="1">
+<p:sldLayout xmlns:a="http://schemas.openxmlformats.org/drawingml/2006/main" xmlns:r="http://schemas.openxmlformats.org/officeDocument/2006/relationships" xmlns:mc="http://schemas.openxmlformats.org/markup-compatibility/2006" xmlns:mv="urn:schemas-microsoft-com:mac:vml" xmlns:p="http://schemas.openxmlformats.org/presentationml/2006/main" mc:Ignorable="mv" mc:PreserveAttributes="mv:*" type="twoObj" preserve="1">
   <p:cSld name="Two Content">
     <p:spTree>
       <p:nvGrpSpPr>
@@ -1672,6 +1684,7 @@
           <a:p>
             <a:fld id="{6F968270-718C-D14D-BC56-854E11C91F7D}" type="datetimeFigureOut">
               <a:rPr lang="en-US" smtClean="0"/>
+              <a:pPr/>
               <a:t>7/14/16</a:t>
             </a:fld>
             <a:endParaRPr lang="en-US"/>
@@ -1714,6 +1727,7 @@
           <a:p>
             <a:fld id="{759CB1EC-7669-EC4C-86B4-FFEA13548DC3}" type="slidenum">
               <a:rPr lang="en-US" smtClean="0"/>
+              <a:pPr/>
               <a:t>‹#›</a:t>
             </a:fld>
             <a:endParaRPr lang="en-US"/>
@@ -1729,7 +1743,7 @@
 </file>
 
 <file path=ppt/slideLayouts/slideLayout5.xml><?xml version="1.0" encoding="utf-8"?>
-<p:sldLayout xmlns:a="http://schemas.openxmlformats.org/drawingml/2006/main" xmlns:r="http://schemas.openxmlformats.org/officeDocument/2006/relationships" xmlns:p="http://schemas.openxmlformats.org/presentationml/2006/main" type="twoTxTwoObj" preserve="1">
+<p:sldLayout xmlns:a="http://schemas.openxmlformats.org/drawingml/2006/main" xmlns:r="http://schemas.openxmlformats.org/officeDocument/2006/relationships" xmlns:mc="http://schemas.openxmlformats.org/markup-compatibility/2006" xmlns:mv="urn:schemas-microsoft-com:mac:vml" xmlns:p="http://schemas.openxmlformats.org/presentationml/2006/main" mc:Ignorable="mv" mc:PreserveAttributes="mv:*" type="twoTxTwoObj" preserve="1">
   <p:cSld name="Comparison">
     <p:spTree>
       <p:nvGrpSpPr>
@@ -2089,6 +2103,7 @@
           <a:p>
             <a:fld id="{6F968270-718C-D14D-BC56-854E11C91F7D}" type="datetimeFigureOut">
               <a:rPr lang="en-US" smtClean="0"/>
+              <a:pPr/>
               <a:t>7/14/16</a:t>
             </a:fld>
             <a:endParaRPr lang="en-US"/>
@@ -2131,6 +2146,7 @@
           <a:p>
             <a:fld id="{759CB1EC-7669-EC4C-86B4-FFEA13548DC3}" type="slidenum">
               <a:rPr lang="en-US" smtClean="0"/>
+              <a:pPr/>
               <a:t>‹#›</a:t>
             </a:fld>
             <a:endParaRPr lang="en-US"/>
@@ -2146,7 +2162,7 @@
 </file>
 
 <file path=ppt/slideLayouts/slideLayout6.xml><?xml version="1.0" encoding="utf-8"?>
-<p:sldLayout xmlns:a="http://schemas.openxmlformats.org/drawingml/2006/main" xmlns:r="http://schemas.openxmlformats.org/officeDocument/2006/relationships" xmlns:p="http://schemas.openxmlformats.org/presentationml/2006/main" type="titleOnly" preserve="1">
+<p:sldLayout xmlns:a="http://schemas.openxmlformats.org/drawingml/2006/main" xmlns:r="http://schemas.openxmlformats.org/officeDocument/2006/relationships" xmlns:mc="http://schemas.openxmlformats.org/markup-compatibility/2006" xmlns:mv="urn:schemas-microsoft-com:mac:vml" xmlns:p="http://schemas.openxmlformats.org/presentationml/2006/main" mc:Ignorable="mv" mc:PreserveAttributes="mv:*" type="titleOnly" preserve="1">
   <p:cSld name="Title Only">
     <p:spTree>
       <p:nvGrpSpPr>
@@ -2202,6 +2218,7 @@
           <a:p>
             <a:fld id="{6F968270-718C-D14D-BC56-854E11C91F7D}" type="datetimeFigureOut">
               <a:rPr lang="en-US" smtClean="0"/>
+              <a:pPr/>
               <a:t>7/14/16</a:t>
             </a:fld>
             <a:endParaRPr lang="en-US"/>
@@ -2244,6 +2261,7 @@
           <a:p>
             <a:fld id="{759CB1EC-7669-EC4C-86B4-FFEA13548DC3}" type="slidenum">
               <a:rPr lang="en-US" smtClean="0"/>
+              <a:pPr/>
               <a:t>‹#›</a:t>
             </a:fld>
             <a:endParaRPr lang="en-US"/>
@@ -2259,7 +2277,7 @@
 </file>
 
 <file path=ppt/slideLayouts/slideLayout7.xml><?xml version="1.0" encoding="utf-8"?>
-<p:sldLayout xmlns:a="http://schemas.openxmlformats.org/drawingml/2006/main" xmlns:r="http://schemas.openxmlformats.org/officeDocument/2006/relationships" xmlns:p="http://schemas.openxmlformats.org/presentationml/2006/main" type="blank" preserve="1">
+<p:sldLayout xmlns:a="http://schemas.openxmlformats.org/drawingml/2006/main" xmlns:r="http://schemas.openxmlformats.org/officeDocument/2006/relationships" xmlns:mc="http://schemas.openxmlformats.org/markup-compatibility/2006" xmlns:mv="urn:schemas-microsoft-com:mac:vml" xmlns:p="http://schemas.openxmlformats.org/presentationml/2006/main" mc:Ignorable="mv" mc:PreserveAttributes="mv:*" type="blank" preserve="1">
   <p:cSld name="Blank">
     <p:spTree>
       <p:nvGrpSpPr>
@@ -2292,6 +2310,7 @@
           <a:p>
             <a:fld id="{6F968270-718C-D14D-BC56-854E11C91F7D}" type="datetimeFigureOut">
               <a:rPr lang="en-US" smtClean="0"/>
+              <a:pPr/>
               <a:t>7/14/16</a:t>
             </a:fld>
             <a:endParaRPr lang="en-US"/>
@@ -2334,6 +2353,7 @@
           <a:p>
             <a:fld id="{759CB1EC-7669-EC4C-86B4-FFEA13548DC3}" type="slidenum">
               <a:rPr lang="en-US" smtClean="0"/>
+              <a:pPr/>
               <a:t>‹#›</a:t>
             </a:fld>
             <a:endParaRPr lang="en-US"/>
@@ -2349,7 +2369,7 @@
 </file>
 
 <file path=ppt/slideLayouts/slideLayout8.xml><?xml version="1.0" encoding="utf-8"?>
-<p:sldLayout xmlns:a="http://schemas.openxmlformats.org/drawingml/2006/main" xmlns:r="http://schemas.openxmlformats.org/officeDocument/2006/relationships" xmlns:p="http://schemas.openxmlformats.org/presentationml/2006/main" type="objTx" preserve="1">
+<p:sldLayout xmlns:a="http://schemas.openxmlformats.org/drawingml/2006/main" xmlns:r="http://schemas.openxmlformats.org/officeDocument/2006/relationships" xmlns:mc="http://schemas.openxmlformats.org/markup-compatibility/2006" xmlns:mv="urn:schemas-microsoft-com:mac:vml" xmlns:p="http://schemas.openxmlformats.org/presentationml/2006/main" mc:Ignorable="mv" mc:PreserveAttributes="mv:*" type="objTx" preserve="1">
   <p:cSld name="Content with Caption">
     <p:spTree>
       <p:nvGrpSpPr>
@@ -2564,6 +2584,7 @@
           <a:p>
             <a:fld id="{6F968270-718C-D14D-BC56-854E11C91F7D}" type="datetimeFigureOut">
               <a:rPr lang="en-US" smtClean="0"/>
+              <a:pPr/>
               <a:t>7/14/16</a:t>
             </a:fld>
             <a:endParaRPr lang="en-US"/>
@@ -2606,6 +2627,7 @@
           <a:p>
             <a:fld id="{759CB1EC-7669-EC4C-86B4-FFEA13548DC3}" type="slidenum">
               <a:rPr lang="en-US" smtClean="0"/>
+              <a:pPr/>
               <a:t>‹#›</a:t>
             </a:fld>
             <a:endParaRPr lang="en-US"/>
@@ -2621,7 +2643,7 @@
 </file>
 
 <file path=ppt/slideLayouts/slideLayout9.xml><?xml version="1.0" encoding="utf-8"?>
-<p:sldLayout xmlns:a="http://schemas.openxmlformats.org/drawingml/2006/main" xmlns:r="http://schemas.openxmlformats.org/officeDocument/2006/relationships" xmlns:p="http://schemas.openxmlformats.org/presentationml/2006/main" type="picTx" preserve="1">
+<p:sldLayout xmlns:a="http://schemas.openxmlformats.org/drawingml/2006/main" xmlns:r="http://schemas.openxmlformats.org/officeDocument/2006/relationships" xmlns:mc="http://schemas.openxmlformats.org/markup-compatibility/2006" xmlns:mv="urn:schemas-microsoft-com:mac:vml" xmlns:p="http://schemas.openxmlformats.org/presentationml/2006/main" mc:Ignorable="mv" mc:PreserveAttributes="mv:*" type="picTx" preserve="1">
   <p:cSld name="Picture with Caption">
     <p:spTree>
       <p:nvGrpSpPr>
@@ -2812,6 +2834,7 @@
           <a:p>
             <a:fld id="{6F968270-718C-D14D-BC56-854E11C91F7D}" type="datetimeFigureOut">
               <a:rPr lang="en-US" smtClean="0"/>
+              <a:pPr/>
               <a:t>7/14/16</a:t>
             </a:fld>
             <a:endParaRPr lang="en-US"/>
@@ -2854,6 +2877,7 @@
           <a:p>
             <a:fld id="{759CB1EC-7669-EC4C-86B4-FFEA13548DC3}" type="slidenum">
               <a:rPr lang="en-US" smtClean="0"/>
+              <a:pPr/>
               <a:t>‹#›</a:t>
             </a:fld>
             <a:endParaRPr lang="en-US"/>
@@ -2869,7 +2893,7 @@
 </file>
 
 <file path=ppt/slideMasters/slideMaster1.xml><?xml version="1.0" encoding="utf-8"?>
-<p:sldMaster xmlns:a="http://schemas.openxmlformats.org/drawingml/2006/main" xmlns:r="http://schemas.openxmlformats.org/officeDocument/2006/relationships" xmlns:p="http://schemas.openxmlformats.org/presentationml/2006/main">
+<p:sldMaster xmlns:a="http://schemas.openxmlformats.org/drawingml/2006/main" xmlns:r="http://schemas.openxmlformats.org/officeDocument/2006/relationships" xmlns:mc="http://schemas.openxmlformats.org/markup-compatibility/2006" xmlns:mv="urn:schemas-microsoft-com:mac:vml" xmlns:p="http://schemas.openxmlformats.org/presentationml/2006/main" mc:Ignorable="mv" mc:PreserveAttributes="mv:*">
   <p:cSld>
     <p:bg>
       <p:bgRef idx="1001">
@@ -3020,6 +3044,7 @@
           <a:p>
             <a:fld id="{6F968270-718C-D14D-BC56-854E11C91F7D}" type="datetimeFigureOut">
               <a:rPr lang="en-US" smtClean="0"/>
+              <a:pPr/>
               <a:t>7/14/16</a:t>
             </a:fld>
             <a:endParaRPr lang="en-US"/>
@@ -3098,6 +3123,7 @@
           <a:p>
             <a:fld id="{759CB1EC-7669-EC4C-86B4-FFEA13548DC3}" type="slidenum">
               <a:rPr lang="en-US" smtClean="0"/>
+              <a:pPr/>
               <a:t>‹#›</a:t>
             </a:fld>
             <a:endParaRPr lang="en-US"/>
@@ -3374,7 +3400,7 @@
 </file>
 
 <file path=ppt/slides/slide1.xml><?xml version="1.0" encoding="utf-8"?>
-<p:sld xmlns:a="http://schemas.openxmlformats.org/drawingml/2006/main" xmlns:r="http://schemas.openxmlformats.org/officeDocument/2006/relationships" xmlns:p="http://schemas.openxmlformats.org/presentationml/2006/main">
+<p:sld xmlns:a="http://schemas.openxmlformats.org/drawingml/2006/main" xmlns:r="http://schemas.openxmlformats.org/officeDocument/2006/relationships" xmlns:mc="http://schemas.openxmlformats.org/markup-compatibility/2006" xmlns:mv="urn:schemas-microsoft-com:mac:vml" xmlns:p="http://schemas.openxmlformats.org/presentationml/2006/main" mc:Ignorable="mv" mc:PreserveAttributes="mv:*">
   <p:cSld>
     <p:bg>
       <p:bgPr>
@@ -3729,7 +3755,7 @@
         </p:nvSpPr>
         <p:spPr>
           <a:xfrm>
-            <a:off x="1511951" y="3933461"/>
+            <a:off x="1511951" y="4004015"/>
             <a:ext cx="5443057" cy="1233671"/>
           </a:xfrm>
           <a:prstGeom prst="rect">
@@ -3802,7 +3828,7 @@
         </p:nvSpPr>
         <p:spPr>
           <a:xfrm>
-            <a:off x="17993527" y="3933461"/>
+            <a:off x="9929736" y="4004014"/>
             <a:ext cx="4141573" cy="1233671"/>
           </a:xfrm>
           <a:prstGeom prst="rect">
@@ -3875,8 +3901,8 @@
         </p:nvSpPr>
         <p:spPr>
           <a:xfrm>
-            <a:off x="10099886" y="3933461"/>
-            <a:ext cx="4262530" cy="1233671"/>
+            <a:off x="2141428" y="11942379"/>
+            <a:ext cx="3926665" cy="1233671"/>
           </a:xfrm>
           <a:prstGeom prst="rect">
             <a:avLst/>
@@ -4021,8 +4047,8 @@
         </p:nvSpPr>
         <p:spPr>
           <a:xfrm>
-            <a:off x="241913" y="5167131"/>
-            <a:ext cx="7650519" cy="5794504"/>
+            <a:off x="241913" y="5261203"/>
+            <a:ext cx="7650519" cy="6657658"/>
           </a:xfrm>
           <a:prstGeom prst="roundRect">
             <a:avLst>
@@ -4064,8 +4090,8 @@
         </p:nvSpPr>
         <p:spPr>
           <a:xfrm>
-            <a:off x="8043628" y="5167132"/>
-            <a:ext cx="7862193" cy="5794503"/>
+            <a:off x="241913" y="13199568"/>
+            <a:ext cx="7650519" cy="5794503"/>
           </a:xfrm>
           <a:prstGeom prst="roundRect">
             <a:avLst>
@@ -4107,7 +4133,7 @@
         </p:nvSpPr>
         <p:spPr>
           <a:xfrm>
-            <a:off x="16026777" y="5167132"/>
+            <a:off x="8127612" y="5261203"/>
             <a:ext cx="7862193" cy="13732868"/>
           </a:xfrm>
           <a:prstGeom prst="roundRect">
@@ -4150,7 +4176,7 @@
         </p:nvSpPr>
         <p:spPr>
           <a:xfrm>
-            <a:off x="24009927" y="5167132"/>
+            <a:off x="24009927" y="5261203"/>
             <a:ext cx="16873480" cy="13732868"/>
           </a:xfrm>
           <a:prstGeom prst="roundRect">
@@ -4193,8 +4219,8 @@
         </p:nvSpPr>
         <p:spPr>
           <a:xfrm>
-            <a:off x="508000" y="5272750"/>
-            <a:ext cx="7033846" cy="5509201"/>
+            <a:off x="615848" y="5334843"/>
+            <a:ext cx="6904211" cy="6463309"/>
           </a:xfrm>
           <a:prstGeom prst="rect">
             <a:avLst/>
@@ -4212,37 +4238,37 @@
               <a:buChar char="•"/>
             </a:pPr>
             <a:r>
-              <a:rPr lang="en-US" sz="1600" dirty="0" smtClean="0">
+              <a:rPr lang="en-US" sz="1800" dirty="0" smtClean="0">
                 <a:latin typeface="Arial"/>
               </a:rPr>
               <a:t>The cortical summary SUVR of </a:t>
             </a:r>
             <a:r>
-              <a:rPr lang="en-US" sz="1600" baseline="30000" dirty="0" smtClean="0">
+              <a:rPr lang="en-US" sz="1800" baseline="30000" dirty="0" smtClean="0">
                 <a:latin typeface="Arial"/>
               </a:rPr>
               <a:t>18</a:t>
             </a:r>
             <a:r>
-              <a:rPr lang="en-US" sz="1600" dirty="0" smtClean="0">
+              <a:rPr lang="en-US" sz="1800" dirty="0" smtClean="0">
                 <a:latin typeface="Arial"/>
               </a:rPr>
               <a:t>F-AV-45 PET scans (frontal/parietal/temporal/</a:t>
             </a:r>
             <a:r>
-              <a:rPr lang="en-US" sz="1600" dirty="0" err="1" smtClean="0">
+              <a:rPr lang="en-US" sz="1800" dirty="0" err="1" smtClean="0">
                 <a:latin typeface="Arial"/>
               </a:rPr>
               <a:t>cingulate</a:t>
             </a:r>
             <a:r>
-              <a:rPr lang="en-US" sz="1600" dirty="0" smtClean="0">
+              <a:rPr lang="en-US" sz="1800" dirty="0" smtClean="0">
                 <a:latin typeface="Arial"/>
               </a:rPr>
               <a:t> ROI) is a conveniently calculated measure of global </a:t>
             </a:r>
             <a:r>
-              <a:rPr lang="en-US" sz="1600" dirty="0" err="1" smtClean="0">
+              <a:rPr lang="en-US" sz="1800" dirty="0" err="1" smtClean="0">
                 <a:latin typeface="Arial"/>
                 <a:ea typeface="Times New Roman" pitchFamily="4" charset="0"/>
                 <a:cs typeface="Times New Roman" pitchFamily="4" charset="0"/>
@@ -4250,14 +4276,14 @@
               <a:t>ß-Amyloid</a:t>
             </a:r>
             <a:r>
-              <a:rPr lang="en-US" sz="1600" dirty="0" smtClean="0">
+              <a:rPr lang="en-US" sz="1800" dirty="0" smtClean="0">
                 <a:latin typeface="Arial"/>
               </a:rPr>
               <a:t> burden.</a:t>
             </a:r>
           </a:p>
           <a:p>
-            <a:endParaRPr lang="en-US" sz="1600" dirty="0" smtClean="0">
+            <a:endParaRPr lang="en-US" sz="1800" dirty="0" smtClean="0">
               <a:latin typeface="Arial"/>
             </a:endParaRPr>
           </a:p>
@@ -4267,7 +4293,7 @@
               <a:buChar char="•"/>
             </a:pPr>
             <a:r>
-              <a:rPr lang="en-US" sz="1600" dirty="0" smtClean="0">
+              <a:rPr lang="en-US" sz="1800" dirty="0" smtClean="0">
                 <a:latin typeface="Arial"/>
               </a:rPr>
               <a:t> Cortical summary SUVR is impaired by:</a:t>
@@ -4275,7 +4301,7 @@
           </a:p>
           <a:p>
             <a:r>
-              <a:rPr lang="en-US" sz="1600" dirty="0" smtClean="0">
+              <a:rPr lang="en-US" sz="1800" dirty="0" smtClean="0">
                 <a:latin typeface="Arial"/>
               </a:rPr>
               <a:t>     - noise introduced in choosing a reference region</a:t>
@@ -4283,18 +4309,66 @@
           </a:p>
           <a:p>
             <a:r>
-              <a:rPr lang="en-US" sz="1600" dirty="0" smtClean="0">
-                <a:latin typeface="Arial"/>
-              </a:rPr>
-              <a:t>     - ignorance of potentially interesting regional variations inside the ROI</a:t>
-            </a:r>
-          </a:p>
-          <a:p>
-            <a:r>
-              <a:rPr lang="en-US" sz="1600" dirty="0" smtClean="0">
-                <a:latin typeface="Arial"/>
-              </a:rPr>
-              <a:t>     - ignorance of potentially interesting regional contrasts (except ROI/ref)</a:t>
+              <a:rPr lang="en-US" sz="1800" dirty="0" smtClean="0">
+                <a:latin typeface="Arial"/>
+              </a:rPr>
+              <a:t>     - ignorance of</a:t>
+            </a:r>
+            <a:r>
+              <a:rPr lang="en-US" sz="1800" dirty="0" smtClean="0">
+                <a:latin typeface="Arial"/>
+              </a:rPr>
+              <a:t> regional </a:t>
+            </a:r>
+            <a:r>
+              <a:rPr lang="en-US" sz="1800" dirty="0" smtClean="0">
+                <a:latin typeface="Arial"/>
+              </a:rPr>
+              <a:t>variations</a:t>
+            </a:r>
+            <a:r>
+              <a:rPr lang="en-US" sz="1800" dirty="0" smtClean="0">
+                <a:latin typeface="Arial"/>
+              </a:rPr>
+              <a:t> </a:t>
+            </a:r>
+            <a:r>
+              <a:rPr lang="en-US" sz="1800" dirty="0" smtClean="0">
+                <a:latin typeface="Arial"/>
+              </a:rPr>
+              <a:t>within</a:t>
+            </a:r>
+            <a:r>
+              <a:rPr lang="en-US" sz="1800" dirty="0" smtClean="0">
+                <a:latin typeface="Arial"/>
+              </a:rPr>
+              <a:t> </a:t>
+            </a:r>
+            <a:r>
+              <a:rPr lang="en-US" sz="1800" dirty="0" smtClean="0">
+                <a:latin typeface="Arial"/>
+              </a:rPr>
+              <a:t>the ROI</a:t>
+            </a:r>
+          </a:p>
+          <a:p>
+            <a:r>
+              <a:rPr lang="en-US" sz="1800" dirty="0" smtClean="0">
+                <a:latin typeface="Arial"/>
+              </a:rPr>
+              <a:t>     - ignorance of</a:t>
+            </a:r>
+            <a:r>
+              <a:rPr lang="en-US" sz="1800" dirty="0" smtClean="0">
+                <a:latin typeface="Arial"/>
+              </a:rPr>
+              <a:t> regional </a:t>
+            </a:r>
+            <a:r>
+              <a:rPr lang="en-US" sz="1800" dirty="0" smtClean="0">
+                <a:latin typeface="Arial"/>
+              </a:rPr>
+              <a:t>contrasts (except ROI/ref)</a:t>
             </a:r>
           </a:p>
           <a:p>
@@ -4302,20 +4376,20 @@
               <a:buFont typeface="Arial"/>
               <a:buChar char="•"/>
             </a:pPr>
-            <a:endParaRPr lang="en-US" sz="1600" dirty="0" smtClean="0">
+            <a:endParaRPr lang="en-US" sz="1800" dirty="0" smtClean="0">
               <a:latin typeface="Arial"/>
             </a:endParaRPr>
           </a:p>
           <a:p>
             <a:r>
-              <a:rPr lang="en-US" sz="1600" b="1" dirty="0" smtClean="0">
+              <a:rPr lang="en-US" sz="2000" b="1" dirty="0" smtClean="0">
                 <a:latin typeface="Arial"/>
               </a:rPr>
               <a:t>Goals:</a:t>
             </a:r>
           </a:p>
           <a:p>
-            <a:endParaRPr lang="en-US" sz="1600" b="1" dirty="0" smtClean="0">
+            <a:endParaRPr lang="en-US" sz="1800" b="1" dirty="0" smtClean="0">
               <a:latin typeface="Arial"/>
             </a:endParaRPr>
           </a:p>
@@ -4325,31 +4399,31 @@
               <a:buChar char="•"/>
             </a:pPr>
             <a:r>
-              <a:rPr lang="en-US" sz="1600" b="1" dirty="0" smtClean="0">
+              <a:rPr lang="en-US" sz="1800" b="1" dirty="0" smtClean="0">
                 <a:latin typeface="Arial"/>
               </a:rPr>
               <a:t> Convert regional uptakes of ADNI </a:t>
             </a:r>
             <a:r>
-              <a:rPr lang="en-US" sz="1600" b="1" baseline="30000" dirty="0" smtClean="0">
+              <a:rPr lang="en-US" sz="1800" b="1" baseline="30000" dirty="0" smtClean="0">
                 <a:latin typeface="Arial"/>
               </a:rPr>
               <a:t>18</a:t>
             </a:r>
             <a:r>
-              <a:rPr lang="en-US" sz="1600" b="1" dirty="0" smtClean="0">
+              <a:rPr lang="en-US" sz="1800" b="1" dirty="0" smtClean="0">
                 <a:latin typeface="Arial"/>
               </a:rPr>
               <a:t>F-AV-45 and </a:t>
             </a:r>
             <a:r>
-              <a:rPr lang="en-US" sz="1600" b="1" baseline="30000" dirty="0" smtClean="0">
+              <a:rPr lang="en-US" sz="1800" b="1" baseline="30000" dirty="0" smtClean="0">
                 <a:latin typeface="Arial"/>
               </a:rPr>
               <a:t>18</a:t>
             </a:r>
             <a:r>
-              <a:rPr lang="en-US" sz="1600" b="1" dirty="0" smtClean="0">
+              <a:rPr lang="en-US" sz="1800" b="1" dirty="0" smtClean="0">
                 <a:latin typeface="Arial"/>
               </a:rPr>
               <a:t>F-AV-1451 PET scans to standardized units via a regionally-unbiased intensity normalization method.</a:t>
@@ -4360,7 +4434,7 @@
               <a:buFont typeface="Arial"/>
               <a:buChar char="•"/>
             </a:pPr>
-            <a:endParaRPr lang="en-US" sz="1600" b="1" dirty="0" smtClean="0">
+            <a:endParaRPr lang="en-US" sz="1800" b="1" dirty="0" smtClean="0">
               <a:latin typeface="Arial"/>
             </a:endParaRPr>
           </a:p>
@@ -4370,28 +4444,10 @@
               <a:buChar char="•"/>
             </a:pPr>
             <a:r>
-              <a:rPr lang="en-US" sz="1600" b="1" dirty="0" smtClean="0">
-                <a:latin typeface="Arial"/>
-              </a:rPr>
-              <a:t> Perform a sparse nonparametric factor analysis </a:t>
-            </a:r>
-            <a:r>
-              <a:rPr lang="en-US" sz="1600" b="1" dirty="0" smtClean="0">
-                <a:latin typeface="Arial"/>
-              </a:rPr>
-              <a:t>of</a:t>
-            </a:r>
-            <a:r>
-              <a:rPr lang="en-US" sz="1600" b="1" dirty="0" smtClean="0">
-                <a:latin typeface="Arial"/>
-              </a:rPr>
-              <a:t> </a:t>
-            </a:r>
-            <a:r>
-              <a:rPr lang="en-US" sz="1600" b="1" dirty="0" smtClean="0">
-                <a:latin typeface="Arial"/>
-              </a:rPr>
-              <a:t>the normalized regional dataset, determining a set of recurring uptake topographies underlying the variance in individual uptake patterns.</a:t>
+              <a:rPr lang="en-US" sz="1800" b="1" dirty="0" smtClean="0">
+                <a:latin typeface="Arial"/>
+              </a:rPr>
+              <a:t> Perform a sparse nonparametric factor analysis of the normalized regional dataset, determining a set of recurring uptake topographies underlying the variance in individual uptake patterns.</a:t>
             </a:r>
           </a:p>
           <a:p>
@@ -4399,7 +4455,7 @@
               <a:buFont typeface="Arial"/>
               <a:buChar char="•"/>
             </a:pPr>
-            <a:endParaRPr lang="en-US" sz="1600" b="1" dirty="0" smtClean="0">
+            <a:endParaRPr lang="en-US" sz="1800" b="1" dirty="0" smtClean="0">
               <a:latin typeface="Arial"/>
             </a:endParaRPr>
           </a:p>
@@ -4409,18 +4465,18 @@
               <a:buChar char="•"/>
             </a:pPr>
             <a:r>
-              <a:rPr lang="en-US" sz="1600" b="1" dirty="0">
+              <a:rPr lang="en-US" sz="1800" b="1" dirty="0">
                 <a:latin typeface="Arial"/>
               </a:rPr>
               <a:t> </a:t>
             </a:r>
             <a:r>
-              <a:rPr lang="en-US" sz="1600" b="1" dirty="0" smtClean="0">
+              <a:rPr lang="en-US" sz="1800" b="1" dirty="0" smtClean="0">
                 <a:latin typeface="Arial"/>
               </a:rPr>
               <a:t>Explore the efficacy of topographical factor scores (derived from the factor model) as alternative summary measures of Alzheimer’s disease severity.</a:t>
             </a:r>
-            <a:endParaRPr lang="en-US" sz="1600" dirty="0" smtClean="0">
+            <a:endParaRPr lang="en-US" sz="1800" dirty="0" smtClean="0">
               <a:latin typeface="Arial"/>
             </a:endParaRPr>
           </a:p>
@@ -4435,13 +4491,13 @@
           <p:nvPr>
             <p:extLst>
               <p:ext uri="{D42A27DB-BD31-4B8C-83A1-F6EECF244321}">
-                <p14:modId xmlns:p14="http://schemas.microsoft.com/office/powerpoint/2010/main" val="2693446380"/>
+                <p14:modId xmlns:p14="http://schemas.microsoft.com/office/powerpoint/2010/main" xmlns:p="http://schemas.openxmlformats.org/presentationml/2006/main" xmlns:r="http://schemas.openxmlformats.org/officeDocument/2006/relationships" xmlns:a="http://schemas.openxmlformats.org/drawingml/2006/main" xmlns="" val="2693446380"/>
               </p:ext>
             </p:extLst>
           </p:nvPr>
         </p:nvGraphicFramePr>
         <p:xfrm>
-          <a:off x="8511635" y="5429062"/>
+          <a:off x="615848" y="13485016"/>
           <a:ext cx="6904211" cy="5199452"/>
         </p:xfrm>
         <a:graphic>
@@ -4461,7 +4517,7 @@
                     <a:bodyPr/>
                     <a:lstStyle/>
                     <a:p>
-                      <a:endParaRPr lang="en-US" sz="2000" dirty="0"/>
+                      <a:endParaRPr lang="en-US" sz="1800" dirty="0"/>
                     </a:p>
                   </a:txBody>
                   <a:tcPr marL="127635" marR="127635" marT="63818" marB="63818"/>
@@ -4516,10 +4572,10 @@
                     <a:lstStyle/>
                     <a:p>
                       <a:r>
-                        <a:rPr lang="en-US" sz="2000" dirty="0" smtClean="0"/>
+                        <a:rPr lang="en-US" sz="1800" dirty="0" smtClean="0"/>
                         <a:t>1064</a:t>
                       </a:r>
-                      <a:endParaRPr lang="en-US" sz="2000" dirty="0"/>
+                      <a:endParaRPr lang="en-US" sz="1800" dirty="0"/>
                     </a:p>
                   </a:txBody>
                   <a:tcPr marL="127635" marR="127635" marT="63818" marB="63818"/>
@@ -4530,10 +4586,10 @@
                     <a:lstStyle/>
                     <a:p>
                       <a:r>
-                        <a:rPr lang="en-US" sz="2000" dirty="0" smtClean="0"/>
+                        <a:rPr lang="en-US" sz="1800" dirty="0" smtClean="0"/>
                         <a:t>55</a:t>
                       </a:r>
-                      <a:endParaRPr lang="en-US" sz="2000" dirty="0"/>
+                      <a:endParaRPr lang="en-US" sz="1800" dirty="0"/>
                     </a:p>
                   </a:txBody>
                   <a:tcPr marL="127635" marR="127635" marT="63818" marB="63818"/>
@@ -4560,10 +4616,10 @@
                     <a:lstStyle/>
                     <a:p>
                       <a:r>
-                        <a:rPr lang="en-US" sz="2000" dirty="0" smtClean="0"/>
+                        <a:rPr lang="en-US" sz="1800" dirty="0" smtClean="0"/>
                         <a:t>73.77 (7.48)</a:t>
                       </a:r>
-                      <a:endParaRPr lang="en-US" sz="2000" dirty="0"/>
+                      <a:endParaRPr lang="en-US" sz="1800" dirty="0"/>
                     </a:p>
                   </a:txBody>
                   <a:tcPr marL="127635" marR="127635" marT="63818" marB="63818"/>
@@ -4574,10 +4630,10 @@
                     <a:lstStyle/>
                     <a:p>
                       <a:r>
-                        <a:rPr lang="en-US" sz="2000" dirty="0" smtClean="0"/>
+                        <a:rPr lang="en-US" sz="1800" dirty="0" smtClean="0"/>
                         <a:t>76.04 (6.98)</a:t>
                       </a:r>
-                      <a:endParaRPr lang="en-US" sz="2000" dirty="0"/>
+                      <a:endParaRPr lang="en-US" sz="1800" dirty="0"/>
                     </a:p>
                   </a:txBody>
                   <a:tcPr marL="127635" marR="127635" marT="63818" marB="63818"/>
@@ -4604,10 +4660,10 @@
                     <a:lstStyle/>
                     <a:p>
                       <a:r>
-                        <a:rPr lang="en-US" sz="2000" dirty="0" smtClean="0"/>
+                        <a:rPr lang="en-US" sz="1800" dirty="0" smtClean="0"/>
                         <a:t>569/494 (1 N/A)</a:t>
                       </a:r>
-                      <a:endParaRPr lang="en-US" sz="2000" dirty="0"/>
+                      <a:endParaRPr lang="en-US" sz="1800" dirty="0"/>
                     </a:p>
                   </a:txBody>
                   <a:tcPr marL="127635" marR="127635" marT="63818" marB="63818"/>
@@ -4618,10 +4674,10 @@
                     <a:lstStyle/>
                     <a:p>
                       <a:r>
-                        <a:rPr lang="en-US" sz="2000" dirty="0" smtClean="0"/>
+                        <a:rPr lang="en-US" sz="1800" dirty="0" smtClean="0"/>
                         <a:t>31/24</a:t>
                       </a:r>
-                      <a:endParaRPr lang="en-US" sz="2000" dirty="0"/>
+                      <a:endParaRPr lang="en-US" sz="1800" dirty="0"/>
                     </a:p>
                   </a:txBody>
                   <a:tcPr marL="127635" marR="127635" marT="63818" marB="63818"/>
@@ -4648,10 +4704,10 @@
                     <a:lstStyle/>
                     <a:p>
                       <a:r>
-                        <a:rPr lang="en-US" sz="2000" dirty="0" smtClean="0"/>
+                        <a:rPr lang="en-US" sz="1800" dirty="0" smtClean="0"/>
                         <a:t>16.21 (2.67)</a:t>
                       </a:r>
-                      <a:endParaRPr lang="en-US" sz="2000" dirty="0"/>
+                      <a:endParaRPr lang="en-US" sz="1800" dirty="0"/>
                     </a:p>
                   </a:txBody>
                   <a:tcPr marL="127635" marR="127635" marT="63818" marB="63818"/>
@@ -4662,10 +4718,10 @@
                     <a:lstStyle/>
                     <a:p>
                       <a:r>
-                        <a:rPr lang="en-US" sz="2000" dirty="0" smtClean="0"/>
+                        <a:rPr lang="en-US" sz="1800" dirty="0" smtClean="0"/>
                         <a:t>16.72 (2.65)</a:t>
                       </a:r>
-                      <a:endParaRPr lang="en-US" sz="2000" dirty="0"/>
+                      <a:endParaRPr lang="en-US" sz="1800" dirty="0"/>
                     </a:p>
                   </a:txBody>
                   <a:tcPr marL="127635" marR="127635" marT="63818" marB="63818"/>
@@ -4692,10 +4748,10 @@
                     <a:lstStyle/>
                     <a:p>
                       <a:r>
-                        <a:rPr lang="en-US" sz="2000" dirty="0" smtClean="0"/>
+                        <a:rPr lang="en-US" sz="1800" dirty="0" smtClean="0"/>
                         <a:t>43.2%</a:t>
                       </a:r>
-                      <a:endParaRPr lang="en-US" sz="2000" dirty="0"/>
+                      <a:endParaRPr lang="en-US" sz="1800" dirty="0"/>
                     </a:p>
                   </a:txBody>
                   <a:tcPr marL="127635" marR="127635" marT="63818" marB="63818"/>
@@ -4706,10 +4762,10 @@
                     <a:lstStyle/>
                     <a:p>
                       <a:r>
-                        <a:rPr lang="en-US" sz="2000" dirty="0" smtClean="0"/>
+                        <a:rPr lang="en-US" sz="1800" dirty="0" smtClean="0"/>
                         <a:t>34.5%</a:t>
                       </a:r>
-                      <a:endParaRPr lang="en-US" sz="2000" dirty="0"/>
+                      <a:endParaRPr lang="en-US" sz="1800" dirty="0"/>
                     </a:p>
                   </a:txBody>
                   <a:tcPr marL="127635" marR="127635" marT="63818" marB="63818"/>
@@ -4736,10 +4792,10 @@
                     <a:lstStyle/>
                     <a:p>
                       <a:r>
-                        <a:rPr lang="en-US" sz="2000" dirty="0" smtClean="0"/>
+                        <a:rPr lang="en-US" sz="1800" dirty="0" smtClean="0"/>
                         <a:t>52.6%</a:t>
                       </a:r>
-                      <a:endParaRPr lang="en-US" sz="2000" dirty="0"/>
+                      <a:endParaRPr lang="en-US" sz="1800" dirty="0"/>
                     </a:p>
                   </a:txBody>
                   <a:tcPr marL="127635" marR="127635" marT="63818" marB="63818"/>
@@ -4750,10 +4806,10 @@
                     <a:lstStyle/>
                     <a:p>
                       <a:r>
-                        <a:rPr lang="en-US" sz="2000" dirty="0" smtClean="0"/>
+                        <a:rPr lang="en-US" sz="1800" dirty="0" smtClean="0"/>
                         <a:t>N/A</a:t>
                       </a:r>
-                      <a:endParaRPr lang="en-US" sz="2000" dirty="0"/>
+                      <a:endParaRPr lang="en-US" sz="1800" dirty="0"/>
                     </a:p>
                   </a:txBody>
                   <a:tcPr marL="127635" marR="127635" marT="63818" marB="63818"/>
@@ -4780,10 +4836,10 @@
                     <a:lstStyle/>
                     <a:p>
                       <a:r>
-                        <a:rPr lang="en-US" sz="2000" dirty="0" smtClean="0"/>
+                        <a:rPr lang="en-US" sz="1800" dirty="0" smtClean="0"/>
                         <a:t>259 (24.3%)</a:t>
                       </a:r>
-                      <a:endParaRPr lang="en-US" sz="2000" dirty="0"/>
+                      <a:endParaRPr lang="en-US" sz="1800" dirty="0"/>
                     </a:p>
                   </a:txBody>
                   <a:tcPr marL="127635" marR="127635" marT="63818" marB="63818"/>
@@ -4794,10 +4850,10 @@
                     <a:lstStyle/>
                     <a:p>
                       <a:r>
-                        <a:rPr lang="en-US" sz="2000" dirty="0" smtClean="0"/>
+                        <a:rPr lang="en-US" sz="1800" dirty="0" smtClean="0"/>
                         <a:t>17 (30.9%)</a:t>
                       </a:r>
-                      <a:endParaRPr lang="en-US" sz="2000" dirty="0"/>
+                      <a:endParaRPr lang="en-US" sz="1800" dirty="0"/>
                     </a:p>
                   </a:txBody>
                   <a:tcPr marL="127635" marR="127635" marT="63818" marB="63818"/>
@@ -4823,10 +4879,10 @@
                     <a:lstStyle/>
                     <a:p>
                       <a:r>
-                        <a:rPr lang="en-US" sz="2000" dirty="0" smtClean="0"/>
+                        <a:rPr lang="en-US" sz="1800" dirty="0" smtClean="0"/>
                         <a:t>100 (9.4%)</a:t>
                       </a:r>
-                      <a:endParaRPr lang="en-US" sz="2000" dirty="0"/>
+                      <a:endParaRPr lang="en-US" sz="1800" dirty="0"/>
                     </a:p>
                   </a:txBody>
                   <a:tcPr marL="127635" marR="127635" marT="63818" marB="63818"/>
@@ -4837,10 +4893,10 @@
                     <a:lstStyle/>
                     <a:p>
                       <a:r>
-                        <a:rPr lang="en-US" sz="2000" dirty="0" smtClean="0"/>
+                        <a:rPr lang="en-US" sz="1800" dirty="0" smtClean="0"/>
                         <a:t>6 (10.9%)</a:t>
                       </a:r>
-                      <a:endParaRPr lang="en-US" sz="2000" dirty="0"/>
+                      <a:endParaRPr lang="en-US" sz="1800" dirty="0"/>
                     </a:p>
                   </a:txBody>
                   <a:tcPr marL="127635" marR="127635" marT="63818" marB="63818"/>
@@ -4866,10 +4922,10 @@
                     <a:lstStyle/>
                     <a:p>
                       <a:r>
-                        <a:rPr lang="en-US" sz="2000" dirty="0" smtClean="0"/>
+                        <a:rPr lang="en-US" sz="1800" dirty="0" smtClean="0"/>
                         <a:t>301 (28.2%)</a:t>
                       </a:r>
-                      <a:endParaRPr lang="en-US" sz="2000" dirty="0"/>
+                      <a:endParaRPr lang="en-US" sz="1800" dirty="0"/>
                     </a:p>
                   </a:txBody>
                   <a:tcPr marL="127635" marR="127635" marT="63818" marB="63818"/>
@@ -4880,10 +4936,10 @@
                     <a:lstStyle/>
                     <a:p>
                       <a:r>
-                        <a:rPr lang="en-US" sz="2000" dirty="0" smtClean="0"/>
+                        <a:rPr lang="en-US" sz="1800" dirty="0" smtClean="0"/>
                         <a:t>11 (20%)</a:t>
                       </a:r>
-                      <a:endParaRPr lang="en-US" sz="2000" dirty="0"/>
+                      <a:endParaRPr lang="en-US" sz="1800" dirty="0"/>
                     </a:p>
                   </a:txBody>
                   <a:tcPr marL="127635" marR="127635" marT="63818" marB="63818"/>
@@ -4909,10 +4965,10 @@
                     <a:lstStyle/>
                     <a:p>
                       <a:r>
-                        <a:rPr lang="en-US" sz="2000" dirty="0" smtClean="0"/>
+                        <a:rPr lang="en-US" sz="1800" dirty="0" smtClean="0"/>
                         <a:t>215 (20.2%)</a:t>
                       </a:r>
-                      <a:endParaRPr lang="en-US" sz="2000" dirty="0"/>
+                      <a:endParaRPr lang="en-US" sz="1800" dirty="0"/>
                     </a:p>
                   </a:txBody>
                   <a:tcPr marL="127635" marR="127635" marT="63818" marB="63818"/>
@@ -4923,10 +4979,10 @@
                     <a:lstStyle/>
                     <a:p>
                       <a:r>
-                        <a:rPr lang="en-US" sz="2000" dirty="0" smtClean="0"/>
+                        <a:rPr lang="en-US" sz="1800" dirty="0" smtClean="0"/>
                         <a:t>16 (29.1%)</a:t>
                       </a:r>
-                      <a:endParaRPr lang="en-US" sz="2000" dirty="0"/>
+                      <a:endParaRPr lang="en-US" sz="1800" dirty="0"/>
                     </a:p>
                   </a:txBody>
                   <a:tcPr marL="127635" marR="127635" marT="63818" marB="63818"/>
@@ -4952,10 +5008,10 @@
                     <a:lstStyle/>
                     <a:p>
                       <a:r>
-                        <a:rPr lang="en-US" sz="2000" dirty="0" smtClean="0"/>
+                        <a:rPr lang="en-US" sz="1800" dirty="0" smtClean="0"/>
                         <a:t>189 (17.7%)</a:t>
                       </a:r>
-                      <a:endParaRPr lang="en-US" sz="2000" dirty="0"/>
+                      <a:endParaRPr lang="en-US" sz="1800" dirty="0"/>
                     </a:p>
                   </a:txBody>
                   <a:tcPr marL="127635" marR="127635" marT="63818" marB="63818"/>
@@ -4966,10 +5022,10 @@
                     <a:lstStyle/>
                     <a:p>
                       <a:r>
-                        <a:rPr lang="en-US" sz="2000" dirty="0" smtClean="0"/>
+                        <a:rPr lang="en-US" sz="1800" dirty="0" smtClean="0"/>
                         <a:t>5 (9.1%)</a:t>
                       </a:r>
-                      <a:endParaRPr lang="en-US" sz="2000" dirty="0"/>
+                      <a:endParaRPr lang="en-US" sz="1800" dirty="0"/>
                     </a:p>
                   </a:txBody>
                   <a:tcPr marL="127635" marR="127635" marT="63818" marB="63818"/>
@@ -4979,6 +5035,656 @@
           </a:graphicData>
         </a:graphic>
       </p:graphicFrame>
+      <p:sp>
+        <p:nvSpPr>
+          <p:cNvPr id="16" name="TextBox 15"/>
+          <p:cNvSpPr txBox="1"/>
+          <p:nvPr/>
+        </p:nvSpPr>
+        <p:spPr>
+          <a:xfrm>
+            <a:off x="8541936" y="5546505"/>
+            <a:ext cx="7033846" cy="2862322"/>
+          </a:xfrm>
+          <a:prstGeom prst="rect">
+            <a:avLst/>
+          </a:prstGeom>
+          <a:noFill/>
+        </p:spPr>
+        <p:txBody>
+          <a:bodyPr wrap="square" rtlCol="0">
+            <a:spAutoFit/>
+          </a:bodyPr>
+          <a:lstStyle/>
+          <a:p>
+            <a:r>
+              <a:rPr lang="en-US" sz="2000" b="1" dirty="0" smtClean="0">
+                <a:latin typeface="Arial"/>
+              </a:rPr>
+              <a:t>Data Normalization</a:t>
+            </a:r>
+          </a:p>
+          <a:p>
+            <a:pPr>
+              <a:buFont typeface="Arial"/>
+              <a:buChar char="•"/>
+            </a:pPr>
+            <a:endParaRPr lang="en-US" sz="1800" dirty="0" smtClean="0">
+              <a:latin typeface="Arial"/>
+            </a:endParaRPr>
+          </a:p>
+          <a:p>
+            <a:pPr>
+              <a:buFont typeface="Arial"/>
+              <a:buChar char="•"/>
+            </a:pPr>
+            <a:r>
+              <a:rPr lang="en-US" sz="1800" dirty="0" smtClean="0">
+                <a:latin typeface="Arial"/>
+              </a:rPr>
+              <a:t> </a:t>
+            </a:r>
+            <a:r>
+              <a:rPr lang="en-US" sz="1800" dirty="0" smtClean="0">
+                <a:latin typeface="Arial"/>
+              </a:rPr>
+              <a:t>45 bilateral </a:t>
+            </a:r>
+            <a:r>
+              <a:rPr lang="en-US" sz="1800" dirty="0" err="1" smtClean="0">
+                <a:latin typeface="Arial"/>
+              </a:rPr>
+              <a:t>Freesurfer</a:t>
+            </a:r>
+            <a:r>
+              <a:rPr lang="en-US" sz="1800" dirty="0" smtClean="0">
+                <a:latin typeface="Arial"/>
+              </a:rPr>
+              <a:t>-defined regions</a:t>
+            </a:r>
+          </a:p>
+          <a:p>
+            <a:pPr>
+              <a:buFont typeface="Arial"/>
+              <a:buChar char="•"/>
+            </a:pPr>
+            <a:r>
+              <a:rPr lang="en-US" sz="1800" dirty="0" smtClean="0">
+                <a:latin typeface="Arial"/>
+              </a:rPr>
+              <a:t> Correction for partial volume effects with the </a:t>
+            </a:r>
+            <a:r>
+              <a:rPr lang="en-US" sz="1800" dirty="0" err="1" smtClean="0">
+                <a:latin typeface="Arial"/>
+              </a:rPr>
+              <a:t>Rousset</a:t>
+            </a:r>
+            <a:r>
+              <a:rPr lang="en-US" sz="1800" dirty="0" smtClean="0">
+                <a:latin typeface="Arial"/>
+              </a:rPr>
+              <a:t> algorithm (geometry-dependent transfer matrix)</a:t>
+            </a:r>
+          </a:p>
+          <a:p>
+            <a:pPr>
+              <a:buFont typeface="Arial"/>
+              <a:buChar char="•"/>
+            </a:pPr>
+            <a:r>
+              <a:rPr lang="en-US" sz="1800" dirty="0" smtClean="0">
+                <a:latin typeface="Arial"/>
+              </a:rPr>
+              <a:t> Intensity normalization by Manhattan (L1) norm, mapping each scan (row) onto a regional standard simplex and preserving uptake ratios</a:t>
+            </a:r>
+          </a:p>
+          <a:p>
+            <a:pPr>
+              <a:buFont typeface="Arial"/>
+              <a:buChar char="•"/>
+            </a:pPr>
+            <a:r>
+              <a:rPr lang="en-US" sz="1800" dirty="0" smtClean="0">
+                <a:latin typeface="Arial"/>
+              </a:rPr>
+              <a:t> Standardize each region (column) to zero mean, unit variance</a:t>
+            </a:r>
+          </a:p>
+          <a:p>
+            <a:pPr>
+              <a:buFont typeface="Arial"/>
+              <a:buChar char="•"/>
+            </a:pPr>
+            <a:endParaRPr lang="en-US" sz="1600" dirty="0" smtClean="0">
+              <a:latin typeface="Arial"/>
+            </a:endParaRPr>
+          </a:p>
+        </p:txBody>
+      </p:sp>
+      <p:grpSp>
+        <p:nvGrpSpPr>
+          <p:cNvPr id="28" name="Group 27"/>
+          <p:cNvGrpSpPr/>
+          <p:nvPr/>
+        </p:nvGrpSpPr>
+        <p:grpSpPr>
+          <a:xfrm>
+            <a:off x="10023808" y="8267719"/>
+            <a:ext cx="4053770" cy="1911661"/>
+            <a:chOff x="28001513" y="11888509"/>
+            <a:chExt cx="4053770" cy="1911661"/>
+          </a:xfrm>
+        </p:grpSpPr>
+        <p:pic>
+          <p:nvPicPr>
+            <p:cNvPr id="23" name="Picture 22" descr="Screen Shot 2016-06-14 at 11.07.16 PM.png"/>
+            <p:cNvPicPr>
+              <a:picLocks noChangeAspect="1"/>
+            </p:cNvPicPr>
+            <p:nvPr/>
+          </p:nvPicPr>
+          <p:blipFill>
+            <a:blip r:embed="rId4">
+              <a:extLst>
+                <a:ext uri="{28A0092B-C50C-407E-A947-70E740481C1C}">
+                  <a14:useLocalDpi xmlns="" xmlns:a="http://schemas.openxmlformats.org/drawingml/2006/main" xmlns:r="http://schemas.openxmlformats.org/officeDocument/2006/relationships" xmlns:p="http://schemas.openxmlformats.org/presentationml/2006/main" xmlns:a14="http://schemas.microsoft.com/office/drawing/2010/main" xmlns:mv="urn:schemas-microsoft-com:mac:vml" xmlns:mc="http://schemas.openxmlformats.org/markup-compatibility/2006" val="0"/>
+                </a:ext>
+              </a:extLst>
+            </a:blip>
+            <a:stretch>
+              <a:fillRect/>
+            </a:stretch>
+          </p:blipFill>
+          <p:spPr>
+            <a:xfrm>
+              <a:off x="28001513" y="12241583"/>
+              <a:ext cx="2989900" cy="1558587"/>
+            </a:xfrm>
+            <a:prstGeom prst="rect">
+              <a:avLst/>
+            </a:prstGeom>
+          </p:spPr>
+        </p:pic>
+        <p:sp>
+          <p:nvSpPr>
+            <p:cNvPr id="24" name="Rectangle 23"/>
+            <p:cNvSpPr/>
+            <p:nvPr/>
+          </p:nvSpPr>
+          <p:spPr>
+            <a:xfrm>
+              <a:off x="28584131" y="12331129"/>
+              <a:ext cx="2322576" cy="310896"/>
+            </a:xfrm>
+            <a:prstGeom prst="rect">
+              <a:avLst/>
+            </a:prstGeom>
+            <a:solidFill>
+              <a:srgbClr val="FF0000">
+                <a:alpha val="30000"/>
+              </a:srgbClr>
+            </a:solidFill>
+          </p:spPr>
+          <p:style>
+            <a:lnRef idx="1">
+              <a:schemeClr val="accent1"/>
+            </a:lnRef>
+            <a:fillRef idx="3">
+              <a:schemeClr val="accent1"/>
+            </a:fillRef>
+            <a:effectRef idx="2">
+              <a:schemeClr val="accent1"/>
+            </a:effectRef>
+            <a:fontRef idx="minor">
+              <a:schemeClr val="lt1"/>
+            </a:fontRef>
+          </p:style>
+          <p:txBody>
+            <a:bodyPr rtlCol="0" anchor="ctr"/>
+            <a:lstStyle/>
+            <a:p>
+              <a:pPr algn="ctr"/>
+              <a:endParaRPr lang="en-US"/>
+            </a:p>
+          </p:txBody>
+        </p:sp>
+        <p:sp>
+          <p:nvSpPr>
+            <p:cNvPr id="25" name="Rectangle 24"/>
+            <p:cNvSpPr/>
+            <p:nvPr/>
+          </p:nvSpPr>
+          <p:spPr>
+            <a:xfrm>
+              <a:off x="28584131" y="12307611"/>
+              <a:ext cx="502920" cy="1444752"/>
+            </a:xfrm>
+            <a:prstGeom prst="rect">
+              <a:avLst/>
+            </a:prstGeom>
+            <a:solidFill>
+              <a:srgbClr val="3366FF">
+                <a:alpha val="30000"/>
+              </a:srgbClr>
+            </a:solidFill>
+          </p:spPr>
+          <p:style>
+            <a:lnRef idx="1">
+              <a:schemeClr val="accent1"/>
+            </a:lnRef>
+            <a:fillRef idx="3">
+              <a:schemeClr val="accent1"/>
+            </a:fillRef>
+            <a:effectRef idx="2">
+              <a:schemeClr val="accent1"/>
+            </a:effectRef>
+            <a:fontRef idx="minor">
+              <a:schemeClr val="lt1"/>
+            </a:fontRef>
+          </p:style>
+          <p:txBody>
+            <a:bodyPr rtlCol="0" anchor="ctr"/>
+            <a:lstStyle/>
+            <a:p>
+              <a:pPr algn="ctr"/>
+              <a:endParaRPr lang="en-US"/>
+            </a:p>
+          </p:txBody>
+        </p:sp>
+        <p:sp>
+          <p:nvSpPr>
+            <p:cNvPr id="26" name="TextBox 25"/>
+            <p:cNvSpPr txBox="1"/>
+            <p:nvPr/>
+          </p:nvSpPr>
+          <p:spPr>
+            <a:xfrm>
+              <a:off x="28594234" y="11888509"/>
+              <a:ext cx="2279589" cy="369332"/>
+            </a:xfrm>
+            <a:prstGeom prst="rect">
+              <a:avLst/>
+            </a:prstGeom>
+            <a:noFill/>
+          </p:spPr>
+          <p:txBody>
+            <a:bodyPr wrap="square" rtlCol="0">
+              <a:spAutoFit/>
+            </a:bodyPr>
+            <a:lstStyle/>
+            <a:p>
+              <a:r>
+                <a:rPr lang="en-US" sz="1800" b="1" dirty="0" smtClean="0">
+                  <a:latin typeface="Arial"/>
+                </a:rPr>
+                <a:t>Freesurfer Regions</a:t>
+              </a:r>
+              <a:endParaRPr lang="en-US" sz="1800" b="1" dirty="0">
+                <a:latin typeface="Arial"/>
+              </a:endParaRPr>
+            </a:p>
+          </p:txBody>
+        </p:sp>
+        <p:sp>
+          <p:nvSpPr>
+            <p:cNvPr id="27" name="TextBox 26"/>
+            <p:cNvSpPr txBox="1"/>
+            <p:nvPr/>
+          </p:nvSpPr>
+          <p:spPr>
+            <a:xfrm>
+              <a:off x="30944377" y="12806718"/>
+              <a:ext cx="1110906" cy="369332"/>
+            </a:xfrm>
+            <a:prstGeom prst="rect">
+              <a:avLst/>
+            </a:prstGeom>
+            <a:noFill/>
+          </p:spPr>
+          <p:txBody>
+            <a:bodyPr wrap="square" rtlCol="0">
+              <a:spAutoFit/>
+            </a:bodyPr>
+            <a:lstStyle/>
+            <a:p>
+              <a:r>
+                <a:rPr lang="en-US" sz="1800" b="1" dirty="0" smtClean="0">
+                  <a:latin typeface="Arial"/>
+                </a:rPr>
+                <a:t>Scans</a:t>
+              </a:r>
+              <a:endParaRPr lang="en-US" sz="1800" b="1" dirty="0">
+                <a:latin typeface="Arial"/>
+              </a:endParaRPr>
+            </a:p>
+          </p:txBody>
+        </p:sp>
+      </p:grpSp>
+      <p:sp>
+        <p:nvSpPr>
+          <p:cNvPr id="29" name="TextBox 28"/>
+          <p:cNvSpPr txBox="1"/>
+          <p:nvPr/>
+        </p:nvSpPr>
+        <p:spPr>
+          <a:xfrm>
+            <a:off x="8541936" y="10622694"/>
+            <a:ext cx="7033846" cy="2339102"/>
+          </a:xfrm>
+          <a:prstGeom prst="rect">
+            <a:avLst/>
+          </a:prstGeom>
+          <a:noFill/>
+        </p:spPr>
+        <p:txBody>
+          <a:bodyPr wrap="square" rtlCol="0">
+            <a:spAutoFit/>
+          </a:bodyPr>
+          <a:lstStyle/>
+          <a:p>
+            <a:r>
+              <a:rPr lang="en-US" sz="2000" b="1" dirty="0" smtClean="0">
+                <a:latin typeface="Arial"/>
+              </a:rPr>
+              <a:t>Nonparametric Sparse Factor Analysis (NSFA)</a:t>
+            </a:r>
+          </a:p>
+          <a:p>
+            <a:pPr>
+              <a:buFont typeface="Arial"/>
+              <a:buChar char="•"/>
+            </a:pPr>
+            <a:endParaRPr lang="en-US" sz="1800" dirty="0" smtClean="0">
+              <a:latin typeface="Arial"/>
+            </a:endParaRPr>
+          </a:p>
+          <a:p>
+            <a:pPr>
+              <a:buFont typeface="Arial"/>
+              <a:buChar char="•"/>
+            </a:pPr>
+            <a:r>
+              <a:rPr lang="en-US" sz="1800" dirty="0" smtClean="0">
+                <a:latin typeface="Arial"/>
+              </a:rPr>
+              <a:t> </a:t>
+            </a:r>
+            <a:r>
+              <a:rPr lang="en-US" sz="1800" dirty="0" err="1" smtClean="0">
+                <a:latin typeface="Arial"/>
+              </a:rPr>
+              <a:t>Sparsity</a:t>
+            </a:r>
+            <a:r>
+              <a:rPr lang="en-US" sz="1800" dirty="0" smtClean="0">
+                <a:latin typeface="Arial"/>
+              </a:rPr>
+              <a:t> improves interpretability of latent factors and downstream predictive performance. </a:t>
+            </a:r>
+          </a:p>
+          <a:p>
+            <a:pPr>
+              <a:buFont typeface="Arial"/>
+              <a:buChar char="•"/>
+            </a:pPr>
+            <a:r>
+              <a:rPr lang="en-US" sz="1800" dirty="0" smtClean="0">
+                <a:latin typeface="Arial"/>
+              </a:rPr>
+              <a:t> Nonparametric models remove manual </a:t>
+            </a:r>
+            <a:r>
+              <a:rPr lang="en-US" sz="1800" dirty="0" smtClean="0">
+                <a:latin typeface="Arial"/>
+              </a:rPr>
+              <a:t>specification of the number of factors.</a:t>
+            </a:r>
+            <a:endParaRPr lang="en-US" sz="1800" dirty="0" smtClean="0">
+              <a:latin typeface="Arial"/>
+            </a:endParaRPr>
+          </a:p>
+          <a:p>
+            <a:pPr>
+              <a:buFont typeface="Arial"/>
+              <a:buChar char="•"/>
+            </a:pPr>
+            <a:r>
+              <a:rPr lang="en-US" sz="1800" dirty="0" smtClean="0">
+                <a:latin typeface="Arial"/>
+              </a:rPr>
+              <a:t> Potential pitfalls include the assumption of a causal model, </a:t>
+            </a:r>
+            <a:r>
+              <a:rPr lang="en-US" sz="1800" dirty="0" smtClean="0">
+                <a:latin typeface="Arial"/>
+              </a:rPr>
+              <a:t>and results are only as good as the data.</a:t>
+            </a:r>
+            <a:endParaRPr lang="en-US" sz="1800" dirty="0" smtClean="0">
+              <a:latin typeface="Arial"/>
+            </a:endParaRPr>
+          </a:p>
+        </p:txBody>
+      </p:sp>
+      <p:pic>
+        <p:nvPicPr>
+          <p:cNvPr id="30" name="Content Placeholder 9" descr="Screen Shot 2016-06-14 at 11.21.46 PM.png"/>
+          <p:cNvPicPr>
+            <a:picLocks noChangeAspect="1"/>
+          </p:cNvPicPr>
+          <p:nvPr/>
+        </p:nvPicPr>
+        <p:blipFill rotWithShape="1">
+          <a:blip r:embed="rId5">
+            <a:extLst>
+              <a:ext uri="{28A0092B-C50C-407E-A947-70E740481C1C}">
+                <a14:useLocalDpi xmlns="" xmlns:a="http://schemas.openxmlformats.org/drawingml/2006/main" xmlns:r="http://schemas.openxmlformats.org/officeDocument/2006/relationships" xmlns:p="http://schemas.openxmlformats.org/presentationml/2006/main" xmlns:a14="http://schemas.microsoft.com/office/drawing/2010/main" xmlns:mv="urn:schemas-microsoft-com:mac:vml" xmlns:mc="http://schemas.openxmlformats.org/markup-compatibility/2006" val="0"/>
+              </a:ext>
+            </a:extLst>
+          </a:blip>
+          <a:srcRect l="-94"/>
+          <a:stretch/>
+        </p:blipFill>
+        <p:spPr>
+          <a:xfrm>
+            <a:off x="9121445" y="12961796"/>
+            <a:ext cx="1987901" cy="2262981"/>
+          </a:xfrm>
+          <a:prstGeom prst="rect">
+            <a:avLst/>
+          </a:prstGeom>
+        </p:spPr>
+      </p:pic>
+      <p:sp>
+        <p:nvSpPr>
+          <p:cNvPr id="31" name="TextBox 30"/>
+          <p:cNvSpPr txBox="1"/>
+          <p:nvPr/>
+        </p:nvSpPr>
+        <p:spPr>
+          <a:xfrm>
+            <a:off x="11276173" y="13735888"/>
+            <a:ext cx="3757289" cy="830997"/>
+          </a:xfrm>
+          <a:prstGeom prst="rect">
+            <a:avLst/>
+          </a:prstGeom>
+          <a:noFill/>
+        </p:spPr>
+        <p:txBody>
+          <a:bodyPr wrap="square" rtlCol="0">
+            <a:spAutoFit/>
+          </a:bodyPr>
+          <a:lstStyle/>
+          <a:p>
+            <a:r>
+              <a:rPr lang="en-US" sz="1200" dirty="0" smtClean="0">
+                <a:latin typeface="Arial"/>
+              </a:rPr>
+              <a:t>Figure 1. Graphical Model. Adapted from “Nonparametric Bayesian sparse factor models with application to gene expression modeling” by D. Knowles and Z. </a:t>
+            </a:r>
+            <a:r>
+              <a:rPr lang="en-US" sz="1200" dirty="0" err="1" smtClean="0">
+                <a:latin typeface="Arial"/>
+              </a:rPr>
+              <a:t>Ghahramani</a:t>
+            </a:r>
+            <a:r>
+              <a:rPr lang="en-US" sz="1200" dirty="0" smtClean="0">
+                <a:latin typeface="Arial"/>
+              </a:rPr>
+              <a:t>, 2011 </a:t>
+            </a:r>
+            <a:endParaRPr lang="en-US" sz="1200" dirty="0">
+              <a:latin typeface="Arial"/>
+            </a:endParaRPr>
+          </a:p>
+        </p:txBody>
+      </p:sp>
+      <p:sp>
+        <p:nvSpPr>
+          <p:cNvPr id="32" name="TextBox 31"/>
+          <p:cNvSpPr txBox="1"/>
+          <p:nvPr/>
+        </p:nvSpPr>
+        <p:spPr>
+          <a:xfrm>
+            <a:off x="8541936" y="15545360"/>
+            <a:ext cx="7033846" cy="3447098"/>
+          </a:xfrm>
+          <a:prstGeom prst="rect">
+            <a:avLst/>
+          </a:prstGeom>
+          <a:noFill/>
+        </p:spPr>
+        <p:txBody>
+          <a:bodyPr wrap="square" rtlCol="0">
+            <a:spAutoFit/>
+          </a:bodyPr>
+          <a:lstStyle/>
+          <a:p>
+            <a:r>
+              <a:rPr lang="en-US" sz="2000" b="1" dirty="0" smtClean="0">
+                <a:latin typeface="Arial"/>
+              </a:rPr>
+              <a:t>NSFA</a:t>
+            </a:r>
+            <a:r>
+              <a:rPr lang="en-US" sz="2000" b="1" dirty="0" smtClean="0">
+                <a:latin typeface="Arial"/>
+              </a:rPr>
+              <a:t> Output and Analyses</a:t>
+            </a:r>
+            <a:endParaRPr lang="en-US" sz="2000" b="1" dirty="0" smtClean="0">
+              <a:latin typeface="Arial"/>
+            </a:endParaRPr>
+          </a:p>
+          <a:p>
+            <a:pPr>
+              <a:buFont typeface="Arial"/>
+              <a:buChar char="•"/>
+            </a:pPr>
+            <a:endParaRPr lang="en-US" sz="1800" dirty="0" smtClean="0">
+              <a:latin typeface="Arial"/>
+            </a:endParaRPr>
+          </a:p>
+          <a:p>
+            <a:pPr>
+              <a:buFont typeface="Arial"/>
+              <a:buChar char="•"/>
+            </a:pPr>
+            <a:r>
+              <a:rPr lang="en-US" sz="1800" dirty="0" smtClean="0">
+                <a:latin typeface="Arial"/>
+              </a:rPr>
+              <a:t> Factor loadings (regional topographies per factor)</a:t>
+            </a:r>
+          </a:p>
+          <a:p>
+            <a:r>
+              <a:rPr lang="en-US" sz="1800" dirty="0" smtClean="0">
+                <a:latin typeface="Arial"/>
+              </a:rPr>
+              <a:t>     - Loadings are regional correlations</a:t>
+            </a:r>
+          </a:p>
+          <a:p>
+            <a:r>
+              <a:rPr lang="en-US" sz="1800" dirty="0" smtClean="0">
+                <a:latin typeface="Arial"/>
+              </a:rPr>
+              <a:t>     - Summary by lobe</a:t>
+            </a:r>
+          </a:p>
+          <a:p>
+            <a:r>
+              <a:rPr lang="en-US" sz="1800" dirty="0" smtClean="0">
+                <a:latin typeface="Arial"/>
+              </a:rPr>
+              <a:t>     - Overlap with de facto </a:t>
+            </a:r>
+            <a:r>
+              <a:rPr lang="en-US" sz="1800" dirty="0" err="1" smtClean="0">
+                <a:latin typeface="Arial"/>
+              </a:rPr>
+              <a:t>ROIs</a:t>
+            </a:r>
+            <a:endParaRPr lang="en-US" sz="1800" dirty="0" smtClean="0">
+              <a:latin typeface="Arial"/>
+            </a:endParaRPr>
+          </a:p>
+          <a:p>
+            <a:pPr>
+              <a:buFont typeface="Arial"/>
+              <a:buChar char="•"/>
+            </a:pPr>
+            <a:r>
+              <a:rPr lang="en-US" sz="1800" dirty="0" smtClean="0">
+                <a:latin typeface="Arial"/>
+              </a:rPr>
+              <a:t> Factor score estimates (factor representations per scan)</a:t>
+            </a:r>
+          </a:p>
+          <a:p>
+            <a:r>
+              <a:rPr lang="en-US" sz="1800" dirty="0" smtClean="0">
+                <a:latin typeface="Arial"/>
+              </a:rPr>
+              <a:t>     - Correlation with cortical summary SUVR</a:t>
+            </a:r>
+          </a:p>
+          <a:p>
+            <a:r>
+              <a:rPr lang="en-US" sz="1800" dirty="0" smtClean="0">
+                <a:latin typeface="Arial"/>
+              </a:rPr>
+              <a:t>     - Longitudinal behavior</a:t>
+            </a:r>
+          </a:p>
+          <a:p>
+            <a:r>
+              <a:rPr lang="en-US" sz="1800" dirty="0" smtClean="0">
+                <a:latin typeface="Arial"/>
+              </a:rPr>
+              <a:t>     - Penalized linear regression models targeting memory and    </a:t>
+            </a:r>
+          </a:p>
+          <a:p>
+            <a:r>
+              <a:rPr lang="en-US" sz="1800" dirty="0" smtClean="0">
+                <a:latin typeface="Arial"/>
+              </a:rPr>
+              <a:t>        subsequent accumulation</a:t>
+            </a:r>
+          </a:p>
+          <a:p>
+            <a:endParaRPr lang="en-US" sz="1800" dirty="0" smtClean="0">
+              <a:latin typeface="Arial"/>
+            </a:endParaRPr>
+          </a:p>
+        </p:txBody>
+      </p:sp>
     </p:spTree>
   </p:cSld>
   <p:clrMapOvr>

--- a/AAIC_poster_AH.pptx
+++ b/AAIC_poster_AH.pptx
@@ -1,6 +1,6 @@
 
 <file path=ppt/presentation.xml><?xml version="1.0" encoding="utf-8"?>
-<p:presentation xmlns:a="http://schemas.openxmlformats.org/drawingml/2006/main" xmlns:r="http://schemas.openxmlformats.org/officeDocument/2006/relationships" xmlns:mc="http://schemas.openxmlformats.org/markup-compatibility/2006" xmlns:mv="urn:schemas-microsoft-com:mac:vml" xmlns:p="http://schemas.openxmlformats.org/presentationml/2006/main" mc:Ignorable="mv" mc:PreserveAttributes="mv:*" saveSubsetFonts="1" autoCompressPictures="0">
+<p:presentation xmlns:a="http://schemas.openxmlformats.org/drawingml/2006/main" xmlns:r="http://schemas.openxmlformats.org/officeDocument/2006/relationships" xmlns:p="http://schemas.openxmlformats.org/presentationml/2006/main" saveSubsetFonts="1" autoCompressPictures="0">
   <p:sldMasterIdLst>
     <p:sldMasterId id="2147483648" r:id="rId1"/>
   </p:sldMasterIdLst>
@@ -111,7 +111,7 @@
 </file>
 
 <file path=ppt/notesMasters/notesMaster1.xml><?xml version="1.0" encoding="utf-8"?>
-<p:notesMaster xmlns:a="http://schemas.openxmlformats.org/drawingml/2006/main" xmlns:r="http://schemas.openxmlformats.org/officeDocument/2006/relationships" xmlns:mc="http://schemas.openxmlformats.org/markup-compatibility/2006" xmlns:mv="urn:schemas-microsoft-com:mac:vml" xmlns:p="http://schemas.openxmlformats.org/presentationml/2006/main" mc:Ignorable="mv" mc:PreserveAttributes="mv:*">
+<p:notesMaster xmlns:a="http://schemas.openxmlformats.org/drawingml/2006/main" xmlns:r="http://schemas.openxmlformats.org/officeDocument/2006/relationships" xmlns:p="http://schemas.openxmlformats.org/presentationml/2006/main">
   <p:cSld>
     <p:bg>
       <p:bgRef idx="1001">
@@ -364,7 +364,7 @@
     </p:spTree>
     <p:extLst>
       <p:ext uri="{BB962C8B-B14F-4D97-AF65-F5344CB8AC3E}">
-        <p14:creationId xmlns:p14="http://schemas.microsoft.com/office/powerpoint/2010/main" xmlns:p="http://schemas.openxmlformats.org/presentationml/2006/main" xmlns:r="http://schemas.openxmlformats.org/officeDocument/2006/relationships" xmlns:a="http://schemas.openxmlformats.org/drawingml/2006/main" xmlns="" val="3208004686"/>
+        <p14:creationId xmlns:p14="http://schemas.microsoft.com/office/powerpoint/2010/main" val="3208004686"/>
       </p:ext>
     </p:extLst>
   </p:cSld>
@@ -465,7 +465,7 @@
 </file>
 
 <file path=ppt/slideLayouts/slideLayout1.xml><?xml version="1.0" encoding="utf-8"?>
-<p:sldLayout xmlns:a="http://schemas.openxmlformats.org/drawingml/2006/main" xmlns:r="http://schemas.openxmlformats.org/officeDocument/2006/relationships" xmlns:mc="http://schemas.openxmlformats.org/markup-compatibility/2006" xmlns:mv="urn:schemas-microsoft-com:mac:vml" xmlns:p="http://schemas.openxmlformats.org/presentationml/2006/main" mc:Ignorable="mv" mc:PreserveAttributes="mv:*" type="title" preserve="1">
+<p:sldLayout xmlns:a="http://schemas.openxmlformats.org/drawingml/2006/main" xmlns:r="http://schemas.openxmlformats.org/officeDocument/2006/relationships" xmlns:p="http://schemas.openxmlformats.org/presentationml/2006/main" type="title" preserve="1">
   <p:cSld name="Title Slide">
     <p:spTree>
       <p:nvGrpSpPr>
@@ -704,7 +704,7 @@
 </file>
 
 <file path=ppt/slideLayouts/slideLayout10.xml><?xml version="1.0" encoding="utf-8"?>
-<p:sldLayout xmlns:a="http://schemas.openxmlformats.org/drawingml/2006/main" xmlns:r="http://schemas.openxmlformats.org/officeDocument/2006/relationships" xmlns:mc="http://schemas.openxmlformats.org/markup-compatibility/2006" xmlns:mv="urn:schemas-microsoft-com:mac:vml" xmlns:p="http://schemas.openxmlformats.org/presentationml/2006/main" mc:Ignorable="mv" mc:PreserveAttributes="mv:*" type="vertTx" preserve="1">
+<p:sldLayout xmlns:a="http://schemas.openxmlformats.org/drawingml/2006/main" xmlns:r="http://schemas.openxmlformats.org/officeDocument/2006/relationships" xmlns:p="http://schemas.openxmlformats.org/presentationml/2006/main" type="vertTx" preserve="1">
   <p:cSld name="Title and Vertical Text">
     <p:spTree>
       <p:nvGrpSpPr>
@@ -871,7 +871,7 @@
 </file>
 
 <file path=ppt/slideLayouts/slideLayout11.xml><?xml version="1.0" encoding="utf-8"?>
-<p:sldLayout xmlns:a="http://schemas.openxmlformats.org/drawingml/2006/main" xmlns:r="http://schemas.openxmlformats.org/officeDocument/2006/relationships" xmlns:mc="http://schemas.openxmlformats.org/markup-compatibility/2006" xmlns:mv="urn:schemas-microsoft-com:mac:vml" xmlns:p="http://schemas.openxmlformats.org/presentationml/2006/main" mc:Ignorable="mv" mc:PreserveAttributes="mv:*" type="vertTitleAndTx" preserve="1">
+<p:sldLayout xmlns:a="http://schemas.openxmlformats.org/drawingml/2006/main" xmlns:r="http://schemas.openxmlformats.org/officeDocument/2006/relationships" xmlns:p="http://schemas.openxmlformats.org/presentationml/2006/main" type="vertTitleAndTx" preserve="1">
   <p:cSld name="Vertical Title and Text">
     <p:spTree>
       <p:nvGrpSpPr>
@@ -1048,7 +1048,7 @@
 </file>
 
 <file path=ppt/slideLayouts/slideLayout2.xml><?xml version="1.0" encoding="utf-8"?>
-<p:sldLayout xmlns:a="http://schemas.openxmlformats.org/drawingml/2006/main" xmlns:r="http://schemas.openxmlformats.org/officeDocument/2006/relationships" xmlns:mc="http://schemas.openxmlformats.org/markup-compatibility/2006" xmlns:mv="urn:schemas-microsoft-com:mac:vml" xmlns:p="http://schemas.openxmlformats.org/presentationml/2006/main" mc:Ignorable="mv" mc:PreserveAttributes="mv:*" type="obj" preserve="1">
+<p:sldLayout xmlns:a="http://schemas.openxmlformats.org/drawingml/2006/main" xmlns:r="http://schemas.openxmlformats.org/officeDocument/2006/relationships" xmlns:p="http://schemas.openxmlformats.org/presentationml/2006/main" type="obj" preserve="1">
   <p:cSld name="Title and Content">
     <p:spTree>
       <p:nvGrpSpPr>
@@ -1215,7 +1215,7 @@
 </file>
 
 <file path=ppt/slideLayouts/slideLayout3.xml><?xml version="1.0" encoding="utf-8"?>
-<p:sldLayout xmlns:a="http://schemas.openxmlformats.org/drawingml/2006/main" xmlns:r="http://schemas.openxmlformats.org/officeDocument/2006/relationships" xmlns:mc="http://schemas.openxmlformats.org/markup-compatibility/2006" xmlns:mv="urn:schemas-microsoft-com:mac:vml" xmlns:p="http://schemas.openxmlformats.org/presentationml/2006/main" mc:Ignorable="mv" mc:PreserveAttributes="mv:*" type="secHead" preserve="1">
+<p:sldLayout xmlns:a="http://schemas.openxmlformats.org/drawingml/2006/main" xmlns:r="http://schemas.openxmlformats.org/officeDocument/2006/relationships" xmlns:p="http://schemas.openxmlformats.org/presentationml/2006/main" type="secHead" preserve="1">
   <p:cSld name="Section Header">
     <p:spTree>
       <p:nvGrpSpPr>
@@ -1458,7 +1458,7 @@
 </file>
 
 <file path=ppt/slideLayouts/slideLayout4.xml><?xml version="1.0" encoding="utf-8"?>
-<p:sldLayout xmlns:a="http://schemas.openxmlformats.org/drawingml/2006/main" xmlns:r="http://schemas.openxmlformats.org/officeDocument/2006/relationships" xmlns:mc="http://schemas.openxmlformats.org/markup-compatibility/2006" xmlns:mv="urn:schemas-microsoft-com:mac:vml" xmlns:p="http://schemas.openxmlformats.org/presentationml/2006/main" mc:Ignorable="mv" mc:PreserveAttributes="mv:*" type="twoObj" preserve="1">
+<p:sldLayout xmlns:a="http://schemas.openxmlformats.org/drawingml/2006/main" xmlns:r="http://schemas.openxmlformats.org/officeDocument/2006/relationships" xmlns:p="http://schemas.openxmlformats.org/presentationml/2006/main" type="twoObj" preserve="1">
   <p:cSld name="Two Content">
     <p:spTree>
       <p:nvGrpSpPr>
@@ -1743,7 +1743,7 @@
 </file>
 
 <file path=ppt/slideLayouts/slideLayout5.xml><?xml version="1.0" encoding="utf-8"?>
-<p:sldLayout xmlns:a="http://schemas.openxmlformats.org/drawingml/2006/main" xmlns:r="http://schemas.openxmlformats.org/officeDocument/2006/relationships" xmlns:mc="http://schemas.openxmlformats.org/markup-compatibility/2006" xmlns:mv="urn:schemas-microsoft-com:mac:vml" xmlns:p="http://schemas.openxmlformats.org/presentationml/2006/main" mc:Ignorable="mv" mc:PreserveAttributes="mv:*" type="twoTxTwoObj" preserve="1">
+<p:sldLayout xmlns:a="http://schemas.openxmlformats.org/drawingml/2006/main" xmlns:r="http://schemas.openxmlformats.org/officeDocument/2006/relationships" xmlns:p="http://schemas.openxmlformats.org/presentationml/2006/main" type="twoTxTwoObj" preserve="1">
   <p:cSld name="Comparison">
     <p:spTree>
       <p:nvGrpSpPr>
@@ -2162,7 +2162,7 @@
 </file>
 
 <file path=ppt/slideLayouts/slideLayout6.xml><?xml version="1.0" encoding="utf-8"?>
-<p:sldLayout xmlns:a="http://schemas.openxmlformats.org/drawingml/2006/main" xmlns:r="http://schemas.openxmlformats.org/officeDocument/2006/relationships" xmlns:mc="http://schemas.openxmlformats.org/markup-compatibility/2006" xmlns:mv="urn:schemas-microsoft-com:mac:vml" xmlns:p="http://schemas.openxmlformats.org/presentationml/2006/main" mc:Ignorable="mv" mc:PreserveAttributes="mv:*" type="titleOnly" preserve="1">
+<p:sldLayout xmlns:a="http://schemas.openxmlformats.org/drawingml/2006/main" xmlns:r="http://schemas.openxmlformats.org/officeDocument/2006/relationships" xmlns:p="http://schemas.openxmlformats.org/presentationml/2006/main" type="titleOnly" preserve="1">
   <p:cSld name="Title Only">
     <p:spTree>
       <p:nvGrpSpPr>
@@ -2277,7 +2277,7 @@
 </file>
 
 <file path=ppt/slideLayouts/slideLayout7.xml><?xml version="1.0" encoding="utf-8"?>
-<p:sldLayout xmlns:a="http://schemas.openxmlformats.org/drawingml/2006/main" xmlns:r="http://schemas.openxmlformats.org/officeDocument/2006/relationships" xmlns:mc="http://schemas.openxmlformats.org/markup-compatibility/2006" xmlns:mv="urn:schemas-microsoft-com:mac:vml" xmlns:p="http://schemas.openxmlformats.org/presentationml/2006/main" mc:Ignorable="mv" mc:PreserveAttributes="mv:*" type="blank" preserve="1">
+<p:sldLayout xmlns:a="http://schemas.openxmlformats.org/drawingml/2006/main" xmlns:r="http://schemas.openxmlformats.org/officeDocument/2006/relationships" xmlns:p="http://schemas.openxmlformats.org/presentationml/2006/main" type="blank" preserve="1">
   <p:cSld name="Blank">
     <p:spTree>
       <p:nvGrpSpPr>
@@ -2369,7 +2369,7 @@
 </file>
 
 <file path=ppt/slideLayouts/slideLayout8.xml><?xml version="1.0" encoding="utf-8"?>
-<p:sldLayout xmlns:a="http://schemas.openxmlformats.org/drawingml/2006/main" xmlns:r="http://schemas.openxmlformats.org/officeDocument/2006/relationships" xmlns:mc="http://schemas.openxmlformats.org/markup-compatibility/2006" xmlns:mv="urn:schemas-microsoft-com:mac:vml" xmlns:p="http://schemas.openxmlformats.org/presentationml/2006/main" mc:Ignorable="mv" mc:PreserveAttributes="mv:*" type="objTx" preserve="1">
+<p:sldLayout xmlns:a="http://schemas.openxmlformats.org/drawingml/2006/main" xmlns:r="http://schemas.openxmlformats.org/officeDocument/2006/relationships" xmlns:p="http://schemas.openxmlformats.org/presentationml/2006/main" type="objTx" preserve="1">
   <p:cSld name="Content with Caption">
     <p:spTree>
       <p:nvGrpSpPr>
@@ -2643,7 +2643,7 @@
 </file>
 
 <file path=ppt/slideLayouts/slideLayout9.xml><?xml version="1.0" encoding="utf-8"?>
-<p:sldLayout xmlns:a="http://schemas.openxmlformats.org/drawingml/2006/main" xmlns:r="http://schemas.openxmlformats.org/officeDocument/2006/relationships" xmlns:mc="http://schemas.openxmlformats.org/markup-compatibility/2006" xmlns:mv="urn:schemas-microsoft-com:mac:vml" xmlns:p="http://schemas.openxmlformats.org/presentationml/2006/main" mc:Ignorable="mv" mc:PreserveAttributes="mv:*" type="picTx" preserve="1">
+<p:sldLayout xmlns:a="http://schemas.openxmlformats.org/drawingml/2006/main" xmlns:r="http://schemas.openxmlformats.org/officeDocument/2006/relationships" xmlns:p="http://schemas.openxmlformats.org/presentationml/2006/main" type="picTx" preserve="1">
   <p:cSld name="Picture with Caption">
     <p:spTree>
       <p:nvGrpSpPr>
@@ -2893,7 +2893,7 @@
 </file>
 
 <file path=ppt/slideMasters/slideMaster1.xml><?xml version="1.0" encoding="utf-8"?>
-<p:sldMaster xmlns:a="http://schemas.openxmlformats.org/drawingml/2006/main" xmlns:r="http://schemas.openxmlformats.org/officeDocument/2006/relationships" xmlns:mc="http://schemas.openxmlformats.org/markup-compatibility/2006" xmlns:mv="urn:schemas-microsoft-com:mac:vml" xmlns:p="http://schemas.openxmlformats.org/presentationml/2006/main" mc:Ignorable="mv" mc:PreserveAttributes="mv:*">
+<p:sldMaster xmlns:a="http://schemas.openxmlformats.org/drawingml/2006/main" xmlns:r="http://schemas.openxmlformats.org/officeDocument/2006/relationships" xmlns:p="http://schemas.openxmlformats.org/presentationml/2006/main">
   <p:cSld>
     <p:bg>
       <p:bgRef idx="1001">
@@ -3400,7 +3400,7 @@
 </file>
 
 <file path=ppt/slides/slide1.xml><?xml version="1.0" encoding="utf-8"?>
-<p:sld xmlns:a="http://schemas.openxmlformats.org/drawingml/2006/main" xmlns:r="http://schemas.openxmlformats.org/officeDocument/2006/relationships" xmlns:mc="http://schemas.openxmlformats.org/markup-compatibility/2006" xmlns:mv="urn:schemas-microsoft-com:mac:vml" xmlns:p="http://schemas.openxmlformats.org/presentationml/2006/main" mc:Ignorable="mv" mc:PreserveAttributes="mv:*">
+<p:sld xmlns:a="http://schemas.openxmlformats.org/drawingml/2006/main" xmlns:r="http://schemas.openxmlformats.org/officeDocument/2006/relationships" xmlns:p="http://schemas.openxmlformats.org/presentationml/2006/main">
   <p:cSld>
     <p:bg>
       <p:bgPr>
@@ -4219,8 +4219,8 @@
         </p:nvSpPr>
         <p:spPr>
           <a:xfrm>
-            <a:off x="615848" y="5334843"/>
-            <a:ext cx="6904211" cy="6463309"/>
+            <a:off x="615848" y="5666353"/>
+            <a:ext cx="6904211" cy="5940089"/>
           </a:xfrm>
           <a:prstGeom prst="rect">
             <a:avLst/>
@@ -4253,19 +4253,7 @@
               <a:rPr lang="en-US" sz="1800" dirty="0" smtClean="0">
                 <a:latin typeface="Arial"/>
               </a:rPr>
-              <a:t>F-AV-45 PET scans (frontal/parietal/temporal/</a:t>
-            </a:r>
-            <a:r>
-              <a:rPr lang="en-US" sz="1800" dirty="0" err="1" smtClean="0">
-                <a:latin typeface="Arial"/>
-              </a:rPr>
-              <a:t>cingulate</a:t>
-            </a:r>
-            <a:r>
-              <a:rPr lang="en-US" sz="1800" dirty="0" smtClean="0">
-                <a:latin typeface="Arial"/>
-              </a:rPr>
-              <a:t> ROI) is a conveniently calculated measure of global </a:t>
+              <a:t>F-AV-45 PET scans (frontal/parietal/temporal/cingulate ROI) is a conveniently calculated measure of global </a:t>
             </a:r>
             <a:r>
               <a:rPr lang="en-US" sz="1800" dirty="0" err="1" smtClean="0">
@@ -4273,16 +4261,28 @@
                 <a:ea typeface="Times New Roman" pitchFamily="4" charset="0"/>
                 <a:cs typeface="Times New Roman" pitchFamily="4" charset="0"/>
               </a:rPr>
-              <a:t>ß-Amyloid</a:t>
+              <a:t>ß</a:t>
             </a:r>
             <a:r>
               <a:rPr lang="en-US" sz="1800" dirty="0" smtClean="0">
                 <a:latin typeface="Arial"/>
-              </a:rPr>
-              <a:t> burden.</a:t>
-            </a:r>
-          </a:p>
-          <a:p>
+                <a:ea typeface="Times New Roman" pitchFamily="4" charset="0"/>
+                <a:cs typeface="Times New Roman" pitchFamily="4" charset="0"/>
+              </a:rPr>
+              <a:t>-Amyloid</a:t>
+            </a:r>
+            <a:r>
+              <a:rPr lang="en-US" sz="1800" dirty="0" smtClean="0">
+                <a:latin typeface="Arial"/>
+              </a:rPr>
+              <a:t> burden</a:t>
+            </a:r>
+            <a:r>
+              <a:rPr lang="en-US" sz="1800" dirty="0" smtClean="0">
+                <a:latin typeface="Arial"/>
+              </a:rPr>
+              <a:t>.</a:t>
+            </a:r>
             <a:endParaRPr lang="en-US" sz="1800" dirty="0" smtClean="0">
               <a:latin typeface="Arial"/>
             </a:endParaRPr>
@@ -4312,63 +4312,15 @@
               <a:rPr lang="en-US" sz="1800" dirty="0" smtClean="0">
                 <a:latin typeface="Arial"/>
               </a:rPr>
-              <a:t>     - ignorance of</a:t>
-            </a:r>
+              <a:t>     - ignorance of regional variations within the ROI</a:t>
+            </a:r>
+          </a:p>
+          <a:p>
             <a:r>
               <a:rPr lang="en-US" sz="1800" dirty="0" smtClean="0">
                 <a:latin typeface="Arial"/>
               </a:rPr>
-              <a:t> regional </a:t>
-            </a:r>
-            <a:r>
-              <a:rPr lang="en-US" sz="1800" dirty="0" smtClean="0">
-                <a:latin typeface="Arial"/>
-              </a:rPr>
-              <a:t>variations</a:t>
-            </a:r>
-            <a:r>
-              <a:rPr lang="en-US" sz="1800" dirty="0" smtClean="0">
-                <a:latin typeface="Arial"/>
-              </a:rPr>
-              <a:t> </a:t>
-            </a:r>
-            <a:r>
-              <a:rPr lang="en-US" sz="1800" dirty="0" smtClean="0">
-                <a:latin typeface="Arial"/>
-              </a:rPr>
-              <a:t>within</a:t>
-            </a:r>
-            <a:r>
-              <a:rPr lang="en-US" sz="1800" dirty="0" smtClean="0">
-                <a:latin typeface="Arial"/>
-              </a:rPr>
-              <a:t> </a:t>
-            </a:r>
-            <a:r>
-              <a:rPr lang="en-US" sz="1800" dirty="0" smtClean="0">
-                <a:latin typeface="Arial"/>
-              </a:rPr>
-              <a:t>the ROI</a:t>
-            </a:r>
-          </a:p>
-          <a:p>
-            <a:r>
-              <a:rPr lang="en-US" sz="1800" dirty="0" smtClean="0">
-                <a:latin typeface="Arial"/>
-              </a:rPr>
-              <a:t>     - ignorance of</a:t>
-            </a:r>
-            <a:r>
-              <a:rPr lang="en-US" sz="1800" dirty="0" smtClean="0">
-                <a:latin typeface="Arial"/>
-              </a:rPr>
-              <a:t> regional </a:t>
-            </a:r>
-            <a:r>
-              <a:rPr lang="en-US" sz="1800" dirty="0" smtClean="0">
-                <a:latin typeface="Arial"/>
-              </a:rPr>
-              <a:t>contrasts (except ROI/ref)</a:t>
+              <a:t>     - ignorance of regional contrasts (except ROI/ref)</a:t>
             </a:r>
           </a:p>
           <a:p>
@@ -4381,59 +4333,68 @@
             </a:endParaRPr>
           </a:p>
           <a:p>
-            <a:r>
-              <a:rPr lang="en-US" sz="2000" b="1" dirty="0" smtClean="0">
-                <a:latin typeface="Arial"/>
-              </a:rPr>
-              <a:t>Goals:</a:t>
-            </a:r>
-          </a:p>
-          <a:p>
-            <a:endParaRPr lang="en-US" sz="1800" b="1" dirty="0" smtClean="0">
-              <a:latin typeface="Arial"/>
-            </a:endParaRPr>
-          </a:p>
-          <a:p>
             <a:pPr>
               <a:buFont typeface="Arial"/>
               <a:buChar char="•"/>
             </a:pPr>
-            <a:r>
-              <a:rPr lang="en-US" sz="1800" b="1" dirty="0" smtClean="0">
-                <a:latin typeface="Arial"/>
-              </a:rPr>
-              <a:t> Convert regional uptakes of ADNI </a:t>
-            </a:r>
-            <a:r>
-              <a:rPr lang="en-US" sz="1800" b="1" baseline="30000" dirty="0" smtClean="0">
-                <a:latin typeface="Arial"/>
-              </a:rPr>
-              <a:t>18</a:t>
-            </a:r>
-            <a:r>
-              <a:rPr lang="en-US" sz="1800" b="1" dirty="0" smtClean="0">
-                <a:latin typeface="Arial"/>
-              </a:rPr>
-              <a:t>F-AV-45 and </a:t>
-            </a:r>
-            <a:r>
-              <a:rPr lang="en-US" sz="1800" b="1" baseline="30000" dirty="0" smtClean="0">
-                <a:latin typeface="Arial"/>
-              </a:rPr>
-              <a:t>18</a:t>
-            </a:r>
-            <a:r>
-              <a:rPr lang="en-US" sz="1800" b="1" dirty="0" smtClean="0">
-                <a:latin typeface="Arial"/>
-              </a:rPr>
-              <a:t>F-AV-1451 PET scans to standardized units via a regionally-unbiased intensity normalization method.</a:t>
-            </a:r>
+            <a:endParaRPr lang="en-US" sz="1800" dirty="0" smtClean="0">
+              <a:latin typeface="Arial"/>
+            </a:endParaRPr>
+          </a:p>
+          <a:p>
+            <a:r>
+              <a:rPr lang="en-US" sz="2000" b="1" dirty="0" smtClean="0">
+                <a:latin typeface="Arial"/>
+              </a:rPr>
+              <a:t>Goals:</a:t>
+            </a:r>
+          </a:p>
+          <a:p>
+            <a:endParaRPr lang="en-US" sz="1800" b="1" dirty="0" smtClean="0">
+              <a:latin typeface="Arial"/>
+            </a:endParaRPr>
           </a:p>
           <a:p>
             <a:pPr>
               <a:buFont typeface="Arial"/>
               <a:buChar char="•"/>
             </a:pPr>
+            <a:r>
+              <a:rPr lang="en-US" sz="1800" b="1" dirty="0" smtClean="0">
+                <a:latin typeface="Arial"/>
+              </a:rPr>
+              <a:t> Convert regional uptakes of ADNI </a:t>
+            </a:r>
+            <a:r>
+              <a:rPr lang="en-US" sz="1800" b="1" baseline="30000" dirty="0" smtClean="0">
+                <a:latin typeface="Arial"/>
+              </a:rPr>
+              <a:t>18</a:t>
+            </a:r>
+            <a:r>
+              <a:rPr lang="en-US" sz="1800" b="1" dirty="0" smtClean="0">
+                <a:latin typeface="Arial"/>
+              </a:rPr>
+              <a:t>F-AV-45 and </a:t>
+            </a:r>
+            <a:r>
+              <a:rPr lang="en-US" sz="1800" b="1" baseline="30000" dirty="0" smtClean="0">
+                <a:latin typeface="Arial"/>
+              </a:rPr>
+              <a:t>18</a:t>
+            </a:r>
+            <a:r>
+              <a:rPr lang="en-US" sz="1800" b="1" dirty="0" smtClean="0">
+                <a:latin typeface="Arial"/>
+              </a:rPr>
+              <a:t>F-AV-1451 PET scans to standardized units via a regionally-unbiased intensity normalization method</a:t>
+            </a:r>
+            <a:r>
+              <a:rPr lang="en-US" sz="1800" b="1" dirty="0" smtClean="0">
+                <a:latin typeface="Arial"/>
+              </a:rPr>
+              <a:t>.</a:t>
+            </a:r>
             <a:endParaRPr lang="en-US" sz="1800" b="1" dirty="0" smtClean="0">
               <a:latin typeface="Arial"/>
             </a:endParaRPr>
@@ -4447,14 +4408,14 @@
               <a:rPr lang="en-US" sz="1800" b="1" dirty="0" smtClean="0">
                 <a:latin typeface="Arial"/>
               </a:rPr>
-              <a:t> Perform a sparse nonparametric factor analysis of the normalized regional dataset, determining a set of recurring uptake topographies underlying the variance in individual uptake patterns.</a:t>
-            </a:r>
-          </a:p>
-          <a:p>
-            <a:pPr>
-              <a:buFont typeface="Arial"/>
-              <a:buChar char="•"/>
-            </a:pPr>
+              <a:t> Perform a sparse nonparametric factor analysis of the normalized regional dataset, determining a set of recurring uptake topographies underlying the variance in individual uptake patterns</a:t>
+            </a:r>
+            <a:r>
+              <a:rPr lang="en-US" sz="1800" b="1" dirty="0" smtClean="0">
+                <a:latin typeface="Arial"/>
+              </a:rPr>
+              <a:t>.</a:t>
+            </a:r>
             <a:endParaRPr lang="en-US" sz="1800" b="1" dirty="0" smtClean="0">
               <a:latin typeface="Arial"/>
             </a:endParaRPr>
@@ -4491,7 +4452,7 @@
           <p:nvPr>
             <p:extLst>
               <p:ext uri="{D42A27DB-BD31-4B8C-83A1-F6EECF244321}">
-                <p14:modId xmlns:p14="http://schemas.microsoft.com/office/powerpoint/2010/main" xmlns:p="http://schemas.openxmlformats.org/presentationml/2006/main" xmlns:r="http://schemas.openxmlformats.org/officeDocument/2006/relationships" xmlns:a="http://schemas.openxmlformats.org/drawingml/2006/main" xmlns="" val="2693446380"/>
+                <p14:modId xmlns:p14="http://schemas.microsoft.com/office/powerpoint/2010/main" val="2693446380"/>
               </p:ext>
             </p:extLst>
           </p:nvPr>
@@ -5082,13 +5043,7 @@
               <a:rPr lang="en-US" sz="1800" dirty="0" smtClean="0">
                 <a:latin typeface="Arial"/>
               </a:rPr>
-              <a:t> </a:t>
-            </a:r>
-            <a:r>
-              <a:rPr lang="en-US" sz="1800" dirty="0" smtClean="0">
-                <a:latin typeface="Arial"/>
-              </a:rPr>
-              <a:t>45 bilateral </a:t>
+              <a:t> 45 bilateral </a:t>
             </a:r>
             <a:r>
               <a:rPr lang="en-US" sz="1800" dirty="0" err="1" smtClean="0">
@@ -5188,7 +5143,7 @@
             <a:blip r:embed="rId4">
               <a:extLst>
                 <a:ext uri="{28A0092B-C50C-407E-A947-70E740481C1C}">
-                  <a14:useLocalDpi xmlns="" xmlns:a="http://schemas.openxmlformats.org/drawingml/2006/main" xmlns:r="http://schemas.openxmlformats.org/officeDocument/2006/relationships" xmlns:p="http://schemas.openxmlformats.org/presentationml/2006/main" xmlns:a14="http://schemas.microsoft.com/office/drawing/2010/main" xmlns:mv="urn:schemas-microsoft-com:mac:vml" xmlns:mc="http://schemas.openxmlformats.org/markup-compatibility/2006" val="0"/>
+                  <a14:useLocalDpi xmlns:a14="http://schemas.microsoft.com/office/drawing/2010/main" val="0"/>
                 </a:ext>
               </a:extLst>
             </a:blip>
@@ -5432,17 +5387,8 @@
               <a:rPr lang="en-US" sz="1800" dirty="0" smtClean="0">
                 <a:latin typeface="Arial"/>
               </a:rPr>
-              <a:t> Nonparametric models remove manual </a:t>
-            </a:r>
-            <a:r>
-              <a:rPr lang="en-US" sz="1800" dirty="0" smtClean="0">
-                <a:latin typeface="Arial"/>
-              </a:rPr>
-              <a:t>specification of the number of factors.</a:t>
-            </a:r>
-            <a:endParaRPr lang="en-US" sz="1800" dirty="0" smtClean="0">
-              <a:latin typeface="Arial"/>
-            </a:endParaRPr>
+              <a:t> Nonparametric models remove manual specification of the number of factors.</a:t>
+            </a:r>
           </a:p>
           <a:p>
             <a:pPr>
@@ -5453,17 +5399,8 @@
               <a:rPr lang="en-US" sz="1800" dirty="0" smtClean="0">
                 <a:latin typeface="Arial"/>
               </a:rPr>
-              <a:t> Potential pitfalls include the assumption of a causal model, </a:t>
-            </a:r>
-            <a:r>
-              <a:rPr lang="en-US" sz="1800" dirty="0" smtClean="0">
-                <a:latin typeface="Arial"/>
-              </a:rPr>
-              <a:t>and results are only as good as the data.</a:t>
-            </a:r>
-            <a:endParaRPr lang="en-US" sz="1800" dirty="0" smtClean="0">
-              <a:latin typeface="Arial"/>
-            </a:endParaRPr>
+              <a:t> Potential pitfalls include the assumption of a causal model, and results are only as good as the data.</a:t>
+            </a:r>
           </a:p>
         </p:txBody>
       </p:sp>
@@ -5479,7 +5416,7 @@
           <a:blip r:embed="rId5">
             <a:extLst>
               <a:ext uri="{28A0092B-C50C-407E-A947-70E740481C1C}">
-                <a14:useLocalDpi xmlns="" xmlns:a="http://schemas.openxmlformats.org/drawingml/2006/main" xmlns:r="http://schemas.openxmlformats.org/officeDocument/2006/relationships" xmlns:p="http://schemas.openxmlformats.org/presentationml/2006/main" xmlns:a14="http://schemas.microsoft.com/office/drawing/2010/main" xmlns:mv="urn:schemas-microsoft-com:mac:vml" xmlns:mc="http://schemas.openxmlformats.org/markup-compatibility/2006" val="0"/>
+                <a14:useLocalDpi xmlns:a14="http://schemas.microsoft.com/office/drawing/2010/main" val="0"/>
               </a:ext>
             </a:extLst>
           </a:blip>
@@ -5568,17 +5505,8 @@
               <a:rPr lang="en-US" sz="2000" b="1" dirty="0" smtClean="0">
                 <a:latin typeface="Arial"/>
               </a:rPr>
-              <a:t>NSFA</a:t>
-            </a:r>
-            <a:r>
-              <a:rPr lang="en-US" sz="2000" b="1" dirty="0" smtClean="0">
-                <a:latin typeface="Arial"/>
-              </a:rPr>
-              <a:t> Output and Analyses</a:t>
-            </a:r>
-            <a:endParaRPr lang="en-US" sz="2000" b="1" dirty="0" smtClean="0">
-              <a:latin typeface="Arial"/>
-            </a:endParaRPr>
+              <a:t>NSFA Output and Analyses</a:t>
+            </a:r>
           </a:p>
           <a:p>
             <a:pPr>

--- a/AAIC_poster_AH.pptx
+++ b/AAIC_poster_AH.pptx
@@ -1,6 +1,6 @@
 
 <file path=ppt/presentation.xml><?xml version="1.0" encoding="utf-8"?>
-<p:presentation xmlns:a="http://schemas.openxmlformats.org/drawingml/2006/main" xmlns:r="http://schemas.openxmlformats.org/officeDocument/2006/relationships" xmlns:p="http://schemas.openxmlformats.org/presentationml/2006/main" saveSubsetFonts="1" autoCompressPictures="0">
+<p:presentation xmlns:a="http://schemas.openxmlformats.org/drawingml/2006/main" xmlns:r="http://schemas.openxmlformats.org/officeDocument/2006/relationships" xmlns:mc="http://schemas.openxmlformats.org/markup-compatibility/2006" xmlns:mv="urn:schemas-microsoft-com:mac:vml" xmlns:p="http://schemas.openxmlformats.org/presentationml/2006/main" mc:Ignorable="mv" mc:PreserveAttributes="mv:*" saveSubsetFonts="1" autoCompressPictures="0">
   <p:sldMasterIdLst>
     <p:sldMasterId id="2147483648" r:id="rId1"/>
   </p:sldMasterIdLst>
@@ -111,7 +111,7 @@
 </file>
 
 <file path=ppt/notesMasters/notesMaster1.xml><?xml version="1.0" encoding="utf-8"?>
-<p:notesMaster xmlns:a="http://schemas.openxmlformats.org/drawingml/2006/main" xmlns:r="http://schemas.openxmlformats.org/officeDocument/2006/relationships" xmlns:p="http://schemas.openxmlformats.org/presentationml/2006/main">
+<p:notesMaster xmlns:a="http://schemas.openxmlformats.org/drawingml/2006/main" xmlns:r="http://schemas.openxmlformats.org/officeDocument/2006/relationships" xmlns:mc="http://schemas.openxmlformats.org/markup-compatibility/2006" xmlns:mv="urn:schemas-microsoft-com:mac:vml" xmlns:p="http://schemas.openxmlformats.org/presentationml/2006/main" mc:Ignorable="mv" mc:PreserveAttributes="mv:*">
   <p:cSld>
     <p:bg>
       <p:bgRef idx="1001">
@@ -364,7 +364,7 @@
     </p:spTree>
     <p:extLst>
       <p:ext uri="{BB962C8B-B14F-4D97-AF65-F5344CB8AC3E}">
-        <p14:creationId xmlns:p14="http://schemas.microsoft.com/office/powerpoint/2010/main" val="3208004686"/>
+        <p14:creationId xmlns:p14="http://schemas.microsoft.com/office/powerpoint/2010/main" xmlns:p="http://schemas.openxmlformats.org/presentationml/2006/main" xmlns:r="http://schemas.openxmlformats.org/officeDocument/2006/relationships" xmlns:a="http://schemas.openxmlformats.org/drawingml/2006/main" xmlns="" val="3208004686"/>
       </p:ext>
     </p:extLst>
   </p:cSld>
@@ -464,8 +464,283 @@
 </p:notesMaster>
 </file>
 
+<file path=ppt/notesSlides/notesSlide1.xml><?xml version="1.0" encoding="utf-8"?>
+<p:notes xmlns:a="http://schemas.openxmlformats.org/drawingml/2006/main" xmlns:r="http://schemas.openxmlformats.org/officeDocument/2006/relationships" xmlns:mc="http://schemas.openxmlformats.org/markup-compatibility/2006" xmlns:mv="urn:schemas-microsoft-com:mac:vml" xmlns:p="http://schemas.openxmlformats.org/presentationml/2006/main" mc:Ignorable="mv" mc:PreserveAttributes="mv:*">
+  <p:cSld>
+    <p:spTree>
+      <p:nvGrpSpPr>
+        <p:cNvPr id="1" name=""/>
+        <p:cNvGrpSpPr/>
+        <p:nvPr/>
+      </p:nvGrpSpPr>
+      <p:grpSpPr>
+        <a:xfrm>
+          <a:off x="0" y="0"/>
+          <a:ext cx="0" cy="0"/>
+          <a:chOff x="0" y="0"/>
+          <a:chExt cx="0" cy="0"/>
+        </a:xfrm>
+      </p:grpSpPr>
+      <p:sp>
+        <p:nvSpPr>
+          <p:cNvPr id="2" name="Slide Image Placeholder 1"/>
+          <p:cNvSpPr>
+            <a:spLocks noGrp="1" noRot="1" noChangeAspect="1"/>
+          </p:cNvSpPr>
+          <p:nvPr>
+            <p:ph type="sldImg"/>
+          </p:nvPr>
+        </p:nvSpPr>
+        <p:spPr/>
+      </p:sp>
+      <p:sp>
+        <p:nvSpPr>
+          <p:cNvPr id="3" name="Notes Placeholder 2"/>
+          <p:cNvSpPr>
+            <a:spLocks noGrp="1"/>
+          </p:cNvSpPr>
+          <p:nvPr>
+            <p:ph type="body" idx="1"/>
+          </p:nvPr>
+        </p:nvSpPr>
+        <p:spPr/>
+        <p:txBody>
+          <a:bodyPr>
+            <a:normAutofit lnSpcReduction="10000"/>
+          </a:bodyPr>
+          <a:lstStyle/>
+          <a:p>
+            <a:r>
+              <a:rPr lang="en-US" dirty="0" smtClean="0"/>
+              <a:t>AV45 Factor loadings:</a:t>
+            </a:r>
+          </a:p>
+          <a:p>
+            <a:pPr>
+              <a:buFontTx/>
+              <a:buChar char="-"/>
+            </a:pPr>
+            <a:r>
+              <a:rPr lang="en-US" baseline="0" dirty="0" smtClean="0"/>
+              <a:t>Factor loadings as regional correlations, regional summaries</a:t>
+            </a:r>
+          </a:p>
+          <a:p>
+            <a:pPr>
+              <a:buFontTx/>
+              <a:buChar char="-"/>
+            </a:pPr>
+            <a:endParaRPr lang="en-US" baseline="0" dirty="0" smtClean="0"/>
+          </a:p>
+          <a:p>
+            <a:pPr>
+              <a:buFontTx/>
+              <a:buNone/>
+            </a:pPr>
+            <a:r>
+              <a:rPr lang="en-US" baseline="0" dirty="0" smtClean="0"/>
+              <a:t>AV45 comparison to cortical summary SUVR</a:t>
+            </a:r>
+          </a:p>
+          <a:p>
+            <a:pPr>
+              <a:buFontTx/>
+              <a:buChar char="-"/>
+            </a:pPr>
+            <a:r>
+              <a:rPr lang="en-US" baseline="0" dirty="0" smtClean="0"/>
+              <a:t> Brain visualization comparison (NSFA6, NSFA14, NSFA5, cortical summary </a:t>
+            </a:r>
+            <a:r>
+              <a:rPr lang="en-US" baseline="0" dirty="0" err="1" smtClean="0"/>
+              <a:t>roi</a:t>
+            </a:r>
+            <a:r>
+              <a:rPr lang="en-US" baseline="0" dirty="0" smtClean="0"/>
+              <a:t> mask)</a:t>
+            </a:r>
+          </a:p>
+          <a:p>
+            <a:pPr>
+              <a:buFontTx/>
+              <a:buChar char="-"/>
+            </a:pPr>
+            <a:r>
+              <a:rPr lang="en-US" baseline="0" dirty="0" smtClean="0"/>
+              <a:t> linear fit against each other</a:t>
+            </a:r>
+          </a:p>
+          <a:p>
+            <a:pPr>
+              <a:buFontTx/>
+              <a:buChar char="-"/>
+            </a:pPr>
+            <a:endParaRPr lang="en-US" baseline="0" dirty="0" smtClean="0"/>
+          </a:p>
+          <a:p>
+            <a:pPr>
+              <a:buFontTx/>
+              <a:buNone/>
+            </a:pPr>
+            <a:r>
+              <a:rPr lang="en-US" baseline="0" dirty="0" smtClean="0"/>
+              <a:t>AV45 penalized regression</a:t>
+            </a:r>
+          </a:p>
+          <a:p>
+            <a:pPr>
+              <a:buFontTx/>
+              <a:buChar char="-"/>
+            </a:pPr>
+            <a:r>
+              <a:rPr lang="en-US" baseline="0" dirty="0" smtClean="0"/>
+              <a:t>Of the positive subjects on ADAS-Cog + AVLT</a:t>
+            </a:r>
+          </a:p>
+          <a:p>
+            <a:pPr>
+              <a:buFontTx/>
+              <a:buChar char="-"/>
+            </a:pPr>
+            <a:r>
+              <a:rPr lang="en-US" baseline="0" dirty="0" smtClean="0"/>
+              <a:t>Report R2 shrinkage</a:t>
+            </a:r>
+          </a:p>
+          <a:p>
+            <a:pPr>
+              <a:buFontTx/>
+              <a:buNone/>
+            </a:pPr>
+            <a:endParaRPr lang="en-US" baseline="0" dirty="0" smtClean="0"/>
+          </a:p>
+          <a:p>
+            <a:pPr>
+              <a:buFontTx/>
+              <a:buNone/>
+            </a:pPr>
+            <a:r>
+              <a:rPr lang="en-US" baseline="0" dirty="0" smtClean="0"/>
+              <a:t>AV1451 Factor loadings:</a:t>
+            </a:r>
+          </a:p>
+          <a:p>
+            <a:pPr>
+              <a:buFontTx/>
+              <a:buChar char="-"/>
+            </a:pPr>
+            <a:r>
+              <a:rPr lang="en-US" baseline="0" dirty="0" smtClean="0"/>
+              <a:t>Factor loadings as regional correlations, regional summaries</a:t>
+            </a:r>
+          </a:p>
+          <a:p>
+            <a:pPr>
+              <a:buFontTx/>
+              <a:buChar char="-"/>
+            </a:pPr>
+            <a:endParaRPr lang="en-US" baseline="0" dirty="0" smtClean="0"/>
+          </a:p>
+          <a:p>
+            <a:pPr>
+              <a:buFontTx/>
+              <a:buNone/>
+            </a:pPr>
+            <a:r>
+              <a:rPr lang="en-US" baseline="0" dirty="0" smtClean="0"/>
+              <a:t>AV45 comparison with </a:t>
+            </a:r>
+            <a:r>
+              <a:rPr lang="en-US" baseline="0" dirty="0" err="1" smtClean="0"/>
+              <a:t>braak</a:t>
+            </a:r>
+            <a:r>
+              <a:rPr lang="en-US" baseline="0" dirty="0" smtClean="0"/>
+              <a:t> regions</a:t>
+            </a:r>
+          </a:p>
+          <a:p>
+            <a:pPr>
+              <a:buFontTx/>
+              <a:buChar char="-"/>
+            </a:pPr>
+            <a:r>
+              <a:rPr lang="en-US" baseline="0" dirty="0" smtClean="0"/>
+              <a:t>Brain visualization (NSFA0, </a:t>
+            </a:r>
+            <a:r>
+              <a:rPr lang="en-US" baseline="0" dirty="0" err="1" smtClean="0"/>
+              <a:t>braak</a:t>
+            </a:r>
+            <a:r>
+              <a:rPr lang="en-US" baseline="0" dirty="0" smtClean="0"/>
+              <a:t> masks)</a:t>
+            </a:r>
+          </a:p>
+          <a:p>
+            <a:pPr>
+              <a:buFontTx/>
+              <a:buNone/>
+            </a:pPr>
+            <a:endParaRPr lang="en-US" baseline="0" dirty="0" smtClean="0"/>
+          </a:p>
+          <a:p>
+            <a:pPr>
+              <a:buFontTx/>
+              <a:buChar char="-"/>
+            </a:pPr>
+            <a:r>
+              <a:rPr lang="en-US" baseline="0" dirty="0" smtClean="0"/>
+              <a:t>AV1451 penalized regression</a:t>
+            </a:r>
+          </a:p>
+          <a:p>
+            <a:pPr>
+              <a:buFontTx/>
+              <a:buChar char="-"/>
+            </a:pPr>
+            <a:r>
+              <a:rPr lang="en-US" baseline="0" dirty="0" smtClean="0"/>
+              <a:t>- against ADAS-COG + AVLT</a:t>
+            </a:r>
+            <a:endParaRPr lang="en-US" dirty="0" smtClean="0"/>
+          </a:p>
+        </p:txBody>
+      </p:sp>
+      <p:sp>
+        <p:nvSpPr>
+          <p:cNvPr id="4" name="Slide Number Placeholder 3"/>
+          <p:cNvSpPr>
+            <a:spLocks noGrp="1"/>
+          </p:cNvSpPr>
+          <p:nvPr>
+            <p:ph type="sldNum" sz="quarter" idx="10"/>
+          </p:nvPr>
+        </p:nvSpPr>
+        <p:spPr/>
+        <p:txBody>
+          <a:bodyPr/>
+          <a:lstStyle/>
+          <a:p>
+            <a:fld id="{EDC3963F-059A-F942-B5E2-FC104F9B7963}" type="slidenum">
+              <a:rPr lang="en-US" smtClean="0"/>
+              <a:pPr/>
+              <a:t>1</a:t>
+            </a:fld>
+            <a:endParaRPr lang="en-US"/>
+          </a:p>
+        </p:txBody>
+      </p:sp>
+    </p:spTree>
+  </p:cSld>
+  <p:clrMapOvr>
+    <a:masterClrMapping/>
+  </p:clrMapOvr>
+</p:notes>
+</file>
+
 <file path=ppt/slideLayouts/slideLayout1.xml><?xml version="1.0" encoding="utf-8"?>
-<p:sldLayout xmlns:a="http://schemas.openxmlformats.org/drawingml/2006/main" xmlns:r="http://schemas.openxmlformats.org/officeDocument/2006/relationships" xmlns:p="http://schemas.openxmlformats.org/presentationml/2006/main" type="title" preserve="1">
+<p:sldLayout xmlns:a="http://schemas.openxmlformats.org/drawingml/2006/main" xmlns:r="http://schemas.openxmlformats.org/officeDocument/2006/relationships" xmlns:mc="http://schemas.openxmlformats.org/markup-compatibility/2006" xmlns:mv="urn:schemas-microsoft-com:mac:vml" xmlns:p="http://schemas.openxmlformats.org/presentationml/2006/main" mc:Ignorable="mv" mc:PreserveAttributes="mv:*" type="title" preserve="1">
   <p:cSld name="Title Slide">
     <p:spTree>
       <p:nvGrpSpPr>
@@ -704,7 +979,7 @@
 </file>
 
 <file path=ppt/slideLayouts/slideLayout10.xml><?xml version="1.0" encoding="utf-8"?>
-<p:sldLayout xmlns:a="http://schemas.openxmlformats.org/drawingml/2006/main" xmlns:r="http://schemas.openxmlformats.org/officeDocument/2006/relationships" xmlns:p="http://schemas.openxmlformats.org/presentationml/2006/main" type="vertTx" preserve="1">
+<p:sldLayout xmlns:a="http://schemas.openxmlformats.org/drawingml/2006/main" xmlns:r="http://schemas.openxmlformats.org/officeDocument/2006/relationships" xmlns:mc="http://schemas.openxmlformats.org/markup-compatibility/2006" xmlns:mv="urn:schemas-microsoft-com:mac:vml" xmlns:p="http://schemas.openxmlformats.org/presentationml/2006/main" mc:Ignorable="mv" mc:PreserveAttributes="mv:*" type="vertTx" preserve="1">
   <p:cSld name="Title and Vertical Text">
     <p:spTree>
       <p:nvGrpSpPr>
@@ -871,7 +1146,7 @@
 </file>
 
 <file path=ppt/slideLayouts/slideLayout11.xml><?xml version="1.0" encoding="utf-8"?>
-<p:sldLayout xmlns:a="http://schemas.openxmlformats.org/drawingml/2006/main" xmlns:r="http://schemas.openxmlformats.org/officeDocument/2006/relationships" xmlns:p="http://schemas.openxmlformats.org/presentationml/2006/main" type="vertTitleAndTx" preserve="1">
+<p:sldLayout xmlns:a="http://schemas.openxmlformats.org/drawingml/2006/main" xmlns:r="http://schemas.openxmlformats.org/officeDocument/2006/relationships" xmlns:mc="http://schemas.openxmlformats.org/markup-compatibility/2006" xmlns:mv="urn:schemas-microsoft-com:mac:vml" xmlns:p="http://schemas.openxmlformats.org/presentationml/2006/main" mc:Ignorable="mv" mc:PreserveAttributes="mv:*" type="vertTitleAndTx" preserve="1">
   <p:cSld name="Vertical Title and Text">
     <p:spTree>
       <p:nvGrpSpPr>
@@ -1048,7 +1323,7 @@
 </file>
 
 <file path=ppt/slideLayouts/slideLayout2.xml><?xml version="1.0" encoding="utf-8"?>
-<p:sldLayout xmlns:a="http://schemas.openxmlformats.org/drawingml/2006/main" xmlns:r="http://schemas.openxmlformats.org/officeDocument/2006/relationships" xmlns:p="http://schemas.openxmlformats.org/presentationml/2006/main" type="obj" preserve="1">
+<p:sldLayout xmlns:a="http://schemas.openxmlformats.org/drawingml/2006/main" xmlns:r="http://schemas.openxmlformats.org/officeDocument/2006/relationships" xmlns:mc="http://schemas.openxmlformats.org/markup-compatibility/2006" xmlns:mv="urn:schemas-microsoft-com:mac:vml" xmlns:p="http://schemas.openxmlformats.org/presentationml/2006/main" mc:Ignorable="mv" mc:PreserveAttributes="mv:*" type="obj" preserve="1">
   <p:cSld name="Title and Content">
     <p:spTree>
       <p:nvGrpSpPr>
@@ -1215,7 +1490,7 @@
 </file>
 
 <file path=ppt/slideLayouts/slideLayout3.xml><?xml version="1.0" encoding="utf-8"?>
-<p:sldLayout xmlns:a="http://schemas.openxmlformats.org/drawingml/2006/main" xmlns:r="http://schemas.openxmlformats.org/officeDocument/2006/relationships" xmlns:p="http://schemas.openxmlformats.org/presentationml/2006/main" type="secHead" preserve="1">
+<p:sldLayout xmlns:a="http://schemas.openxmlformats.org/drawingml/2006/main" xmlns:r="http://schemas.openxmlformats.org/officeDocument/2006/relationships" xmlns:mc="http://schemas.openxmlformats.org/markup-compatibility/2006" xmlns:mv="urn:schemas-microsoft-com:mac:vml" xmlns:p="http://schemas.openxmlformats.org/presentationml/2006/main" mc:Ignorable="mv" mc:PreserveAttributes="mv:*" type="secHead" preserve="1">
   <p:cSld name="Section Header">
     <p:spTree>
       <p:nvGrpSpPr>
@@ -1458,7 +1733,7 @@
 </file>
 
 <file path=ppt/slideLayouts/slideLayout4.xml><?xml version="1.0" encoding="utf-8"?>
-<p:sldLayout xmlns:a="http://schemas.openxmlformats.org/drawingml/2006/main" xmlns:r="http://schemas.openxmlformats.org/officeDocument/2006/relationships" xmlns:p="http://schemas.openxmlformats.org/presentationml/2006/main" type="twoObj" preserve="1">
+<p:sldLayout xmlns:a="http://schemas.openxmlformats.org/drawingml/2006/main" xmlns:r="http://schemas.openxmlformats.org/officeDocument/2006/relationships" xmlns:mc="http://schemas.openxmlformats.org/markup-compatibility/2006" xmlns:mv="urn:schemas-microsoft-com:mac:vml" xmlns:p="http://schemas.openxmlformats.org/presentationml/2006/main" mc:Ignorable="mv" mc:PreserveAttributes="mv:*" type="twoObj" preserve="1">
   <p:cSld name="Two Content">
     <p:spTree>
       <p:nvGrpSpPr>
@@ -1743,7 +2018,7 @@
 </file>
 
 <file path=ppt/slideLayouts/slideLayout5.xml><?xml version="1.0" encoding="utf-8"?>
-<p:sldLayout xmlns:a="http://schemas.openxmlformats.org/drawingml/2006/main" xmlns:r="http://schemas.openxmlformats.org/officeDocument/2006/relationships" xmlns:p="http://schemas.openxmlformats.org/presentationml/2006/main" type="twoTxTwoObj" preserve="1">
+<p:sldLayout xmlns:a="http://schemas.openxmlformats.org/drawingml/2006/main" xmlns:r="http://schemas.openxmlformats.org/officeDocument/2006/relationships" xmlns:mc="http://schemas.openxmlformats.org/markup-compatibility/2006" xmlns:mv="urn:schemas-microsoft-com:mac:vml" xmlns:p="http://schemas.openxmlformats.org/presentationml/2006/main" mc:Ignorable="mv" mc:PreserveAttributes="mv:*" type="twoTxTwoObj" preserve="1">
   <p:cSld name="Comparison">
     <p:spTree>
       <p:nvGrpSpPr>
@@ -2162,7 +2437,7 @@
 </file>
 
 <file path=ppt/slideLayouts/slideLayout6.xml><?xml version="1.0" encoding="utf-8"?>
-<p:sldLayout xmlns:a="http://schemas.openxmlformats.org/drawingml/2006/main" xmlns:r="http://schemas.openxmlformats.org/officeDocument/2006/relationships" xmlns:p="http://schemas.openxmlformats.org/presentationml/2006/main" type="titleOnly" preserve="1">
+<p:sldLayout xmlns:a="http://schemas.openxmlformats.org/drawingml/2006/main" xmlns:r="http://schemas.openxmlformats.org/officeDocument/2006/relationships" xmlns:mc="http://schemas.openxmlformats.org/markup-compatibility/2006" xmlns:mv="urn:schemas-microsoft-com:mac:vml" xmlns:p="http://schemas.openxmlformats.org/presentationml/2006/main" mc:Ignorable="mv" mc:PreserveAttributes="mv:*" type="titleOnly" preserve="1">
   <p:cSld name="Title Only">
     <p:spTree>
       <p:nvGrpSpPr>
@@ -2277,7 +2552,7 @@
 </file>
 
 <file path=ppt/slideLayouts/slideLayout7.xml><?xml version="1.0" encoding="utf-8"?>
-<p:sldLayout xmlns:a="http://schemas.openxmlformats.org/drawingml/2006/main" xmlns:r="http://schemas.openxmlformats.org/officeDocument/2006/relationships" xmlns:p="http://schemas.openxmlformats.org/presentationml/2006/main" type="blank" preserve="1">
+<p:sldLayout xmlns:a="http://schemas.openxmlformats.org/drawingml/2006/main" xmlns:r="http://schemas.openxmlformats.org/officeDocument/2006/relationships" xmlns:mc="http://schemas.openxmlformats.org/markup-compatibility/2006" xmlns:mv="urn:schemas-microsoft-com:mac:vml" xmlns:p="http://schemas.openxmlformats.org/presentationml/2006/main" mc:Ignorable="mv" mc:PreserveAttributes="mv:*" type="blank" preserve="1">
   <p:cSld name="Blank">
     <p:spTree>
       <p:nvGrpSpPr>
@@ -2369,7 +2644,7 @@
 </file>
 
 <file path=ppt/slideLayouts/slideLayout8.xml><?xml version="1.0" encoding="utf-8"?>
-<p:sldLayout xmlns:a="http://schemas.openxmlformats.org/drawingml/2006/main" xmlns:r="http://schemas.openxmlformats.org/officeDocument/2006/relationships" xmlns:p="http://schemas.openxmlformats.org/presentationml/2006/main" type="objTx" preserve="1">
+<p:sldLayout xmlns:a="http://schemas.openxmlformats.org/drawingml/2006/main" xmlns:r="http://schemas.openxmlformats.org/officeDocument/2006/relationships" xmlns:mc="http://schemas.openxmlformats.org/markup-compatibility/2006" xmlns:mv="urn:schemas-microsoft-com:mac:vml" xmlns:p="http://schemas.openxmlformats.org/presentationml/2006/main" mc:Ignorable="mv" mc:PreserveAttributes="mv:*" type="objTx" preserve="1">
   <p:cSld name="Content with Caption">
     <p:spTree>
       <p:nvGrpSpPr>
@@ -2643,7 +2918,7 @@
 </file>
 
 <file path=ppt/slideLayouts/slideLayout9.xml><?xml version="1.0" encoding="utf-8"?>
-<p:sldLayout xmlns:a="http://schemas.openxmlformats.org/drawingml/2006/main" xmlns:r="http://schemas.openxmlformats.org/officeDocument/2006/relationships" xmlns:p="http://schemas.openxmlformats.org/presentationml/2006/main" type="picTx" preserve="1">
+<p:sldLayout xmlns:a="http://schemas.openxmlformats.org/drawingml/2006/main" xmlns:r="http://schemas.openxmlformats.org/officeDocument/2006/relationships" xmlns:mc="http://schemas.openxmlformats.org/markup-compatibility/2006" xmlns:mv="urn:schemas-microsoft-com:mac:vml" xmlns:p="http://schemas.openxmlformats.org/presentationml/2006/main" mc:Ignorable="mv" mc:PreserveAttributes="mv:*" type="picTx" preserve="1">
   <p:cSld name="Picture with Caption">
     <p:spTree>
       <p:nvGrpSpPr>
@@ -2893,7 +3168,7 @@
 </file>
 
 <file path=ppt/slideMasters/slideMaster1.xml><?xml version="1.0" encoding="utf-8"?>
-<p:sldMaster xmlns:a="http://schemas.openxmlformats.org/drawingml/2006/main" xmlns:r="http://schemas.openxmlformats.org/officeDocument/2006/relationships" xmlns:p="http://schemas.openxmlformats.org/presentationml/2006/main">
+<p:sldMaster xmlns:a="http://schemas.openxmlformats.org/drawingml/2006/main" xmlns:r="http://schemas.openxmlformats.org/officeDocument/2006/relationships" xmlns:mc="http://schemas.openxmlformats.org/markup-compatibility/2006" xmlns:mv="urn:schemas-microsoft-com:mac:vml" xmlns:p="http://schemas.openxmlformats.org/presentationml/2006/main" mc:Ignorable="mv" mc:PreserveAttributes="mv:*">
   <p:cSld>
     <p:bg>
       <p:bgRef idx="1001">
@@ -3400,7 +3675,7 @@
 </file>
 
 <file path=ppt/slides/slide1.xml><?xml version="1.0" encoding="utf-8"?>
-<p:sld xmlns:a="http://schemas.openxmlformats.org/drawingml/2006/main" xmlns:r="http://schemas.openxmlformats.org/officeDocument/2006/relationships" xmlns:p="http://schemas.openxmlformats.org/presentationml/2006/main">
+<p:sld xmlns:a="http://schemas.openxmlformats.org/drawingml/2006/main" xmlns:r="http://schemas.openxmlformats.org/officeDocument/2006/relationships" xmlns:mc="http://schemas.openxmlformats.org/markup-compatibility/2006" xmlns:mv="urn:schemas-microsoft-com:mac:vml" xmlns:p="http://schemas.openxmlformats.org/presentationml/2006/main" mc:Ignorable="mv" mc:PreserveAttributes="mv:*">
   <p:cSld>
     <p:bg>
       <p:bgPr>
@@ -3708,7 +3983,7 @@
           <p:nvPr/>
         </p:nvPicPr>
         <p:blipFill>
-          <a:blip r:embed="rId2"/>
+          <a:blip r:embed="rId3"/>
           <a:stretch>
             <a:fillRect/>
           </a:stretch>
@@ -3732,7 +4007,7 @@
           <p:nvPr/>
         </p:nvPicPr>
         <p:blipFill>
-          <a:blip r:embed="rId3"/>
+          <a:blip r:embed="rId4"/>
           <a:stretch>
             <a:fillRect/>
           </a:stretch>
@@ -3901,7 +4176,7 @@
         </p:nvSpPr>
         <p:spPr>
           <a:xfrm>
-            <a:off x="2141428" y="11942379"/>
+            <a:off x="2232145" y="11942379"/>
             <a:ext cx="3926665" cy="1233671"/>
           </a:xfrm>
           <a:prstGeom prst="rect">
@@ -3974,7 +4249,7 @@
         </p:nvSpPr>
         <p:spPr>
           <a:xfrm>
-            <a:off x="28001513" y="3933461"/>
+            <a:off x="23949460" y="3951229"/>
             <a:ext cx="9737024" cy="1233671"/>
           </a:xfrm>
           <a:prstGeom prst="rect">
@@ -4047,7 +4322,7 @@
         </p:nvSpPr>
         <p:spPr>
           <a:xfrm>
-            <a:off x="241913" y="5261203"/>
+            <a:off x="332630" y="5261203"/>
             <a:ext cx="7650519" cy="6657658"/>
           </a:xfrm>
           <a:prstGeom prst="roundRect">
@@ -4090,7 +4365,7 @@
         </p:nvSpPr>
         <p:spPr>
           <a:xfrm>
-            <a:off x="241913" y="13199568"/>
+            <a:off x="332630" y="13199568"/>
             <a:ext cx="7650519" cy="5794503"/>
           </a:xfrm>
           <a:prstGeom prst="roundRect">
@@ -4133,7 +4408,7 @@
         </p:nvSpPr>
         <p:spPr>
           <a:xfrm>
-            <a:off x="8127612" y="5261203"/>
+            <a:off x="8218329" y="5261203"/>
             <a:ext cx="7862193" cy="13732868"/>
           </a:xfrm>
           <a:prstGeom prst="roundRect">
@@ -4176,8 +4451,8 @@
         </p:nvSpPr>
         <p:spPr>
           <a:xfrm>
-            <a:off x="24009927" y="5261203"/>
-            <a:ext cx="16873480" cy="13732868"/>
+            <a:off x="16322434" y="5261203"/>
+            <a:ext cx="24470255" cy="13732868"/>
           </a:xfrm>
           <a:prstGeom prst="roundRect">
             <a:avLst>
@@ -4219,7 +4494,7 @@
         </p:nvSpPr>
         <p:spPr>
           <a:xfrm>
-            <a:off x="615848" y="5666353"/>
+            <a:off x="706565" y="5666353"/>
             <a:ext cx="6904211" cy="5940089"/>
           </a:xfrm>
           <a:prstGeom prst="rect">
@@ -4275,17 +4550,8 @@
               <a:rPr lang="en-US" sz="1800" dirty="0" smtClean="0">
                 <a:latin typeface="Arial"/>
               </a:rPr>
-              <a:t> burden</a:t>
-            </a:r>
-            <a:r>
-              <a:rPr lang="en-US" sz="1800" dirty="0" smtClean="0">
-                <a:latin typeface="Arial"/>
-              </a:rPr>
-              <a:t>.</a:t>
-            </a:r>
-            <a:endParaRPr lang="en-US" sz="1800" dirty="0" smtClean="0">
-              <a:latin typeface="Arial"/>
-            </a:endParaRPr>
+              <a:t> burden.</a:t>
+            </a:r>
           </a:p>
           <a:p>
             <a:pPr>
@@ -4387,17 +4653,8 @@
               <a:rPr lang="en-US" sz="1800" b="1" dirty="0" smtClean="0">
                 <a:latin typeface="Arial"/>
               </a:rPr>
-              <a:t>F-AV-1451 PET scans to standardized units via a regionally-unbiased intensity normalization method</a:t>
-            </a:r>
-            <a:r>
-              <a:rPr lang="en-US" sz="1800" b="1" dirty="0" smtClean="0">
-                <a:latin typeface="Arial"/>
-              </a:rPr>
-              <a:t>.</a:t>
-            </a:r>
-            <a:endParaRPr lang="en-US" sz="1800" b="1" dirty="0" smtClean="0">
-              <a:latin typeface="Arial"/>
-            </a:endParaRPr>
+              <a:t>F-AV-1451 PET scans to standardized units via a regionally-unbiased intensity normalization method.</a:t>
+            </a:r>
           </a:p>
           <a:p>
             <a:pPr>
@@ -4408,17 +4665,8 @@
               <a:rPr lang="en-US" sz="1800" b="1" dirty="0" smtClean="0">
                 <a:latin typeface="Arial"/>
               </a:rPr>
-              <a:t> Perform a sparse nonparametric factor analysis of the normalized regional dataset, determining a set of recurring uptake topographies underlying the variance in individual uptake patterns</a:t>
-            </a:r>
-            <a:r>
-              <a:rPr lang="en-US" sz="1800" b="1" dirty="0" smtClean="0">
-                <a:latin typeface="Arial"/>
-              </a:rPr>
-              <a:t>.</a:t>
-            </a:r>
-            <a:endParaRPr lang="en-US" sz="1800" b="1" dirty="0" smtClean="0">
-              <a:latin typeface="Arial"/>
-            </a:endParaRPr>
+              <a:t> Perform a sparse nonparametric factor analysis of the normalized regional dataset, determining a set of recurring uptake topographies underlying the variance in individual uptake patterns.</a:t>
+            </a:r>
           </a:p>
           <a:p>
             <a:pPr>
@@ -4452,13 +4700,13 @@
           <p:nvPr>
             <p:extLst>
               <p:ext uri="{D42A27DB-BD31-4B8C-83A1-F6EECF244321}">
-                <p14:modId xmlns:p14="http://schemas.microsoft.com/office/powerpoint/2010/main" val="2693446380"/>
+                <p14:modId xmlns:p14="http://schemas.microsoft.com/office/powerpoint/2010/main" xmlns:p="http://schemas.openxmlformats.org/presentationml/2006/main" xmlns:r="http://schemas.openxmlformats.org/officeDocument/2006/relationships" xmlns:a="http://schemas.openxmlformats.org/drawingml/2006/main" xmlns="" val="2693446380"/>
               </p:ext>
             </p:extLst>
           </p:nvPr>
         </p:nvGraphicFramePr>
         <p:xfrm>
-          <a:off x="615848" y="13485016"/>
+          <a:off x="706565" y="13485016"/>
           <a:ext cx="6904211" cy="5199452"/>
         </p:xfrm>
         <a:graphic>
@@ -5004,7 +5252,7 @@
         </p:nvSpPr>
         <p:spPr>
           <a:xfrm>
-            <a:off x="8541936" y="5546505"/>
+            <a:off x="8632653" y="5546505"/>
             <a:ext cx="7033846" cy="2862322"/>
           </a:xfrm>
           <a:prstGeom prst="rect">
@@ -5125,7 +5373,7 @@
         </p:nvGrpSpPr>
         <p:grpSpPr>
           <a:xfrm>
-            <a:off x="10023808" y="8267719"/>
+            <a:off x="10114525" y="8267719"/>
             <a:ext cx="4053770" cy="1911661"/>
             <a:chOff x="28001513" y="11888509"/>
             <a:chExt cx="4053770" cy="1911661"/>
@@ -5140,10 +5388,10 @@
             <p:nvPr/>
           </p:nvPicPr>
           <p:blipFill>
-            <a:blip r:embed="rId4">
+            <a:blip r:embed="rId5">
               <a:extLst>
                 <a:ext uri="{28A0092B-C50C-407E-A947-70E740481C1C}">
-                  <a14:useLocalDpi xmlns:a14="http://schemas.microsoft.com/office/drawing/2010/main" val="0"/>
+                  <a14:useLocalDpi xmlns:a14="http://schemas.microsoft.com/office/drawing/2010/main" xmlns:p="http://schemas.openxmlformats.org/presentationml/2006/main" xmlns:r="http://schemas.openxmlformats.org/officeDocument/2006/relationships" xmlns:a="http://schemas.openxmlformats.org/drawingml/2006/main" xmlns="" val="0"/>
                 </a:ext>
               </a:extLst>
             </a:blip>
@@ -5324,7 +5572,7 @@
         </p:nvSpPr>
         <p:spPr>
           <a:xfrm>
-            <a:off x="8541936" y="10622694"/>
+            <a:off x="8632653" y="10622694"/>
             <a:ext cx="7033846" cy="2339102"/>
           </a:xfrm>
           <a:prstGeom prst="rect">
@@ -5413,10 +5661,10 @@
           <p:nvPr/>
         </p:nvPicPr>
         <p:blipFill rotWithShape="1">
-          <a:blip r:embed="rId5">
+          <a:blip r:embed="rId6">
             <a:extLst>
               <a:ext uri="{28A0092B-C50C-407E-A947-70E740481C1C}">
-                <a14:useLocalDpi xmlns:a14="http://schemas.microsoft.com/office/drawing/2010/main" val="0"/>
+                <a14:useLocalDpi xmlns:a14="http://schemas.microsoft.com/office/drawing/2010/main" xmlns:p="http://schemas.openxmlformats.org/presentationml/2006/main" xmlns:r="http://schemas.openxmlformats.org/officeDocument/2006/relationships" xmlns:a="http://schemas.openxmlformats.org/drawingml/2006/main" xmlns="" val="0"/>
               </a:ext>
             </a:extLst>
           </a:blip>
@@ -5425,7 +5673,7 @@
         </p:blipFill>
         <p:spPr>
           <a:xfrm>
-            <a:off x="9121445" y="12961796"/>
+            <a:off x="9212162" y="13112996"/>
             <a:ext cx="1987901" cy="2262981"/>
           </a:xfrm>
           <a:prstGeom prst="rect">
@@ -5441,7 +5689,7 @@
         </p:nvSpPr>
         <p:spPr>
           <a:xfrm>
-            <a:off x="11276173" y="13735888"/>
+            <a:off x="11366890" y="13887088"/>
             <a:ext cx="3757289" cy="830997"/>
           </a:xfrm>
           <a:prstGeom prst="rect">
@@ -5487,7 +5735,7 @@
         </p:nvSpPr>
         <p:spPr>
           <a:xfrm>
-            <a:off x="8541936" y="15545360"/>
+            <a:off x="8632653" y="15545360"/>
             <a:ext cx="7033846" cy="3447098"/>
           </a:xfrm>
           <a:prstGeom prst="rect">
@@ -5595,19 +5843,267 @@
               <a:rPr lang="en-US" sz="1800" dirty="0" smtClean="0">
                 <a:latin typeface="Arial"/>
               </a:rPr>
-              <a:t>     - Penalized linear regression models targeting memory and    </a:t>
-            </a:r>
-          </a:p>
-          <a:p>
+              <a:t>     - Penalized linear regression </a:t>
+            </a:r>
             <a:r>
               <a:rPr lang="en-US" sz="1800" dirty="0" smtClean="0">
                 <a:latin typeface="Arial"/>
               </a:rPr>
-              <a:t>        subsequent accumulation</a:t>
+              <a:t>models (LARS) </a:t>
+            </a:r>
+            <a:r>
+              <a:rPr lang="en-US" sz="1800" dirty="0" smtClean="0">
+                <a:latin typeface="Arial"/>
+              </a:rPr>
+              <a:t>targeting </a:t>
+            </a:r>
+            <a:r>
+              <a:rPr lang="en-US" sz="1800" dirty="0" smtClean="0">
+                <a:latin typeface="Arial"/>
+              </a:rPr>
+              <a:t>memory</a:t>
+            </a:r>
+            <a:r>
+              <a:rPr lang="en-US" sz="1800" dirty="0" smtClean="0">
+                <a:latin typeface="Arial"/>
+              </a:rPr>
+              <a:t> </a:t>
+            </a:r>
+          </a:p>
+          <a:p>
+            <a:r>
+              <a:rPr lang="en-US" sz="1800" dirty="0" smtClean="0">
+                <a:latin typeface="Arial"/>
+              </a:rPr>
+              <a:t>        and subsequent </a:t>
+            </a:r>
+            <a:r>
+              <a:rPr lang="en-US" sz="1800" dirty="0" smtClean="0">
+                <a:latin typeface="Arial"/>
+              </a:rPr>
+              <a:t>accumulation</a:t>
             </a:r>
           </a:p>
           <a:p>
             <a:endParaRPr lang="en-US" sz="1800" dirty="0" smtClean="0">
+              <a:latin typeface="Arial"/>
+            </a:endParaRPr>
+          </a:p>
+        </p:txBody>
+      </p:sp>
+      <p:sp>
+        <p:nvSpPr>
+          <p:cNvPr id="33" name="TextBox 32"/>
+          <p:cNvSpPr txBox="1"/>
+          <p:nvPr/>
+        </p:nvSpPr>
+        <p:spPr>
+          <a:xfrm>
+            <a:off x="18941650" y="5666353"/>
+            <a:ext cx="5007810" cy="400110"/>
+          </a:xfrm>
+          <a:prstGeom prst="rect">
+            <a:avLst/>
+          </a:prstGeom>
+          <a:noFill/>
+        </p:spPr>
+        <p:txBody>
+          <a:bodyPr wrap="square" rtlCol="0">
+            <a:spAutoFit/>
+          </a:bodyPr>
+          <a:lstStyle/>
+          <a:p>
+            <a:r>
+              <a:rPr lang="en-US" sz="2000" b="1" baseline="30000" dirty="0" smtClean="0">
+                <a:latin typeface="Arial"/>
+              </a:rPr>
+              <a:t>18</a:t>
+            </a:r>
+            <a:r>
+              <a:rPr lang="en-US" sz="2000" b="1" dirty="0" smtClean="0">
+                <a:latin typeface="Arial"/>
+              </a:rPr>
+              <a:t>F-AV-45 Factor Loadings (29 Factors)</a:t>
+            </a:r>
+            <a:endParaRPr lang="en-US" sz="2000" b="1" dirty="0" smtClean="0">
+              <a:latin typeface="Arial"/>
+            </a:endParaRPr>
+          </a:p>
+        </p:txBody>
+      </p:sp>
+      <p:sp>
+        <p:nvSpPr>
+          <p:cNvPr id="35" name="TextBox 34"/>
+          <p:cNvSpPr txBox="1"/>
+          <p:nvPr/>
+        </p:nvSpPr>
+        <p:spPr>
+          <a:xfrm>
+            <a:off x="33299324" y="5666353"/>
+            <a:ext cx="5612038" cy="400110"/>
+          </a:xfrm>
+          <a:prstGeom prst="rect">
+            <a:avLst/>
+          </a:prstGeom>
+          <a:noFill/>
+        </p:spPr>
+        <p:txBody>
+          <a:bodyPr wrap="square" rtlCol="0">
+            <a:spAutoFit/>
+          </a:bodyPr>
+          <a:lstStyle/>
+          <a:p>
+            <a:r>
+              <a:rPr lang="en-US" sz="2000" b="1" baseline="30000" dirty="0" smtClean="0">
+                <a:latin typeface="Arial"/>
+              </a:rPr>
+              <a:t>18</a:t>
+            </a:r>
+            <a:r>
+              <a:rPr lang="en-US" sz="2000" b="1" dirty="0" smtClean="0">
+                <a:latin typeface="Arial"/>
+              </a:rPr>
+              <a:t>F-AV-1451 Factor Loadings (29 Factors)</a:t>
+            </a:r>
+            <a:endParaRPr lang="en-US" sz="2000" b="1" dirty="0" smtClean="0">
+              <a:latin typeface="Arial"/>
+            </a:endParaRPr>
+          </a:p>
+        </p:txBody>
+      </p:sp>
+      <p:pic>
+        <p:nvPicPr>
+          <p:cNvPr id="36" name="Content Placeholder 9" descr="AV45_sumsquared_loadings.jpeg"/>
+          <p:cNvPicPr>
+            <a:picLocks noChangeAspect="1"/>
+          </p:cNvPicPr>
+          <p:nvPr/>
+        </p:nvPicPr>
+        <p:blipFill rotWithShape="1">
+          <a:blip r:embed="rId7">
+            <a:extLst>
+              <a:ext uri="{28A0092B-C50C-407E-A947-70E740481C1C}">
+                <a14:useLocalDpi xmlns="" xmlns:a="http://schemas.openxmlformats.org/drawingml/2006/main" xmlns:r="http://schemas.openxmlformats.org/officeDocument/2006/relationships" xmlns:p="http://schemas.openxmlformats.org/presentationml/2006/main" xmlns:a14="http://schemas.microsoft.com/office/drawing/2010/main" xmlns:mv="urn:schemas-microsoft-com:mac:vml" xmlns:mc="http://schemas.openxmlformats.org/markup-compatibility/2006" val="0"/>
+              </a:ext>
+            </a:extLst>
+          </a:blip>
+          <a:srcRect l="-589" r="-589"/>
+          <a:stretch/>
+        </p:blipFill>
+        <p:spPr>
+          <a:xfrm>
+            <a:off x="16746830" y="6188569"/>
+            <a:ext cx="5180724" cy="3215491"/>
+          </a:xfrm>
+          <a:prstGeom prst="rect">
+            <a:avLst/>
+          </a:prstGeom>
+        </p:spPr>
+      </p:pic>
+      <p:pic>
+        <p:nvPicPr>
+          <p:cNvPr id="37" name="Content Placeholder 5" descr="AV45_regional_loadings.jpeg"/>
+          <p:cNvPicPr>
+            <a:picLocks noChangeAspect="1"/>
+          </p:cNvPicPr>
+          <p:nvPr/>
+        </p:nvPicPr>
+        <p:blipFill rotWithShape="1">
+          <a:blip r:embed="rId8">
+            <a:extLst>
+              <a:ext uri="{28A0092B-C50C-407E-A947-70E740481C1C}">
+                <a14:useLocalDpi xmlns="" xmlns:a="http://schemas.openxmlformats.org/drawingml/2006/main" xmlns:r="http://schemas.openxmlformats.org/officeDocument/2006/relationships" xmlns:p="http://schemas.openxmlformats.org/presentationml/2006/main" xmlns:a14="http://schemas.microsoft.com/office/drawing/2010/main" xmlns:mv="urn:schemas-microsoft-com:mac:vml" xmlns:mc="http://schemas.openxmlformats.org/markup-compatibility/2006" val="0"/>
+              </a:ext>
+            </a:extLst>
+          </a:blip>
+          <a:srcRect l="-589" r="134"/>
+          <a:stretch/>
+        </p:blipFill>
+        <p:spPr>
+          <a:xfrm>
+            <a:off x="22532339" y="6182421"/>
+            <a:ext cx="4743426" cy="3372839"/>
+          </a:xfrm>
+          <a:prstGeom prst="rect">
+            <a:avLst/>
+          </a:prstGeom>
+        </p:spPr>
+      </p:pic>
+      <p:sp>
+        <p:nvSpPr>
+          <p:cNvPr id="38" name="TextBox 37"/>
+          <p:cNvSpPr txBox="1"/>
+          <p:nvPr/>
+        </p:nvSpPr>
+        <p:spPr>
+          <a:xfrm>
+            <a:off x="20358771" y="13887088"/>
+            <a:ext cx="3590689" cy="400110"/>
+          </a:xfrm>
+          <a:prstGeom prst="rect">
+            <a:avLst/>
+          </a:prstGeom>
+          <a:noFill/>
+        </p:spPr>
+        <p:txBody>
+          <a:bodyPr wrap="square" rtlCol="0">
+            <a:spAutoFit/>
+          </a:bodyPr>
+          <a:lstStyle/>
+          <a:p>
+            <a:r>
+              <a:rPr lang="en-US" sz="2000" b="1" baseline="30000" dirty="0" smtClean="0">
+                <a:latin typeface="Arial"/>
+              </a:rPr>
+              <a:t>18</a:t>
+            </a:r>
+            <a:r>
+              <a:rPr lang="en-US" sz="2000" b="1" dirty="0" smtClean="0">
+                <a:latin typeface="Arial"/>
+              </a:rPr>
+              <a:t>F-AV-45 Factor Scores</a:t>
+            </a:r>
+            <a:endParaRPr lang="en-US" sz="2000" b="1" dirty="0" smtClean="0">
+              <a:latin typeface="Arial"/>
+            </a:endParaRPr>
+          </a:p>
+        </p:txBody>
+      </p:sp>
+      <p:sp>
+        <p:nvSpPr>
+          <p:cNvPr id="39" name="TextBox 38"/>
+          <p:cNvSpPr txBox="1"/>
+          <p:nvPr/>
+        </p:nvSpPr>
+        <p:spPr>
+          <a:xfrm>
+            <a:off x="33451724" y="13887088"/>
+            <a:ext cx="3342893" cy="400110"/>
+          </a:xfrm>
+          <a:prstGeom prst="rect">
+            <a:avLst/>
+          </a:prstGeom>
+          <a:noFill/>
+        </p:spPr>
+        <p:txBody>
+          <a:bodyPr wrap="square" rtlCol="0">
+            <a:spAutoFit/>
+          </a:bodyPr>
+          <a:lstStyle/>
+          <a:p>
+            <a:r>
+              <a:rPr lang="en-US" sz="2000" b="1" baseline="30000" dirty="0" smtClean="0">
+                <a:latin typeface="Arial"/>
+              </a:rPr>
+              <a:t>18</a:t>
+            </a:r>
+            <a:r>
+              <a:rPr lang="en-US" sz="2000" b="1" dirty="0" smtClean="0">
+                <a:latin typeface="Arial"/>
+              </a:rPr>
+              <a:t>F-AV-1451 Factor Scores</a:t>
+            </a:r>
+            <a:endParaRPr lang="en-US" sz="2000" b="1" dirty="0" smtClean="0">
               <a:latin typeface="Arial"/>
             </a:endParaRPr>
           </a:p>

--- a/AAIC_poster_AH.pptx
+++ b/AAIC_poster_AH.pptx
@@ -1,6 +1,6 @@
 
 <file path=ppt/presentation.xml><?xml version="1.0" encoding="utf-8"?>
-<p:presentation xmlns:a="http://schemas.openxmlformats.org/drawingml/2006/main" xmlns:r="http://schemas.openxmlformats.org/officeDocument/2006/relationships" xmlns:mc="http://schemas.openxmlformats.org/markup-compatibility/2006" xmlns:mv="urn:schemas-microsoft-com:mac:vml" xmlns:p="http://schemas.openxmlformats.org/presentationml/2006/main" mc:Ignorable="mv" mc:PreserveAttributes="mv:*" saveSubsetFonts="1" autoCompressPictures="0">
+<p:presentation xmlns:a="http://schemas.openxmlformats.org/drawingml/2006/main" xmlns:r="http://schemas.openxmlformats.org/officeDocument/2006/relationships" xmlns:p="http://schemas.openxmlformats.org/presentationml/2006/main" saveSubsetFonts="1" autoCompressPictures="0">
   <p:sldMasterIdLst>
     <p:sldMasterId id="2147483648" r:id="rId1"/>
   </p:sldMasterIdLst>
@@ -10,7 +10,7 @@
   <p:sldIdLst>
     <p:sldId id="256" r:id="rId2"/>
   </p:sldIdLst>
-  <p:sldSz cx="41148000" cy="19202400"/>
+  <p:sldSz cx="36576000" cy="19202400"/>
   <p:notesSz cx="6858000" cy="9144000"/>
   <p:defaultTextStyle>
     <a:defPPr>
@@ -111,7 +111,7 @@
 </file>
 
 <file path=ppt/notesMasters/notesMaster1.xml><?xml version="1.0" encoding="utf-8"?>
-<p:notesMaster xmlns:a="http://schemas.openxmlformats.org/drawingml/2006/main" xmlns:r="http://schemas.openxmlformats.org/officeDocument/2006/relationships" xmlns:mc="http://schemas.openxmlformats.org/markup-compatibility/2006" xmlns:mv="urn:schemas-microsoft-com:mac:vml" xmlns:p="http://schemas.openxmlformats.org/presentationml/2006/main" mc:Ignorable="mv" mc:PreserveAttributes="mv:*">
+<p:notesMaster xmlns:a="http://schemas.openxmlformats.org/drawingml/2006/main" xmlns:r="http://schemas.openxmlformats.org/officeDocument/2006/relationships" xmlns:p="http://schemas.openxmlformats.org/presentationml/2006/main">
   <p:cSld>
     <p:bg>
       <p:bgRef idx="1001">
@@ -193,7 +193,7 @@
             <a:fld id="{638CD603-6CD8-3547-B973-087475E71BF4}" type="datetimeFigureOut">
               <a:rPr lang="en-US" smtClean="0"/>
               <a:pPr/>
-              <a:t>7/14/16</a:t>
+              <a:t>7/18/16</a:t>
             </a:fld>
             <a:endParaRPr lang="en-US"/>
           </a:p>
@@ -211,8 +211,8 @@
         </p:nvSpPr>
         <p:spPr>
           <a:xfrm>
-            <a:off x="-244475" y="685800"/>
-            <a:ext cx="7346950" cy="3429000"/>
+            <a:off x="163513" y="685800"/>
+            <a:ext cx="6530975" cy="3429000"/>
           </a:xfrm>
           <a:prstGeom prst="rect">
             <a:avLst/>
@@ -364,7 +364,7 @@
     </p:spTree>
     <p:extLst>
       <p:ext uri="{BB962C8B-B14F-4D97-AF65-F5344CB8AC3E}">
-        <p14:creationId xmlns:p14="http://schemas.microsoft.com/office/powerpoint/2010/main" xmlns:p="http://schemas.openxmlformats.org/presentationml/2006/main" xmlns:r="http://schemas.openxmlformats.org/officeDocument/2006/relationships" xmlns:a="http://schemas.openxmlformats.org/drawingml/2006/main" xmlns="" val="3208004686"/>
+        <p14:creationId xmlns:p14="http://schemas.microsoft.com/office/powerpoint/2010/main" val="3208004686"/>
       </p:ext>
     </p:extLst>
   </p:cSld>
@@ -465,7 +465,7 @@
 </file>
 
 <file path=ppt/notesSlides/notesSlide1.xml><?xml version="1.0" encoding="utf-8"?>
-<p:notes xmlns:a="http://schemas.openxmlformats.org/drawingml/2006/main" xmlns:r="http://schemas.openxmlformats.org/officeDocument/2006/relationships" xmlns:mc="http://schemas.openxmlformats.org/markup-compatibility/2006" xmlns:mv="urn:schemas-microsoft-com:mac:vml" xmlns:p="http://schemas.openxmlformats.org/presentationml/2006/main" mc:Ignorable="mv" mc:PreserveAttributes="mv:*">
+<p:notes xmlns:a="http://schemas.openxmlformats.org/drawingml/2006/main" xmlns:r="http://schemas.openxmlformats.org/officeDocument/2006/relationships" xmlns:p="http://schemas.openxmlformats.org/presentationml/2006/main">
   <p:cSld>
     <p:spTree>
       <p:nvGrpSpPr>
@@ -491,7 +491,12 @@
             <p:ph type="sldImg"/>
           </p:nvPr>
         </p:nvSpPr>
-        <p:spPr/>
+        <p:spPr>
+          <a:xfrm>
+            <a:off x="163513" y="685800"/>
+            <a:ext cx="6530975" cy="3429000"/>
+          </a:xfrm>
+        </p:spPr>
       </p:sp>
       <p:sp>
         <p:nvSpPr>
@@ -510,200 +515,11 @@
           </a:bodyPr>
           <a:lstStyle/>
           <a:p>
-            <a:r>
-              <a:rPr lang="en-US" dirty="0" smtClean="0"/>
-              <a:t>AV45 Factor loadings:</a:t>
-            </a:r>
-          </a:p>
-          <a:p>
-            <a:pPr>
-              <a:buFontTx/>
-              <a:buChar char="-"/>
-            </a:pPr>
-            <a:r>
-              <a:rPr lang="en-US" baseline="0" dirty="0" smtClean="0"/>
-              <a:t>Factor loadings as regional correlations, regional summaries</a:t>
-            </a:r>
-          </a:p>
-          <a:p>
-            <a:pPr>
-              <a:buFontTx/>
-              <a:buChar char="-"/>
-            </a:pPr>
-            <a:endParaRPr lang="en-US" baseline="0" dirty="0" smtClean="0"/>
-          </a:p>
-          <a:p>
-            <a:pPr>
-              <a:buFontTx/>
-              <a:buNone/>
-            </a:pPr>
-            <a:r>
-              <a:rPr lang="en-US" baseline="0" dirty="0" smtClean="0"/>
-              <a:t>AV45 comparison to cortical summary SUVR</a:t>
-            </a:r>
-          </a:p>
-          <a:p>
-            <a:pPr>
-              <a:buFontTx/>
-              <a:buChar char="-"/>
-            </a:pPr>
-            <a:r>
-              <a:rPr lang="en-US" baseline="0" dirty="0" smtClean="0"/>
-              <a:t> Brain visualization comparison (NSFA6, NSFA14, NSFA5, cortical summary </a:t>
-            </a:r>
-            <a:r>
-              <a:rPr lang="en-US" baseline="0" dirty="0" err="1" smtClean="0"/>
-              <a:t>roi</a:t>
-            </a:r>
-            <a:r>
-              <a:rPr lang="en-US" baseline="0" dirty="0" smtClean="0"/>
-              <a:t> mask)</a:t>
-            </a:r>
-          </a:p>
-          <a:p>
-            <a:pPr>
-              <a:buFontTx/>
-              <a:buChar char="-"/>
-            </a:pPr>
-            <a:r>
-              <a:rPr lang="en-US" baseline="0" dirty="0" smtClean="0"/>
-              <a:t> linear fit against each other</a:t>
-            </a:r>
-          </a:p>
-          <a:p>
-            <a:pPr>
-              <a:buFontTx/>
-              <a:buChar char="-"/>
-            </a:pPr>
-            <a:endParaRPr lang="en-US" baseline="0" dirty="0" smtClean="0"/>
-          </a:p>
-          <a:p>
-            <a:pPr>
-              <a:buFontTx/>
-              <a:buNone/>
-            </a:pPr>
-            <a:r>
-              <a:rPr lang="en-US" baseline="0" dirty="0" smtClean="0"/>
-              <a:t>AV45 penalized regression</a:t>
-            </a:r>
-          </a:p>
-          <a:p>
-            <a:pPr>
-              <a:buFontTx/>
-              <a:buChar char="-"/>
-            </a:pPr>
-            <a:r>
-              <a:rPr lang="en-US" baseline="0" dirty="0" smtClean="0"/>
-              <a:t>Of the positive subjects on ADAS-Cog + AVLT</a:t>
-            </a:r>
-          </a:p>
-          <a:p>
-            <a:pPr>
-              <a:buFontTx/>
-              <a:buChar char="-"/>
-            </a:pPr>
-            <a:r>
-              <a:rPr lang="en-US" baseline="0" dirty="0" smtClean="0"/>
-              <a:t>Report R2 shrinkage</a:t>
-            </a:r>
-          </a:p>
-          <a:p>
-            <a:pPr>
+            <a:pPr marL="0" indent="0">
               <a:buFontTx/>
               <a:buNone/>
             </a:pPr>
             <a:endParaRPr lang="en-US" baseline="0" dirty="0" smtClean="0"/>
-          </a:p>
-          <a:p>
-            <a:pPr>
-              <a:buFontTx/>
-              <a:buNone/>
-            </a:pPr>
-            <a:r>
-              <a:rPr lang="en-US" baseline="0" dirty="0" smtClean="0"/>
-              <a:t>AV1451 Factor loadings:</a:t>
-            </a:r>
-          </a:p>
-          <a:p>
-            <a:pPr>
-              <a:buFontTx/>
-              <a:buChar char="-"/>
-            </a:pPr>
-            <a:r>
-              <a:rPr lang="en-US" baseline="0" dirty="0" smtClean="0"/>
-              <a:t>Factor loadings as regional correlations, regional summaries</a:t>
-            </a:r>
-          </a:p>
-          <a:p>
-            <a:pPr>
-              <a:buFontTx/>
-              <a:buChar char="-"/>
-            </a:pPr>
-            <a:endParaRPr lang="en-US" baseline="0" dirty="0" smtClean="0"/>
-          </a:p>
-          <a:p>
-            <a:pPr>
-              <a:buFontTx/>
-              <a:buNone/>
-            </a:pPr>
-            <a:r>
-              <a:rPr lang="en-US" baseline="0" dirty="0" smtClean="0"/>
-              <a:t>AV45 comparison with </a:t>
-            </a:r>
-            <a:r>
-              <a:rPr lang="en-US" baseline="0" dirty="0" err="1" smtClean="0"/>
-              <a:t>braak</a:t>
-            </a:r>
-            <a:r>
-              <a:rPr lang="en-US" baseline="0" dirty="0" smtClean="0"/>
-              <a:t> regions</a:t>
-            </a:r>
-          </a:p>
-          <a:p>
-            <a:pPr>
-              <a:buFontTx/>
-              <a:buChar char="-"/>
-            </a:pPr>
-            <a:r>
-              <a:rPr lang="en-US" baseline="0" dirty="0" smtClean="0"/>
-              <a:t>Brain visualization (NSFA0, </a:t>
-            </a:r>
-            <a:r>
-              <a:rPr lang="en-US" baseline="0" dirty="0" err="1" smtClean="0"/>
-              <a:t>braak</a:t>
-            </a:r>
-            <a:r>
-              <a:rPr lang="en-US" baseline="0" dirty="0" smtClean="0"/>
-              <a:t> masks)</a:t>
-            </a:r>
-          </a:p>
-          <a:p>
-            <a:pPr>
-              <a:buFontTx/>
-              <a:buNone/>
-            </a:pPr>
-            <a:endParaRPr lang="en-US" baseline="0" dirty="0" smtClean="0"/>
-          </a:p>
-          <a:p>
-            <a:pPr>
-              <a:buFontTx/>
-              <a:buChar char="-"/>
-            </a:pPr>
-            <a:r>
-              <a:rPr lang="en-US" baseline="0" dirty="0" smtClean="0"/>
-              <a:t>AV1451 penalized regression</a:t>
-            </a:r>
-          </a:p>
-          <a:p>
-            <a:pPr>
-              <a:buFontTx/>
-              <a:buChar char="-"/>
-            </a:pPr>
-            <a:r>
-              <a:rPr lang="en-US" baseline="0" dirty="0" smtClean="0"/>
-              <a:t>- against ADAS-COG + AVLT</a:t>
-            </a:r>
-            <a:endParaRPr lang="en-US" dirty="0" smtClean="0"/>
           </a:p>
         </p:txBody>
       </p:sp>
@@ -740,7 +556,7 @@
 </file>
 
 <file path=ppt/slideLayouts/slideLayout1.xml><?xml version="1.0" encoding="utf-8"?>
-<p:sldLayout xmlns:a="http://schemas.openxmlformats.org/drawingml/2006/main" xmlns:r="http://schemas.openxmlformats.org/officeDocument/2006/relationships" xmlns:mc="http://schemas.openxmlformats.org/markup-compatibility/2006" xmlns:mv="urn:schemas-microsoft-com:mac:vml" xmlns:p="http://schemas.openxmlformats.org/presentationml/2006/main" mc:Ignorable="mv" mc:PreserveAttributes="mv:*" type="title" preserve="1">
+<p:sldLayout xmlns:a="http://schemas.openxmlformats.org/drawingml/2006/main" xmlns:r="http://schemas.openxmlformats.org/officeDocument/2006/relationships" xmlns:p="http://schemas.openxmlformats.org/presentationml/2006/main" type="title" preserve="1">
   <p:cSld name="Title Slide">
     <p:spTree>
       <p:nvGrpSpPr>
@@ -768,8 +584,8 @@
         </p:nvSpPr>
         <p:spPr>
           <a:xfrm>
-            <a:off x="3086100" y="5965193"/>
-            <a:ext cx="34975800" cy="4116070"/>
+            <a:off x="2743200" y="5965193"/>
+            <a:ext cx="31089600" cy="4116070"/>
           </a:xfrm>
         </p:spPr>
         <p:txBody>
@@ -796,8 +612,8 @@
         </p:nvSpPr>
         <p:spPr>
           <a:xfrm>
-            <a:off x="6172200" y="10881360"/>
-            <a:ext cx="28803600" cy="4907280"/>
+            <a:off x="5486400" y="10881360"/>
+            <a:ext cx="25603200" cy="4907280"/>
           </a:xfrm>
         </p:spPr>
         <p:txBody>
@@ -921,7 +737,7 @@
             <a:fld id="{6F968270-718C-D14D-BC56-854E11C91F7D}" type="datetimeFigureOut">
               <a:rPr lang="en-US" smtClean="0"/>
               <a:pPr/>
-              <a:t>7/14/16</a:t>
+              <a:t>7/18/16</a:t>
             </a:fld>
             <a:endParaRPr lang="en-US"/>
           </a:p>
@@ -979,7 +795,7 @@
 </file>
 
 <file path=ppt/slideLayouts/slideLayout10.xml><?xml version="1.0" encoding="utf-8"?>
-<p:sldLayout xmlns:a="http://schemas.openxmlformats.org/drawingml/2006/main" xmlns:r="http://schemas.openxmlformats.org/officeDocument/2006/relationships" xmlns:mc="http://schemas.openxmlformats.org/markup-compatibility/2006" xmlns:mv="urn:schemas-microsoft-com:mac:vml" xmlns:p="http://schemas.openxmlformats.org/presentationml/2006/main" mc:Ignorable="mv" mc:PreserveAttributes="mv:*" type="vertTx" preserve="1">
+<p:sldLayout xmlns:a="http://schemas.openxmlformats.org/drawingml/2006/main" xmlns:r="http://schemas.openxmlformats.org/officeDocument/2006/relationships" xmlns:p="http://schemas.openxmlformats.org/presentationml/2006/main" type="vertTx" preserve="1">
   <p:cSld name="Title and Vertical Text">
     <p:spTree>
       <p:nvGrpSpPr>
@@ -1088,7 +904,7 @@
             <a:fld id="{6F968270-718C-D14D-BC56-854E11C91F7D}" type="datetimeFigureOut">
               <a:rPr lang="en-US" smtClean="0"/>
               <a:pPr/>
-              <a:t>7/14/16</a:t>
+              <a:t>7/18/16</a:t>
             </a:fld>
             <a:endParaRPr lang="en-US"/>
           </a:p>
@@ -1146,7 +962,7 @@
 </file>
 
 <file path=ppt/slideLayouts/slideLayout11.xml><?xml version="1.0" encoding="utf-8"?>
-<p:sldLayout xmlns:a="http://schemas.openxmlformats.org/drawingml/2006/main" xmlns:r="http://schemas.openxmlformats.org/officeDocument/2006/relationships" xmlns:mc="http://schemas.openxmlformats.org/markup-compatibility/2006" xmlns:mv="urn:schemas-microsoft-com:mac:vml" xmlns:p="http://schemas.openxmlformats.org/presentationml/2006/main" mc:Ignorable="mv" mc:PreserveAttributes="mv:*" type="vertTitleAndTx" preserve="1">
+<p:sldLayout xmlns:a="http://schemas.openxmlformats.org/drawingml/2006/main" xmlns:r="http://schemas.openxmlformats.org/officeDocument/2006/relationships" xmlns:p="http://schemas.openxmlformats.org/presentationml/2006/main" type="vertTitleAndTx" preserve="1">
   <p:cSld name="Vertical Title and Text">
     <p:spTree>
       <p:nvGrpSpPr>
@@ -1174,8 +990,8 @@
         </p:nvSpPr>
         <p:spPr>
           <a:xfrm>
-            <a:off x="29832300" y="768988"/>
-            <a:ext cx="9258300" cy="16384270"/>
+            <a:off x="26517600" y="768988"/>
+            <a:ext cx="8229600" cy="16384270"/>
           </a:xfrm>
         </p:spPr>
         <p:txBody>
@@ -1202,8 +1018,8 @@
         </p:nvSpPr>
         <p:spPr>
           <a:xfrm>
-            <a:off x="2057400" y="768988"/>
-            <a:ext cx="27089100" cy="16384270"/>
+            <a:off x="1828800" y="768988"/>
+            <a:ext cx="24079200" cy="16384270"/>
           </a:xfrm>
         </p:spPr>
         <p:txBody>
@@ -1265,7 +1081,7 @@
             <a:fld id="{6F968270-718C-D14D-BC56-854E11C91F7D}" type="datetimeFigureOut">
               <a:rPr lang="en-US" smtClean="0"/>
               <a:pPr/>
-              <a:t>7/14/16</a:t>
+              <a:t>7/18/16</a:t>
             </a:fld>
             <a:endParaRPr lang="en-US"/>
           </a:p>
@@ -1323,7 +1139,7 @@
 </file>
 
 <file path=ppt/slideLayouts/slideLayout2.xml><?xml version="1.0" encoding="utf-8"?>
-<p:sldLayout xmlns:a="http://schemas.openxmlformats.org/drawingml/2006/main" xmlns:r="http://schemas.openxmlformats.org/officeDocument/2006/relationships" xmlns:mc="http://schemas.openxmlformats.org/markup-compatibility/2006" xmlns:mv="urn:schemas-microsoft-com:mac:vml" xmlns:p="http://schemas.openxmlformats.org/presentationml/2006/main" mc:Ignorable="mv" mc:PreserveAttributes="mv:*" type="obj" preserve="1">
+<p:sldLayout xmlns:a="http://schemas.openxmlformats.org/drawingml/2006/main" xmlns:r="http://schemas.openxmlformats.org/officeDocument/2006/relationships" xmlns:p="http://schemas.openxmlformats.org/presentationml/2006/main" type="obj" preserve="1">
   <p:cSld name="Title and Content">
     <p:spTree>
       <p:nvGrpSpPr>
@@ -1432,7 +1248,7 @@
             <a:fld id="{6F968270-718C-D14D-BC56-854E11C91F7D}" type="datetimeFigureOut">
               <a:rPr lang="en-US" smtClean="0"/>
               <a:pPr/>
-              <a:t>7/14/16</a:t>
+              <a:t>7/18/16</a:t>
             </a:fld>
             <a:endParaRPr lang="en-US"/>
           </a:p>
@@ -1490,7 +1306,7 @@
 </file>
 
 <file path=ppt/slideLayouts/slideLayout3.xml><?xml version="1.0" encoding="utf-8"?>
-<p:sldLayout xmlns:a="http://schemas.openxmlformats.org/drawingml/2006/main" xmlns:r="http://schemas.openxmlformats.org/officeDocument/2006/relationships" xmlns:mc="http://schemas.openxmlformats.org/markup-compatibility/2006" xmlns:mv="urn:schemas-microsoft-com:mac:vml" xmlns:p="http://schemas.openxmlformats.org/presentationml/2006/main" mc:Ignorable="mv" mc:PreserveAttributes="mv:*" type="secHead" preserve="1">
+<p:sldLayout xmlns:a="http://schemas.openxmlformats.org/drawingml/2006/main" xmlns:r="http://schemas.openxmlformats.org/officeDocument/2006/relationships" xmlns:p="http://schemas.openxmlformats.org/presentationml/2006/main" type="secHead" preserve="1">
   <p:cSld name="Section Header">
     <p:spTree>
       <p:nvGrpSpPr>
@@ -1518,8 +1334,8 @@
         </p:nvSpPr>
         <p:spPr>
           <a:xfrm>
-            <a:off x="3250409" y="12339323"/>
-            <a:ext cx="34975800" cy="3813810"/>
+            <a:off x="2889252" y="12339323"/>
+            <a:ext cx="31089600" cy="3813810"/>
           </a:xfrm>
         </p:spPr>
         <p:txBody>
@@ -1550,8 +1366,8 @@
         </p:nvSpPr>
         <p:spPr>
           <a:xfrm>
-            <a:off x="3250409" y="8138798"/>
-            <a:ext cx="34975800" cy="4200523"/>
+            <a:off x="2889252" y="8138805"/>
+            <a:ext cx="31089600" cy="4200523"/>
           </a:xfrm>
         </p:spPr>
         <p:txBody>
@@ -1675,7 +1491,7 @@
             <a:fld id="{6F968270-718C-D14D-BC56-854E11C91F7D}" type="datetimeFigureOut">
               <a:rPr lang="en-US" smtClean="0"/>
               <a:pPr/>
-              <a:t>7/14/16</a:t>
+              <a:t>7/18/16</a:t>
             </a:fld>
             <a:endParaRPr lang="en-US"/>
           </a:p>
@@ -1733,7 +1549,7 @@
 </file>
 
 <file path=ppt/slideLayouts/slideLayout4.xml><?xml version="1.0" encoding="utf-8"?>
-<p:sldLayout xmlns:a="http://schemas.openxmlformats.org/drawingml/2006/main" xmlns:r="http://schemas.openxmlformats.org/officeDocument/2006/relationships" xmlns:mc="http://schemas.openxmlformats.org/markup-compatibility/2006" xmlns:mv="urn:schemas-microsoft-com:mac:vml" xmlns:p="http://schemas.openxmlformats.org/presentationml/2006/main" mc:Ignorable="mv" mc:PreserveAttributes="mv:*" type="twoObj" preserve="1">
+<p:sldLayout xmlns:a="http://schemas.openxmlformats.org/drawingml/2006/main" xmlns:r="http://schemas.openxmlformats.org/officeDocument/2006/relationships" xmlns:p="http://schemas.openxmlformats.org/presentationml/2006/main" type="twoObj" preserve="1">
   <p:cSld name="Two Content">
     <p:spTree>
       <p:nvGrpSpPr>
@@ -1784,8 +1600,8 @@
         </p:nvSpPr>
         <p:spPr>
           <a:xfrm>
-            <a:off x="2057400" y="4480560"/>
-            <a:ext cx="18173700" cy="12672698"/>
+            <a:off x="1828800" y="4480560"/>
+            <a:ext cx="16154400" cy="12672698"/>
           </a:xfrm>
         </p:spPr>
         <p:txBody>
@@ -1869,8 +1685,8 @@
         </p:nvSpPr>
         <p:spPr>
           <a:xfrm>
-            <a:off x="20916900" y="4480560"/>
-            <a:ext cx="18173700" cy="12672698"/>
+            <a:off x="18592800" y="4480560"/>
+            <a:ext cx="16154400" cy="12672698"/>
           </a:xfrm>
         </p:spPr>
         <p:txBody>
@@ -1960,7 +1776,7 @@
             <a:fld id="{6F968270-718C-D14D-BC56-854E11C91F7D}" type="datetimeFigureOut">
               <a:rPr lang="en-US" smtClean="0"/>
               <a:pPr/>
-              <a:t>7/14/16</a:t>
+              <a:t>7/18/16</a:t>
             </a:fld>
             <a:endParaRPr lang="en-US"/>
           </a:p>
@@ -2018,7 +1834,7 @@
 </file>
 
 <file path=ppt/slideLayouts/slideLayout5.xml><?xml version="1.0" encoding="utf-8"?>
-<p:sldLayout xmlns:a="http://schemas.openxmlformats.org/drawingml/2006/main" xmlns:r="http://schemas.openxmlformats.org/officeDocument/2006/relationships" xmlns:mc="http://schemas.openxmlformats.org/markup-compatibility/2006" xmlns:mv="urn:schemas-microsoft-com:mac:vml" xmlns:p="http://schemas.openxmlformats.org/presentationml/2006/main" mc:Ignorable="mv" mc:PreserveAttributes="mv:*" type="twoTxTwoObj" preserve="1">
+<p:sldLayout xmlns:a="http://schemas.openxmlformats.org/drawingml/2006/main" xmlns:r="http://schemas.openxmlformats.org/officeDocument/2006/relationships" xmlns:p="http://schemas.openxmlformats.org/presentationml/2006/main" type="twoTxTwoObj" preserve="1">
   <p:cSld name="Comparison">
     <p:spTree>
       <p:nvGrpSpPr>
@@ -2073,8 +1889,8 @@
         </p:nvSpPr>
         <p:spPr>
           <a:xfrm>
-            <a:off x="2057400" y="4298318"/>
-            <a:ext cx="18180846" cy="1791333"/>
+            <a:off x="1828800" y="4298324"/>
+            <a:ext cx="16160752" cy="1791333"/>
           </a:xfrm>
         </p:spPr>
         <p:txBody>
@@ -2138,8 +1954,8 @@
         </p:nvSpPr>
         <p:spPr>
           <a:xfrm>
-            <a:off x="2057400" y="6089650"/>
-            <a:ext cx="18180846" cy="11063608"/>
+            <a:off x="1828800" y="6089650"/>
+            <a:ext cx="16160752" cy="11063608"/>
           </a:xfrm>
         </p:spPr>
         <p:txBody>
@@ -2223,8 +2039,8 @@
         </p:nvSpPr>
         <p:spPr>
           <a:xfrm>
-            <a:off x="20902615" y="4298318"/>
-            <a:ext cx="18187988" cy="1791333"/>
+            <a:off x="18580102" y="4298324"/>
+            <a:ext cx="16167100" cy="1791333"/>
           </a:xfrm>
         </p:spPr>
         <p:txBody>
@@ -2288,8 +2104,8 @@
         </p:nvSpPr>
         <p:spPr>
           <a:xfrm>
-            <a:off x="20902615" y="6089650"/>
-            <a:ext cx="18187988" cy="11063608"/>
+            <a:off x="18580102" y="6089650"/>
+            <a:ext cx="16167100" cy="11063608"/>
           </a:xfrm>
         </p:spPr>
         <p:txBody>
@@ -2379,7 +2195,7 @@
             <a:fld id="{6F968270-718C-D14D-BC56-854E11C91F7D}" type="datetimeFigureOut">
               <a:rPr lang="en-US" smtClean="0"/>
               <a:pPr/>
-              <a:t>7/14/16</a:t>
+              <a:t>7/18/16</a:t>
             </a:fld>
             <a:endParaRPr lang="en-US"/>
           </a:p>
@@ -2437,7 +2253,7 @@
 </file>
 
 <file path=ppt/slideLayouts/slideLayout6.xml><?xml version="1.0" encoding="utf-8"?>
-<p:sldLayout xmlns:a="http://schemas.openxmlformats.org/drawingml/2006/main" xmlns:r="http://schemas.openxmlformats.org/officeDocument/2006/relationships" xmlns:mc="http://schemas.openxmlformats.org/markup-compatibility/2006" xmlns:mv="urn:schemas-microsoft-com:mac:vml" xmlns:p="http://schemas.openxmlformats.org/presentationml/2006/main" mc:Ignorable="mv" mc:PreserveAttributes="mv:*" type="titleOnly" preserve="1">
+<p:sldLayout xmlns:a="http://schemas.openxmlformats.org/drawingml/2006/main" xmlns:r="http://schemas.openxmlformats.org/officeDocument/2006/relationships" xmlns:p="http://schemas.openxmlformats.org/presentationml/2006/main" type="titleOnly" preserve="1">
   <p:cSld name="Title Only">
     <p:spTree>
       <p:nvGrpSpPr>
@@ -2494,7 +2310,7 @@
             <a:fld id="{6F968270-718C-D14D-BC56-854E11C91F7D}" type="datetimeFigureOut">
               <a:rPr lang="en-US" smtClean="0"/>
               <a:pPr/>
-              <a:t>7/14/16</a:t>
+              <a:t>7/18/16</a:t>
             </a:fld>
             <a:endParaRPr lang="en-US"/>
           </a:p>
@@ -2552,7 +2368,7 @@
 </file>
 
 <file path=ppt/slideLayouts/slideLayout7.xml><?xml version="1.0" encoding="utf-8"?>
-<p:sldLayout xmlns:a="http://schemas.openxmlformats.org/drawingml/2006/main" xmlns:r="http://schemas.openxmlformats.org/officeDocument/2006/relationships" xmlns:mc="http://schemas.openxmlformats.org/markup-compatibility/2006" xmlns:mv="urn:schemas-microsoft-com:mac:vml" xmlns:p="http://schemas.openxmlformats.org/presentationml/2006/main" mc:Ignorable="mv" mc:PreserveAttributes="mv:*" type="blank" preserve="1">
+<p:sldLayout xmlns:a="http://schemas.openxmlformats.org/drawingml/2006/main" xmlns:r="http://schemas.openxmlformats.org/officeDocument/2006/relationships" xmlns:p="http://schemas.openxmlformats.org/presentationml/2006/main" type="blank" preserve="1">
   <p:cSld name="Blank">
     <p:spTree>
       <p:nvGrpSpPr>
@@ -2586,7 +2402,7 @@
             <a:fld id="{6F968270-718C-D14D-BC56-854E11C91F7D}" type="datetimeFigureOut">
               <a:rPr lang="en-US" smtClean="0"/>
               <a:pPr/>
-              <a:t>7/14/16</a:t>
+              <a:t>7/18/16</a:t>
             </a:fld>
             <a:endParaRPr lang="en-US"/>
           </a:p>
@@ -2644,7 +2460,7 @@
 </file>
 
 <file path=ppt/slideLayouts/slideLayout8.xml><?xml version="1.0" encoding="utf-8"?>
-<p:sldLayout xmlns:a="http://schemas.openxmlformats.org/drawingml/2006/main" xmlns:r="http://schemas.openxmlformats.org/officeDocument/2006/relationships" xmlns:mc="http://schemas.openxmlformats.org/markup-compatibility/2006" xmlns:mv="urn:schemas-microsoft-com:mac:vml" xmlns:p="http://schemas.openxmlformats.org/presentationml/2006/main" mc:Ignorable="mv" mc:PreserveAttributes="mv:*" type="objTx" preserve="1">
+<p:sldLayout xmlns:a="http://schemas.openxmlformats.org/drawingml/2006/main" xmlns:r="http://schemas.openxmlformats.org/officeDocument/2006/relationships" xmlns:p="http://schemas.openxmlformats.org/presentationml/2006/main" type="objTx" preserve="1">
   <p:cSld name="Content with Caption">
     <p:spTree>
       <p:nvGrpSpPr>
@@ -2672,8 +2488,8 @@
         </p:nvSpPr>
         <p:spPr>
           <a:xfrm>
-            <a:off x="2057403" y="764540"/>
-            <a:ext cx="13537409" cy="3253740"/>
+            <a:off x="1828803" y="764540"/>
+            <a:ext cx="12033252" cy="3253740"/>
           </a:xfrm>
         </p:spPr>
         <p:txBody>
@@ -2704,8 +2520,8 @@
         </p:nvSpPr>
         <p:spPr>
           <a:xfrm>
-            <a:off x="16087725" y="764540"/>
-            <a:ext cx="23002875" cy="16388718"/>
+            <a:off x="14300200" y="764540"/>
+            <a:ext cx="20447000" cy="16388718"/>
           </a:xfrm>
         </p:spPr>
         <p:txBody>
@@ -2789,8 +2605,8 @@
         </p:nvSpPr>
         <p:spPr>
           <a:xfrm>
-            <a:off x="2057403" y="4018280"/>
-            <a:ext cx="13537409" cy="13134978"/>
+            <a:off x="1828803" y="4018280"/>
+            <a:ext cx="12033252" cy="13134978"/>
           </a:xfrm>
         </p:spPr>
         <p:txBody>
@@ -2860,7 +2676,7 @@
             <a:fld id="{6F968270-718C-D14D-BC56-854E11C91F7D}" type="datetimeFigureOut">
               <a:rPr lang="en-US" smtClean="0"/>
               <a:pPr/>
-              <a:t>7/14/16</a:t>
+              <a:t>7/18/16</a:t>
             </a:fld>
             <a:endParaRPr lang="en-US"/>
           </a:p>
@@ -2918,7 +2734,7 @@
 </file>
 
 <file path=ppt/slideLayouts/slideLayout9.xml><?xml version="1.0" encoding="utf-8"?>
-<p:sldLayout xmlns:a="http://schemas.openxmlformats.org/drawingml/2006/main" xmlns:r="http://schemas.openxmlformats.org/officeDocument/2006/relationships" xmlns:mc="http://schemas.openxmlformats.org/markup-compatibility/2006" xmlns:mv="urn:schemas-microsoft-com:mac:vml" xmlns:p="http://schemas.openxmlformats.org/presentationml/2006/main" mc:Ignorable="mv" mc:PreserveAttributes="mv:*" type="picTx" preserve="1">
+<p:sldLayout xmlns:a="http://schemas.openxmlformats.org/drawingml/2006/main" xmlns:r="http://schemas.openxmlformats.org/officeDocument/2006/relationships" xmlns:p="http://schemas.openxmlformats.org/presentationml/2006/main" type="picTx" preserve="1">
   <p:cSld name="Picture with Caption">
     <p:spTree>
       <p:nvGrpSpPr>
@@ -2946,8 +2762,8 @@
         </p:nvSpPr>
         <p:spPr>
           <a:xfrm>
-            <a:off x="8065296" y="13441680"/>
-            <a:ext cx="24688800" cy="1586868"/>
+            <a:off x="7169152" y="13441680"/>
+            <a:ext cx="21945600" cy="1586868"/>
           </a:xfrm>
         </p:spPr>
         <p:txBody>
@@ -2978,8 +2794,8 @@
         </p:nvSpPr>
         <p:spPr>
           <a:xfrm>
-            <a:off x="8065296" y="1715770"/>
-            <a:ext cx="24688800" cy="11521440"/>
+            <a:off x="7169152" y="1715770"/>
+            <a:ext cx="21945600" cy="11521440"/>
           </a:xfrm>
         </p:spPr>
         <p:txBody>
@@ -3039,8 +2855,8 @@
         </p:nvSpPr>
         <p:spPr>
           <a:xfrm>
-            <a:off x="8065296" y="15028548"/>
-            <a:ext cx="24688800" cy="2253613"/>
+            <a:off x="7169152" y="15028555"/>
+            <a:ext cx="21945600" cy="2253613"/>
           </a:xfrm>
         </p:spPr>
         <p:txBody>
@@ -3110,7 +2926,7 @@
             <a:fld id="{6F968270-718C-D14D-BC56-854E11C91F7D}" type="datetimeFigureOut">
               <a:rPr lang="en-US" smtClean="0"/>
               <a:pPr/>
-              <a:t>7/14/16</a:t>
+              <a:t>7/18/16</a:t>
             </a:fld>
             <a:endParaRPr lang="en-US"/>
           </a:p>
@@ -3168,7 +2984,7 @@
 </file>
 
 <file path=ppt/slideMasters/slideMaster1.xml><?xml version="1.0" encoding="utf-8"?>
-<p:sldMaster xmlns:a="http://schemas.openxmlformats.org/drawingml/2006/main" xmlns:r="http://schemas.openxmlformats.org/officeDocument/2006/relationships" xmlns:mc="http://schemas.openxmlformats.org/markup-compatibility/2006" xmlns:mv="urn:schemas-microsoft-com:mac:vml" xmlns:p="http://schemas.openxmlformats.org/presentationml/2006/main" mc:Ignorable="mv" mc:PreserveAttributes="mv:*">
+<p:sldMaster xmlns:a="http://schemas.openxmlformats.org/drawingml/2006/main" xmlns:r="http://schemas.openxmlformats.org/officeDocument/2006/relationships" xmlns:p="http://schemas.openxmlformats.org/presentationml/2006/main">
   <p:cSld>
     <p:bg>
       <p:bgRef idx="1001">
@@ -3201,8 +3017,8 @@
         </p:nvSpPr>
         <p:spPr>
           <a:xfrm>
-            <a:off x="2057400" y="768988"/>
-            <a:ext cx="37033200" cy="3200400"/>
+            <a:off x="1828800" y="768988"/>
+            <a:ext cx="32918400" cy="3200400"/>
           </a:xfrm>
           <a:prstGeom prst="rect">
             <a:avLst/>
@@ -3234,8 +3050,8 @@
         </p:nvSpPr>
         <p:spPr>
           <a:xfrm>
-            <a:off x="2057400" y="4480560"/>
-            <a:ext cx="37033200" cy="12672698"/>
+            <a:off x="1828800" y="4480560"/>
+            <a:ext cx="32918400" cy="12672698"/>
           </a:xfrm>
           <a:prstGeom prst="rect">
             <a:avLst/>
@@ -3296,8 +3112,8 @@
         </p:nvSpPr>
         <p:spPr>
           <a:xfrm>
-            <a:off x="2057400" y="17797783"/>
-            <a:ext cx="9601200" cy="1022350"/>
+            <a:off x="1828800" y="17797783"/>
+            <a:ext cx="8534400" cy="1022350"/>
           </a:xfrm>
           <a:prstGeom prst="rect">
             <a:avLst/>
@@ -3320,7 +3136,7 @@
             <a:fld id="{6F968270-718C-D14D-BC56-854E11C91F7D}" type="datetimeFigureOut">
               <a:rPr lang="en-US" smtClean="0"/>
               <a:pPr/>
-              <a:t>7/14/16</a:t>
+              <a:t>7/18/16</a:t>
             </a:fld>
             <a:endParaRPr lang="en-US"/>
           </a:p>
@@ -3338,8 +3154,8 @@
         </p:nvSpPr>
         <p:spPr>
           <a:xfrm>
-            <a:off x="14058900" y="17797783"/>
-            <a:ext cx="13030200" cy="1022350"/>
+            <a:off x="12496800" y="17797783"/>
+            <a:ext cx="11582400" cy="1022350"/>
           </a:xfrm>
           <a:prstGeom prst="rect">
             <a:avLst/>
@@ -3375,8 +3191,8 @@
         </p:nvSpPr>
         <p:spPr>
           <a:xfrm>
-            <a:off x="29489400" y="17797783"/>
-            <a:ext cx="9601200" cy="1022350"/>
+            <a:off x="26212800" y="17797783"/>
+            <a:ext cx="8534400" cy="1022350"/>
           </a:xfrm>
           <a:prstGeom prst="rect">
             <a:avLst/>
@@ -3675,7 +3491,7 @@
 </file>
 
 <file path=ppt/slides/slide1.xml><?xml version="1.0" encoding="utf-8"?>
-<p:sld xmlns:a="http://schemas.openxmlformats.org/drawingml/2006/main" xmlns:r="http://schemas.openxmlformats.org/officeDocument/2006/relationships" xmlns:mc="http://schemas.openxmlformats.org/markup-compatibility/2006" xmlns:mv="urn:schemas-microsoft-com:mac:vml" xmlns:p="http://schemas.openxmlformats.org/presentationml/2006/main" mc:Ignorable="mv" mc:PreserveAttributes="mv:*">
+<p:sld xmlns:a="http://schemas.openxmlformats.org/drawingml/2006/main" xmlns:r="http://schemas.openxmlformats.org/officeDocument/2006/relationships" xmlns:p="http://schemas.openxmlformats.org/presentationml/2006/main">
   <p:cSld>
     <p:bg>
       <p:bgPr>
@@ -3701,14 +3517,14 @@
       </p:grpSpPr>
       <p:sp>
         <p:nvSpPr>
-          <p:cNvPr id="4" name="TextBox 3"/>
+          <p:cNvPr id="103" name="TextBox 102"/>
           <p:cNvSpPr txBox="1"/>
           <p:nvPr/>
         </p:nvSpPr>
         <p:spPr>
           <a:xfrm>
             <a:off x="1" y="272160"/>
-            <a:ext cx="41147998" cy="2152726"/>
+            <a:ext cx="36575999" cy="2152726"/>
           </a:xfrm>
           <a:prstGeom prst="rect">
             <a:avLst/>
@@ -3850,7 +3666,7 @@
       </p:sp>
       <p:sp>
         <p:nvSpPr>
-          <p:cNvPr id="5" name="Text Box 1384"/>
+          <p:cNvPr id="105" name="Text Box 1384"/>
           <p:cNvSpPr txBox="1">
             <a:spLocks noChangeArrowheads="1"/>
           </p:cNvSpPr>
@@ -3858,8 +3674,8 @@
         </p:nvSpPr>
         <p:spPr bwMode="auto">
           <a:xfrm>
-            <a:off x="0" y="2463825"/>
-            <a:ext cx="41147999" cy="1578124"/>
+            <a:off x="5" y="2463825"/>
+            <a:ext cx="36575996" cy="1578124"/>
           </a:xfrm>
           <a:prstGeom prst="rect">
             <a:avLst/>
@@ -3976,7 +3792,7 @@
       </p:sp>
       <p:pic>
         <p:nvPicPr>
-          <p:cNvPr id="6" name="Picture 5" descr="Berkeley_Lab_Logo_Large.jpg"/>
+          <p:cNvPr id="106" name="Picture 105" descr="Berkeley_Lab_Logo_Large.jpg"/>
           <p:cNvPicPr>
             <a:picLocks noChangeAspect="1"/>
           </p:cNvPicPr>
@@ -3990,7 +3806,7 @@
         </p:blipFill>
         <p:spPr>
           <a:xfrm>
-            <a:off x="36794617" y="770554"/>
+            <a:off x="32812546" y="932560"/>
             <a:ext cx="3234539" cy="2451870"/>
           </a:xfrm>
           <a:prstGeom prst="rect">
@@ -4000,7 +3816,7 @@
       </p:pic>
       <p:pic>
         <p:nvPicPr>
-          <p:cNvPr id="7" name="Picture 6" descr="ucberkeleyseal_874_540.eps"/>
+          <p:cNvPr id="111" name="Picture 110" descr="ucberkeleyseal_874_540.eps"/>
           <p:cNvPicPr>
             <a:picLocks noChangeAspect="1"/>
           </p:cNvPicPr>
@@ -4014,7 +3830,7 @@
         </p:blipFill>
         <p:spPr>
           <a:xfrm>
-            <a:off x="1058366" y="395390"/>
+            <a:off x="508005" y="508000"/>
             <a:ext cx="3234539" cy="3234539"/>
           </a:xfrm>
           <a:prstGeom prst="rect">
@@ -4024,14 +3840,14 @@
       </p:pic>
       <p:sp>
         <p:nvSpPr>
-          <p:cNvPr id="9" name="TextBox 8"/>
+          <p:cNvPr id="112" name="TextBox 111"/>
           <p:cNvSpPr txBox="1"/>
           <p:nvPr/>
         </p:nvSpPr>
         <p:spPr>
           <a:xfrm>
-            <a:off x="1511951" y="4004015"/>
-            <a:ext cx="5443057" cy="1233671"/>
+            <a:off x="223777" y="4003994"/>
+            <a:ext cx="7278146" cy="1220847"/>
           </a:xfrm>
           <a:prstGeom prst="rect">
             <a:avLst/>
@@ -4097,14 +3913,14 @@
       </p:sp>
       <p:sp>
         <p:nvSpPr>
-          <p:cNvPr id="10" name="TextBox 9"/>
+          <p:cNvPr id="113" name="TextBox 112"/>
           <p:cNvSpPr txBox="1"/>
           <p:nvPr/>
         </p:nvSpPr>
         <p:spPr>
           <a:xfrm>
-            <a:off x="9929736" y="4004014"/>
-            <a:ext cx="4141573" cy="1233671"/>
+            <a:off x="7659531" y="4004020"/>
+            <a:ext cx="7624918" cy="1233671"/>
           </a:xfrm>
           <a:prstGeom prst="rect">
             <a:avLst/>
@@ -4170,14 +3986,14 @@
       </p:sp>
       <p:sp>
         <p:nvSpPr>
-          <p:cNvPr id="11" name="TextBox 10"/>
+          <p:cNvPr id="114" name="TextBox 113"/>
           <p:cNvSpPr txBox="1"/>
           <p:nvPr/>
         </p:nvSpPr>
         <p:spPr>
           <a:xfrm>
-            <a:off x="2232145" y="11942379"/>
-            <a:ext cx="3926665" cy="1233671"/>
+            <a:off x="223777" y="11862575"/>
+            <a:ext cx="7278146" cy="1220847"/>
           </a:xfrm>
           <a:prstGeom prst="rect">
             <a:avLst/>
@@ -4243,14 +4059,14 @@
       </p:sp>
       <p:sp>
         <p:nvSpPr>
-          <p:cNvPr id="12" name="TextBox 11"/>
+          <p:cNvPr id="115" name="TextBox 114"/>
           <p:cNvSpPr txBox="1"/>
           <p:nvPr/>
         </p:nvSpPr>
         <p:spPr>
           <a:xfrm>
-            <a:off x="23949460" y="3951229"/>
-            <a:ext cx="9737024" cy="1233671"/>
+            <a:off x="15411450" y="4002035"/>
+            <a:ext cx="20928692" cy="1220847"/>
           </a:xfrm>
           <a:prstGeom prst="rect">
             <a:avLst/>
@@ -4316,14 +4132,14 @@
       </p:sp>
       <p:sp>
         <p:nvSpPr>
-          <p:cNvPr id="14" name="Rounded Rectangle 13"/>
+          <p:cNvPr id="116" name="Rounded Rectangle 115"/>
           <p:cNvSpPr/>
           <p:nvPr/>
         </p:nvSpPr>
         <p:spPr>
           <a:xfrm>
-            <a:off x="332630" y="5261203"/>
-            <a:ext cx="7650519" cy="6657658"/>
+            <a:off x="223777" y="5292477"/>
+            <a:ext cx="7278146" cy="6626383"/>
           </a:xfrm>
           <a:prstGeom prst="roundRect">
             <a:avLst>
@@ -4359,14 +4175,14 @@
       </p:sp>
       <p:sp>
         <p:nvSpPr>
-          <p:cNvPr id="18" name="Rounded Rectangle 17"/>
+          <p:cNvPr id="117" name="Rounded Rectangle 116"/>
           <p:cNvSpPr/>
           <p:nvPr/>
         </p:nvSpPr>
         <p:spPr>
           <a:xfrm>
-            <a:off x="332630" y="13199568"/>
-            <a:ext cx="7650519" cy="5794503"/>
+            <a:off x="223777" y="13163232"/>
+            <a:ext cx="7278146" cy="5862113"/>
           </a:xfrm>
           <a:prstGeom prst="roundRect">
             <a:avLst>
@@ -4402,14 +4218,14 @@
       </p:sp>
       <p:sp>
         <p:nvSpPr>
-          <p:cNvPr id="19" name="Rounded Rectangle 18"/>
+          <p:cNvPr id="125" name="Rounded Rectangle 124"/>
           <p:cNvSpPr/>
           <p:nvPr/>
         </p:nvSpPr>
         <p:spPr>
           <a:xfrm>
-            <a:off x="8218329" y="5261203"/>
-            <a:ext cx="7862193" cy="13732868"/>
+            <a:off x="7659531" y="5292478"/>
+            <a:ext cx="7624918" cy="13732868"/>
           </a:xfrm>
           <a:prstGeom prst="roundRect">
             <a:avLst>
@@ -4445,14 +4261,14 @@
       </p:sp>
       <p:sp>
         <p:nvSpPr>
-          <p:cNvPr id="20" name="Rounded Rectangle 19"/>
+          <p:cNvPr id="126" name="Rounded Rectangle 125"/>
           <p:cNvSpPr/>
           <p:nvPr/>
         </p:nvSpPr>
         <p:spPr>
           <a:xfrm>
-            <a:off x="16322434" y="5261203"/>
-            <a:ext cx="24470255" cy="13732868"/>
+            <a:off x="15411450" y="5292478"/>
+            <a:ext cx="20928692" cy="13732868"/>
           </a:xfrm>
           <a:prstGeom prst="roundRect">
             <a:avLst>
@@ -4482,20 +4298,24 @@
           <a:lstStyle/>
           <a:p>
             <a:pPr algn="ctr"/>
-            <a:endParaRPr lang="en-US"/>
+            <a:r>
+              <a:rPr lang="en-US" dirty="0" smtClean="0"/>
+              <a:t>1367.62570846</a:t>
+            </a:r>
+            <a:endParaRPr lang="en-US" dirty="0"/>
           </a:p>
         </p:txBody>
       </p:sp>
       <p:sp>
         <p:nvSpPr>
-          <p:cNvPr id="21" name="TextBox 20"/>
+          <p:cNvPr id="127" name="TextBox 126"/>
           <p:cNvSpPr txBox="1"/>
           <p:nvPr/>
         </p:nvSpPr>
         <p:spPr>
           <a:xfrm>
-            <a:off x="706565" y="5666353"/>
-            <a:ext cx="6904211" cy="5940089"/>
+            <a:off x="407207" y="5489478"/>
+            <a:ext cx="6904211" cy="6217088"/>
           </a:xfrm>
           <a:prstGeom prst="rect">
             <a:avLst/>
@@ -4508,50 +4328,25 @@
           </a:bodyPr>
           <a:lstStyle/>
           <a:p>
+            <a:pPr algn="ctr"/>
+            <a:r>
+              <a:rPr lang="en-US" sz="2000" b="1" dirty="0" smtClean="0">
+                <a:latin typeface="Arial"/>
+              </a:rPr>
+              <a:t>Overview</a:t>
+            </a:r>
+            <a:endParaRPr lang="en-US" sz="2000" b="1" dirty="0" smtClean="0">
+              <a:latin typeface="Arial"/>
+            </a:endParaRPr>
+          </a:p>
+          <a:p>
             <a:pPr>
               <a:buFont typeface="Arial"/>
               <a:buChar char="•"/>
             </a:pPr>
-            <a:r>
-              <a:rPr lang="en-US" sz="1800" dirty="0" smtClean="0">
-                <a:latin typeface="Arial"/>
-              </a:rPr>
-              <a:t>The cortical summary SUVR of </a:t>
-            </a:r>
-            <a:r>
-              <a:rPr lang="en-US" sz="1800" baseline="30000" dirty="0" smtClean="0">
-                <a:latin typeface="Arial"/>
-              </a:rPr>
-              <a:t>18</a:t>
-            </a:r>
-            <a:r>
-              <a:rPr lang="en-US" sz="1800" dirty="0" smtClean="0">
-                <a:latin typeface="Arial"/>
-              </a:rPr>
-              <a:t>F-AV-45 PET scans (frontal/parietal/temporal/cingulate ROI) is a conveniently calculated measure of global </a:t>
-            </a:r>
-            <a:r>
-              <a:rPr lang="en-US" sz="1800" dirty="0" err="1" smtClean="0">
-                <a:latin typeface="Arial"/>
-                <a:ea typeface="Times New Roman" pitchFamily="4" charset="0"/>
-                <a:cs typeface="Times New Roman" pitchFamily="4" charset="0"/>
-              </a:rPr>
-              <a:t>ß</a:t>
-            </a:r>
-            <a:r>
-              <a:rPr lang="en-US" sz="1800" dirty="0" smtClean="0">
-                <a:latin typeface="Arial"/>
-                <a:ea typeface="Times New Roman" pitchFamily="4" charset="0"/>
-                <a:cs typeface="Times New Roman" pitchFamily="4" charset="0"/>
-              </a:rPr>
-              <a:t>-Amyloid</a:t>
-            </a:r>
-            <a:r>
-              <a:rPr lang="en-US" sz="1800" dirty="0" smtClean="0">
-                <a:latin typeface="Arial"/>
-              </a:rPr>
-              <a:t> burden.</a:t>
-            </a:r>
+            <a:endParaRPr lang="en-US" sz="1800" dirty="0">
+              <a:latin typeface="Arial"/>
+            </a:endParaRPr>
           </a:p>
           <a:p>
             <a:pPr>
@@ -4562,22 +4357,119 @@
               <a:rPr lang="en-US" sz="1800" dirty="0" smtClean="0">
                 <a:latin typeface="Arial"/>
               </a:rPr>
-              <a:t> Cortical summary SUVR is impaired by:</a:t>
-            </a:r>
-          </a:p>
-          <a:p>
+              <a:t>The </a:t>
+            </a:r>
             <a:r>
               <a:rPr lang="en-US" sz="1800" dirty="0" smtClean="0">
                 <a:latin typeface="Arial"/>
               </a:rPr>
-              <a:t>     - noise introduced in choosing a reference region</a:t>
-            </a:r>
-          </a:p>
-          <a:p>
+              <a:t>cortical </a:t>
+            </a:r>
             <a:r>
               <a:rPr lang="en-US" sz="1800" dirty="0" smtClean="0">
                 <a:latin typeface="Arial"/>
               </a:rPr>
+              <a:t>summary (CS) SUVR of </a:t>
+            </a:r>
+            <a:r>
+              <a:rPr lang="en-US" sz="1800" baseline="30000" dirty="0" smtClean="0">
+                <a:latin typeface="Arial"/>
+              </a:rPr>
+              <a:t>18</a:t>
+            </a:r>
+            <a:r>
+              <a:rPr lang="en-US" sz="1800" dirty="0" smtClean="0">
+                <a:latin typeface="Arial"/>
+              </a:rPr>
+              <a:t>F-AV-45 PET scans (frontal/parietal/temporal/cingulate ROI) is a conveniently calculated measure of global </a:t>
+            </a:r>
+            <a:r>
+              <a:rPr lang="en-US" sz="1800" dirty="0" err="1" smtClean="0">
+                <a:latin typeface="Arial"/>
+                <a:ea typeface="Times New Roman" pitchFamily="4" charset="0"/>
+                <a:cs typeface="Times New Roman" pitchFamily="4" charset="0"/>
+              </a:rPr>
+              <a:t>ß</a:t>
+            </a:r>
+            <a:r>
+              <a:rPr lang="en-US" sz="1800" dirty="0" smtClean="0">
+                <a:latin typeface="Arial"/>
+                <a:ea typeface="Times New Roman" pitchFamily="4" charset="0"/>
+                <a:cs typeface="Times New Roman" pitchFamily="4" charset="0"/>
+              </a:rPr>
+              <a:t>-Amyloid</a:t>
+            </a:r>
+            <a:r>
+              <a:rPr lang="en-US" sz="1800" dirty="0" smtClean="0">
+                <a:latin typeface="Arial"/>
+              </a:rPr>
+              <a:t> </a:t>
+            </a:r>
+            <a:r>
+              <a:rPr lang="en-US" sz="1800" dirty="0" smtClean="0">
+                <a:latin typeface="Arial"/>
+              </a:rPr>
+              <a:t>burden</a:t>
+            </a:r>
+            <a:endParaRPr lang="en-US" sz="1800" dirty="0" smtClean="0">
+              <a:latin typeface="Arial"/>
+            </a:endParaRPr>
+          </a:p>
+          <a:p>
+            <a:pPr>
+              <a:buFont typeface="Arial"/>
+              <a:buChar char="•"/>
+            </a:pPr>
+            <a:r>
+              <a:rPr lang="en-US" sz="1800" dirty="0" smtClean="0">
+                <a:latin typeface="Arial"/>
+              </a:rPr>
+              <a:t> </a:t>
+            </a:r>
+            <a:r>
+              <a:rPr lang="en-US" sz="1800" dirty="0" smtClean="0">
+                <a:latin typeface="Arial"/>
+              </a:rPr>
+              <a:t>CS </a:t>
+            </a:r>
+            <a:r>
+              <a:rPr lang="en-US" sz="1800" dirty="0" smtClean="0">
+                <a:latin typeface="Arial"/>
+              </a:rPr>
+              <a:t>SUVR is impaired by:</a:t>
+            </a:r>
+          </a:p>
+          <a:p>
+            <a:r>
+              <a:rPr lang="en-US" sz="1800" dirty="0" smtClean="0">
+                <a:latin typeface="Arial"/>
+              </a:rPr>
+              <a:t>     - noise introduced </a:t>
+            </a:r>
+            <a:r>
+              <a:rPr lang="en-US" sz="1800" dirty="0" smtClean="0">
+                <a:latin typeface="Arial"/>
+              </a:rPr>
+              <a:t>via</a:t>
+            </a:r>
+            <a:r>
+              <a:rPr lang="en-US" sz="1800" dirty="0" smtClean="0">
+                <a:latin typeface="Arial"/>
+              </a:rPr>
+              <a:t> </a:t>
+            </a:r>
+            <a:r>
+              <a:rPr lang="en-US" sz="1800" dirty="0" smtClean="0">
+                <a:latin typeface="Arial"/>
+              </a:rPr>
+              <a:t>choosing a reference region</a:t>
+            </a:r>
+          </a:p>
+          <a:p>
+            <a:r>
+              <a:rPr lang="en-US" sz="1800" dirty="0" smtClean="0">
+                <a:latin typeface="Arial"/>
+              </a:rPr>
               <a:t>     - ignorance of regional variations within the ROI</a:t>
             </a:r>
           </a:p>
@@ -4586,8 +4478,17 @@
               <a:rPr lang="en-US" sz="1800" dirty="0" smtClean="0">
                 <a:latin typeface="Arial"/>
               </a:rPr>
-              <a:t>     - ignorance of regional contrasts (except ROI/ref)</a:t>
-            </a:r>
+              <a:t>     - ignorance of regional contrasts (except ROI/ref</a:t>
+            </a:r>
+            <a:r>
+              <a:rPr lang="en-US" sz="1800" dirty="0" smtClean="0">
+                <a:latin typeface="Arial"/>
+              </a:rPr>
+              <a:t>)</a:t>
+            </a:r>
+            <a:endParaRPr lang="en-US" sz="1800" dirty="0" smtClean="0">
+              <a:latin typeface="Arial"/>
+            </a:endParaRPr>
           </a:p>
           <a:p>
             <a:pPr>
@@ -4599,23 +4500,60 @@
             </a:endParaRPr>
           </a:p>
           <a:p>
+            <a:pPr algn="ctr"/>
+            <a:r>
+              <a:rPr lang="en-US" sz="2000" b="1" dirty="0" smtClean="0">
+                <a:latin typeface="Arial"/>
+              </a:rPr>
+              <a:t>Goals</a:t>
+            </a:r>
+          </a:p>
+          <a:p>
+            <a:endParaRPr lang="en-US" sz="1800" b="1" dirty="0" smtClean="0">
+              <a:latin typeface="Arial"/>
+            </a:endParaRPr>
+          </a:p>
+          <a:p>
             <a:pPr>
               <a:buFont typeface="Arial"/>
               <a:buChar char="•"/>
             </a:pPr>
-            <a:endParaRPr lang="en-US" sz="1800" dirty="0" smtClean="0">
-              <a:latin typeface="Arial"/>
-            </a:endParaRPr>
-          </a:p>
-          <a:p>
-            <a:r>
-              <a:rPr lang="en-US" sz="2000" b="1" dirty="0" smtClean="0">
-                <a:latin typeface="Arial"/>
-              </a:rPr>
-              <a:t>Goals:</a:t>
-            </a:r>
-          </a:p>
-          <a:p>
+            <a:r>
+              <a:rPr lang="en-US" sz="1800" b="1" dirty="0" smtClean="0">
+                <a:latin typeface="Arial"/>
+              </a:rPr>
+              <a:t> Convert regional uptakes of ADNI </a:t>
+            </a:r>
+            <a:r>
+              <a:rPr lang="en-US" sz="1800" b="1" baseline="30000" dirty="0" smtClean="0">
+                <a:latin typeface="Arial"/>
+              </a:rPr>
+              <a:t>18</a:t>
+            </a:r>
+            <a:r>
+              <a:rPr lang="en-US" sz="1800" b="1" dirty="0" smtClean="0">
+                <a:latin typeface="Arial"/>
+              </a:rPr>
+              <a:t>F-AV-45 and </a:t>
+            </a:r>
+            <a:r>
+              <a:rPr lang="en-US" sz="1800" b="1" baseline="30000" dirty="0" smtClean="0">
+                <a:latin typeface="Arial"/>
+              </a:rPr>
+              <a:t>18</a:t>
+            </a:r>
+            <a:r>
+              <a:rPr lang="en-US" sz="1800" b="1" dirty="0" smtClean="0">
+                <a:latin typeface="Arial"/>
+              </a:rPr>
+              <a:t>F-AV-1451 PET scans to standardized units via a regionally-unbiased intensity normalization </a:t>
+            </a:r>
+            <a:r>
+              <a:rPr lang="en-US" sz="1800" b="1" dirty="0" smtClean="0">
+                <a:latin typeface="Arial"/>
+              </a:rPr>
+              <a:t>method</a:t>
+            </a:r>
             <a:endParaRPr lang="en-US" sz="1800" b="1" dirty="0" smtClean="0">
               <a:latin typeface="Arial"/>
             </a:endParaRPr>
@@ -4629,32 +4567,17 @@
               <a:rPr lang="en-US" sz="1800" b="1" dirty="0" smtClean="0">
                 <a:latin typeface="Arial"/>
               </a:rPr>
-              <a:t> Convert regional uptakes of ADNI </a:t>
-            </a:r>
-            <a:r>
-              <a:rPr lang="en-US" sz="1800" b="1" baseline="30000" dirty="0" smtClean="0">
-                <a:latin typeface="Arial"/>
-              </a:rPr>
-              <a:t>18</a:t>
+              <a:t> Perform a sparse nonparametric factor analysis of the normalized regional dataset, determining a set of recurring uptake topographies underlying the variance in individual uptake </a:t>
             </a:r>
             <a:r>
               <a:rPr lang="en-US" sz="1800" b="1" dirty="0" smtClean="0">
                 <a:latin typeface="Arial"/>
               </a:rPr>
-              <a:t>F-AV-45 and </a:t>
-            </a:r>
-            <a:r>
-              <a:rPr lang="en-US" sz="1800" b="1" baseline="30000" dirty="0" smtClean="0">
-                <a:latin typeface="Arial"/>
-              </a:rPr>
-              <a:t>18</a:t>
-            </a:r>
-            <a:r>
-              <a:rPr lang="en-US" sz="1800" b="1" dirty="0" smtClean="0">
-                <a:latin typeface="Arial"/>
-              </a:rPr>
-              <a:t>F-AV-1451 PET scans to standardized units via a regionally-unbiased intensity normalization method.</a:t>
-            </a:r>
+              <a:t>patterns</a:t>
+            </a:r>
+            <a:endParaRPr lang="en-US" sz="1800" b="1" dirty="0" smtClean="0">
+              <a:latin typeface="Arial"/>
+            </a:endParaRPr>
           </a:p>
           <a:p>
             <a:pPr>
@@ -4662,28 +4585,22 @@
               <a:buChar char="•"/>
             </a:pPr>
             <a:r>
+              <a:rPr lang="en-US" sz="1800" b="1" dirty="0">
+                <a:latin typeface="Arial"/>
+              </a:rPr>
+              <a:t> </a:t>
+            </a:r>
+            <a:r>
               <a:rPr lang="en-US" sz="1800" b="1" dirty="0" smtClean="0">
                 <a:latin typeface="Arial"/>
               </a:rPr>
-              <a:t> Perform a sparse nonparametric factor analysis of the normalized regional dataset, determining a set of recurring uptake topographies underlying the variance in individual uptake patterns.</a:t>
-            </a:r>
-          </a:p>
-          <a:p>
-            <a:pPr>
-              <a:buFont typeface="Arial"/>
-              <a:buChar char="•"/>
-            </a:pPr>
-            <a:r>
-              <a:rPr lang="en-US" sz="1800" b="1" dirty="0">
-                <a:latin typeface="Arial"/>
-              </a:rPr>
-              <a:t> </a:t>
+              <a:t>Explore the efficacy of topographical factor scores (derived from the factor model) as alternative summary measures of Alzheimer’s disease </a:t>
             </a:r>
             <a:r>
               <a:rPr lang="en-US" sz="1800" b="1" dirty="0" smtClean="0">
                 <a:latin typeface="Arial"/>
               </a:rPr>
-              <a:t>Explore the efficacy of topographical factor scores (derived from the factor model) as alternative summary measures of Alzheimer’s disease severity.</a:t>
+              <a:t>severity</a:t>
             </a:r>
             <a:endParaRPr lang="en-US" sz="1800" dirty="0" smtClean="0">
               <a:latin typeface="Arial"/>
@@ -4693,21 +4610,21 @@
       </p:sp>
       <p:graphicFrame>
         <p:nvGraphicFramePr>
-          <p:cNvPr id="22" name="Table 21"/>
+          <p:cNvPr id="128" name="Table 127"/>
           <p:cNvGraphicFramePr>
             <a:graphicFrameLocks noGrp="1"/>
           </p:cNvGraphicFramePr>
           <p:nvPr>
             <p:extLst>
               <p:ext uri="{D42A27DB-BD31-4B8C-83A1-F6EECF244321}">
-                <p14:modId xmlns:p14="http://schemas.microsoft.com/office/powerpoint/2010/main" xmlns:p="http://schemas.openxmlformats.org/presentationml/2006/main" xmlns:r="http://schemas.openxmlformats.org/officeDocument/2006/relationships" xmlns:a="http://schemas.openxmlformats.org/drawingml/2006/main" xmlns="" val="2693446380"/>
+                <p14:modId xmlns:p14="http://schemas.microsoft.com/office/powerpoint/2010/main" val="2114261796"/>
               </p:ext>
             </p:extLst>
           </p:nvPr>
         </p:nvGraphicFramePr>
         <p:xfrm>
-          <a:off x="706565" y="13485016"/>
-          <a:ext cx="6904211" cy="5199452"/>
+          <a:off x="620801" y="13485016"/>
+          <a:ext cx="6437182" cy="5199452"/>
         </p:xfrm>
         <a:graphic>
           <a:graphicData uri="http://schemas.openxmlformats.org/drawingml/2006/table">
@@ -4716,9 +4633,9 @@
                 <a:tableStyleId>{3B4B98B0-60AC-42C2-AFA5-B58CD77FA1E5}</a:tableStyleId>
               </a:tblPr>
               <a:tblGrid>
-                <a:gridCol w="2449442"/>
-                <a:gridCol w="2266460"/>
-                <a:gridCol w="2188309"/>
+                <a:gridCol w="2028056"/>
+                <a:gridCol w="2068286"/>
+                <a:gridCol w="2340840"/>
               </a:tblGrid>
               <a:tr h="432773">
                 <a:tc>
@@ -4738,7 +4655,23 @@
                     <a:p>
                       <a:r>
                         <a:rPr lang="en-US" sz="2000" dirty="0" smtClean="0"/>
-                        <a:t>AV45</a:t>
+                        <a:t>ADNI</a:t>
+                      </a:r>
+                      <a:r>
+                        <a:rPr lang="en-US" sz="2000" baseline="0" dirty="0" smtClean="0"/>
+                        <a:t> </a:t>
+                      </a:r>
+                      <a:r>
+                        <a:rPr lang="en-US" sz="2000" baseline="30000" dirty="0" smtClean="0"/>
+                        <a:t>18</a:t>
+                      </a:r>
+                      <a:r>
+                        <a:rPr lang="en-US" sz="2000" baseline="0" dirty="0" smtClean="0"/>
+                        <a:t>F-</a:t>
+                      </a:r>
+                      <a:r>
+                        <a:rPr lang="en-US" sz="2000" dirty="0" smtClean="0"/>
+                        <a:t>AV-45</a:t>
                       </a:r>
                       <a:endParaRPr lang="en-US" sz="2000" dirty="0"/>
                     </a:p>
@@ -4752,7 +4685,15 @@
                     <a:p>
                       <a:r>
                         <a:rPr lang="en-US" sz="2000" dirty="0" smtClean="0"/>
-                        <a:t>AV1451</a:t>
+                        <a:t>ADNI </a:t>
+                      </a:r>
+                      <a:r>
+                        <a:rPr lang="en-US" sz="2000" baseline="30000" dirty="0" smtClean="0"/>
+                        <a:t>18</a:t>
+                      </a:r>
+                      <a:r>
+                        <a:rPr lang="en-US" sz="2000" dirty="0" smtClean="0"/>
+                        <a:t>F-AV-1451</a:t>
                       </a:r>
                       <a:endParaRPr lang="en-US" sz="2000" dirty="0"/>
                     </a:p>
@@ -4812,7 +4753,15 @@
                     <a:p>
                       <a:r>
                         <a:rPr lang="en-US" sz="2000" dirty="0" smtClean="0"/>
-                        <a:t>Age (years)</a:t>
+                        <a:t>Age (</a:t>
+                      </a:r>
+                      <a:r>
+                        <a:rPr lang="en-US" sz="2000" dirty="0" err="1" smtClean="0"/>
+                        <a:t>yrs</a:t>
+                      </a:r>
+                      <a:r>
+                        <a:rPr lang="en-US" sz="2000" dirty="0" smtClean="0"/>
+                        <a:t>)</a:t>
                       </a:r>
                       <a:endParaRPr lang="en-US" sz="2000" dirty="0"/>
                     </a:p>
@@ -4900,7 +4849,15 @@
                     <a:p>
                       <a:r>
                         <a:rPr lang="en-US" sz="2000" dirty="0" smtClean="0"/>
-                        <a:t>Education (years)</a:t>
+                        <a:t>Education (</a:t>
+                      </a:r>
+                      <a:r>
+                        <a:rPr lang="en-US" sz="2000" dirty="0" err="1" smtClean="0"/>
+                        <a:t>yrs</a:t>
+                      </a:r>
+                      <a:r>
+                        <a:rPr lang="en-US" sz="2000" dirty="0" smtClean="0"/>
+                        <a:t>)</a:t>
                       </a:r>
                       <a:endParaRPr lang="en-US" sz="2000" dirty="0"/>
                     </a:p>
@@ -5246,14 +5203,14 @@
       </p:graphicFrame>
       <p:sp>
         <p:nvSpPr>
-          <p:cNvPr id="16" name="TextBox 15"/>
+          <p:cNvPr id="129" name="TextBox 128"/>
           <p:cNvSpPr txBox="1"/>
           <p:nvPr/>
         </p:nvSpPr>
         <p:spPr>
           <a:xfrm>
-            <a:off x="8632653" y="5546505"/>
-            <a:ext cx="7033846" cy="2862322"/>
+            <a:off x="7978600" y="5489478"/>
+            <a:ext cx="7033847" cy="2616101"/>
           </a:xfrm>
           <a:prstGeom prst="rect">
             <a:avLst/>
@@ -5266,6 +5223,7 @@
           </a:bodyPr>
           <a:lstStyle/>
           <a:p>
+            <a:pPr algn="ctr"/>
             <a:r>
               <a:rPr lang="en-US" sz="2000" b="1" dirty="0" smtClean="0">
                 <a:latin typeface="Arial"/>
@@ -5315,20 +5273,17 @@
               <a:rPr lang="en-US" sz="1800" dirty="0" smtClean="0">
                 <a:latin typeface="Arial"/>
               </a:rPr>
-              <a:t> Correction for partial volume effects with the </a:t>
-            </a:r>
-            <a:r>
-              <a:rPr lang="en-US" sz="1800" dirty="0" err="1" smtClean="0">
-                <a:latin typeface="Arial"/>
-              </a:rPr>
-              <a:t>Rousset</a:t>
+              <a:t> Correction for partial volume effects with the Rousset algorithm (geometry-dependent transfer matrix</a:t>
             </a:r>
             <a:r>
               <a:rPr lang="en-US" sz="1800" dirty="0" smtClean="0">
                 <a:latin typeface="Arial"/>
               </a:rPr>
-              <a:t> algorithm (geometry-dependent transfer matrix)</a:t>
-            </a:r>
+              <a:t>)</a:t>
+            </a:r>
+            <a:endParaRPr lang="en-US" sz="1800" dirty="0" smtClean="0">
+              <a:latin typeface="Arial"/>
+            </a:endParaRPr>
           </a:p>
           <a:p>
             <a:pPr>
@@ -5339,8 +5294,17 @@
               <a:rPr lang="en-US" sz="1800" dirty="0" smtClean="0">
                 <a:latin typeface="Arial"/>
               </a:rPr>
-              <a:t> Intensity normalization by Manhattan (L1) norm, mapping each scan (row) onto a regional standard simplex and preserving uptake ratios</a:t>
-            </a:r>
+              <a:t> Intensity normalization by Manhattan (L1) norm, mapping each scan (row) onto a regional standard simplex and preserving uptake </a:t>
+            </a:r>
+            <a:r>
+              <a:rPr lang="en-US" sz="1800" dirty="0" smtClean="0">
+                <a:latin typeface="Arial"/>
+              </a:rPr>
+              <a:t>ratios</a:t>
+            </a:r>
+            <a:endParaRPr lang="en-US" sz="1800" dirty="0" smtClean="0">
+              <a:latin typeface="Arial"/>
+            </a:endParaRPr>
           </a:p>
           <a:p>
             <a:pPr>
@@ -5354,26 +5318,17 @@
               <a:t> Standardize each region (column) to zero mean, unit variance</a:t>
             </a:r>
           </a:p>
-          <a:p>
-            <a:pPr>
-              <a:buFont typeface="Arial"/>
-              <a:buChar char="•"/>
-            </a:pPr>
-            <a:endParaRPr lang="en-US" sz="1600" dirty="0" smtClean="0">
-              <a:latin typeface="Arial"/>
-            </a:endParaRPr>
-          </a:p>
         </p:txBody>
       </p:sp>
       <p:grpSp>
         <p:nvGrpSpPr>
-          <p:cNvPr id="28" name="Group 27"/>
+          <p:cNvPr id="130" name="Group 129"/>
           <p:cNvGrpSpPr/>
           <p:nvPr/>
         </p:nvGrpSpPr>
         <p:grpSpPr>
           <a:xfrm>
-            <a:off x="10114525" y="8267719"/>
+            <a:off x="9492224" y="8190628"/>
             <a:ext cx="4053770" cy="1911661"/>
             <a:chOff x="28001513" y="11888509"/>
             <a:chExt cx="4053770" cy="1911661"/>
@@ -5381,7 +5336,7 @@
         </p:grpSpPr>
         <p:pic>
           <p:nvPicPr>
-            <p:cNvPr id="23" name="Picture 22" descr="Screen Shot 2016-06-14 at 11.07.16 PM.png"/>
+            <p:cNvPr id="131" name="Picture 130" descr="Screen Shot 2016-06-14 at 11.07.16 PM.png"/>
             <p:cNvPicPr>
               <a:picLocks noChangeAspect="1"/>
             </p:cNvPicPr>
@@ -5391,7 +5346,7 @@
             <a:blip r:embed="rId5">
               <a:extLst>
                 <a:ext uri="{28A0092B-C50C-407E-A947-70E740481C1C}">
-                  <a14:useLocalDpi xmlns:a14="http://schemas.microsoft.com/office/drawing/2010/main" xmlns:p="http://schemas.openxmlformats.org/presentationml/2006/main" xmlns:r="http://schemas.openxmlformats.org/officeDocument/2006/relationships" xmlns:a="http://schemas.openxmlformats.org/drawingml/2006/main" xmlns="" val="0"/>
+                  <a14:useLocalDpi xmlns:a14="http://schemas.microsoft.com/office/drawing/2010/main" val="0"/>
                 </a:ext>
               </a:extLst>
             </a:blip>
@@ -5411,7 +5366,7 @@
         </p:pic>
         <p:sp>
           <p:nvSpPr>
-            <p:cNvPr id="24" name="Rectangle 23"/>
+            <p:cNvPr id="149" name="Rectangle 148"/>
             <p:cNvSpPr/>
             <p:nvPr/>
           </p:nvSpPr>
@@ -5454,7 +5409,7 @@
         </p:sp>
         <p:sp>
           <p:nvSpPr>
-            <p:cNvPr id="25" name="Rectangle 24"/>
+            <p:cNvPr id="150" name="Rectangle 149"/>
             <p:cNvSpPr/>
             <p:nvPr/>
           </p:nvSpPr>
@@ -5497,7 +5452,7 @@
         </p:sp>
         <p:sp>
           <p:nvSpPr>
-            <p:cNvPr id="26" name="TextBox 25"/>
+            <p:cNvPr id="151" name="TextBox 150"/>
             <p:cNvSpPr txBox="1"/>
             <p:nvPr/>
           </p:nvSpPr>
@@ -5531,7 +5486,7 @@
         </p:sp>
         <p:sp>
           <p:nvSpPr>
-            <p:cNvPr id="27" name="TextBox 26"/>
+            <p:cNvPr id="152" name="TextBox 151"/>
             <p:cNvSpPr txBox="1"/>
             <p:nvPr/>
           </p:nvSpPr>
@@ -5566,14 +5521,14 @@
       </p:grpSp>
       <p:sp>
         <p:nvSpPr>
-          <p:cNvPr id="29" name="TextBox 28"/>
+          <p:cNvPr id="153" name="TextBox 152"/>
           <p:cNvSpPr txBox="1"/>
           <p:nvPr/>
         </p:nvSpPr>
         <p:spPr>
           <a:xfrm>
-            <a:off x="8632653" y="10622694"/>
-            <a:ext cx="7033846" cy="2339102"/>
+            <a:off x="7978600" y="10282900"/>
+            <a:ext cx="7033847" cy="2339102"/>
           </a:xfrm>
           <a:prstGeom prst="rect">
             <a:avLst/>
@@ -5586,6 +5541,7 @@
           </a:bodyPr>
           <a:lstStyle/>
           <a:p>
+            <a:pPr algn="ctr"/>
             <a:r>
               <a:rPr lang="en-US" sz="2000" b="1" dirty="0" smtClean="0">
                 <a:latin typeface="Arial"/>
@@ -5623,8 +5579,17 @@
               <a:rPr lang="en-US" sz="1800" dirty="0" smtClean="0">
                 <a:latin typeface="Arial"/>
               </a:rPr>
-              <a:t> improves interpretability of latent factors and downstream predictive performance. </a:t>
-            </a:r>
+              <a:t> improves interpretability of latent factors and downstream predictive </a:t>
+            </a:r>
+            <a:r>
+              <a:rPr lang="en-US" sz="1800" dirty="0" smtClean="0">
+                <a:latin typeface="Arial"/>
+              </a:rPr>
+              <a:t>performance</a:t>
+            </a:r>
+            <a:endParaRPr lang="en-US" sz="1800" dirty="0" smtClean="0">
+              <a:latin typeface="Arial"/>
+            </a:endParaRPr>
           </a:p>
           <a:p>
             <a:pPr>
@@ -5635,8 +5600,17 @@
               <a:rPr lang="en-US" sz="1800" dirty="0" smtClean="0">
                 <a:latin typeface="Arial"/>
               </a:rPr>
-              <a:t> Nonparametric models remove manual specification of the number of factors.</a:t>
-            </a:r>
+              <a:t> Nonparametric models remove manual specification of the number of </a:t>
+            </a:r>
+            <a:r>
+              <a:rPr lang="en-US" sz="1800" dirty="0" smtClean="0">
+                <a:latin typeface="Arial"/>
+              </a:rPr>
+              <a:t>factors</a:t>
+            </a:r>
+            <a:endParaRPr lang="en-US" sz="1800" dirty="0" smtClean="0">
+              <a:latin typeface="Arial"/>
+            </a:endParaRPr>
           </a:p>
           <a:p>
             <a:pPr>
@@ -5647,50 +5621,144 @@
               <a:rPr lang="en-US" sz="1800" dirty="0" smtClean="0">
                 <a:latin typeface="Arial"/>
               </a:rPr>
-              <a:t> Potential pitfalls include the assumption of a causal model, and results are only as good as the data.</a:t>
-            </a:r>
+              <a:t> Potential pitfalls include the assumption of a </a:t>
+            </a:r>
+            <a:r>
+              <a:rPr lang="en-US" sz="1800" dirty="0" smtClean="0">
+                <a:latin typeface="Arial"/>
+              </a:rPr>
+              <a:t>linear causal </a:t>
+            </a:r>
+            <a:r>
+              <a:rPr lang="en-US" sz="1800" dirty="0" smtClean="0">
+                <a:latin typeface="Arial"/>
+              </a:rPr>
+              <a:t>model, and </a:t>
+            </a:r>
+            <a:r>
+              <a:rPr lang="en-US" sz="1800" dirty="0" smtClean="0">
+                <a:latin typeface="Arial"/>
+              </a:rPr>
+              <a:t>the results </a:t>
+            </a:r>
+            <a:r>
+              <a:rPr lang="en-US" sz="1800" dirty="0" smtClean="0">
+                <a:latin typeface="Arial"/>
+              </a:rPr>
+              <a:t>are only as good as the </a:t>
+            </a:r>
+            <a:r>
+              <a:rPr lang="en-US" sz="1800" dirty="0" smtClean="0">
+                <a:latin typeface="Arial"/>
+              </a:rPr>
+              <a:t>data</a:t>
+            </a:r>
+            <a:endParaRPr lang="en-US" sz="1800" dirty="0" smtClean="0">
+              <a:latin typeface="Arial"/>
+            </a:endParaRPr>
           </a:p>
         </p:txBody>
       </p:sp>
-      <p:pic>
-        <p:nvPicPr>
-          <p:cNvPr id="30" name="Content Placeholder 9" descr="Screen Shot 2016-06-14 at 11.21.46 PM.png"/>
-          <p:cNvPicPr>
-            <a:picLocks noChangeAspect="1"/>
-          </p:cNvPicPr>
+      <p:grpSp>
+        <p:nvGrpSpPr>
+          <p:cNvPr id="37" name="Group 36"/>
+          <p:cNvGrpSpPr/>
           <p:nvPr/>
-        </p:nvPicPr>
-        <p:blipFill rotWithShape="1">
-          <a:blip r:embed="rId6">
-            <a:extLst>
-              <a:ext uri="{28A0092B-C50C-407E-A947-70E740481C1C}">
-                <a14:useLocalDpi xmlns:a14="http://schemas.microsoft.com/office/drawing/2010/main" xmlns:p="http://schemas.openxmlformats.org/presentationml/2006/main" xmlns:r="http://schemas.openxmlformats.org/officeDocument/2006/relationships" xmlns:a="http://schemas.openxmlformats.org/drawingml/2006/main" xmlns="" val="0"/>
-              </a:ext>
-            </a:extLst>
-          </a:blip>
-          <a:srcRect l="-94"/>
-          <a:stretch/>
-        </p:blipFill>
-        <p:spPr>
+        </p:nvGrpSpPr>
+        <p:grpSpPr>
           <a:xfrm>
-            <a:off x="9212162" y="13112996"/>
-            <a:ext cx="1987901" cy="2262981"/>
+            <a:off x="8589861" y="12686672"/>
+            <a:ext cx="5912019" cy="2262981"/>
+            <a:chOff x="8894663" y="12890727"/>
+            <a:chExt cx="5912019" cy="2262981"/>
           </a:xfrm>
-          <a:prstGeom prst="rect">
-            <a:avLst/>
-          </a:prstGeom>
-        </p:spPr>
-      </p:pic>
+        </p:grpSpPr>
+        <p:pic>
+          <p:nvPicPr>
+            <p:cNvPr id="154" name="Content Placeholder 9" descr="Screen Shot 2016-06-14 at 11.21.46 PM.png"/>
+            <p:cNvPicPr>
+              <a:picLocks noChangeAspect="1"/>
+            </p:cNvPicPr>
+            <p:nvPr/>
+          </p:nvPicPr>
+          <p:blipFill rotWithShape="1">
+            <a:blip r:embed="rId6">
+              <a:extLst>
+                <a:ext uri="{28A0092B-C50C-407E-A947-70E740481C1C}">
+                  <a14:useLocalDpi xmlns:a14="http://schemas.microsoft.com/office/drawing/2010/main" val="0"/>
+                </a:ext>
+              </a:extLst>
+            </a:blip>
+            <a:srcRect l="-94"/>
+            <a:stretch/>
+          </p:blipFill>
+          <p:spPr>
+            <a:xfrm>
+              <a:off x="8894663" y="12890727"/>
+              <a:ext cx="1987901" cy="2262981"/>
+            </a:xfrm>
+            <a:prstGeom prst="rect">
+              <a:avLst/>
+            </a:prstGeom>
+          </p:spPr>
+        </p:pic>
+        <p:sp>
+          <p:nvSpPr>
+            <p:cNvPr id="155" name="TextBox 154"/>
+            <p:cNvSpPr txBox="1"/>
+            <p:nvPr/>
+          </p:nvSpPr>
+          <p:spPr>
+            <a:xfrm>
+              <a:off x="11049393" y="13696576"/>
+              <a:ext cx="3757289" cy="830997"/>
+            </a:xfrm>
+            <a:prstGeom prst="rect">
+              <a:avLst/>
+            </a:prstGeom>
+            <a:noFill/>
+          </p:spPr>
+          <p:txBody>
+            <a:bodyPr wrap="square" rtlCol="0">
+              <a:spAutoFit/>
+            </a:bodyPr>
+            <a:lstStyle/>
+            <a:p>
+              <a:r>
+                <a:rPr lang="en-US" sz="1200" dirty="0" smtClean="0">
+                  <a:latin typeface="Arial"/>
+                </a:rPr>
+                <a:t>Figure 1. Graphical Model. Adapted from “Nonparametric Bayesian sparse factor models with application to gene expression modeling” by D. Knowles and Z. </a:t>
+              </a:r>
+              <a:r>
+                <a:rPr lang="en-US" sz="1200" dirty="0" err="1" smtClean="0">
+                  <a:latin typeface="Arial"/>
+                </a:rPr>
+                <a:t>Ghahramani</a:t>
+              </a:r>
+              <a:r>
+                <a:rPr lang="en-US" sz="1200" dirty="0" smtClean="0">
+                  <a:latin typeface="Arial"/>
+                </a:rPr>
+                <a:t>, 2011 </a:t>
+              </a:r>
+              <a:endParaRPr lang="en-US" sz="1200" dirty="0">
+                <a:latin typeface="Arial"/>
+              </a:endParaRPr>
+            </a:p>
+          </p:txBody>
+        </p:sp>
+      </p:grpSp>
       <p:sp>
         <p:nvSpPr>
-          <p:cNvPr id="31" name="TextBox 30"/>
+          <p:cNvPr id="156" name="TextBox 155"/>
           <p:cNvSpPr txBox="1"/>
           <p:nvPr/>
         </p:nvSpPr>
         <p:spPr>
           <a:xfrm>
-            <a:off x="11366890" y="13887088"/>
-            <a:ext cx="3757289" cy="830997"/>
+            <a:off x="7978600" y="15013646"/>
+            <a:ext cx="7033847" cy="3724097"/>
           </a:xfrm>
           <a:prstGeom prst="rect">
             <a:avLst/>
@@ -5703,25 +5771,190 @@
           </a:bodyPr>
           <a:lstStyle/>
           <a:p>
-            <a:r>
-              <a:rPr lang="en-US" sz="1200" dirty="0" smtClean="0">
-                <a:latin typeface="Arial"/>
-              </a:rPr>
-              <a:t>Figure 1. Graphical Model. Adapted from “Nonparametric Bayesian sparse factor models with application to gene expression modeling” by D. Knowles and Z. </a:t>
-            </a:r>
-            <a:r>
-              <a:rPr lang="en-US" sz="1200" dirty="0" err="1" smtClean="0">
-                <a:latin typeface="Arial"/>
-              </a:rPr>
-              <a:t>Ghahramani</a:t>
-            </a:r>
-            <a:r>
-              <a:rPr lang="en-US" sz="1200" dirty="0" smtClean="0">
-                <a:latin typeface="Arial"/>
-              </a:rPr>
-              <a:t>, 2011 </a:t>
-            </a:r>
-            <a:endParaRPr lang="en-US" sz="1200" dirty="0">
+            <a:pPr algn="ctr"/>
+            <a:r>
+              <a:rPr lang="en-US" sz="2000" b="1" dirty="0" smtClean="0">
+                <a:latin typeface="Arial"/>
+              </a:rPr>
+              <a:t>NSFA Output and Analyses</a:t>
+            </a:r>
+          </a:p>
+          <a:p>
+            <a:pPr>
+              <a:buFont typeface="Arial"/>
+              <a:buChar char="•"/>
+            </a:pPr>
+            <a:endParaRPr lang="en-US" sz="1800" dirty="0" smtClean="0">
+              <a:latin typeface="Arial"/>
+            </a:endParaRPr>
+          </a:p>
+          <a:p>
+            <a:pPr>
+              <a:buFont typeface="Arial"/>
+              <a:buChar char="•"/>
+            </a:pPr>
+            <a:r>
+              <a:rPr lang="en-US" sz="1800" dirty="0" smtClean="0">
+                <a:latin typeface="Arial"/>
+              </a:rPr>
+              <a:t> Factor loadings (regional topographies per factor)</a:t>
+            </a:r>
+          </a:p>
+          <a:p>
+            <a:r>
+              <a:rPr lang="en-US" sz="1800" dirty="0" smtClean="0">
+                <a:latin typeface="Arial"/>
+              </a:rPr>
+              <a:t>     - Loadings are regional correlations</a:t>
+            </a:r>
+          </a:p>
+          <a:p>
+            <a:r>
+              <a:rPr lang="en-US" sz="1800" dirty="0" smtClean="0">
+                <a:latin typeface="Arial"/>
+              </a:rPr>
+              <a:t>     - Summary by lobe</a:t>
+            </a:r>
+          </a:p>
+          <a:p>
+            <a:r>
+              <a:rPr lang="en-US" sz="1800" dirty="0" smtClean="0">
+                <a:latin typeface="Arial"/>
+              </a:rPr>
+              <a:t>     - Overlap with de facto </a:t>
+            </a:r>
+            <a:r>
+              <a:rPr lang="en-US" sz="1800" dirty="0" err="1" smtClean="0">
+                <a:latin typeface="Arial"/>
+              </a:rPr>
+              <a:t>ROIs</a:t>
+            </a:r>
+            <a:endParaRPr lang="en-US" sz="1800" dirty="0" smtClean="0">
+              <a:latin typeface="Arial"/>
+            </a:endParaRPr>
+          </a:p>
+          <a:p>
+            <a:pPr>
+              <a:buFont typeface="Arial"/>
+              <a:buChar char="•"/>
+            </a:pPr>
+            <a:r>
+              <a:rPr lang="en-US" sz="1800" dirty="0" smtClean="0">
+                <a:latin typeface="Arial"/>
+              </a:rPr>
+              <a:t> Factor score estimates (factor representations per scan)</a:t>
+            </a:r>
+          </a:p>
+          <a:p>
+            <a:r>
+              <a:rPr lang="en-US" sz="1800" dirty="0" smtClean="0">
+                <a:latin typeface="Arial"/>
+              </a:rPr>
+              <a:t>     - Correlation with cortical summary SUVR</a:t>
+            </a:r>
+          </a:p>
+          <a:p>
+            <a:r>
+              <a:rPr lang="en-US" sz="1800" dirty="0" smtClean="0">
+                <a:latin typeface="Arial"/>
+              </a:rPr>
+              <a:t>     - Longitudinal behavior</a:t>
+            </a:r>
+          </a:p>
+          <a:p>
+            <a:r>
+              <a:rPr lang="en-US" sz="1800" dirty="0" smtClean="0">
+                <a:latin typeface="Arial"/>
+              </a:rPr>
+              <a:t>     - Penalized linear regression models (LARS) targeting </a:t>
+            </a:r>
+            <a:r>
+              <a:rPr lang="en-US" sz="1800" dirty="0" smtClean="0">
+                <a:latin typeface="Arial"/>
+              </a:rPr>
+              <a:t>cognition </a:t>
+            </a:r>
+            <a:endParaRPr lang="en-US" sz="1800" dirty="0" smtClean="0">
+              <a:latin typeface="Arial"/>
+            </a:endParaRPr>
+          </a:p>
+          <a:p>
+            <a:r>
+              <a:rPr lang="en-US" sz="1800" dirty="0" smtClean="0">
+                <a:latin typeface="Arial"/>
+              </a:rPr>
+              <a:t>        and </a:t>
+            </a:r>
+            <a:r>
+              <a:rPr lang="en-US" sz="1800" dirty="0" smtClean="0">
+                <a:latin typeface="Arial"/>
+              </a:rPr>
+              <a:t>annualized change in global burden</a:t>
+            </a:r>
+          </a:p>
+          <a:p>
+            <a:pPr marL="914400" lvl="1" indent="-285750">
+              <a:buFont typeface="Arial"/>
+              <a:buChar char="•"/>
+            </a:pPr>
+            <a:r>
+              <a:rPr lang="en-US" sz="1800" dirty="0" smtClean="0">
+                <a:latin typeface="Arial"/>
+              </a:rPr>
+              <a:t>Covariates: Age, Sex, </a:t>
+            </a:r>
+            <a:r>
+              <a:rPr lang="en-US" sz="1800" dirty="0" err="1" smtClean="0">
+                <a:latin typeface="Arial"/>
+              </a:rPr>
+              <a:t>Edu</a:t>
+            </a:r>
+            <a:r>
+              <a:rPr lang="en-US" sz="1800" dirty="0" smtClean="0">
+                <a:latin typeface="Arial"/>
+              </a:rPr>
+              <a:t> (</a:t>
+            </a:r>
+            <a:r>
+              <a:rPr lang="en-US" sz="1800" dirty="0" err="1" smtClean="0">
+                <a:latin typeface="Arial"/>
+              </a:rPr>
+              <a:t>yrs</a:t>
+            </a:r>
+            <a:r>
+              <a:rPr lang="en-US" sz="1800" dirty="0" smtClean="0">
+                <a:latin typeface="Arial"/>
+              </a:rPr>
+              <a:t>), </a:t>
+            </a:r>
+            <a:r>
+              <a:rPr lang="en-US" sz="1800" dirty="0">
+                <a:latin typeface="Arial"/>
+                <a:cs typeface="Arial"/>
+              </a:rPr>
+              <a:t>APOE </a:t>
+            </a:r>
+            <a:r>
+              <a:rPr lang="en-US" sz="1800" dirty="0" smtClean="0">
+                <a:latin typeface="Arial"/>
+                <a:cs typeface="Arial"/>
+              </a:rPr>
+              <a:t>ε4 status</a:t>
+            </a:r>
+          </a:p>
+          <a:p>
+            <a:pPr marL="914400" lvl="1" indent="-285750">
+              <a:buFont typeface="Arial"/>
+              <a:buChar char="•"/>
+            </a:pPr>
+            <a:r>
+              <a:rPr lang="en-US" sz="1800" dirty="0" smtClean="0">
+                <a:latin typeface="Arial"/>
+                <a:cs typeface="Arial"/>
+              </a:rPr>
+              <a:t>Test model performance with 10-fold cross validation</a:t>
+            </a:r>
+            <a:endParaRPr lang="en-US" sz="1800" dirty="0" smtClean="0">
               <a:latin typeface="Arial"/>
             </a:endParaRPr>
           </a:p>
@@ -5729,14 +5962,14 @@
       </p:sp>
       <p:sp>
         <p:nvSpPr>
-          <p:cNvPr id="32" name="TextBox 31"/>
+          <p:cNvPr id="157" name="TextBox 156"/>
           <p:cNvSpPr txBox="1"/>
           <p:nvPr/>
         </p:nvSpPr>
         <p:spPr>
           <a:xfrm>
-            <a:off x="8632653" y="15545360"/>
-            <a:ext cx="7033846" cy="3447098"/>
+            <a:off x="15721087" y="5546498"/>
+            <a:ext cx="4060981" cy="707886"/>
           </a:xfrm>
           <a:prstGeom prst="rect">
             <a:avLst/>
@@ -5749,158 +5982,41 @@
           </a:bodyPr>
           <a:lstStyle/>
           <a:p>
+            <a:pPr algn="ctr"/>
+            <a:r>
+              <a:rPr lang="en-US" sz="2000" b="1" baseline="30000" dirty="0" smtClean="0">
+                <a:latin typeface="Arial"/>
+              </a:rPr>
+              <a:t>18</a:t>
+            </a:r>
             <a:r>
               <a:rPr lang="en-US" sz="2000" b="1" dirty="0" smtClean="0">
                 <a:latin typeface="Arial"/>
               </a:rPr>
-              <a:t>NSFA Output and Analyses</a:t>
-            </a:r>
-          </a:p>
-          <a:p>
-            <a:pPr>
-              <a:buFont typeface="Arial"/>
-              <a:buChar char="•"/>
-            </a:pPr>
-            <a:endParaRPr lang="en-US" sz="1800" dirty="0" smtClean="0">
-              <a:latin typeface="Arial"/>
-            </a:endParaRPr>
-          </a:p>
-          <a:p>
-            <a:pPr>
-              <a:buFont typeface="Arial"/>
-              <a:buChar char="•"/>
-            </a:pPr>
-            <a:r>
-              <a:rPr lang="en-US" sz="1800" dirty="0" smtClean="0">
-                <a:latin typeface="Arial"/>
-              </a:rPr>
-              <a:t> Factor loadings (regional topographies per factor)</a:t>
-            </a:r>
-          </a:p>
-          <a:p>
-            <a:r>
-              <a:rPr lang="en-US" sz="1800" dirty="0" smtClean="0">
-                <a:latin typeface="Arial"/>
-              </a:rPr>
-              <a:t>     - Loadings are regional correlations</a:t>
-            </a:r>
-          </a:p>
-          <a:p>
-            <a:r>
-              <a:rPr lang="en-US" sz="1800" dirty="0" smtClean="0">
-                <a:latin typeface="Arial"/>
-              </a:rPr>
-              <a:t>     - Summary by lobe</a:t>
-            </a:r>
-          </a:p>
-          <a:p>
-            <a:r>
-              <a:rPr lang="en-US" sz="1800" dirty="0" smtClean="0">
-                <a:latin typeface="Arial"/>
-              </a:rPr>
-              <a:t>     - Overlap with de facto </a:t>
-            </a:r>
-            <a:r>
-              <a:rPr lang="en-US" sz="1800" dirty="0" err="1" smtClean="0">
-                <a:latin typeface="Arial"/>
-              </a:rPr>
-              <a:t>ROIs</a:t>
-            </a:r>
-            <a:endParaRPr lang="en-US" sz="1800" dirty="0" smtClean="0">
-              <a:latin typeface="Arial"/>
-            </a:endParaRPr>
-          </a:p>
-          <a:p>
-            <a:pPr>
-              <a:buFont typeface="Arial"/>
-              <a:buChar char="•"/>
-            </a:pPr>
-            <a:r>
-              <a:rPr lang="en-US" sz="1800" dirty="0" smtClean="0">
-                <a:latin typeface="Arial"/>
-              </a:rPr>
-              <a:t> Factor score estimates (factor representations per scan)</a:t>
-            </a:r>
-          </a:p>
-          <a:p>
-            <a:r>
-              <a:rPr lang="en-US" sz="1800" dirty="0" smtClean="0">
-                <a:latin typeface="Arial"/>
-              </a:rPr>
-              <a:t>     - Correlation with cortical summary SUVR</a:t>
-            </a:r>
-          </a:p>
-          <a:p>
-            <a:r>
-              <a:rPr lang="en-US" sz="1800" dirty="0" smtClean="0">
-                <a:latin typeface="Arial"/>
-              </a:rPr>
-              <a:t>     - Longitudinal behavior</a:t>
-            </a:r>
-          </a:p>
-          <a:p>
-            <a:r>
-              <a:rPr lang="en-US" sz="1800" dirty="0" smtClean="0">
-                <a:latin typeface="Arial"/>
-              </a:rPr>
-              <a:t>     - Penalized linear regression </a:t>
-            </a:r>
-            <a:r>
-              <a:rPr lang="en-US" sz="1800" dirty="0" smtClean="0">
-                <a:latin typeface="Arial"/>
-              </a:rPr>
-              <a:t>models (LARS) </a:t>
-            </a:r>
-            <a:r>
-              <a:rPr lang="en-US" sz="1800" dirty="0" smtClean="0">
-                <a:latin typeface="Arial"/>
-              </a:rPr>
-              <a:t>targeting </a:t>
-            </a:r>
-            <a:r>
-              <a:rPr lang="en-US" sz="1800" dirty="0" smtClean="0">
-                <a:latin typeface="Arial"/>
-              </a:rPr>
-              <a:t>memory</a:t>
-            </a:r>
-            <a:r>
-              <a:rPr lang="en-US" sz="1800" dirty="0" smtClean="0">
-                <a:latin typeface="Arial"/>
-              </a:rPr>
-              <a:t> </a:t>
-            </a:r>
-          </a:p>
-          <a:p>
-            <a:r>
-              <a:rPr lang="en-US" sz="1800" dirty="0" smtClean="0">
-                <a:latin typeface="Arial"/>
-              </a:rPr>
-              <a:t>        and subsequent </a:t>
-            </a:r>
-            <a:r>
-              <a:rPr lang="en-US" sz="1800" dirty="0" smtClean="0">
-                <a:latin typeface="Arial"/>
-              </a:rPr>
-              <a:t>accumulation</a:t>
-            </a:r>
-          </a:p>
-          <a:p>
-            <a:endParaRPr lang="en-US" sz="1800" dirty="0" smtClean="0">
-              <a:latin typeface="Arial"/>
-            </a:endParaRPr>
+              <a:t>F-AV-45 Factor Loadings </a:t>
+            </a:r>
+          </a:p>
+          <a:p>
+            <a:pPr algn="ctr"/>
+            <a:r>
+              <a:rPr lang="en-US" sz="2000" b="1" dirty="0" smtClean="0">
+                <a:latin typeface="Arial"/>
+              </a:rPr>
+              <a:t>(29 Factors)</a:t>
+            </a:r>
           </a:p>
         </p:txBody>
       </p:sp>
       <p:sp>
         <p:nvSpPr>
-          <p:cNvPr id="33" name="TextBox 32"/>
+          <p:cNvPr id="158" name="TextBox 157"/>
           <p:cNvSpPr txBox="1"/>
           <p:nvPr/>
         </p:nvSpPr>
         <p:spPr>
           <a:xfrm>
-            <a:off x="18941650" y="5666353"/>
-            <a:ext cx="5007810" cy="400110"/>
+            <a:off x="26259968" y="5552985"/>
+            <a:ext cx="4087083" cy="707886"/>
           </a:xfrm>
           <a:prstGeom prst="rect">
             <a:avLst/>
@@ -5913,6 +6029,7 @@
           </a:bodyPr>
           <a:lstStyle/>
           <a:p>
+            <a:pPr algn="ctr"/>
             <a:r>
               <a:rPr lang="en-US" sz="2000" b="1" baseline="30000" dirty="0" smtClean="0">
                 <a:latin typeface="Arial"/>
@@ -5923,24 +6040,30 @@
               <a:rPr lang="en-US" sz="2000" b="1" dirty="0" smtClean="0">
                 <a:latin typeface="Arial"/>
               </a:rPr>
-              <a:t>F-AV-45 Factor Loadings (29 Factors)</a:t>
-            </a:r>
-            <a:endParaRPr lang="en-US" sz="2000" b="1" dirty="0" smtClean="0">
-              <a:latin typeface="Arial"/>
-            </a:endParaRPr>
+              <a:t>F-AV-1451 Factor Loadings </a:t>
+            </a:r>
+          </a:p>
+          <a:p>
+            <a:pPr algn="ctr"/>
+            <a:r>
+              <a:rPr lang="en-US" sz="2000" b="1" dirty="0" smtClean="0">
+                <a:latin typeface="Arial"/>
+              </a:rPr>
+              <a:t>(12 Factors)</a:t>
+            </a:r>
           </a:p>
         </p:txBody>
       </p:sp>
       <p:sp>
         <p:nvSpPr>
-          <p:cNvPr id="35" name="TextBox 34"/>
+          <p:cNvPr id="159" name="TextBox 158"/>
           <p:cNvSpPr txBox="1"/>
           <p:nvPr/>
         </p:nvSpPr>
         <p:spPr>
           <a:xfrm>
-            <a:off x="33299324" y="5666353"/>
-            <a:ext cx="5612038" cy="400110"/>
+            <a:off x="15721086" y="12123795"/>
+            <a:ext cx="3908591" cy="400110"/>
           </a:xfrm>
           <a:prstGeom prst="rect">
             <a:avLst/>
@@ -5953,47 +6076,40 @@
           </a:bodyPr>
           <a:lstStyle/>
           <a:p>
-            <a:r>
-              <a:rPr lang="en-US" sz="2000" b="1" baseline="30000" dirty="0" smtClean="0">
-                <a:latin typeface="Arial"/>
-              </a:rPr>
-              <a:t>18</a:t>
-            </a:r>
+            <a:pPr algn="ctr"/>
             <a:r>
               <a:rPr lang="en-US" sz="2000" b="1" dirty="0" smtClean="0">
                 <a:latin typeface="Arial"/>
               </a:rPr>
-              <a:t>F-AV-1451 Factor Loadings (29 Factors)</a:t>
-            </a:r>
-            <a:endParaRPr lang="en-US" sz="2000" b="1" dirty="0" smtClean="0">
-              <a:latin typeface="Arial"/>
-            </a:endParaRPr>
+              <a:t>Factor #6 Score vs. CS SUVR</a:t>
+            </a:r>
           </a:p>
         </p:txBody>
       </p:sp>
       <p:pic>
         <p:nvPicPr>
-          <p:cNvPr id="36" name="Content Placeholder 9" descr="AV45_sumsquared_loadings.jpeg"/>
+          <p:cNvPr id="161" name="Picture 160" descr="AV45_ss_loadings.jpeg"/>
           <p:cNvPicPr>
             <a:picLocks noChangeAspect="1"/>
           </p:cNvPicPr>
           <p:nvPr/>
         </p:nvPicPr>
-        <p:blipFill rotWithShape="1">
+        <p:blipFill>
           <a:blip r:embed="rId7">
             <a:extLst>
               <a:ext uri="{28A0092B-C50C-407E-A947-70E740481C1C}">
-                <a14:useLocalDpi xmlns="" xmlns:a="http://schemas.openxmlformats.org/drawingml/2006/main" xmlns:r="http://schemas.openxmlformats.org/officeDocument/2006/relationships" xmlns:p="http://schemas.openxmlformats.org/presentationml/2006/main" xmlns:a14="http://schemas.microsoft.com/office/drawing/2010/main" xmlns:mv="urn:schemas-microsoft-com:mac:vml" xmlns:mc="http://schemas.openxmlformats.org/markup-compatibility/2006" val="0"/>
+                <a14:useLocalDpi xmlns:a14="http://schemas.microsoft.com/office/drawing/2010/main" val="0"/>
               </a:ext>
             </a:extLst>
           </a:blip>
-          <a:srcRect l="-589" r="-589"/>
-          <a:stretch/>
+          <a:stretch>
+            <a:fillRect/>
+          </a:stretch>
         </p:blipFill>
         <p:spPr>
           <a:xfrm>
-            <a:off x="16746830" y="6188569"/>
-            <a:ext cx="5180724" cy="3215491"/>
+            <a:off x="15635929" y="6387210"/>
+            <a:ext cx="3993749" cy="2662499"/>
           </a:xfrm>
           <a:prstGeom prst="rect">
             <a:avLst/>
@@ -6002,27 +6118,2198 @@
       </p:pic>
       <p:pic>
         <p:nvPicPr>
-          <p:cNvPr id="37" name="Content Placeholder 5" descr="AV45_regional_loadings.jpeg"/>
+          <p:cNvPr id="162" name="Picture 161" descr="AV45_regional_loadings.jpeg"/>
           <p:cNvPicPr>
             <a:picLocks noChangeAspect="1"/>
           </p:cNvPicPr>
           <p:nvPr/>
         </p:nvPicPr>
-        <p:blipFill rotWithShape="1">
+        <p:blipFill>
           <a:blip r:embed="rId8">
             <a:extLst>
               <a:ext uri="{28A0092B-C50C-407E-A947-70E740481C1C}">
-                <a14:useLocalDpi xmlns="" xmlns:a="http://schemas.openxmlformats.org/drawingml/2006/main" xmlns:r="http://schemas.openxmlformats.org/officeDocument/2006/relationships" xmlns:p="http://schemas.openxmlformats.org/presentationml/2006/main" xmlns:a14="http://schemas.microsoft.com/office/drawing/2010/main" xmlns:mv="urn:schemas-microsoft-com:mac:vml" xmlns:mc="http://schemas.openxmlformats.org/markup-compatibility/2006" val="0"/>
+                <a14:useLocalDpi xmlns:a14="http://schemas.microsoft.com/office/drawing/2010/main" val="0"/>
               </a:ext>
             </a:extLst>
           </a:blip>
-          <a:srcRect l="-589" r="134"/>
-          <a:stretch/>
+          <a:stretch>
+            <a:fillRect/>
+          </a:stretch>
         </p:blipFill>
         <p:spPr>
           <a:xfrm>
-            <a:off x="22532339" y="6182421"/>
-            <a:ext cx="4743426" cy="3372839"/>
+            <a:off x="15635929" y="9299956"/>
+            <a:ext cx="4069939" cy="2713292"/>
+          </a:xfrm>
+          <a:prstGeom prst="rect">
+            <a:avLst/>
+          </a:prstGeom>
+        </p:spPr>
+      </p:pic>
+      <p:pic>
+        <p:nvPicPr>
+          <p:cNvPr id="163" name="Picture 162" descr="AV1451_ss_loadings.jpeg"/>
+          <p:cNvPicPr>
+            <a:picLocks noChangeAspect="1"/>
+          </p:cNvPicPr>
+          <p:nvPr/>
+        </p:nvPicPr>
+        <p:blipFill>
+          <a:blip r:embed="rId9">
+            <a:extLst>
+              <a:ext uri="{28A0092B-C50C-407E-A947-70E740481C1C}">
+                <a14:useLocalDpi xmlns:a14="http://schemas.microsoft.com/office/drawing/2010/main" val="0"/>
+              </a:ext>
+            </a:extLst>
+          </a:blip>
+          <a:stretch>
+            <a:fillRect/>
+          </a:stretch>
+        </p:blipFill>
+        <p:spPr>
+          <a:xfrm>
+            <a:off x="26442921" y="6459832"/>
+            <a:ext cx="3941845" cy="2627897"/>
+          </a:xfrm>
+          <a:prstGeom prst="rect">
+            <a:avLst/>
+          </a:prstGeom>
+        </p:spPr>
+      </p:pic>
+      <p:pic>
+        <p:nvPicPr>
+          <p:cNvPr id="164" name="Picture 163" descr="AV1451_region_loadings.jpeg"/>
+          <p:cNvPicPr>
+            <a:picLocks noChangeAspect="1"/>
+          </p:cNvPicPr>
+          <p:nvPr/>
+        </p:nvPicPr>
+        <p:blipFill>
+          <a:blip r:embed="rId10">
+            <a:extLst>
+              <a:ext uri="{28A0092B-C50C-407E-A947-70E740481C1C}">
+                <a14:useLocalDpi xmlns:a14="http://schemas.microsoft.com/office/drawing/2010/main" val="0"/>
+              </a:ext>
+            </a:extLst>
+          </a:blip>
+          <a:stretch>
+            <a:fillRect/>
+          </a:stretch>
+        </p:blipFill>
+        <p:spPr>
+          <a:xfrm>
+            <a:off x="26442921" y="9424796"/>
+            <a:ext cx="3941845" cy="2627897"/>
+          </a:xfrm>
+          <a:prstGeom prst="rect">
+            <a:avLst/>
+          </a:prstGeom>
+        </p:spPr>
+      </p:pic>
+      <p:pic>
+        <p:nvPicPr>
+          <p:cNvPr id="165" name="Picture 164" descr="AV1451_braak_loadings.jpeg"/>
+          <p:cNvPicPr>
+            <a:picLocks noChangeAspect="1"/>
+          </p:cNvPicPr>
+          <p:nvPr/>
+        </p:nvPicPr>
+        <p:blipFill>
+          <a:blip r:embed="rId11">
+            <a:extLst>
+              <a:ext uri="{28A0092B-C50C-407E-A947-70E740481C1C}">
+                <a14:useLocalDpi xmlns:a14="http://schemas.microsoft.com/office/drawing/2010/main" val="0"/>
+              </a:ext>
+            </a:extLst>
+          </a:blip>
+          <a:stretch>
+            <a:fillRect/>
+          </a:stretch>
+        </p:blipFill>
+        <p:spPr>
+          <a:xfrm>
+            <a:off x="26442922" y="12349865"/>
+            <a:ext cx="3953736" cy="2635824"/>
+          </a:xfrm>
+          <a:prstGeom prst="rect">
+            <a:avLst/>
+          </a:prstGeom>
+        </p:spPr>
+      </p:pic>
+      <p:cxnSp>
+        <p:nvCxnSpPr>
+          <p:cNvPr id="203" name="Straight Connector 202"/>
+          <p:cNvCxnSpPr/>
+          <p:nvPr/>
+        </p:nvCxnSpPr>
+        <p:spPr>
+          <a:xfrm>
+            <a:off x="25861242" y="5869844"/>
+            <a:ext cx="0" cy="12656202"/>
+          </a:xfrm>
+          <a:prstGeom prst="line">
+            <a:avLst/>
+          </a:prstGeom>
+          <a:ln>
+            <a:solidFill>
+              <a:schemeClr val="bg1">
+                <a:lumMod val="65000"/>
+              </a:schemeClr>
+            </a:solidFill>
+          </a:ln>
+        </p:spPr>
+        <p:style>
+          <a:lnRef idx="2">
+            <a:schemeClr val="accent1"/>
+          </a:lnRef>
+          <a:fillRef idx="0">
+            <a:schemeClr val="accent1"/>
+          </a:fillRef>
+          <a:effectRef idx="1">
+            <a:schemeClr val="accent1"/>
+          </a:effectRef>
+          <a:fontRef idx="minor">
+            <a:schemeClr val="tx1"/>
+          </a:fontRef>
+        </p:style>
+      </p:cxnSp>
+      <p:sp>
+        <p:nvSpPr>
+          <p:cNvPr id="167" name="Rounded Rectangle 166"/>
+          <p:cNvSpPr/>
+          <p:nvPr/>
+        </p:nvSpPr>
+        <p:spPr>
+          <a:xfrm>
+            <a:off x="19907703" y="5628239"/>
+            <a:ext cx="5419554" cy="8326590"/>
+          </a:xfrm>
+          <a:prstGeom prst="roundRect">
+            <a:avLst>
+              <a:gd name="adj" fmla="val 6524"/>
+            </a:avLst>
+          </a:prstGeom>
+          <a:solidFill>
+            <a:schemeClr val="tx1"/>
+          </a:solidFill>
+          <a:ln>
+            <a:solidFill>
+              <a:schemeClr val="tx1"/>
+            </a:solidFill>
+          </a:ln>
+        </p:spPr>
+        <p:style>
+          <a:lnRef idx="1">
+            <a:schemeClr val="accent1"/>
+          </a:lnRef>
+          <a:fillRef idx="3">
+            <a:schemeClr val="accent1"/>
+          </a:fillRef>
+          <a:effectRef idx="2">
+            <a:schemeClr val="accent1"/>
+          </a:effectRef>
+          <a:fontRef idx="minor">
+            <a:schemeClr val="lt1"/>
+          </a:fontRef>
+        </p:style>
+        <p:txBody>
+          <a:bodyPr rtlCol="0" anchor="ctr"/>
+          <a:lstStyle/>
+          <a:p>
+            <a:pPr algn="ctr"/>
+            <a:endParaRPr lang="en-US"/>
+          </a:p>
+        </p:txBody>
+      </p:sp>
+      <p:grpSp>
+        <p:nvGrpSpPr>
+          <p:cNvPr id="43" name="Group 42"/>
+          <p:cNvGrpSpPr/>
+          <p:nvPr/>
+        </p:nvGrpSpPr>
+        <p:grpSpPr>
+          <a:xfrm>
+            <a:off x="20444714" y="5694477"/>
+            <a:ext cx="4721054" cy="312216"/>
+            <a:chOff x="22088752" y="6228363"/>
+            <a:chExt cx="4721054" cy="312216"/>
+          </a:xfrm>
+        </p:grpSpPr>
+        <p:pic>
+          <p:nvPicPr>
+            <p:cNvPr id="183" name="Picture 182" descr="blue-green-colorbar.png"/>
+            <p:cNvPicPr>
+              <a:picLocks noChangeAspect="1"/>
+            </p:cNvPicPr>
+            <p:nvPr/>
+          </p:nvPicPr>
+          <p:blipFill>
+            <a:blip r:embed="rId12">
+              <a:extLst>
+                <a:ext uri="{28A0092B-C50C-407E-A947-70E740481C1C}">
+                  <a14:useLocalDpi xmlns:a14="http://schemas.microsoft.com/office/drawing/2010/main" val="0"/>
+                </a:ext>
+              </a:extLst>
+            </a:blip>
+            <a:stretch>
+              <a:fillRect/>
+            </a:stretch>
+          </p:blipFill>
+          <p:spPr>
+            <a:xfrm>
+              <a:off x="25023827" y="6279350"/>
+              <a:ext cx="1039414" cy="233885"/>
+            </a:xfrm>
+            <a:prstGeom prst="rect">
+              <a:avLst/>
+            </a:prstGeom>
+          </p:spPr>
+        </p:pic>
+        <p:pic>
+          <p:nvPicPr>
+            <p:cNvPr id="184" name="Picture 183" descr="red-yellow-colorbar.png"/>
+            <p:cNvPicPr>
+              <a:picLocks noChangeAspect="1"/>
+            </p:cNvPicPr>
+            <p:nvPr/>
+          </p:nvPicPr>
+          <p:blipFill>
+            <a:blip r:embed="rId13">
+              <a:extLst>
+                <a:ext uri="{28A0092B-C50C-407E-A947-70E740481C1C}">
+                  <a14:useLocalDpi xmlns:a14="http://schemas.microsoft.com/office/drawing/2010/main" val="0"/>
+                </a:ext>
+              </a:extLst>
+            </a:blip>
+            <a:stretch>
+              <a:fillRect/>
+            </a:stretch>
+          </p:blipFill>
+          <p:spPr>
+            <a:xfrm>
+              <a:off x="22465238" y="6268561"/>
+              <a:ext cx="1039414" cy="242455"/>
+            </a:xfrm>
+            <a:prstGeom prst="rect">
+              <a:avLst/>
+            </a:prstGeom>
+          </p:spPr>
+        </p:pic>
+        <p:sp>
+          <p:nvSpPr>
+            <p:cNvPr id="185" name="TextBox 184"/>
+            <p:cNvSpPr txBox="1"/>
+            <p:nvPr/>
+          </p:nvSpPr>
+          <p:spPr>
+            <a:xfrm>
+              <a:off x="22088752" y="6228753"/>
+              <a:ext cx="618483" cy="307777"/>
+            </a:xfrm>
+            <a:prstGeom prst="rect">
+              <a:avLst/>
+            </a:prstGeom>
+            <a:noFill/>
+          </p:spPr>
+          <p:txBody>
+            <a:bodyPr wrap="square" rtlCol="0">
+              <a:spAutoFit/>
+            </a:bodyPr>
+            <a:lstStyle/>
+            <a:p>
+              <a:r>
+                <a:rPr lang="en-US" sz="1400" dirty="0" smtClean="0">
+                  <a:solidFill>
+                    <a:srgbClr val="FFFFFF"/>
+                  </a:solidFill>
+                  <a:latin typeface="Arial"/>
+                  <a:cs typeface="Arial"/>
+                </a:rPr>
+                <a:t>0.0</a:t>
+              </a:r>
+              <a:endParaRPr lang="en-US" sz="1400" dirty="0">
+                <a:solidFill>
+                  <a:srgbClr val="FFFFFF"/>
+                </a:solidFill>
+                <a:latin typeface="Arial"/>
+                <a:cs typeface="Arial"/>
+              </a:endParaRPr>
+            </a:p>
+          </p:txBody>
+        </p:sp>
+        <p:sp>
+          <p:nvSpPr>
+            <p:cNvPr id="186" name="TextBox 185"/>
+            <p:cNvSpPr txBox="1"/>
+            <p:nvPr/>
+          </p:nvSpPr>
+          <p:spPr>
+            <a:xfrm>
+              <a:off x="23419958" y="6228363"/>
+              <a:ext cx="698484" cy="307777"/>
+            </a:xfrm>
+            <a:prstGeom prst="rect">
+              <a:avLst/>
+            </a:prstGeom>
+            <a:noFill/>
+          </p:spPr>
+          <p:txBody>
+            <a:bodyPr wrap="square" rtlCol="0">
+              <a:spAutoFit/>
+            </a:bodyPr>
+            <a:lstStyle/>
+            <a:p>
+              <a:r>
+                <a:rPr lang="en-US" sz="1400" dirty="0" smtClean="0">
+                  <a:solidFill>
+                    <a:srgbClr val="FFFFFF"/>
+                  </a:solidFill>
+                  <a:latin typeface="Arial"/>
+                  <a:cs typeface="Arial"/>
+                </a:rPr>
+                <a:t>1.0</a:t>
+              </a:r>
+              <a:endParaRPr lang="en-US" sz="1400" dirty="0">
+                <a:solidFill>
+                  <a:srgbClr val="FFFFFF"/>
+                </a:solidFill>
+                <a:latin typeface="Arial"/>
+                <a:cs typeface="Arial"/>
+              </a:endParaRPr>
+            </a:p>
+          </p:txBody>
+        </p:sp>
+        <p:sp>
+          <p:nvSpPr>
+            <p:cNvPr id="187" name="TextBox 186"/>
+            <p:cNvSpPr txBox="1"/>
+            <p:nvPr/>
+          </p:nvSpPr>
+          <p:spPr>
+            <a:xfrm>
+              <a:off x="24651081" y="6228753"/>
+              <a:ext cx="669709" cy="307777"/>
+            </a:xfrm>
+            <a:prstGeom prst="rect">
+              <a:avLst/>
+            </a:prstGeom>
+            <a:noFill/>
+          </p:spPr>
+          <p:txBody>
+            <a:bodyPr wrap="square" rtlCol="0">
+              <a:spAutoFit/>
+            </a:bodyPr>
+            <a:lstStyle/>
+            <a:p>
+              <a:r>
+                <a:rPr lang="en-US" sz="1400" dirty="0" smtClean="0">
+                  <a:solidFill>
+                    <a:srgbClr val="FFFFFF"/>
+                  </a:solidFill>
+                  <a:latin typeface="Arial"/>
+                  <a:cs typeface="Arial"/>
+                </a:rPr>
+                <a:t>0.0</a:t>
+              </a:r>
+              <a:endParaRPr lang="en-US" sz="1400" dirty="0">
+                <a:solidFill>
+                  <a:srgbClr val="FFFFFF"/>
+                </a:solidFill>
+                <a:latin typeface="Arial"/>
+                <a:cs typeface="Arial"/>
+              </a:endParaRPr>
+            </a:p>
+          </p:txBody>
+        </p:sp>
+        <p:sp>
+          <p:nvSpPr>
+            <p:cNvPr id="188" name="TextBox 187"/>
+            <p:cNvSpPr txBox="1"/>
+            <p:nvPr/>
+          </p:nvSpPr>
+          <p:spPr>
+            <a:xfrm>
+              <a:off x="26009632" y="6232802"/>
+              <a:ext cx="800174" cy="307777"/>
+            </a:xfrm>
+            <a:prstGeom prst="rect">
+              <a:avLst/>
+            </a:prstGeom>
+            <a:noFill/>
+          </p:spPr>
+          <p:txBody>
+            <a:bodyPr wrap="square" rtlCol="0">
+              <a:spAutoFit/>
+            </a:bodyPr>
+            <a:lstStyle/>
+            <a:p>
+              <a:r>
+                <a:rPr lang="en-US" sz="1400" dirty="0" smtClean="0">
+                  <a:solidFill>
+                    <a:srgbClr val="FFFFFF"/>
+                  </a:solidFill>
+                  <a:latin typeface="Arial"/>
+                  <a:cs typeface="Arial"/>
+                </a:rPr>
+                <a:t>-1.0</a:t>
+              </a:r>
+              <a:endParaRPr lang="en-US" sz="1400" dirty="0">
+                <a:solidFill>
+                  <a:srgbClr val="FFFFFF"/>
+                </a:solidFill>
+                <a:latin typeface="Arial"/>
+                <a:cs typeface="Arial"/>
+              </a:endParaRPr>
+            </a:p>
+          </p:txBody>
+        </p:sp>
+      </p:grpSp>
+      <p:grpSp>
+        <p:nvGrpSpPr>
+          <p:cNvPr id="42" name="Group 41"/>
+          <p:cNvGrpSpPr/>
+          <p:nvPr/>
+        </p:nvGrpSpPr>
+        <p:grpSpPr>
+          <a:xfrm>
+            <a:off x="20000166" y="6235087"/>
+            <a:ext cx="5211760" cy="3535640"/>
+            <a:chOff x="16635507" y="13553291"/>
+            <a:chExt cx="4918909" cy="3336971"/>
+          </a:xfrm>
+        </p:grpSpPr>
+        <p:pic>
+          <p:nvPicPr>
+            <p:cNvPr id="168" name="Picture 167" descr="av45_pos_ant_nsfa6.png"/>
+            <p:cNvPicPr>
+              <a:picLocks noChangeAspect="1"/>
+            </p:cNvPicPr>
+            <p:nvPr/>
+          </p:nvPicPr>
+          <p:blipFill>
+            <a:blip r:embed="rId14">
+              <a:extLst>
+                <a:ext uri="{28A0092B-C50C-407E-A947-70E740481C1C}">
+                  <a14:useLocalDpi xmlns:a14="http://schemas.microsoft.com/office/drawing/2010/main" val="0"/>
+                </a:ext>
+              </a:extLst>
+            </a:blip>
+            <a:stretch>
+              <a:fillRect/>
+            </a:stretch>
+          </p:blipFill>
+          <p:spPr>
+            <a:xfrm>
+              <a:off x="17858772" y="13553292"/>
+              <a:ext cx="1199915" cy="1196895"/>
+            </a:xfrm>
+            <a:prstGeom prst="rect">
+              <a:avLst/>
+            </a:prstGeom>
+          </p:spPr>
+        </p:pic>
+        <p:pic>
+          <p:nvPicPr>
+            <p:cNvPr id="169" name="Picture 168" descr="av45_pos_lh_inf_nsfa6.png"/>
+            <p:cNvPicPr>
+              <a:picLocks noChangeAspect="1"/>
+            </p:cNvPicPr>
+            <p:nvPr/>
+          </p:nvPicPr>
+          <p:blipFill>
+            <a:blip r:embed="rId15">
+              <a:extLst>
+                <a:ext uri="{28A0092B-C50C-407E-A947-70E740481C1C}">
+                  <a14:useLocalDpi xmlns:a14="http://schemas.microsoft.com/office/drawing/2010/main" val="0"/>
+                </a:ext>
+              </a:extLst>
+            </a:blip>
+            <a:stretch>
+              <a:fillRect/>
+            </a:stretch>
+          </p:blipFill>
+          <p:spPr>
+            <a:xfrm>
+              <a:off x="17229984" y="13558134"/>
+              <a:ext cx="546782" cy="1192052"/>
+            </a:xfrm>
+            <a:prstGeom prst="rect">
+              <a:avLst/>
+            </a:prstGeom>
+          </p:spPr>
+        </p:pic>
+        <p:pic>
+          <p:nvPicPr>
+            <p:cNvPr id="170" name="Picture 169" descr="av45_pos_lh_lateral_nsfa6.png"/>
+            <p:cNvPicPr>
+              <a:picLocks noChangeAspect="1"/>
+            </p:cNvPicPr>
+            <p:nvPr/>
+          </p:nvPicPr>
+          <p:blipFill>
+            <a:blip r:embed="rId16">
+              <a:extLst>
+                <a:ext uri="{28A0092B-C50C-407E-A947-70E740481C1C}">
+                  <a14:useLocalDpi xmlns:a14="http://schemas.microsoft.com/office/drawing/2010/main" val="0"/>
+                </a:ext>
+              </a:extLst>
+            </a:blip>
+            <a:stretch>
+              <a:fillRect/>
+            </a:stretch>
+          </p:blipFill>
+          <p:spPr>
+            <a:xfrm>
+              <a:off x="16635507" y="14767657"/>
+              <a:ext cx="1222704" cy="900303"/>
+            </a:xfrm>
+            <a:prstGeom prst="rect">
+              <a:avLst/>
+            </a:prstGeom>
+          </p:spPr>
+        </p:pic>
+        <p:pic>
+          <p:nvPicPr>
+            <p:cNvPr id="171" name="Picture 170" descr="av45_pos_lh_medial_nsfa6.png"/>
+            <p:cNvPicPr>
+              <a:picLocks noChangeAspect="1"/>
+            </p:cNvPicPr>
+            <p:nvPr/>
+          </p:nvPicPr>
+          <p:blipFill>
+            <a:blip r:embed="rId17">
+              <a:extLst>
+                <a:ext uri="{28A0092B-C50C-407E-A947-70E740481C1C}">
+                  <a14:useLocalDpi xmlns:a14="http://schemas.microsoft.com/office/drawing/2010/main" val="0"/>
+                </a:ext>
+              </a:extLst>
+            </a:blip>
+            <a:stretch>
+              <a:fillRect/>
+            </a:stretch>
+          </p:blipFill>
+          <p:spPr>
+            <a:xfrm>
+              <a:off x="17858211" y="15636057"/>
+              <a:ext cx="1230982" cy="866133"/>
+            </a:xfrm>
+            <a:prstGeom prst="rect">
+              <a:avLst/>
+            </a:prstGeom>
+          </p:spPr>
+        </p:pic>
+        <p:pic>
+          <p:nvPicPr>
+            <p:cNvPr id="172" name="Picture 171" descr="av45_pos_rh_inf_nsfa6.png"/>
+            <p:cNvPicPr>
+              <a:picLocks noChangeAspect="1"/>
+            </p:cNvPicPr>
+            <p:nvPr/>
+          </p:nvPicPr>
+          <p:blipFill>
+            <a:blip r:embed="rId18">
+              <a:extLst>
+                <a:ext uri="{28A0092B-C50C-407E-A947-70E740481C1C}">
+                  <a14:useLocalDpi xmlns:a14="http://schemas.microsoft.com/office/drawing/2010/main" val="0"/>
+                </a:ext>
+              </a:extLst>
+            </a:blip>
+            <a:stretch>
+              <a:fillRect/>
+            </a:stretch>
+          </p:blipFill>
+          <p:spPr>
+            <a:xfrm>
+              <a:off x="16734010" y="13553291"/>
+              <a:ext cx="517800" cy="1201738"/>
+            </a:xfrm>
+            <a:prstGeom prst="rect">
+              <a:avLst/>
+            </a:prstGeom>
+          </p:spPr>
+        </p:pic>
+        <p:pic>
+          <p:nvPicPr>
+            <p:cNvPr id="173" name="Picture 172" descr="av45_pos_rh_lateral_nsfa6.png"/>
+            <p:cNvPicPr>
+              <a:picLocks noChangeAspect="1"/>
+            </p:cNvPicPr>
+            <p:nvPr/>
+          </p:nvPicPr>
+          <p:blipFill>
+            <a:blip r:embed="rId19">
+              <a:extLst>
+                <a:ext uri="{28A0092B-C50C-407E-A947-70E740481C1C}">
+                  <a14:useLocalDpi xmlns:a14="http://schemas.microsoft.com/office/drawing/2010/main" val="0"/>
+                </a:ext>
+              </a:extLst>
+            </a:blip>
+            <a:stretch>
+              <a:fillRect/>
+            </a:stretch>
+          </p:blipFill>
+          <p:spPr>
+            <a:xfrm>
+              <a:off x="17858212" y="14767657"/>
+              <a:ext cx="1189139" cy="900303"/>
+            </a:xfrm>
+            <a:prstGeom prst="rect">
+              <a:avLst/>
+            </a:prstGeom>
+          </p:spPr>
+        </p:pic>
+        <p:pic>
+          <p:nvPicPr>
+            <p:cNvPr id="174" name="Picture 173" descr="av45_pos_rh_medial_nsfa6.png"/>
+            <p:cNvPicPr>
+              <a:picLocks noChangeAspect="1"/>
+            </p:cNvPicPr>
+            <p:nvPr/>
+          </p:nvPicPr>
+          <p:blipFill>
+            <a:blip r:embed="rId20">
+              <a:extLst>
+                <a:ext uri="{28A0092B-C50C-407E-A947-70E740481C1C}">
+                  <a14:useLocalDpi xmlns:a14="http://schemas.microsoft.com/office/drawing/2010/main" val="0"/>
+                </a:ext>
+              </a:extLst>
+            </a:blip>
+            <a:stretch>
+              <a:fillRect/>
+            </a:stretch>
+          </p:blipFill>
+          <p:spPr>
+            <a:xfrm>
+              <a:off x="16692203" y="15636055"/>
+              <a:ext cx="1179376" cy="864408"/>
+            </a:xfrm>
+            <a:prstGeom prst="rect">
+              <a:avLst/>
+            </a:prstGeom>
+          </p:spPr>
+        </p:pic>
+        <p:pic>
+          <p:nvPicPr>
+            <p:cNvPr id="175" name="Picture 174" descr="av45_neg_ant_nsfa6.png"/>
+            <p:cNvPicPr>
+              <a:picLocks noChangeAspect="1"/>
+            </p:cNvPicPr>
+            <p:nvPr/>
+          </p:nvPicPr>
+          <p:blipFill>
+            <a:blip r:embed="rId21">
+              <a:extLst>
+                <a:ext uri="{28A0092B-C50C-407E-A947-70E740481C1C}">
+                  <a14:useLocalDpi xmlns:a14="http://schemas.microsoft.com/office/drawing/2010/main" val="0"/>
+                </a:ext>
+              </a:extLst>
+            </a:blip>
+            <a:stretch>
+              <a:fillRect/>
+            </a:stretch>
+          </p:blipFill>
+          <p:spPr>
+            <a:xfrm>
+              <a:off x="20288016" y="13558134"/>
+              <a:ext cx="1202273" cy="1192052"/>
+            </a:xfrm>
+            <a:prstGeom prst="rect">
+              <a:avLst/>
+            </a:prstGeom>
+          </p:spPr>
+        </p:pic>
+        <p:pic>
+          <p:nvPicPr>
+            <p:cNvPr id="176" name="Picture 175" descr="av45_neg_lh_inf_nsfa6.png"/>
+            <p:cNvPicPr>
+              <a:picLocks noChangeAspect="1"/>
+            </p:cNvPicPr>
+            <p:nvPr/>
+          </p:nvPicPr>
+          <p:blipFill>
+            <a:blip r:embed="rId22">
+              <a:extLst>
+                <a:ext uri="{28A0092B-C50C-407E-A947-70E740481C1C}">
+                  <a14:useLocalDpi xmlns:a14="http://schemas.microsoft.com/office/drawing/2010/main" val="0"/>
+                </a:ext>
+              </a:extLst>
+            </a:blip>
+            <a:stretch>
+              <a:fillRect/>
+            </a:stretch>
+          </p:blipFill>
+          <p:spPr>
+            <a:xfrm>
+              <a:off x="19660878" y="13558136"/>
+              <a:ext cx="533561" cy="1201739"/>
+            </a:xfrm>
+            <a:prstGeom prst="rect">
+              <a:avLst/>
+            </a:prstGeom>
+          </p:spPr>
+        </p:pic>
+        <p:pic>
+          <p:nvPicPr>
+            <p:cNvPr id="177" name="Picture 176" descr="av45_neg_lh_lateral_nsfa6.png"/>
+            <p:cNvPicPr>
+              <a:picLocks noChangeAspect="1"/>
+            </p:cNvPicPr>
+            <p:nvPr/>
+          </p:nvPicPr>
+          <p:blipFill>
+            <a:blip r:embed="rId23">
+              <a:extLst>
+                <a:ext uri="{28A0092B-C50C-407E-A947-70E740481C1C}">
+                  <a14:useLocalDpi xmlns:a14="http://schemas.microsoft.com/office/drawing/2010/main" val="0"/>
+                </a:ext>
+              </a:extLst>
+            </a:blip>
+            <a:stretch>
+              <a:fillRect/>
+            </a:stretch>
+          </p:blipFill>
+          <p:spPr>
+            <a:xfrm>
+              <a:off x="19091304" y="14767658"/>
+              <a:ext cx="1209998" cy="878803"/>
+            </a:xfrm>
+            <a:prstGeom prst="rect">
+              <a:avLst/>
+            </a:prstGeom>
+          </p:spPr>
+        </p:pic>
+        <p:pic>
+          <p:nvPicPr>
+            <p:cNvPr id="178" name="Picture 177" descr="av45_neg_lh_medial_nsfa6.png"/>
+            <p:cNvPicPr>
+              <a:picLocks noChangeAspect="1"/>
+            </p:cNvPicPr>
+            <p:nvPr/>
+          </p:nvPicPr>
+          <p:blipFill>
+            <a:blip r:embed="rId24">
+              <a:extLst>
+                <a:ext uri="{28A0092B-C50C-407E-A947-70E740481C1C}">
+                  <a14:useLocalDpi xmlns:a14="http://schemas.microsoft.com/office/drawing/2010/main" val="0"/>
+                </a:ext>
+              </a:extLst>
+            </a:blip>
+            <a:stretch>
+              <a:fillRect/>
+            </a:stretch>
+          </p:blipFill>
+          <p:spPr>
+            <a:xfrm>
+              <a:off x="20312600" y="15625234"/>
+              <a:ext cx="1241816" cy="864918"/>
+            </a:xfrm>
+            <a:prstGeom prst="rect">
+              <a:avLst/>
+            </a:prstGeom>
+          </p:spPr>
+        </p:pic>
+        <p:pic>
+          <p:nvPicPr>
+            <p:cNvPr id="179" name="Picture 178" descr="av45_neg_rh_inf_nsfa6.png"/>
+            <p:cNvPicPr>
+              <a:picLocks noChangeAspect="1"/>
+            </p:cNvPicPr>
+            <p:nvPr/>
+          </p:nvPicPr>
+          <p:blipFill>
+            <a:blip r:embed="rId25">
+              <a:extLst>
+                <a:ext uri="{28A0092B-C50C-407E-A947-70E740481C1C}">
+                  <a14:useLocalDpi xmlns:a14="http://schemas.microsoft.com/office/drawing/2010/main" val="0"/>
+                </a:ext>
+              </a:extLst>
+            </a:blip>
+            <a:stretch>
+              <a:fillRect/>
+            </a:stretch>
+          </p:blipFill>
+          <p:spPr>
+            <a:xfrm>
+              <a:off x="19153720" y="13558136"/>
+              <a:ext cx="528873" cy="1196895"/>
+            </a:xfrm>
+            <a:prstGeom prst="rect">
+              <a:avLst/>
+            </a:prstGeom>
+          </p:spPr>
+        </p:pic>
+        <p:pic>
+          <p:nvPicPr>
+            <p:cNvPr id="180" name="Picture 179" descr="av45_neg_rh_lateral_nsfa6.png"/>
+            <p:cNvPicPr>
+              <a:picLocks noChangeAspect="1"/>
+            </p:cNvPicPr>
+            <p:nvPr/>
+          </p:nvPicPr>
+          <p:blipFill>
+            <a:blip r:embed="rId26">
+              <a:extLst>
+                <a:ext uri="{28A0092B-C50C-407E-A947-70E740481C1C}">
+                  <a14:useLocalDpi xmlns:a14="http://schemas.microsoft.com/office/drawing/2010/main" val="0"/>
+                </a:ext>
+              </a:extLst>
+            </a:blip>
+            <a:stretch>
+              <a:fillRect/>
+            </a:stretch>
+          </p:blipFill>
+          <p:spPr>
+            <a:xfrm>
+              <a:off x="20315750" y="14759873"/>
+              <a:ext cx="1187906" cy="886586"/>
+            </a:xfrm>
+            <a:prstGeom prst="rect">
+              <a:avLst/>
+            </a:prstGeom>
+          </p:spPr>
+        </p:pic>
+        <p:pic>
+          <p:nvPicPr>
+            <p:cNvPr id="181" name="Picture 180" descr="av45_neg_rh_medial_nsfa6.png"/>
+            <p:cNvPicPr>
+              <a:picLocks noChangeAspect="1"/>
+            </p:cNvPicPr>
+            <p:nvPr/>
+          </p:nvPicPr>
+          <p:blipFill>
+            <a:blip r:embed="rId27">
+              <a:extLst>
+                <a:ext uri="{28A0092B-C50C-407E-A947-70E740481C1C}">
+                  <a14:useLocalDpi xmlns:a14="http://schemas.microsoft.com/office/drawing/2010/main" val="0"/>
+                </a:ext>
+              </a:extLst>
+            </a:blip>
+            <a:stretch>
+              <a:fillRect/>
+            </a:stretch>
+          </p:blipFill>
+          <p:spPr>
+            <a:xfrm>
+              <a:off x="19115930" y="15620821"/>
+              <a:ext cx="1201130" cy="879642"/>
+            </a:xfrm>
+            <a:prstGeom prst="rect">
+              <a:avLst/>
+            </a:prstGeom>
+          </p:spPr>
+        </p:pic>
+        <p:sp>
+          <p:nvSpPr>
+            <p:cNvPr id="204" name="TextBox 203"/>
+            <p:cNvSpPr txBox="1"/>
+            <p:nvPr/>
+          </p:nvSpPr>
+          <p:spPr>
+            <a:xfrm>
+              <a:off x="18404928" y="16490152"/>
+              <a:ext cx="1390316" cy="400110"/>
+            </a:xfrm>
+            <a:prstGeom prst="rect">
+              <a:avLst/>
+            </a:prstGeom>
+            <a:noFill/>
+          </p:spPr>
+          <p:txBody>
+            <a:bodyPr wrap="square" rtlCol="0">
+              <a:spAutoFit/>
+            </a:bodyPr>
+            <a:lstStyle/>
+            <a:p>
+              <a:r>
+                <a:rPr lang="en-US" sz="2000" b="1" dirty="0" smtClean="0">
+                  <a:solidFill>
+                    <a:srgbClr val="FFFFFF"/>
+                  </a:solidFill>
+                  <a:latin typeface="Arial"/>
+                  <a:cs typeface="Arial"/>
+                </a:rPr>
+                <a:t>Factor #6 </a:t>
+              </a:r>
+              <a:endParaRPr lang="en-US" sz="2000" b="1" dirty="0">
+                <a:solidFill>
+                  <a:srgbClr val="FFFFFF"/>
+                </a:solidFill>
+                <a:latin typeface="Arial"/>
+                <a:cs typeface="Arial"/>
+              </a:endParaRPr>
+            </a:p>
+          </p:txBody>
+        </p:sp>
+      </p:grpSp>
+      <p:grpSp>
+        <p:nvGrpSpPr>
+          <p:cNvPr id="45" name="Group 44"/>
+          <p:cNvGrpSpPr/>
+          <p:nvPr/>
+        </p:nvGrpSpPr>
+        <p:grpSpPr>
+          <a:xfrm>
+            <a:off x="19929611" y="9896612"/>
+            <a:ext cx="5382455" cy="3839583"/>
+            <a:chOff x="21959857" y="13481807"/>
+            <a:chExt cx="4880943" cy="3481828"/>
+          </a:xfrm>
+        </p:grpSpPr>
+        <p:pic>
+          <p:nvPicPr>
+            <p:cNvPr id="197" name="Picture 196" descr="av45_lh_neg_lateral_nsfa14.png"/>
+            <p:cNvPicPr>
+              <a:picLocks noChangeAspect="1"/>
+            </p:cNvPicPr>
+            <p:nvPr/>
+          </p:nvPicPr>
+          <p:blipFill>
+            <a:blip r:embed="rId28">
+              <a:extLst>
+                <a:ext uri="{28A0092B-C50C-407E-A947-70E740481C1C}">
+                  <a14:useLocalDpi xmlns:a14="http://schemas.microsoft.com/office/drawing/2010/main" val="0"/>
+                </a:ext>
+              </a:extLst>
+            </a:blip>
+            <a:stretch>
+              <a:fillRect/>
+            </a:stretch>
+          </p:blipFill>
+          <p:spPr>
+            <a:xfrm>
+              <a:off x="24403040" y="14740371"/>
+              <a:ext cx="1211762" cy="927588"/>
+            </a:xfrm>
+            <a:prstGeom prst="rect">
+              <a:avLst/>
+            </a:prstGeom>
+          </p:spPr>
+        </p:pic>
+        <p:pic>
+          <p:nvPicPr>
+            <p:cNvPr id="189" name="Picture 188" descr="av45_lh_pos_inf_nsfa14.png"/>
+            <p:cNvPicPr>
+              <a:picLocks noChangeAspect="1"/>
+            </p:cNvPicPr>
+            <p:nvPr/>
+          </p:nvPicPr>
+          <p:blipFill>
+            <a:blip r:embed="rId29">
+              <a:extLst>
+                <a:ext uri="{28A0092B-C50C-407E-A947-70E740481C1C}">
+                  <a14:useLocalDpi xmlns:a14="http://schemas.microsoft.com/office/drawing/2010/main" val="0"/>
+                </a:ext>
+              </a:extLst>
+            </a:blip>
+            <a:stretch>
+              <a:fillRect/>
+            </a:stretch>
+          </p:blipFill>
+          <p:spPr>
+            <a:xfrm>
+              <a:off x="22593372" y="13558136"/>
+              <a:ext cx="538340" cy="1182237"/>
+            </a:xfrm>
+            <a:prstGeom prst="rect">
+              <a:avLst/>
+            </a:prstGeom>
+          </p:spPr>
+        </p:pic>
+        <p:pic>
+          <p:nvPicPr>
+            <p:cNvPr id="190" name="Picture 189" descr="av45_lh_pos_lateral_nsfa14.png"/>
+            <p:cNvPicPr>
+              <a:picLocks noChangeAspect="1"/>
+            </p:cNvPicPr>
+            <p:nvPr/>
+          </p:nvPicPr>
+          <p:blipFill>
+            <a:blip r:embed="rId30">
+              <a:extLst>
+                <a:ext uri="{28A0092B-C50C-407E-A947-70E740481C1C}">
+                  <a14:useLocalDpi xmlns:a14="http://schemas.microsoft.com/office/drawing/2010/main" val="0"/>
+                </a:ext>
+              </a:extLst>
+            </a:blip>
+            <a:stretch>
+              <a:fillRect/>
+            </a:stretch>
+          </p:blipFill>
+          <p:spPr>
+            <a:xfrm>
+              <a:off x="22014483" y="14740918"/>
+              <a:ext cx="1200161" cy="908086"/>
+            </a:xfrm>
+            <a:prstGeom prst="rect">
+              <a:avLst/>
+            </a:prstGeom>
+          </p:spPr>
+        </p:pic>
+        <p:pic>
+          <p:nvPicPr>
+            <p:cNvPr id="191" name="Picture 190" descr="av45_lh_pos_medial_nsfa14.png"/>
+            <p:cNvPicPr>
+              <a:picLocks noChangeAspect="1"/>
+            </p:cNvPicPr>
+            <p:nvPr/>
+          </p:nvPicPr>
+          <p:blipFill>
+            <a:blip r:embed="rId31">
+              <a:extLst>
+                <a:ext uri="{28A0092B-C50C-407E-A947-70E740481C1C}">
+                  <a14:useLocalDpi xmlns:a14="http://schemas.microsoft.com/office/drawing/2010/main" val="0"/>
+                </a:ext>
+              </a:extLst>
+            </a:blip>
+            <a:stretch>
+              <a:fillRect/>
+            </a:stretch>
+          </p:blipFill>
+          <p:spPr>
+            <a:xfrm>
+              <a:off x="23183828" y="15627761"/>
+              <a:ext cx="1245182" cy="910393"/>
+            </a:xfrm>
+            <a:prstGeom prst="rect">
+              <a:avLst/>
+            </a:prstGeom>
+          </p:spPr>
+        </p:pic>
+        <p:pic>
+          <p:nvPicPr>
+            <p:cNvPr id="192" name="Picture 191" descr="av45_rh_pos_inf_nsfa14.png"/>
+            <p:cNvPicPr>
+              <a:picLocks noChangeAspect="1"/>
+            </p:cNvPicPr>
+            <p:nvPr/>
+          </p:nvPicPr>
+          <p:blipFill>
+            <a:blip r:embed="rId32">
+              <a:extLst>
+                <a:ext uri="{28A0092B-C50C-407E-A947-70E740481C1C}">
+                  <a14:useLocalDpi xmlns:a14="http://schemas.microsoft.com/office/drawing/2010/main" val="0"/>
+                </a:ext>
+              </a:extLst>
+            </a:blip>
+            <a:stretch>
+              <a:fillRect/>
+            </a:stretch>
+          </p:blipFill>
+          <p:spPr>
+            <a:xfrm>
+              <a:off x="22101658" y="13558136"/>
+              <a:ext cx="540298" cy="1182237"/>
+            </a:xfrm>
+            <a:prstGeom prst="rect">
+              <a:avLst/>
+            </a:prstGeom>
+          </p:spPr>
+        </p:pic>
+        <p:pic>
+          <p:nvPicPr>
+            <p:cNvPr id="193" name="Picture 192" descr="av45_rh_pos_lateral_nsfa14.png"/>
+            <p:cNvPicPr>
+              <a:picLocks noChangeAspect="1"/>
+            </p:cNvPicPr>
+            <p:nvPr/>
+          </p:nvPicPr>
+          <p:blipFill>
+            <a:blip r:embed="rId33">
+              <a:extLst>
+                <a:ext uri="{28A0092B-C50C-407E-A947-70E740481C1C}">
+                  <a14:useLocalDpi xmlns:a14="http://schemas.microsoft.com/office/drawing/2010/main" val="0"/>
+                </a:ext>
+              </a:extLst>
+            </a:blip>
+            <a:stretch>
+              <a:fillRect/>
+            </a:stretch>
+          </p:blipFill>
+          <p:spPr>
+            <a:xfrm>
+              <a:off x="23210566" y="14740371"/>
+              <a:ext cx="1199467" cy="927588"/>
+            </a:xfrm>
+            <a:prstGeom prst="rect">
+              <a:avLst/>
+            </a:prstGeom>
+          </p:spPr>
+        </p:pic>
+        <p:pic>
+          <p:nvPicPr>
+            <p:cNvPr id="194" name="Picture 193" descr="av45_rh_pos_medial_nsfa14.png"/>
+            <p:cNvPicPr>
+              <a:picLocks noChangeAspect="1"/>
+            </p:cNvPicPr>
+            <p:nvPr/>
+          </p:nvPicPr>
+          <p:blipFill>
+            <a:blip r:embed="rId34">
+              <a:extLst>
+                <a:ext uri="{28A0092B-C50C-407E-A947-70E740481C1C}">
+                  <a14:useLocalDpi xmlns:a14="http://schemas.microsoft.com/office/drawing/2010/main" val="0"/>
+                </a:ext>
+              </a:extLst>
+            </a:blip>
+            <a:stretch>
+              <a:fillRect/>
+            </a:stretch>
+          </p:blipFill>
+          <p:spPr>
+            <a:xfrm>
+              <a:off x="21959857" y="15641130"/>
+              <a:ext cx="1211960" cy="910393"/>
+            </a:xfrm>
+            <a:prstGeom prst="rect">
+              <a:avLst/>
+            </a:prstGeom>
+          </p:spPr>
+        </p:pic>
+        <p:pic>
+          <p:nvPicPr>
+            <p:cNvPr id="195" name="Picture 194" descr="av45_pos_ant_nsfa14.png"/>
+            <p:cNvPicPr>
+              <a:picLocks noChangeAspect="1"/>
+            </p:cNvPicPr>
+            <p:nvPr/>
+          </p:nvPicPr>
+          <p:blipFill>
+            <a:blip r:embed="rId35">
+              <a:extLst>
+                <a:ext uri="{28A0092B-C50C-407E-A947-70E740481C1C}">
+                  <a14:useLocalDpi xmlns:a14="http://schemas.microsoft.com/office/drawing/2010/main" val="0"/>
+                </a:ext>
+              </a:extLst>
+            </a:blip>
+            <a:stretch>
+              <a:fillRect/>
+            </a:stretch>
+          </p:blipFill>
+          <p:spPr>
+            <a:xfrm>
+              <a:off x="23205236" y="13535385"/>
+              <a:ext cx="1178060" cy="1204986"/>
+            </a:xfrm>
+            <a:prstGeom prst="rect">
+              <a:avLst/>
+            </a:prstGeom>
+          </p:spPr>
+        </p:pic>
+        <p:pic>
+          <p:nvPicPr>
+            <p:cNvPr id="196" name="Picture 195" descr="av45_lh_neg_inf_nsfa14.png"/>
+            <p:cNvPicPr>
+              <a:picLocks noChangeAspect="1"/>
+            </p:cNvPicPr>
+            <p:nvPr/>
+          </p:nvPicPr>
+          <p:blipFill>
+            <a:blip r:embed="rId36">
+              <a:extLst>
+                <a:ext uri="{28A0092B-C50C-407E-A947-70E740481C1C}">
+                  <a14:useLocalDpi xmlns:a14="http://schemas.microsoft.com/office/drawing/2010/main" val="0"/>
+                </a:ext>
+              </a:extLst>
+            </a:blip>
+            <a:stretch>
+              <a:fillRect/>
+            </a:stretch>
+          </p:blipFill>
+          <p:spPr>
+            <a:xfrm>
+              <a:off x="24996582" y="13548210"/>
+              <a:ext cx="527785" cy="1182237"/>
+            </a:xfrm>
+            <a:prstGeom prst="rect">
+              <a:avLst/>
+            </a:prstGeom>
+          </p:spPr>
+        </p:pic>
+        <p:pic>
+          <p:nvPicPr>
+            <p:cNvPr id="198" name="Picture 197" descr="av45_lh_neg_medial_nsfa14.png"/>
+            <p:cNvPicPr>
+              <a:picLocks noChangeAspect="1"/>
+            </p:cNvPicPr>
+            <p:nvPr/>
+          </p:nvPicPr>
+          <p:blipFill>
+            <a:blip r:embed="rId37">
+              <a:extLst>
+                <a:ext uri="{28A0092B-C50C-407E-A947-70E740481C1C}">
+                  <a14:useLocalDpi xmlns:a14="http://schemas.microsoft.com/office/drawing/2010/main" val="0"/>
+                </a:ext>
+              </a:extLst>
+            </a:blip>
+            <a:stretch>
+              <a:fillRect/>
+            </a:stretch>
+          </p:blipFill>
+          <p:spPr>
+            <a:xfrm>
+              <a:off x="25607497" y="15667959"/>
+              <a:ext cx="1199467" cy="886810"/>
+            </a:xfrm>
+            <a:prstGeom prst="rect">
+              <a:avLst/>
+            </a:prstGeom>
+          </p:spPr>
+        </p:pic>
+        <p:pic>
+          <p:nvPicPr>
+            <p:cNvPr id="199" name="Picture 198" descr="av45_neg_ant_nsfa14.png"/>
+            <p:cNvPicPr>
+              <a:picLocks noChangeAspect="1"/>
+            </p:cNvPicPr>
+            <p:nvPr/>
+          </p:nvPicPr>
+          <p:blipFill>
+            <a:blip r:embed="rId38">
+              <a:extLst>
+                <a:ext uri="{28A0092B-C50C-407E-A947-70E740481C1C}">
+                  <a14:useLocalDpi xmlns:a14="http://schemas.microsoft.com/office/drawing/2010/main" val="0"/>
+                </a:ext>
+              </a:extLst>
+            </a:blip>
+            <a:stretch>
+              <a:fillRect/>
+            </a:stretch>
+          </p:blipFill>
+          <p:spPr>
+            <a:xfrm>
+              <a:off x="25602867" y="13481807"/>
+              <a:ext cx="1237933" cy="1258564"/>
+            </a:xfrm>
+            <a:prstGeom prst="rect">
+              <a:avLst/>
+            </a:prstGeom>
+          </p:spPr>
+        </p:pic>
+        <p:pic>
+          <p:nvPicPr>
+            <p:cNvPr id="200" name="Picture 199" descr="av45_rh_neg_inf_nsfa14.png"/>
+            <p:cNvPicPr>
+              <a:picLocks noChangeAspect="1"/>
+            </p:cNvPicPr>
+            <p:nvPr/>
+          </p:nvPicPr>
+          <p:blipFill>
+            <a:blip r:embed="rId39">
+              <a:extLst>
+                <a:ext uri="{28A0092B-C50C-407E-A947-70E740481C1C}">
+                  <a14:useLocalDpi xmlns:a14="http://schemas.microsoft.com/office/drawing/2010/main" val="0"/>
+                </a:ext>
+              </a:extLst>
+            </a:blip>
+            <a:stretch>
+              <a:fillRect/>
+            </a:stretch>
+          </p:blipFill>
+          <p:spPr>
+            <a:xfrm>
+              <a:off x="24507123" y="13549999"/>
+              <a:ext cx="534629" cy="1200186"/>
+            </a:xfrm>
+            <a:prstGeom prst="rect">
+              <a:avLst/>
+            </a:prstGeom>
+          </p:spPr>
+        </p:pic>
+        <p:pic>
+          <p:nvPicPr>
+            <p:cNvPr id="201" name="Picture 200" descr="av45_rh_neg_lateral_nsfa14.png"/>
+            <p:cNvPicPr>
+              <a:picLocks noChangeAspect="1"/>
+            </p:cNvPicPr>
+            <p:nvPr/>
+          </p:nvPicPr>
+          <p:blipFill>
+            <a:blip r:embed="rId40">
+              <a:extLst>
+                <a:ext uri="{28A0092B-C50C-407E-A947-70E740481C1C}">
+                  <a14:useLocalDpi xmlns:a14="http://schemas.microsoft.com/office/drawing/2010/main" val="0"/>
+                </a:ext>
+              </a:extLst>
+            </a:blip>
+            <a:stretch>
+              <a:fillRect/>
+            </a:stretch>
+          </p:blipFill>
+          <p:spPr>
+            <a:xfrm>
+              <a:off x="25615864" y="14740371"/>
+              <a:ext cx="1195677" cy="927588"/>
+            </a:xfrm>
+            <a:prstGeom prst="rect">
+              <a:avLst/>
+            </a:prstGeom>
+          </p:spPr>
+        </p:pic>
+        <p:pic>
+          <p:nvPicPr>
+            <p:cNvPr id="202" name="Picture 201" descr="av45_rh_neg_medial_nsfa14.png"/>
+            <p:cNvPicPr>
+              <a:picLocks noChangeAspect="1"/>
+            </p:cNvPicPr>
+            <p:nvPr/>
+          </p:nvPicPr>
+          <p:blipFill>
+            <a:blip r:embed="rId41">
+              <a:extLst>
+                <a:ext uri="{28A0092B-C50C-407E-A947-70E740481C1C}">
+                  <a14:useLocalDpi xmlns:a14="http://schemas.microsoft.com/office/drawing/2010/main" val="0"/>
+                </a:ext>
+              </a:extLst>
+            </a:blip>
+            <a:stretch>
+              <a:fillRect/>
+            </a:stretch>
+          </p:blipFill>
+          <p:spPr>
+            <a:xfrm>
+              <a:off x="24455240" y="15687412"/>
+              <a:ext cx="1163798" cy="867359"/>
+            </a:xfrm>
+            <a:prstGeom prst="rect">
+              <a:avLst/>
+            </a:prstGeom>
+          </p:spPr>
+        </p:pic>
+        <p:sp>
+          <p:nvSpPr>
+            <p:cNvPr id="205" name="TextBox 204"/>
+            <p:cNvSpPr txBox="1"/>
+            <p:nvPr/>
+          </p:nvSpPr>
+          <p:spPr>
+            <a:xfrm>
+              <a:off x="23694163" y="16563525"/>
+              <a:ext cx="1527776" cy="400110"/>
+            </a:xfrm>
+            <a:prstGeom prst="rect">
+              <a:avLst/>
+            </a:prstGeom>
+            <a:noFill/>
+          </p:spPr>
+          <p:txBody>
+            <a:bodyPr wrap="square" rtlCol="0">
+              <a:spAutoFit/>
+            </a:bodyPr>
+            <a:lstStyle/>
+            <a:p>
+              <a:r>
+                <a:rPr lang="en-US" sz="2000" b="1" dirty="0" smtClean="0">
+                  <a:solidFill>
+                    <a:srgbClr val="FFFFFF"/>
+                  </a:solidFill>
+                  <a:latin typeface="Arial"/>
+                  <a:cs typeface="Arial"/>
+                </a:rPr>
+                <a:t>Factor #14 </a:t>
+              </a:r>
+              <a:endParaRPr lang="en-US" sz="2000" b="1" dirty="0">
+                <a:solidFill>
+                  <a:srgbClr val="FFFFFF"/>
+                </a:solidFill>
+                <a:latin typeface="Arial"/>
+                <a:cs typeface="Arial"/>
+              </a:endParaRPr>
+            </a:p>
+          </p:txBody>
+        </p:sp>
+      </p:grpSp>
+      <p:sp>
+        <p:nvSpPr>
+          <p:cNvPr id="206" name="Rounded Rectangle 205"/>
+          <p:cNvSpPr/>
+          <p:nvPr/>
+        </p:nvSpPr>
+        <p:spPr>
+          <a:xfrm>
+            <a:off x="30626935" y="5653826"/>
+            <a:ext cx="5430338" cy="4301869"/>
+          </a:xfrm>
+          <a:prstGeom prst="roundRect">
+            <a:avLst>
+              <a:gd name="adj" fmla="val 6524"/>
+            </a:avLst>
+          </a:prstGeom>
+          <a:solidFill>
+            <a:schemeClr val="tx1"/>
+          </a:solidFill>
+          <a:ln>
+            <a:solidFill>
+              <a:schemeClr val="tx1"/>
+            </a:solidFill>
+          </a:ln>
+        </p:spPr>
+        <p:style>
+          <a:lnRef idx="1">
+            <a:schemeClr val="accent1"/>
+          </a:lnRef>
+          <a:fillRef idx="3">
+            <a:schemeClr val="accent1"/>
+          </a:fillRef>
+          <a:effectRef idx="2">
+            <a:schemeClr val="accent1"/>
+          </a:effectRef>
+          <a:fontRef idx="minor">
+            <a:schemeClr val="lt1"/>
+          </a:fontRef>
+        </p:style>
+        <p:txBody>
+          <a:bodyPr rtlCol="0" anchor="ctr"/>
+          <a:lstStyle/>
+          <a:p>
+            <a:pPr algn="ctr"/>
+            <a:endParaRPr lang="en-US"/>
+          </a:p>
+        </p:txBody>
+      </p:sp>
+      <p:grpSp>
+        <p:nvGrpSpPr>
+          <p:cNvPr id="46" name="Group 45"/>
+          <p:cNvGrpSpPr/>
+          <p:nvPr/>
+        </p:nvGrpSpPr>
+        <p:grpSpPr>
+          <a:xfrm>
+            <a:off x="30763584" y="6095054"/>
+            <a:ext cx="5166466" cy="3725527"/>
+            <a:chOff x="16580029" y="14461554"/>
+            <a:chExt cx="4886213" cy="3401288"/>
+          </a:xfrm>
+        </p:grpSpPr>
+        <p:pic>
+          <p:nvPicPr>
+            <p:cNvPr id="216" name="Picture 215" descr="AV1451_NSFA0_lh_pos_lateral.png"/>
+            <p:cNvPicPr>
+              <a:picLocks noChangeAspect="1"/>
+            </p:cNvPicPr>
+            <p:nvPr/>
+          </p:nvPicPr>
+          <p:blipFill>
+            <a:blip r:embed="rId42">
+              <a:extLst>
+                <a:ext uri="{28A0092B-C50C-407E-A947-70E740481C1C}">
+                  <a14:useLocalDpi xmlns:a14="http://schemas.microsoft.com/office/drawing/2010/main" val="0"/>
+                </a:ext>
+              </a:extLst>
+            </a:blip>
+            <a:stretch>
+              <a:fillRect/>
+            </a:stretch>
+          </p:blipFill>
+          <p:spPr>
+            <a:xfrm>
+              <a:off x="16580029" y="15679758"/>
+              <a:ext cx="1183202" cy="893975"/>
+            </a:xfrm>
+            <a:prstGeom prst="rect">
+              <a:avLst/>
+            </a:prstGeom>
+          </p:spPr>
+        </p:pic>
+        <p:pic>
+          <p:nvPicPr>
+            <p:cNvPr id="217" name="Picture 216" descr="AV1451_NSFA0_lh_pos_medial.png"/>
+            <p:cNvPicPr>
+              <a:picLocks noChangeAspect="1"/>
+            </p:cNvPicPr>
+            <p:nvPr/>
+          </p:nvPicPr>
+          <p:blipFill>
+            <a:blip r:embed="rId43">
+              <a:extLst>
+                <a:ext uri="{28A0092B-C50C-407E-A947-70E740481C1C}">
+                  <a14:useLocalDpi xmlns:a14="http://schemas.microsoft.com/office/drawing/2010/main" val="0"/>
+                </a:ext>
+              </a:extLst>
+            </a:blip>
+            <a:stretch>
+              <a:fillRect/>
+            </a:stretch>
+          </p:blipFill>
+          <p:spPr>
+            <a:xfrm>
+              <a:off x="17752707" y="16561295"/>
+              <a:ext cx="1232867" cy="893975"/>
+            </a:xfrm>
+            <a:prstGeom prst="rect">
+              <a:avLst/>
+            </a:prstGeom>
+          </p:spPr>
+        </p:pic>
+        <p:pic>
+          <p:nvPicPr>
+            <p:cNvPr id="218" name="Picture 217" descr="AV1451_NSFA0_lh_pos_inf.png"/>
+            <p:cNvPicPr>
+              <a:picLocks noChangeAspect="1"/>
+            </p:cNvPicPr>
+            <p:nvPr/>
+          </p:nvPicPr>
+          <p:blipFill>
+            <a:blip r:embed="rId44">
+              <a:extLst>
+                <a:ext uri="{28A0092B-C50C-407E-A947-70E740481C1C}">
+                  <a14:useLocalDpi xmlns:a14="http://schemas.microsoft.com/office/drawing/2010/main" val="0"/>
+                </a:ext>
+              </a:extLst>
+            </a:blip>
+            <a:stretch>
+              <a:fillRect/>
+            </a:stretch>
+          </p:blipFill>
+          <p:spPr>
+            <a:xfrm>
+              <a:off x="17150138" y="14486900"/>
+              <a:ext cx="499472" cy="1151843"/>
+            </a:xfrm>
+            <a:prstGeom prst="rect">
+              <a:avLst/>
+            </a:prstGeom>
+          </p:spPr>
+        </p:pic>
+        <p:pic>
+          <p:nvPicPr>
+            <p:cNvPr id="219" name="Picture 218" descr="AV1451_NSFA0_lh_neg_inf.png"/>
+            <p:cNvPicPr>
+              <a:picLocks noChangeAspect="1"/>
+            </p:cNvPicPr>
+            <p:nvPr/>
+          </p:nvPicPr>
+          <p:blipFill>
+            <a:blip r:embed="rId45">
+              <a:extLst>
+                <a:ext uri="{28A0092B-C50C-407E-A947-70E740481C1C}">
+                  <a14:useLocalDpi xmlns:a14="http://schemas.microsoft.com/office/drawing/2010/main" val="0"/>
+                </a:ext>
+              </a:extLst>
+            </a:blip>
+            <a:stretch>
+              <a:fillRect/>
+            </a:stretch>
+          </p:blipFill>
+          <p:spPr>
+            <a:xfrm>
+              <a:off x="19634375" y="14461554"/>
+              <a:ext cx="499472" cy="1136554"/>
+            </a:xfrm>
+            <a:prstGeom prst="rect">
+              <a:avLst/>
+            </a:prstGeom>
+          </p:spPr>
+        </p:pic>
+        <p:pic>
+          <p:nvPicPr>
+            <p:cNvPr id="220" name="Picture 219" descr="AV1451_NSFA0_lh_neg_lateral.png"/>
+            <p:cNvPicPr>
+              <a:picLocks noChangeAspect="1"/>
+            </p:cNvPicPr>
+            <p:nvPr/>
+          </p:nvPicPr>
+          <p:blipFill>
+            <a:blip r:embed="rId46">
+              <a:extLst>
+                <a:ext uri="{28A0092B-C50C-407E-A947-70E740481C1C}">
+                  <a14:useLocalDpi xmlns:a14="http://schemas.microsoft.com/office/drawing/2010/main" val="0"/>
+                </a:ext>
+              </a:extLst>
+            </a:blip>
+            <a:stretch>
+              <a:fillRect/>
+            </a:stretch>
+          </p:blipFill>
+          <p:spPr>
+            <a:xfrm>
+              <a:off x="18996306" y="15691352"/>
+              <a:ext cx="1214364" cy="908086"/>
+            </a:xfrm>
+            <a:prstGeom prst="rect">
+              <a:avLst/>
+            </a:prstGeom>
+          </p:spPr>
+        </p:pic>
+        <p:pic>
+          <p:nvPicPr>
+            <p:cNvPr id="221" name="Picture 220" descr="AV1451_NSFA0_lh_neg_medial.png"/>
+            <p:cNvPicPr>
+              <a:picLocks noChangeAspect="1"/>
+            </p:cNvPicPr>
+            <p:nvPr/>
+          </p:nvPicPr>
+          <p:blipFill>
+            <a:blip r:embed="rId47">
+              <a:extLst>
+                <a:ext uri="{28A0092B-C50C-407E-A947-70E740481C1C}">
+                  <a14:useLocalDpi xmlns:a14="http://schemas.microsoft.com/office/drawing/2010/main" val="0"/>
+                </a:ext>
+              </a:extLst>
+            </a:blip>
+            <a:stretch>
+              <a:fillRect/>
+            </a:stretch>
+          </p:blipFill>
+          <p:spPr>
+            <a:xfrm>
+              <a:off x="20202776" y="16569594"/>
+              <a:ext cx="1263466" cy="893961"/>
+            </a:xfrm>
+            <a:prstGeom prst="rect">
+              <a:avLst/>
+            </a:prstGeom>
+          </p:spPr>
+        </p:pic>
+        <p:pic>
+          <p:nvPicPr>
+            <p:cNvPr id="222" name="Picture 221" descr="AV1451_NSFA0_rh_pos_medial.png"/>
+            <p:cNvPicPr>
+              <a:picLocks noChangeAspect="1"/>
+            </p:cNvPicPr>
+            <p:nvPr/>
+          </p:nvPicPr>
+          <p:blipFill>
+            <a:blip r:embed="rId48">
+              <a:extLst>
+                <a:ext uri="{28A0092B-C50C-407E-A947-70E740481C1C}">
+                  <a14:useLocalDpi xmlns:a14="http://schemas.microsoft.com/office/drawing/2010/main" val="0"/>
+                </a:ext>
+              </a:extLst>
+            </a:blip>
+            <a:stretch>
+              <a:fillRect/>
+            </a:stretch>
+          </p:blipFill>
+          <p:spPr>
+            <a:xfrm>
+              <a:off x="16581888" y="16553101"/>
+              <a:ext cx="1179190" cy="897087"/>
+            </a:xfrm>
+            <a:prstGeom prst="rect">
+              <a:avLst/>
+            </a:prstGeom>
+          </p:spPr>
+        </p:pic>
+        <p:pic>
+          <p:nvPicPr>
+            <p:cNvPr id="223" name="Picture 222" descr="AV1451_NSFA0_rh_pos_lateral.png"/>
+            <p:cNvPicPr>
+              <a:picLocks noChangeAspect="1"/>
+            </p:cNvPicPr>
+            <p:nvPr/>
+          </p:nvPicPr>
+          <p:blipFill>
+            <a:blip r:embed="rId49">
+              <a:extLst>
+                <a:ext uri="{28A0092B-C50C-407E-A947-70E740481C1C}">
+                  <a14:useLocalDpi xmlns:a14="http://schemas.microsoft.com/office/drawing/2010/main" val="0"/>
+                </a:ext>
+              </a:extLst>
+            </a:blip>
+            <a:stretch>
+              <a:fillRect/>
+            </a:stretch>
+          </p:blipFill>
+          <p:spPr>
+            <a:xfrm>
+              <a:off x="17760313" y="15678729"/>
+              <a:ext cx="1163255" cy="889244"/>
+            </a:xfrm>
+            <a:prstGeom prst="rect">
+              <a:avLst/>
+            </a:prstGeom>
+          </p:spPr>
+        </p:pic>
+        <p:pic>
+          <p:nvPicPr>
+            <p:cNvPr id="224" name="Picture 223" descr="AV1451_NSFA0_rh_pos_inf.png"/>
+            <p:cNvPicPr>
+              <a:picLocks noChangeAspect="1"/>
+            </p:cNvPicPr>
+            <p:nvPr/>
+          </p:nvPicPr>
+          <p:blipFill>
+            <a:blip r:embed="rId50">
+              <a:extLst>
+                <a:ext uri="{28A0092B-C50C-407E-A947-70E740481C1C}">
+                  <a14:useLocalDpi xmlns:a14="http://schemas.microsoft.com/office/drawing/2010/main" val="0"/>
+                </a:ext>
+              </a:extLst>
+            </a:blip>
+            <a:stretch>
+              <a:fillRect/>
+            </a:stretch>
+          </p:blipFill>
+          <p:spPr>
+            <a:xfrm>
+              <a:off x="16660518" y="14486900"/>
+              <a:ext cx="505560" cy="1151843"/>
+            </a:xfrm>
+            <a:prstGeom prst="rect">
+              <a:avLst/>
+            </a:prstGeom>
+          </p:spPr>
+        </p:pic>
+        <p:pic>
+          <p:nvPicPr>
+            <p:cNvPr id="225" name="Picture 224" descr="AV1451_NSFA0_rh_neg_inf.png"/>
+            <p:cNvPicPr>
+              <a:picLocks noChangeAspect="1"/>
+            </p:cNvPicPr>
+            <p:nvPr/>
+          </p:nvPicPr>
+          <p:blipFill>
+            <a:blip r:embed="rId51">
+              <a:extLst>
+                <a:ext uri="{28A0092B-C50C-407E-A947-70E740481C1C}">
+                  <a14:useLocalDpi xmlns:a14="http://schemas.microsoft.com/office/drawing/2010/main" val="0"/>
+                </a:ext>
+              </a:extLst>
+            </a:blip>
+            <a:stretch>
+              <a:fillRect/>
+            </a:stretch>
+          </p:blipFill>
+          <p:spPr>
+            <a:xfrm>
+              <a:off x="19129128" y="14461555"/>
+              <a:ext cx="504261" cy="1159282"/>
+            </a:xfrm>
+            <a:prstGeom prst="rect">
+              <a:avLst/>
+            </a:prstGeom>
+          </p:spPr>
+        </p:pic>
+        <p:pic>
+          <p:nvPicPr>
+            <p:cNvPr id="226" name="Picture 225" descr="AV1451_NSFA0_rh_neg_medial.png"/>
+            <p:cNvPicPr>
+              <a:picLocks noChangeAspect="1"/>
+            </p:cNvPicPr>
+            <p:nvPr/>
+          </p:nvPicPr>
+          <p:blipFill>
+            <a:blip r:embed="rId52">
+              <a:extLst>
+                <a:ext uri="{28A0092B-C50C-407E-A947-70E740481C1C}">
+                  <a14:useLocalDpi xmlns:a14="http://schemas.microsoft.com/office/drawing/2010/main" val="0"/>
+                </a:ext>
+              </a:extLst>
+            </a:blip>
+            <a:stretch>
+              <a:fillRect/>
+            </a:stretch>
+          </p:blipFill>
+          <p:spPr>
+            <a:xfrm>
+              <a:off x="19008183" y="16569002"/>
+              <a:ext cx="1206205" cy="894554"/>
+            </a:xfrm>
+            <a:prstGeom prst="rect">
+              <a:avLst/>
+            </a:prstGeom>
+          </p:spPr>
+        </p:pic>
+        <p:pic>
+          <p:nvPicPr>
+            <p:cNvPr id="227" name="Picture 226" descr="AV1451_NSFA0_rh_neg_lateral.png"/>
+            <p:cNvPicPr>
+              <a:picLocks noChangeAspect="1"/>
+            </p:cNvPicPr>
+            <p:nvPr/>
+          </p:nvPicPr>
+          <p:blipFill>
+            <a:blip r:embed="rId53">
+              <a:extLst>
+                <a:ext uri="{28A0092B-C50C-407E-A947-70E740481C1C}">
+                  <a14:useLocalDpi xmlns:a14="http://schemas.microsoft.com/office/drawing/2010/main" val="0"/>
+                </a:ext>
+              </a:extLst>
+            </a:blip>
+            <a:stretch>
+              <a:fillRect/>
+            </a:stretch>
+          </p:blipFill>
+          <p:spPr>
+            <a:xfrm>
+              <a:off x="20205826" y="15691353"/>
+              <a:ext cx="1185548" cy="901016"/>
+            </a:xfrm>
+            <a:prstGeom prst="rect">
+              <a:avLst/>
+            </a:prstGeom>
+          </p:spPr>
+        </p:pic>
+        <p:pic>
+          <p:nvPicPr>
+            <p:cNvPr id="228" name="Picture 227" descr="AV1451_NSFA0_pos_ant.png"/>
+            <p:cNvPicPr>
+              <a:picLocks noChangeAspect="1"/>
+            </p:cNvPicPr>
+            <p:nvPr/>
+          </p:nvPicPr>
+          <p:blipFill>
+            <a:blip r:embed="rId54">
+              <a:extLst>
+                <a:ext uri="{28A0092B-C50C-407E-A947-70E740481C1C}">
+                  <a14:useLocalDpi xmlns:a14="http://schemas.microsoft.com/office/drawing/2010/main" val="0"/>
+                </a:ext>
+              </a:extLst>
+            </a:blip>
+            <a:stretch>
+              <a:fillRect/>
+            </a:stretch>
+          </p:blipFill>
+          <p:spPr>
+            <a:xfrm>
+              <a:off x="17748832" y="14486899"/>
+              <a:ext cx="1180049" cy="1180048"/>
+            </a:xfrm>
+            <a:prstGeom prst="rect">
+              <a:avLst/>
+            </a:prstGeom>
+          </p:spPr>
+        </p:pic>
+        <p:pic>
+          <p:nvPicPr>
+            <p:cNvPr id="229" name="Picture 228" descr="AV1451_NSFA0_neg_ant.png"/>
+            <p:cNvPicPr>
+              <a:picLocks noChangeAspect="1"/>
+            </p:cNvPicPr>
+            <p:nvPr/>
+          </p:nvPicPr>
+          <p:blipFill>
+            <a:blip r:embed="rId55">
+              <a:extLst>
+                <a:ext uri="{28A0092B-C50C-407E-A947-70E740481C1C}">
+                  <a14:useLocalDpi xmlns:a14="http://schemas.microsoft.com/office/drawing/2010/main" val="0"/>
+                </a:ext>
+              </a:extLst>
+            </a:blip>
+            <a:stretch>
+              <a:fillRect/>
+            </a:stretch>
+          </p:blipFill>
+          <p:spPr>
+            <a:xfrm>
+              <a:off x="20254994" y="14483607"/>
+              <a:ext cx="1154882" cy="1174456"/>
+            </a:xfrm>
+            <a:prstGeom prst="rect">
+              <a:avLst/>
+            </a:prstGeom>
+          </p:spPr>
+        </p:pic>
+        <p:sp>
+          <p:nvSpPr>
+            <p:cNvPr id="230" name="TextBox 229"/>
+            <p:cNvSpPr txBox="1"/>
+            <p:nvPr/>
+          </p:nvSpPr>
+          <p:spPr>
+            <a:xfrm>
+              <a:off x="18364607" y="17462732"/>
+              <a:ext cx="1527776" cy="400110"/>
+            </a:xfrm>
+            <a:prstGeom prst="rect">
+              <a:avLst/>
+            </a:prstGeom>
+            <a:noFill/>
+          </p:spPr>
+          <p:txBody>
+            <a:bodyPr wrap="square" rtlCol="0">
+              <a:spAutoFit/>
+            </a:bodyPr>
+            <a:lstStyle/>
+            <a:p>
+              <a:r>
+                <a:rPr lang="en-US" sz="2000" b="1" dirty="0" smtClean="0">
+                  <a:solidFill>
+                    <a:srgbClr val="FFFFFF"/>
+                  </a:solidFill>
+                  <a:latin typeface="Arial"/>
+                  <a:cs typeface="Arial"/>
+                </a:rPr>
+                <a:t>Factor #0 </a:t>
+              </a:r>
+              <a:endParaRPr lang="en-US" sz="2000" b="1" dirty="0">
+                <a:solidFill>
+                  <a:srgbClr val="FFFFFF"/>
+                </a:solidFill>
+                <a:latin typeface="Arial"/>
+                <a:cs typeface="Arial"/>
+              </a:endParaRPr>
+            </a:p>
+          </p:txBody>
+        </p:sp>
+      </p:grpSp>
+      <p:grpSp>
+        <p:nvGrpSpPr>
+          <p:cNvPr id="231" name="Group 230"/>
+          <p:cNvGrpSpPr/>
+          <p:nvPr/>
+        </p:nvGrpSpPr>
+        <p:grpSpPr>
+          <a:xfrm>
+            <a:off x="31115624" y="5724172"/>
+            <a:ext cx="4721054" cy="312216"/>
+            <a:chOff x="22088752" y="6228363"/>
+            <a:chExt cx="4721054" cy="312216"/>
+          </a:xfrm>
+        </p:grpSpPr>
+        <p:pic>
+          <p:nvPicPr>
+            <p:cNvPr id="232" name="Picture 231" descr="blue-green-colorbar.png"/>
+            <p:cNvPicPr>
+              <a:picLocks noChangeAspect="1"/>
+            </p:cNvPicPr>
+            <p:nvPr/>
+          </p:nvPicPr>
+          <p:blipFill>
+            <a:blip r:embed="rId12">
+              <a:extLst>
+                <a:ext uri="{28A0092B-C50C-407E-A947-70E740481C1C}">
+                  <a14:useLocalDpi xmlns:a14="http://schemas.microsoft.com/office/drawing/2010/main" val="0"/>
+                </a:ext>
+              </a:extLst>
+            </a:blip>
+            <a:stretch>
+              <a:fillRect/>
+            </a:stretch>
+          </p:blipFill>
+          <p:spPr>
+            <a:xfrm>
+              <a:off x="25023827" y="6279350"/>
+              <a:ext cx="1039414" cy="233885"/>
+            </a:xfrm>
+            <a:prstGeom prst="rect">
+              <a:avLst/>
+            </a:prstGeom>
+          </p:spPr>
+        </p:pic>
+        <p:pic>
+          <p:nvPicPr>
+            <p:cNvPr id="233" name="Picture 232" descr="red-yellow-colorbar.png"/>
+            <p:cNvPicPr>
+              <a:picLocks noChangeAspect="1"/>
+            </p:cNvPicPr>
+            <p:nvPr/>
+          </p:nvPicPr>
+          <p:blipFill>
+            <a:blip r:embed="rId13">
+              <a:extLst>
+                <a:ext uri="{28A0092B-C50C-407E-A947-70E740481C1C}">
+                  <a14:useLocalDpi xmlns:a14="http://schemas.microsoft.com/office/drawing/2010/main" val="0"/>
+                </a:ext>
+              </a:extLst>
+            </a:blip>
+            <a:stretch>
+              <a:fillRect/>
+            </a:stretch>
+          </p:blipFill>
+          <p:spPr>
+            <a:xfrm>
+              <a:off x="22465238" y="6268561"/>
+              <a:ext cx="1039414" cy="242455"/>
+            </a:xfrm>
+            <a:prstGeom prst="rect">
+              <a:avLst/>
+            </a:prstGeom>
+          </p:spPr>
+        </p:pic>
+        <p:sp>
+          <p:nvSpPr>
+            <p:cNvPr id="234" name="TextBox 233"/>
+            <p:cNvSpPr txBox="1"/>
+            <p:nvPr/>
+          </p:nvSpPr>
+          <p:spPr>
+            <a:xfrm>
+              <a:off x="22088752" y="6228753"/>
+              <a:ext cx="618483" cy="307777"/>
+            </a:xfrm>
+            <a:prstGeom prst="rect">
+              <a:avLst/>
+            </a:prstGeom>
+            <a:noFill/>
+          </p:spPr>
+          <p:txBody>
+            <a:bodyPr wrap="square" rtlCol="0">
+              <a:spAutoFit/>
+            </a:bodyPr>
+            <a:lstStyle/>
+            <a:p>
+              <a:r>
+                <a:rPr lang="en-US" sz="1400" dirty="0" smtClean="0">
+                  <a:solidFill>
+                    <a:srgbClr val="FFFFFF"/>
+                  </a:solidFill>
+                  <a:latin typeface="Arial"/>
+                  <a:cs typeface="Arial"/>
+                </a:rPr>
+                <a:t>0.0</a:t>
+              </a:r>
+              <a:endParaRPr lang="en-US" sz="1400" dirty="0">
+                <a:solidFill>
+                  <a:srgbClr val="FFFFFF"/>
+                </a:solidFill>
+                <a:latin typeface="Arial"/>
+                <a:cs typeface="Arial"/>
+              </a:endParaRPr>
+            </a:p>
+          </p:txBody>
+        </p:sp>
+        <p:sp>
+          <p:nvSpPr>
+            <p:cNvPr id="235" name="TextBox 234"/>
+            <p:cNvSpPr txBox="1"/>
+            <p:nvPr/>
+          </p:nvSpPr>
+          <p:spPr>
+            <a:xfrm>
+              <a:off x="23419958" y="6228363"/>
+              <a:ext cx="698484" cy="307777"/>
+            </a:xfrm>
+            <a:prstGeom prst="rect">
+              <a:avLst/>
+            </a:prstGeom>
+            <a:noFill/>
+          </p:spPr>
+          <p:txBody>
+            <a:bodyPr wrap="square" rtlCol="0">
+              <a:spAutoFit/>
+            </a:bodyPr>
+            <a:lstStyle/>
+            <a:p>
+              <a:r>
+                <a:rPr lang="en-US" sz="1400" dirty="0" smtClean="0">
+                  <a:solidFill>
+                    <a:srgbClr val="FFFFFF"/>
+                  </a:solidFill>
+                  <a:latin typeface="Arial"/>
+                  <a:cs typeface="Arial"/>
+                </a:rPr>
+                <a:t>1.0</a:t>
+              </a:r>
+              <a:endParaRPr lang="en-US" sz="1400" dirty="0">
+                <a:solidFill>
+                  <a:srgbClr val="FFFFFF"/>
+                </a:solidFill>
+                <a:latin typeface="Arial"/>
+                <a:cs typeface="Arial"/>
+              </a:endParaRPr>
+            </a:p>
+          </p:txBody>
+        </p:sp>
+        <p:sp>
+          <p:nvSpPr>
+            <p:cNvPr id="236" name="TextBox 235"/>
+            <p:cNvSpPr txBox="1"/>
+            <p:nvPr/>
+          </p:nvSpPr>
+          <p:spPr>
+            <a:xfrm>
+              <a:off x="24651081" y="6228753"/>
+              <a:ext cx="669709" cy="307777"/>
+            </a:xfrm>
+            <a:prstGeom prst="rect">
+              <a:avLst/>
+            </a:prstGeom>
+            <a:noFill/>
+          </p:spPr>
+          <p:txBody>
+            <a:bodyPr wrap="square" rtlCol="0">
+              <a:spAutoFit/>
+            </a:bodyPr>
+            <a:lstStyle/>
+            <a:p>
+              <a:r>
+                <a:rPr lang="en-US" sz="1400" dirty="0" smtClean="0">
+                  <a:solidFill>
+                    <a:srgbClr val="FFFFFF"/>
+                  </a:solidFill>
+                  <a:latin typeface="Arial"/>
+                  <a:cs typeface="Arial"/>
+                </a:rPr>
+                <a:t>0.0</a:t>
+              </a:r>
+              <a:endParaRPr lang="en-US" sz="1400" dirty="0">
+                <a:solidFill>
+                  <a:srgbClr val="FFFFFF"/>
+                </a:solidFill>
+                <a:latin typeface="Arial"/>
+                <a:cs typeface="Arial"/>
+              </a:endParaRPr>
+            </a:p>
+          </p:txBody>
+        </p:sp>
+        <p:sp>
+          <p:nvSpPr>
+            <p:cNvPr id="237" name="TextBox 236"/>
+            <p:cNvSpPr txBox="1"/>
+            <p:nvPr/>
+          </p:nvSpPr>
+          <p:spPr>
+            <a:xfrm>
+              <a:off x="26009632" y="6232802"/>
+              <a:ext cx="800174" cy="307777"/>
+            </a:xfrm>
+            <a:prstGeom prst="rect">
+              <a:avLst/>
+            </a:prstGeom>
+            <a:noFill/>
+          </p:spPr>
+          <p:txBody>
+            <a:bodyPr wrap="square" rtlCol="0">
+              <a:spAutoFit/>
+            </a:bodyPr>
+            <a:lstStyle/>
+            <a:p>
+              <a:r>
+                <a:rPr lang="en-US" sz="1400" dirty="0" smtClean="0">
+                  <a:solidFill>
+                    <a:srgbClr val="FFFFFF"/>
+                  </a:solidFill>
+                  <a:latin typeface="Arial"/>
+                  <a:cs typeface="Arial"/>
+                </a:rPr>
+                <a:t>-1.0</a:t>
+              </a:r>
+              <a:endParaRPr lang="en-US" sz="1400" dirty="0">
+                <a:solidFill>
+                  <a:srgbClr val="FFFFFF"/>
+                </a:solidFill>
+                <a:latin typeface="Arial"/>
+                <a:cs typeface="Arial"/>
+              </a:endParaRPr>
+            </a:p>
+          </p:txBody>
+        </p:sp>
+      </p:grpSp>
+      <p:pic>
+        <p:nvPicPr>
+          <p:cNvPr id="238" name="Picture 237" descr="AV45_cspvc_vs_nsfa6.jpeg"/>
+          <p:cNvPicPr>
+            <a:picLocks noChangeAspect="1"/>
+          </p:cNvPicPr>
+          <p:nvPr/>
+        </p:nvPicPr>
+        <p:blipFill>
+          <a:blip r:embed="rId56">
+            <a:extLst>
+              <a:ext uri="{28A0092B-C50C-407E-A947-70E740481C1C}">
+                <a14:useLocalDpi xmlns:a14="http://schemas.microsoft.com/office/drawing/2010/main" val="0"/>
+              </a:ext>
+            </a:extLst>
+          </a:blip>
+          <a:stretch>
+            <a:fillRect/>
+          </a:stretch>
+        </p:blipFill>
+        <p:spPr>
+          <a:xfrm>
+            <a:off x="15712128" y="12738439"/>
+            <a:ext cx="4056790" cy="1521296"/>
           </a:xfrm>
           <a:prstGeom prst="rect">
             <a:avLst/>
@@ -6031,14 +8318,68 @@
       </p:pic>
       <p:sp>
         <p:nvSpPr>
-          <p:cNvPr id="38" name="TextBox 37"/>
+          <p:cNvPr id="47" name="Rounded Rectangle 46"/>
+          <p:cNvSpPr/>
+          <p:nvPr/>
+        </p:nvSpPr>
+        <p:spPr>
+          <a:xfrm>
+            <a:off x="26381553" y="15312473"/>
+            <a:ext cx="9523095" cy="3371995"/>
+          </a:xfrm>
+          <a:prstGeom prst="roundRect">
+            <a:avLst/>
+          </a:prstGeom>
+          <a:solidFill>
+            <a:schemeClr val="accent1">
+              <a:lumMod val="20000"/>
+              <a:lumOff val="80000"/>
+              <a:alpha val="50000"/>
+            </a:schemeClr>
+          </a:solidFill>
+          <a:ln>
+            <a:solidFill>
+              <a:schemeClr val="accent1">
+                <a:lumMod val="20000"/>
+                <a:lumOff val="80000"/>
+              </a:schemeClr>
+            </a:solidFill>
+          </a:ln>
+          <a:effectLst/>
+        </p:spPr>
+        <p:style>
+          <a:lnRef idx="1">
+            <a:schemeClr val="accent1"/>
+          </a:lnRef>
+          <a:fillRef idx="3">
+            <a:schemeClr val="accent1"/>
+          </a:fillRef>
+          <a:effectRef idx="2">
+            <a:schemeClr val="accent1"/>
+          </a:effectRef>
+          <a:fontRef idx="minor">
+            <a:schemeClr val="lt1"/>
+          </a:fontRef>
+        </p:style>
+        <p:txBody>
+          <a:bodyPr rtlCol="0" anchor="ctr"/>
+          <a:lstStyle/>
+          <a:p>
+            <a:pPr algn="ctr"/>
+            <a:endParaRPr lang="en-US"/>
+          </a:p>
+        </p:txBody>
+      </p:sp>
+      <p:sp>
+        <p:nvSpPr>
+          <p:cNvPr id="215" name="TextBox 214"/>
           <p:cNvSpPr txBox="1"/>
           <p:nvPr/>
         </p:nvSpPr>
         <p:spPr>
           <a:xfrm>
-            <a:off x="20358771" y="13887088"/>
-            <a:ext cx="3590689" cy="400110"/>
+            <a:off x="26613641" y="15449030"/>
+            <a:ext cx="9142583" cy="3170099"/>
           </a:xfrm>
           <a:prstGeom prst="rect">
             <a:avLst/>
@@ -6051,64 +8392,2268 @@
           </a:bodyPr>
           <a:lstStyle/>
           <a:p>
-            <a:r>
-              <a:rPr lang="en-US" sz="2000" b="1" baseline="30000" dirty="0" smtClean="0">
-                <a:latin typeface="Arial"/>
-              </a:rPr>
-              <a:t>18</a:t>
-            </a:r>
+            <a:pPr algn="ctr"/>
             <a:r>
               <a:rPr lang="en-US" sz="2000" b="1" dirty="0" smtClean="0">
                 <a:latin typeface="Arial"/>
               </a:rPr>
-              <a:t>F-AV-45 Factor Scores</a:t>
-            </a:r>
-            <a:endParaRPr lang="en-US" sz="2000" b="1" dirty="0" smtClean="0">
+              <a:t>Summary</a:t>
+            </a:r>
+          </a:p>
+          <a:p>
+            <a:pPr algn="ctr"/>
+            <a:endParaRPr lang="en-US" sz="1200" dirty="0" smtClean="0">
               <a:latin typeface="Arial"/>
             </a:endParaRPr>
           </a:p>
+          <a:p>
+            <a:pPr marL="285750" indent="-285750">
+              <a:buFont typeface="Arial"/>
+              <a:buChar char="•"/>
+            </a:pPr>
+            <a:r>
+              <a:rPr lang="en-US" sz="1800" dirty="0" smtClean="0">
+                <a:latin typeface="Arial"/>
+              </a:rPr>
+              <a:t>The predominant </a:t>
+            </a:r>
+            <a:r>
+              <a:rPr lang="en-US" sz="1800" baseline="30000" dirty="0">
+                <a:latin typeface="Arial"/>
+              </a:rPr>
+              <a:t>18</a:t>
+            </a:r>
+            <a:r>
+              <a:rPr lang="en-US" sz="1800" dirty="0">
+                <a:latin typeface="Arial"/>
+              </a:rPr>
+              <a:t>F-AV-</a:t>
+            </a:r>
+            <a:r>
+              <a:rPr lang="en-US" sz="1800" dirty="0" smtClean="0">
+                <a:latin typeface="Arial"/>
+              </a:rPr>
+              <a:t>45 factor (#6)</a:t>
+            </a:r>
+            <a:r>
+              <a:rPr lang="en-US" sz="1800" dirty="0">
+                <a:latin typeface="Arial"/>
+              </a:rPr>
+              <a:t> </a:t>
+            </a:r>
+            <a:r>
+              <a:rPr lang="en-US" sz="1800" dirty="0" smtClean="0">
+                <a:latin typeface="Arial"/>
+              </a:rPr>
+              <a:t>is very similar to cortical summary SUVR, and outperforms CS SUVR in correlation with cross-sectional cognition amongst florbetapir positive </a:t>
+            </a:r>
+            <a:r>
+              <a:rPr lang="en-US" sz="1800" dirty="0" smtClean="0">
+                <a:latin typeface="Arial"/>
+              </a:rPr>
+              <a:t>subjects</a:t>
+            </a:r>
+            <a:endParaRPr lang="en-US" sz="1800" dirty="0" smtClean="0">
+              <a:latin typeface="Arial"/>
+            </a:endParaRPr>
+          </a:p>
+          <a:p>
+            <a:pPr marL="285750" indent="-285750">
+              <a:buFont typeface="Arial"/>
+              <a:buChar char="•"/>
+            </a:pPr>
+            <a:r>
+              <a:rPr lang="en-US" sz="1800" dirty="0" smtClean="0">
+                <a:latin typeface="Arial"/>
+              </a:rPr>
+              <a:t>A </a:t>
+            </a:r>
+            <a:r>
+              <a:rPr lang="en-US" sz="1800" baseline="30000" dirty="0">
+                <a:latin typeface="Arial"/>
+              </a:rPr>
+              <a:t>18</a:t>
+            </a:r>
+            <a:r>
+              <a:rPr lang="en-US" sz="1800" dirty="0">
+                <a:latin typeface="Arial"/>
+              </a:rPr>
+              <a:t>F-AV-45 factor (</a:t>
+            </a:r>
+            <a:r>
+              <a:rPr lang="en-US" sz="1800" dirty="0" smtClean="0">
+                <a:latin typeface="Arial"/>
+              </a:rPr>
+              <a:t>#14) </a:t>
+            </a:r>
+            <a:r>
+              <a:rPr lang="en-US" sz="1800" dirty="0" smtClean="0">
+                <a:latin typeface="Arial"/>
+              </a:rPr>
+              <a:t>tracks variation </a:t>
+            </a:r>
+            <a:r>
+              <a:rPr lang="en-US" sz="1800" dirty="0" smtClean="0">
+                <a:latin typeface="Arial"/>
+              </a:rPr>
+              <a:t>between the cingulate and frontal/</a:t>
+            </a:r>
+            <a:r>
+              <a:rPr lang="en-US" sz="1800" dirty="0" smtClean="0">
+                <a:latin typeface="Arial"/>
+              </a:rPr>
+              <a:t>inferior </a:t>
+            </a:r>
+            <a:r>
+              <a:rPr lang="en-US" sz="1800" dirty="0" smtClean="0">
+                <a:latin typeface="Arial"/>
+              </a:rPr>
+              <a:t>temporal regions, providing additional predictive power for cross sectional </a:t>
+            </a:r>
+            <a:r>
+              <a:rPr lang="en-US" sz="1800" dirty="0" smtClean="0">
+                <a:latin typeface="Arial"/>
+              </a:rPr>
+              <a:t>cognition</a:t>
+            </a:r>
+            <a:endParaRPr lang="en-US" sz="1800" dirty="0" smtClean="0">
+              <a:latin typeface="Arial"/>
+            </a:endParaRPr>
+          </a:p>
+          <a:p>
+            <a:pPr marL="285750" indent="-285750">
+              <a:buFont typeface="Arial"/>
+              <a:buChar char="•"/>
+            </a:pPr>
+            <a:r>
+              <a:rPr lang="en-US" sz="1800" dirty="0">
+                <a:latin typeface="Arial"/>
+              </a:rPr>
+              <a:t>A </a:t>
+            </a:r>
+            <a:r>
+              <a:rPr lang="en-US" sz="1800" baseline="30000" dirty="0">
+                <a:latin typeface="Arial"/>
+              </a:rPr>
+              <a:t>18</a:t>
+            </a:r>
+            <a:r>
+              <a:rPr lang="en-US" sz="1800" dirty="0">
+                <a:latin typeface="Arial"/>
+              </a:rPr>
+              <a:t>F-AV</a:t>
+            </a:r>
+            <a:r>
+              <a:rPr lang="en-US" sz="1800" dirty="0" smtClean="0">
+                <a:latin typeface="Arial"/>
+              </a:rPr>
+              <a:t>-1451 </a:t>
+            </a:r>
+            <a:r>
+              <a:rPr lang="en-US" sz="1800" dirty="0">
+                <a:latin typeface="Arial"/>
+              </a:rPr>
+              <a:t>factor (</a:t>
+            </a:r>
+            <a:r>
+              <a:rPr lang="en-US" sz="1800" dirty="0" smtClean="0">
+                <a:latin typeface="Arial"/>
+              </a:rPr>
+              <a:t>#</a:t>
+            </a:r>
+            <a:r>
+              <a:rPr lang="en-US" sz="1800" dirty="0">
+                <a:latin typeface="Arial"/>
+              </a:rPr>
+              <a:t>0</a:t>
+            </a:r>
+            <a:r>
+              <a:rPr lang="en-US" sz="1800" dirty="0" smtClean="0">
+                <a:latin typeface="Arial"/>
+              </a:rPr>
+              <a:t>) outperforms all </a:t>
+            </a:r>
+            <a:r>
+              <a:rPr lang="en-US" sz="1800" dirty="0" err="1" smtClean="0">
+                <a:latin typeface="Arial"/>
+              </a:rPr>
+              <a:t>Braak</a:t>
+            </a:r>
+            <a:r>
+              <a:rPr lang="en-US" sz="1800" dirty="0" smtClean="0">
+                <a:latin typeface="Arial"/>
+              </a:rPr>
+              <a:t> region SUVRs in correlation with cross-sectional </a:t>
+            </a:r>
+            <a:r>
+              <a:rPr lang="en-US" sz="1800" dirty="0" smtClean="0">
+                <a:latin typeface="Arial"/>
+              </a:rPr>
+              <a:t>cognition</a:t>
+            </a:r>
+            <a:endParaRPr lang="en-US" sz="1800" dirty="0" smtClean="0">
+              <a:latin typeface="Arial"/>
+            </a:endParaRPr>
+          </a:p>
+          <a:p>
+            <a:pPr marL="285750" indent="-285750">
+              <a:buFont typeface="Arial"/>
+              <a:buChar char="•"/>
+            </a:pPr>
+            <a:r>
+              <a:rPr lang="en-US" sz="1800" dirty="0" smtClean="0">
+                <a:latin typeface="Arial"/>
+              </a:rPr>
+              <a:t>Results encourage further investigation of inter-modal factor associations, the value of factor scores as longitudinal measures, and a voxel-wise factor </a:t>
+            </a:r>
+            <a:r>
+              <a:rPr lang="en-US" sz="1800" dirty="0" smtClean="0">
+                <a:latin typeface="Arial"/>
+              </a:rPr>
+              <a:t>analysis</a:t>
+            </a:r>
+            <a:endParaRPr lang="en-US" sz="2000" dirty="0">
+              <a:latin typeface="Arial"/>
+            </a:endParaRPr>
+          </a:p>
         </p:txBody>
       </p:sp>
-      <p:sp>
-        <p:nvSpPr>
-          <p:cNvPr id="39" name="TextBox 38"/>
-          <p:cNvSpPr txBox="1"/>
-          <p:nvPr/>
-        </p:nvSpPr>
-        <p:spPr>
-          <a:xfrm>
-            <a:off x="33451724" y="13887088"/>
-            <a:ext cx="3342893" cy="400110"/>
-          </a:xfrm>
-          <a:prstGeom prst="rect">
-            <a:avLst/>
-          </a:prstGeom>
-          <a:noFill/>
-        </p:spPr>
-        <p:txBody>
-          <a:bodyPr wrap="square" rtlCol="0">
-            <a:spAutoFit/>
-          </a:bodyPr>
-          <a:lstStyle/>
-          <a:p>
-            <a:r>
-              <a:rPr lang="en-US" sz="2000" b="1" baseline="30000" dirty="0" smtClean="0">
-                <a:latin typeface="Arial"/>
-              </a:rPr>
-              <a:t>18</a:t>
-            </a:r>
-            <a:r>
-              <a:rPr lang="en-US" sz="2000" b="1" dirty="0" smtClean="0">
-                <a:latin typeface="Arial"/>
-              </a:rPr>
-              <a:t>F-AV-1451 Factor Scores</a:t>
-            </a:r>
-            <a:endParaRPr lang="en-US" sz="2000" b="1" dirty="0" smtClean="0">
-              <a:latin typeface="Arial"/>
-            </a:endParaRPr>
-          </a:p>
-        </p:txBody>
-      </p:sp>
+      <p:graphicFrame>
+        <p:nvGraphicFramePr>
+          <p:cNvPr id="240" name="Table 239"/>
+          <p:cNvGraphicFramePr>
+            <a:graphicFrameLocks noGrp="1"/>
+          </p:cNvGraphicFramePr>
+          <p:nvPr>
+            <p:extLst>
+              <p:ext uri="{D42A27DB-BD31-4B8C-83A1-F6EECF244321}">
+                <p14:modId xmlns:p14="http://schemas.microsoft.com/office/powerpoint/2010/main" val="863176717"/>
+              </p:ext>
+            </p:extLst>
+          </p:nvPr>
+        </p:nvGraphicFramePr>
+        <p:xfrm>
+          <a:off x="15712126" y="14583743"/>
+          <a:ext cx="9615130" cy="4097251"/>
+        </p:xfrm>
+        <a:graphic>
+          <a:graphicData uri="http://schemas.openxmlformats.org/drawingml/2006/table">
+            <a:tbl>
+              <a:tblPr firstRow="1" bandRow="1">
+                <a:tableStyleId>{3B4B98B0-60AC-42C2-AFA5-B58CD77FA1E5}</a:tableStyleId>
+              </a:tblPr>
+              <a:tblGrid>
+                <a:gridCol w="2310702"/>
+                <a:gridCol w="1600200"/>
+                <a:gridCol w="2006600"/>
+                <a:gridCol w="1981335"/>
+                <a:gridCol w="1716293"/>
+              </a:tblGrid>
+              <a:tr h="712147">
+                <a:tc>
+                  <a:txBody>
+                    <a:bodyPr/>
+                    <a:lstStyle/>
+                    <a:p>
+                      <a:pPr algn="ctr"/>
+                      <a:r>
+                        <a:rPr lang="en-US" sz="2200" b="1" baseline="30000" dirty="0" smtClean="0">
+                          <a:latin typeface="Arial"/>
+                        </a:rPr>
+                        <a:t>18</a:t>
+                      </a:r>
+                      <a:r>
+                        <a:rPr lang="en-US" sz="2200" b="1" dirty="0" smtClean="0">
+                          <a:latin typeface="Arial"/>
+                        </a:rPr>
+                        <a:t>F-AV-45 LARS Results</a:t>
+                      </a:r>
+                    </a:p>
+                    <a:p>
+                      <a:endParaRPr lang="en-US" sz="1800" dirty="0">
+                        <a:latin typeface="Arial"/>
+                        <a:cs typeface="Arial"/>
+                      </a:endParaRPr>
+                    </a:p>
+                  </a:txBody>
+                  <a:tcPr marL="128070" marR="128070" marT="44825" marB="44825"/>
+                </a:tc>
+                <a:tc>
+                  <a:txBody>
+                    <a:bodyPr/>
+                    <a:lstStyle/>
+                    <a:p>
+                      <a:r>
+                        <a:rPr lang="en-US" sz="1800" baseline="0" dirty="0" smtClean="0">
+                          <a:latin typeface="Arial"/>
+                          <a:cs typeface="Arial"/>
+                        </a:rPr>
+                        <a:t>CS change</a:t>
+                      </a:r>
+                    </a:p>
+                    <a:p>
+                      <a:r>
+                        <a:rPr lang="en-US" sz="1800" baseline="0" dirty="0" smtClean="0">
+                          <a:latin typeface="Arial"/>
+                          <a:cs typeface="Arial"/>
+                        </a:rPr>
+                        <a:t>(</a:t>
+                      </a:r>
+                      <a:r>
+                        <a:rPr lang="en-US" sz="1800" dirty="0" smtClean="0">
+                          <a:latin typeface="Arial"/>
+                          <a:cs typeface="Arial"/>
+                        </a:rPr>
+                        <a:t>Factors, n=616)</a:t>
+                      </a:r>
+                      <a:endParaRPr lang="en-US" sz="1800" dirty="0">
+                        <a:latin typeface="Arial"/>
+                        <a:cs typeface="Arial"/>
+                      </a:endParaRPr>
+                    </a:p>
+                  </a:txBody>
+                  <a:tcPr marL="128070" marR="128070" marT="44825" marB="44825"/>
+                </a:tc>
+                <a:tc>
+                  <a:txBody>
+                    <a:bodyPr/>
+                    <a:lstStyle/>
+                    <a:p>
+                      <a:r>
+                        <a:rPr lang="en-US" sz="1800" dirty="0" smtClean="0">
+                          <a:latin typeface="Arial"/>
+                          <a:cs typeface="Arial"/>
+                        </a:rPr>
+                        <a:t>CS</a:t>
+                      </a:r>
+                      <a:r>
+                        <a:rPr lang="en-US" sz="1800" baseline="0" dirty="0" smtClean="0">
+                          <a:latin typeface="Arial"/>
+                          <a:cs typeface="Arial"/>
+                        </a:rPr>
+                        <a:t> change</a:t>
+                      </a:r>
+                      <a:endParaRPr lang="en-US" sz="1800" dirty="0" smtClean="0">
+                        <a:latin typeface="Arial"/>
+                        <a:cs typeface="Arial"/>
+                      </a:endParaRPr>
+                    </a:p>
+                    <a:p>
+                      <a:r>
+                        <a:rPr lang="en-US" sz="1800" dirty="0" smtClean="0">
+                          <a:latin typeface="Arial"/>
+                          <a:cs typeface="Arial"/>
+                        </a:rPr>
+                        <a:t>(CS SUVR, n=616</a:t>
+                      </a:r>
+                      <a:r>
+                        <a:rPr lang="en-US" sz="1800" baseline="0" dirty="0" smtClean="0">
+                          <a:latin typeface="Arial"/>
+                          <a:cs typeface="Arial"/>
+                        </a:rPr>
+                        <a:t>)</a:t>
+                      </a:r>
+                      <a:endParaRPr lang="en-US" sz="1800" dirty="0">
+                        <a:latin typeface="Arial"/>
+                        <a:cs typeface="Arial"/>
+                      </a:endParaRPr>
+                    </a:p>
+                  </a:txBody>
+                  <a:tcPr marL="128070" marR="128070" marT="44825" marB="44825"/>
+                </a:tc>
+                <a:tc>
+                  <a:txBody>
+                    <a:bodyPr/>
+                    <a:lstStyle/>
+                    <a:p>
+                      <a:r>
+                        <a:rPr lang="en-US" sz="1800" dirty="0" smtClean="0">
+                          <a:latin typeface="Arial"/>
+                          <a:cs typeface="Arial"/>
+                        </a:rPr>
+                        <a:t>ADAS-Cog</a:t>
+                      </a:r>
+                      <a:endParaRPr lang="en-US" sz="1800" baseline="0" dirty="0" smtClean="0">
+                        <a:latin typeface="Arial"/>
+                        <a:cs typeface="Arial"/>
+                      </a:endParaRPr>
+                    </a:p>
+                    <a:p>
+                      <a:r>
+                        <a:rPr lang="en-US" sz="1800" baseline="0" dirty="0" smtClean="0">
+                          <a:latin typeface="Arial"/>
+                          <a:cs typeface="Arial"/>
+                        </a:rPr>
+                        <a:t>(</a:t>
+                      </a:r>
+                      <a:r>
+                        <a:rPr lang="en-US" sz="1800" dirty="0" smtClean="0">
+                          <a:latin typeface="Arial"/>
+                          <a:cs typeface="Arial"/>
+                        </a:rPr>
+                        <a:t>Factors, n=516)</a:t>
+                      </a:r>
+                    </a:p>
+                  </a:txBody>
+                  <a:tcPr marL="128070" marR="128070" marT="44825" marB="44825"/>
+                </a:tc>
+                <a:tc>
+                  <a:txBody>
+                    <a:bodyPr/>
+                    <a:lstStyle/>
+                    <a:p>
+                      <a:r>
+                        <a:rPr lang="en-US" sz="1800" dirty="0" smtClean="0">
+                          <a:latin typeface="Arial"/>
+                          <a:cs typeface="Arial"/>
+                        </a:rPr>
+                        <a:t>ADAS-Cog</a:t>
+                      </a:r>
+                    </a:p>
+                    <a:p>
+                      <a:r>
+                        <a:rPr lang="en-US" sz="1800" dirty="0" smtClean="0">
+                          <a:latin typeface="Arial"/>
+                          <a:cs typeface="Arial"/>
+                        </a:rPr>
+                        <a:t>(CS</a:t>
+                      </a:r>
+                      <a:r>
+                        <a:rPr lang="en-US" sz="1800" baseline="0" dirty="0" smtClean="0">
+                          <a:latin typeface="Arial"/>
+                          <a:cs typeface="Arial"/>
+                        </a:rPr>
+                        <a:t> SUVR</a:t>
+                      </a:r>
+                      <a:r>
+                        <a:rPr lang="en-US" sz="1800" dirty="0" smtClean="0">
+                          <a:latin typeface="Arial"/>
+                          <a:cs typeface="Arial"/>
+                        </a:rPr>
+                        <a:t>, n=516)</a:t>
+                      </a:r>
+                      <a:endParaRPr lang="en-US" sz="1800" dirty="0">
+                        <a:latin typeface="Arial"/>
+                        <a:cs typeface="Arial"/>
+                      </a:endParaRPr>
+                    </a:p>
+                  </a:txBody>
+                  <a:tcPr marL="128070" marR="128070" marT="44825" marB="44825"/>
+                </a:tc>
+              </a:tr>
+              <a:tr h="898907">
+                <a:tc>
+                  <a:txBody>
+                    <a:bodyPr/>
+                    <a:lstStyle/>
+                    <a:p>
+                      <a:r>
+                        <a:rPr lang="en-US" sz="1800" dirty="0" smtClean="0">
+                          <a:latin typeface="Arial"/>
+                          <a:cs typeface="Arial"/>
+                        </a:rPr>
+                        <a:t>Significant</a:t>
+                      </a:r>
+                      <a:r>
+                        <a:rPr lang="en-US" sz="1800" baseline="0" dirty="0" smtClean="0">
+                          <a:latin typeface="Arial"/>
+                          <a:cs typeface="Arial"/>
+                        </a:rPr>
+                        <a:t> predictors</a:t>
+                      </a:r>
+                      <a:endParaRPr lang="en-US" sz="1800" dirty="0">
+                        <a:latin typeface="Arial"/>
+                        <a:cs typeface="Arial"/>
+                      </a:endParaRPr>
+                    </a:p>
+                  </a:txBody>
+                  <a:tcPr marL="128070" marR="128070" marT="44825" marB="44825"/>
+                </a:tc>
+                <a:tc>
+                  <a:txBody>
+                    <a:bodyPr/>
+                    <a:lstStyle/>
+                    <a:p>
+                      <a:r>
+                        <a:rPr lang="en-US" sz="1800" b="1" dirty="0" smtClean="0">
+                          <a:latin typeface="Arial"/>
+                          <a:cs typeface="Arial"/>
+                        </a:rPr>
+                        <a:t>#6</a:t>
+                      </a:r>
+                      <a:r>
+                        <a:rPr lang="en-US" sz="1800" dirty="0" smtClean="0">
+                          <a:latin typeface="Arial"/>
+                          <a:cs typeface="Arial"/>
+                        </a:rPr>
+                        <a:t>: **</a:t>
+                      </a:r>
+                      <a:endParaRPr lang="en-US" sz="1800" dirty="0" smtClean="0">
+                        <a:latin typeface="Arial"/>
+                        <a:cs typeface="Arial"/>
+                      </a:endParaRPr>
+                    </a:p>
+                    <a:p>
+                      <a:r>
+                        <a:rPr lang="el-GR" sz="1800" dirty="0" smtClean="0">
+                          <a:latin typeface="Arial"/>
+                          <a:cs typeface="Arial"/>
+                        </a:rPr>
+                        <a:t>β</a:t>
+                      </a:r>
+                      <a:r>
+                        <a:rPr lang="en-US" sz="1800" dirty="0" smtClean="0">
+                          <a:latin typeface="Arial"/>
+                          <a:cs typeface="Arial"/>
+                        </a:rPr>
+                        <a:t>=</a:t>
+                      </a:r>
+                      <a:r>
+                        <a:rPr lang="uk-UA" sz="1800" dirty="0" smtClean="0">
+                          <a:latin typeface="Arial"/>
+                          <a:cs typeface="Arial"/>
+                        </a:rPr>
+                        <a:t>0.</a:t>
+                      </a:r>
+                      <a:r>
+                        <a:rPr lang="en-US" sz="1800" dirty="0" smtClean="0">
+                          <a:latin typeface="Arial"/>
+                          <a:cs typeface="Arial"/>
+                        </a:rPr>
+                        <a:t>016</a:t>
+                      </a:r>
+                      <a:r>
+                        <a:rPr lang="en-US" sz="1800" dirty="0" smtClean="0">
+                          <a:latin typeface="Arial"/>
+                          <a:cs typeface="Arial"/>
+                        </a:rPr>
+                        <a:t>,</a:t>
+                      </a:r>
+                      <a:endParaRPr lang="en-US" sz="1800" baseline="0" dirty="0" smtClean="0">
+                        <a:latin typeface="Arial"/>
+                        <a:cs typeface="Arial"/>
+                      </a:endParaRPr>
+                    </a:p>
+                    <a:p>
+                      <a:r>
+                        <a:rPr lang="en-US" sz="1800" dirty="0" smtClean="0">
+                          <a:latin typeface="Arial"/>
+                          <a:cs typeface="Arial"/>
+                        </a:rPr>
+                        <a:t>p</a:t>
+                      </a:r>
+                      <a:r>
+                        <a:rPr lang="en-US" sz="1800" dirty="0" smtClean="0">
+                          <a:latin typeface="Arial"/>
+                          <a:cs typeface="Arial"/>
+                        </a:rPr>
+                        <a:t>=3e-9</a:t>
+                      </a:r>
+                      <a:endParaRPr lang="nb-NO" sz="1800" baseline="0" dirty="0" smtClean="0">
+                        <a:latin typeface="Arial"/>
+                        <a:cs typeface="Arial"/>
+                      </a:endParaRPr>
+                    </a:p>
+                  </a:txBody>
+                  <a:tcPr marL="128070" marR="128070" marT="44825" marB="44825"/>
+                </a:tc>
+                <a:tc>
+                  <a:txBody>
+                    <a:bodyPr/>
+                    <a:lstStyle/>
+                    <a:p>
+                      <a:r>
+                        <a:rPr lang="nb-NO" sz="1800" b="1" dirty="0" smtClean="0">
+                          <a:latin typeface="Arial"/>
+                          <a:cs typeface="Arial"/>
+                        </a:rPr>
+                        <a:t>CS</a:t>
+                      </a:r>
+                      <a:r>
+                        <a:rPr lang="nb-NO" sz="1800" b="1" baseline="0" dirty="0" smtClean="0">
+                          <a:latin typeface="Arial"/>
+                          <a:cs typeface="Arial"/>
+                        </a:rPr>
+                        <a:t> SUVR</a:t>
+                      </a:r>
+                      <a:r>
+                        <a:rPr lang="en-US" sz="1800" dirty="0" smtClean="0">
+                          <a:latin typeface="Arial"/>
+                          <a:cs typeface="Arial"/>
+                        </a:rPr>
+                        <a:t>: ***</a:t>
+                      </a:r>
+                      <a:endParaRPr lang="en-US" sz="1800" dirty="0" smtClean="0">
+                        <a:latin typeface="Arial"/>
+                        <a:cs typeface="Arial"/>
+                      </a:endParaRPr>
+                    </a:p>
+                    <a:p>
+                      <a:r>
+                        <a:rPr lang="el-GR" sz="1800" dirty="0" smtClean="0">
+                          <a:latin typeface="Arial"/>
+                          <a:cs typeface="Arial"/>
+                        </a:rPr>
+                        <a:t>β</a:t>
+                      </a:r>
+                      <a:r>
+                        <a:rPr lang="en-US" sz="1800" dirty="0" smtClean="0">
+                          <a:latin typeface="Arial"/>
+                          <a:cs typeface="Arial"/>
+                        </a:rPr>
+                        <a:t>=</a:t>
+                      </a:r>
+                      <a:r>
+                        <a:rPr lang="pl-PL" sz="1800" baseline="0" dirty="0" smtClean="0">
+                          <a:latin typeface="Arial"/>
+                          <a:cs typeface="Arial"/>
+                        </a:rPr>
+                        <a:t>0.021, </a:t>
+                      </a:r>
+                      <a:r>
+                        <a:rPr lang="en-US" sz="1800" dirty="0" smtClean="0">
+                          <a:latin typeface="Arial"/>
+                          <a:cs typeface="Arial"/>
+                        </a:rPr>
+                        <a:t>p=3e-4</a:t>
+                      </a:r>
+                    </a:p>
+                    <a:p>
+                      <a:r>
+                        <a:rPr lang="en-US" sz="1800" b="1" dirty="0" smtClean="0">
+                          <a:latin typeface="Arial"/>
+                          <a:cs typeface="Arial"/>
+                        </a:rPr>
+                        <a:t>APOE ε4</a:t>
+                      </a:r>
+                      <a:r>
+                        <a:rPr lang="en-US" sz="1800" dirty="0" smtClean="0">
+                          <a:latin typeface="Arial"/>
+                          <a:cs typeface="Arial"/>
+                        </a:rPr>
+                        <a:t>: ***</a:t>
+                      </a:r>
+                      <a:endParaRPr lang="en-US" sz="1800" dirty="0" smtClean="0">
+                        <a:latin typeface="Arial"/>
+                        <a:cs typeface="Arial"/>
+                      </a:endParaRPr>
+                    </a:p>
+                    <a:p>
+                      <a:r>
+                        <a:rPr lang="el-GR" sz="1800" dirty="0" smtClean="0">
+                          <a:latin typeface="Arial"/>
+                          <a:cs typeface="Arial"/>
+                        </a:rPr>
+                        <a:t>β</a:t>
+                      </a:r>
+                      <a:r>
+                        <a:rPr lang="en-US" sz="1800" dirty="0" smtClean="0">
+                          <a:latin typeface="Arial"/>
+                          <a:cs typeface="Arial"/>
+                        </a:rPr>
+                        <a:t>=0.015</a:t>
+                      </a:r>
+                      <a:r>
+                        <a:rPr lang="pl-PL" sz="1800" baseline="0" dirty="0" smtClean="0">
+                          <a:latin typeface="Arial"/>
+                          <a:cs typeface="Arial"/>
+                        </a:rPr>
+                        <a:t>, </a:t>
+                      </a:r>
+                      <a:r>
+                        <a:rPr lang="en-US" sz="1800" dirty="0" smtClean="0">
+                          <a:latin typeface="Arial"/>
+                          <a:cs typeface="Arial"/>
+                        </a:rPr>
+                        <a:t>p=5e-3</a:t>
+                      </a:r>
+                      <a:endParaRPr lang="nb-NO" sz="1800" baseline="0" dirty="0" smtClean="0">
+                        <a:latin typeface="Arial"/>
+                        <a:cs typeface="Arial"/>
+                      </a:endParaRPr>
+                    </a:p>
+                  </a:txBody>
+                  <a:tcPr marL="128070" marR="128070" marT="44825" marB="44825"/>
+                </a:tc>
+                <a:tc>
+                  <a:txBody>
+                    <a:bodyPr/>
+                    <a:lstStyle/>
+                    <a:p>
+                      <a:r>
+                        <a:rPr lang="en-US" sz="1800" b="1" dirty="0" smtClean="0">
+                          <a:latin typeface="Arial"/>
+                          <a:cs typeface="Arial"/>
+                        </a:rPr>
+                        <a:t>#6</a:t>
+                      </a:r>
+                      <a:r>
+                        <a:rPr lang="en-US" sz="1800" dirty="0" smtClean="0">
+                          <a:latin typeface="Arial"/>
+                          <a:cs typeface="Arial"/>
+                        </a:rPr>
+                        <a:t>: ***</a:t>
+                      </a:r>
+                      <a:endParaRPr lang="en-US" sz="1800" dirty="0" smtClean="0">
+                        <a:latin typeface="Arial"/>
+                        <a:cs typeface="Arial"/>
+                      </a:endParaRPr>
+                    </a:p>
+                    <a:p>
+                      <a:r>
+                        <a:rPr lang="el-GR" sz="1800" dirty="0" smtClean="0">
+                          <a:latin typeface="Arial"/>
+                          <a:cs typeface="Arial"/>
+                        </a:rPr>
+                        <a:t>β</a:t>
+                      </a:r>
+                      <a:r>
+                        <a:rPr lang="en-US" sz="1800" dirty="0" smtClean="0">
+                          <a:latin typeface="Arial"/>
+                          <a:cs typeface="Arial"/>
+                        </a:rPr>
+                        <a:t>=5.43,</a:t>
+                      </a:r>
+                      <a:r>
+                        <a:rPr lang="en-US" sz="1800" baseline="0" dirty="0" smtClean="0">
+                          <a:latin typeface="Arial"/>
+                          <a:cs typeface="Arial"/>
+                        </a:rPr>
+                        <a:t> </a:t>
+                      </a:r>
+                      <a:r>
+                        <a:rPr lang="en-US" sz="1800" dirty="0" smtClean="0">
+                          <a:latin typeface="Arial"/>
+                          <a:cs typeface="Arial"/>
+                        </a:rPr>
+                        <a:t>p&lt;2e-16</a:t>
+                      </a:r>
+                      <a:endParaRPr lang="nb-NO" sz="1800" baseline="0" dirty="0" smtClean="0">
+                        <a:latin typeface="Arial"/>
+                        <a:cs typeface="Arial"/>
+                      </a:endParaRPr>
+                    </a:p>
+                    <a:p>
+                      <a:r>
+                        <a:rPr lang="en-US" sz="1800" b="1" dirty="0" smtClean="0">
+                          <a:latin typeface="Arial"/>
+                          <a:cs typeface="Arial"/>
+                        </a:rPr>
+                        <a:t>#14</a:t>
+                      </a:r>
+                      <a:r>
+                        <a:rPr lang="en-US" sz="1800" dirty="0" smtClean="0">
+                          <a:latin typeface="Arial"/>
+                          <a:cs typeface="Arial"/>
+                        </a:rPr>
+                        <a:t>: ***</a:t>
+                      </a:r>
+                      <a:endParaRPr lang="en-US" sz="1800" dirty="0" smtClean="0">
+                        <a:latin typeface="Arial"/>
+                        <a:cs typeface="Arial"/>
+                      </a:endParaRPr>
+                    </a:p>
+                    <a:p>
+                      <a:r>
+                        <a:rPr lang="el-GR" sz="1800" dirty="0" smtClean="0">
+                          <a:latin typeface="Arial"/>
+                          <a:cs typeface="Arial"/>
+                        </a:rPr>
+                        <a:t>β</a:t>
+                      </a:r>
+                      <a:r>
+                        <a:rPr lang="en-US" sz="1800" dirty="0" smtClean="0">
+                          <a:latin typeface="Arial"/>
+                          <a:cs typeface="Arial"/>
+                        </a:rPr>
+                        <a:t>=-1.86,</a:t>
+                      </a:r>
+                      <a:r>
+                        <a:rPr lang="en-US" sz="1800" baseline="0" dirty="0" smtClean="0">
+                          <a:latin typeface="Arial"/>
+                          <a:cs typeface="Arial"/>
+                        </a:rPr>
+                        <a:t> </a:t>
+                      </a:r>
+                      <a:r>
+                        <a:rPr lang="en-US" sz="1800" dirty="0" smtClean="0">
+                          <a:latin typeface="Arial"/>
+                          <a:cs typeface="Arial"/>
+                        </a:rPr>
+                        <a:t>p=3e-7</a:t>
+                      </a:r>
+                      <a:endParaRPr lang="nb-NO" sz="1800" baseline="0" dirty="0" smtClean="0">
+                        <a:latin typeface="Arial"/>
+                        <a:cs typeface="Arial"/>
+                      </a:endParaRPr>
+                    </a:p>
+                  </a:txBody>
+                  <a:tcPr marL="128070" marR="128070" marT="44825" marB="44825"/>
+                </a:tc>
+                <a:tc>
+                  <a:txBody>
+                    <a:bodyPr/>
+                    <a:lstStyle/>
+                    <a:p>
+                      <a:r>
+                        <a:rPr lang="nb-NO" sz="1800" b="1" dirty="0" smtClean="0">
+                          <a:latin typeface="Arial"/>
+                          <a:cs typeface="Arial"/>
+                        </a:rPr>
+                        <a:t>CS</a:t>
+                      </a:r>
+                      <a:r>
+                        <a:rPr lang="nb-NO" sz="1800" b="1" baseline="0" dirty="0" smtClean="0">
+                          <a:latin typeface="Arial"/>
+                          <a:cs typeface="Arial"/>
+                        </a:rPr>
+                        <a:t> SUVR</a:t>
+                      </a:r>
+                      <a:r>
+                        <a:rPr lang="en-US" sz="1800" dirty="0" smtClean="0">
+                          <a:latin typeface="Arial"/>
+                          <a:cs typeface="Arial"/>
+                        </a:rPr>
+                        <a:t>: ***</a:t>
+                      </a:r>
+                      <a:endParaRPr lang="en-US" sz="1800" dirty="0" smtClean="0">
+                        <a:latin typeface="Arial"/>
+                        <a:cs typeface="Arial"/>
+                      </a:endParaRPr>
+                    </a:p>
+                    <a:p>
+                      <a:r>
+                        <a:rPr lang="el-GR" sz="1800" dirty="0" smtClean="0">
+                          <a:latin typeface="Arial"/>
+                          <a:cs typeface="Arial"/>
+                        </a:rPr>
+                        <a:t>β</a:t>
+                      </a:r>
+                      <a:r>
+                        <a:rPr lang="en-US" sz="1800" dirty="0" smtClean="0">
+                          <a:latin typeface="Arial"/>
+                          <a:cs typeface="Arial"/>
+                        </a:rPr>
+                        <a:t>=</a:t>
+                      </a:r>
+                      <a:r>
+                        <a:rPr lang="pl-PL" sz="1800" baseline="0" dirty="0" smtClean="0">
+                          <a:latin typeface="Arial"/>
+                          <a:cs typeface="Arial"/>
+                        </a:rPr>
+                        <a:t>8.98, </a:t>
+                      </a:r>
+                      <a:r>
+                        <a:rPr lang="en-US" sz="1800" dirty="0" smtClean="0">
+                          <a:latin typeface="Arial"/>
+                          <a:cs typeface="Arial"/>
+                        </a:rPr>
+                        <a:t>p&lt;2e-16</a:t>
+                      </a:r>
+                    </a:p>
+                  </a:txBody>
+                  <a:tcPr marL="128070" marR="128070" marT="44825" marB="44825"/>
+                </a:tc>
+              </a:tr>
+              <a:tr h="379431">
+                <a:tc>
+                  <a:txBody>
+                    <a:bodyPr/>
+                    <a:lstStyle/>
+                    <a:p>
+                      <a:r>
+                        <a:rPr lang="en-US" sz="1800" dirty="0" smtClean="0">
+                          <a:latin typeface="Arial"/>
+                          <a:cs typeface="Arial"/>
+                        </a:rPr>
+                        <a:t>R</a:t>
+                      </a:r>
+                      <a:r>
+                        <a:rPr lang="en-US" sz="1800" baseline="30000" dirty="0" smtClean="0">
+                          <a:latin typeface="Arial"/>
+                          <a:cs typeface="Arial"/>
+                        </a:rPr>
+                        <a:t>2</a:t>
+                      </a:r>
+                      <a:endParaRPr lang="en-US" sz="1800" baseline="30000" dirty="0">
+                        <a:latin typeface="Arial"/>
+                        <a:cs typeface="Arial"/>
+                      </a:endParaRPr>
+                    </a:p>
+                  </a:txBody>
+                  <a:tcPr marL="128070" marR="128070" marT="44825" marB="44825"/>
+                </a:tc>
+                <a:tc>
+                  <a:txBody>
+                    <a:bodyPr/>
+                    <a:lstStyle/>
+                    <a:p>
+                      <a:r>
+                        <a:rPr lang="nb-NO" sz="1800" baseline="0" dirty="0" smtClean="0">
+                          <a:latin typeface="Arial"/>
+                          <a:cs typeface="Arial"/>
+                        </a:rPr>
+                        <a:t>0.055</a:t>
+                      </a:r>
+                    </a:p>
+                  </a:txBody>
+                  <a:tcPr marL="128070" marR="128070" marT="44825" marB="44825"/>
+                </a:tc>
+                <a:tc>
+                  <a:txBody>
+                    <a:bodyPr/>
+                    <a:lstStyle/>
+                    <a:p>
+                      <a:r>
+                        <a:rPr lang="nb-NO" sz="1800" baseline="0" dirty="0" smtClean="0">
+                          <a:latin typeface="Arial"/>
+                          <a:cs typeface="Arial"/>
+                        </a:rPr>
+                        <a:t>0.059</a:t>
+                      </a:r>
+                    </a:p>
+                  </a:txBody>
+                  <a:tcPr marL="128070" marR="128070" marT="44825" marB="44825"/>
+                </a:tc>
+                <a:tc>
+                  <a:txBody>
+                    <a:bodyPr/>
+                    <a:lstStyle/>
+                    <a:p>
+                      <a:r>
+                        <a:rPr lang="en-US" sz="1800" dirty="0" smtClean="0">
+                          <a:latin typeface="Arial"/>
+                          <a:cs typeface="Arial"/>
+                        </a:rPr>
+                        <a:t>0.19</a:t>
+                      </a:r>
+                      <a:endParaRPr lang="en-US" sz="1800" dirty="0">
+                        <a:latin typeface="Arial"/>
+                        <a:cs typeface="Arial"/>
+                      </a:endParaRPr>
+                    </a:p>
+                  </a:txBody>
+                  <a:tcPr marL="128070" marR="128070" marT="44825" marB="44825"/>
+                </a:tc>
+                <a:tc>
+                  <a:txBody>
+                    <a:bodyPr/>
+                    <a:lstStyle/>
+                    <a:p>
+                      <a:r>
+                        <a:rPr lang="en-US" sz="1800" dirty="0" smtClean="0">
+                          <a:latin typeface="Arial"/>
+                          <a:cs typeface="Arial"/>
+                        </a:rPr>
+                        <a:t>0.17</a:t>
+                      </a:r>
+                      <a:endParaRPr lang="en-US" sz="1800" dirty="0">
+                        <a:latin typeface="Arial"/>
+                        <a:cs typeface="Arial"/>
+                      </a:endParaRPr>
+                    </a:p>
+                  </a:txBody>
+                  <a:tcPr marL="128070" marR="128070" marT="44825" marB="44825"/>
+                </a:tc>
+              </a:tr>
+              <a:tr h="363579">
+                <a:tc>
+                  <a:txBody>
+                    <a:bodyPr/>
+                    <a:lstStyle/>
+                    <a:p>
+                      <a:r>
+                        <a:rPr lang="en-US" sz="1800" dirty="0" smtClean="0">
+                          <a:latin typeface="Arial"/>
+                          <a:cs typeface="Arial"/>
+                        </a:rPr>
+                        <a:t>Adj.</a:t>
+                      </a:r>
+                      <a:r>
+                        <a:rPr lang="en-US" sz="1800" baseline="0" dirty="0" smtClean="0">
+                          <a:latin typeface="Arial"/>
+                          <a:cs typeface="Arial"/>
+                        </a:rPr>
+                        <a:t> R</a:t>
+                      </a:r>
+                      <a:r>
+                        <a:rPr lang="en-US" sz="1800" baseline="30000" dirty="0" smtClean="0">
+                          <a:latin typeface="Arial"/>
+                          <a:cs typeface="Arial"/>
+                        </a:rPr>
+                        <a:t>2</a:t>
+                      </a:r>
+                      <a:endParaRPr lang="en-US" sz="1800" baseline="30000" dirty="0">
+                        <a:latin typeface="Arial"/>
+                        <a:cs typeface="Arial"/>
+                      </a:endParaRPr>
+                    </a:p>
+                  </a:txBody>
+                  <a:tcPr marL="128070" marR="128070" marT="44825" marB="44825"/>
+                </a:tc>
+                <a:tc>
+                  <a:txBody>
+                    <a:bodyPr/>
+                    <a:lstStyle/>
+                    <a:p>
+                      <a:r>
+                        <a:rPr lang="en-US" sz="1800" dirty="0" smtClean="0">
+                          <a:latin typeface="Arial"/>
+                          <a:cs typeface="Arial"/>
+                        </a:rPr>
+                        <a:t>0.054</a:t>
+                      </a:r>
+                      <a:endParaRPr lang="en-US" sz="1800" dirty="0">
+                        <a:latin typeface="Arial"/>
+                        <a:cs typeface="Arial"/>
+                      </a:endParaRPr>
+                    </a:p>
+                  </a:txBody>
+                  <a:tcPr marL="128070" marR="128070" marT="44825" marB="44825"/>
+                </a:tc>
+                <a:tc>
+                  <a:txBody>
+                    <a:bodyPr/>
+                    <a:lstStyle/>
+                    <a:p>
+                      <a:r>
+                        <a:rPr lang="en-US" sz="1800" dirty="0" smtClean="0">
+                          <a:latin typeface="Arial"/>
+                          <a:cs typeface="Arial"/>
+                        </a:rPr>
+                        <a:t>0.056</a:t>
+                      </a:r>
+                      <a:endParaRPr lang="en-US" sz="1800" dirty="0">
+                        <a:latin typeface="Arial"/>
+                        <a:cs typeface="Arial"/>
+                      </a:endParaRPr>
+                    </a:p>
+                  </a:txBody>
+                  <a:tcPr marL="128070" marR="128070" marT="44825" marB="44825"/>
+                </a:tc>
+                <a:tc>
+                  <a:txBody>
+                    <a:bodyPr/>
+                    <a:lstStyle/>
+                    <a:p>
+                      <a:r>
+                        <a:rPr lang="nb-NO" sz="1800" dirty="0" smtClean="0">
+                          <a:latin typeface="Arial"/>
+                          <a:cs typeface="Arial"/>
+                        </a:rPr>
+                        <a:t>0.19</a:t>
+                      </a:r>
+                      <a:endParaRPr lang="en-US" sz="1800" dirty="0">
+                        <a:latin typeface="Arial"/>
+                        <a:cs typeface="Arial"/>
+                      </a:endParaRPr>
+                    </a:p>
+                  </a:txBody>
+                  <a:tcPr marL="128070" marR="128070" marT="44825" marB="44825"/>
+                </a:tc>
+                <a:tc>
+                  <a:txBody>
+                    <a:bodyPr/>
+                    <a:lstStyle/>
+                    <a:p>
+                      <a:r>
+                        <a:rPr lang="en-US" sz="1800" dirty="0" smtClean="0">
+                          <a:latin typeface="Arial"/>
+                          <a:cs typeface="Arial"/>
+                        </a:rPr>
+                        <a:t>0.17</a:t>
+                      </a:r>
+                      <a:endParaRPr lang="en-US" sz="1800" dirty="0">
+                        <a:latin typeface="Arial"/>
+                        <a:cs typeface="Arial"/>
+                      </a:endParaRPr>
+                    </a:p>
+                  </a:txBody>
+                  <a:tcPr marL="128070" marR="128070" marT="44825" marB="44825"/>
+                </a:tc>
+              </a:tr>
+              <a:tr h="386280">
+                <a:tc>
+                  <a:txBody>
+                    <a:bodyPr/>
+                    <a:lstStyle/>
+                    <a:p>
+                      <a:r>
+                        <a:rPr lang="en-US" sz="1800" dirty="0" smtClean="0">
+                          <a:latin typeface="Arial"/>
+                          <a:cs typeface="Arial"/>
+                        </a:rPr>
+                        <a:t>R</a:t>
+                      </a:r>
+                      <a:r>
+                        <a:rPr lang="en-US" sz="1800" baseline="30000" dirty="0" smtClean="0">
+                          <a:latin typeface="Arial"/>
+                          <a:cs typeface="Arial"/>
+                        </a:rPr>
+                        <a:t>2</a:t>
+                      </a:r>
+                      <a:r>
+                        <a:rPr lang="en-US" sz="1800" baseline="0" dirty="0" smtClean="0">
+                          <a:latin typeface="Arial"/>
+                          <a:cs typeface="Arial"/>
+                        </a:rPr>
+                        <a:t> Shrinkage</a:t>
+                      </a:r>
+                      <a:endParaRPr lang="en-US" sz="1800" dirty="0">
+                        <a:latin typeface="Arial"/>
+                        <a:cs typeface="Arial"/>
+                      </a:endParaRPr>
+                    </a:p>
+                  </a:txBody>
+                  <a:tcPr marL="128070" marR="128070" marT="44825" marB="44825"/>
+                </a:tc>
+                <a:tc>
+                  <a:txBody>
+                    <a:bodyPr/>
+                    <a:lstStyle/>
+                    <a:p>
+                      <a:r>
+                        <a:rPr lang="en-US" sz="1800" dirty="0" smtClean="0">
+                          <a:latin typeface="Arial"/>
+                          <a:cs typeface="Arial"/>
+                        </a:rPr>
+                        <a:t>0.048</a:t>
+                      </a:r>
+                      <a:endParaRPr lang="en-US" sz="1800" dirty="0">
+                        <a:latin typeface="Arial"/>
+                        <a:cs typeface="Arial"/>
+                      </a:endParaRPr>
+                    </a:p>
+                  </a:txBody>
+                  <a:tcPr marL="128070" marR="128070" marT="44825" marB="44825"/>
+                </a:tc>
+                <a:tc>
+                  <a:txBody>
+                    <a:bodyPr/>
+                    <a:lstStyle/>
+                    <a:p>
+                      <a:r>
+                        <a:rPr lang="en-US" sz="1800" dirty="0" smtClean="0">
+                          <a:latin typeface="Arial"/>
+                          <a:cs typeface="Arial"/>
+                        </a:rPr>
+                        <a:t>0.045</a:t>
+                      </a:r>
+                      <a:endParaRPr lang="en-US" sz="1800" dirty="0">
+                        <a:latin typeface="Arial"/>
+                        <a:cs typeface="Arial"/>
+                      </a:endParaRPr>
+                    </a:p>
+                  </a:txBody>
+                  <a:tcPr marL="128070" marR="128070" marT="44825" marB="44825"/>
+                </a:tc>
+                <a:tc>
+                  <a:txBody>
+                    <a:bodyPr/>
+                    <a:lstStyle/>
+                    <a:p>
+                      <a:r>
+                        <a:rPr lang="en-US" sz="1800" dirty="0" smtClean="0">
+                          <a:latin typeface="Arial"/>
+                          <a:cs typeface="Arial"/>
+                        </a:rPr>
+                        <a:t>0.18</a:t>
+                      </a:r>
+                      <a:endParaRPr lang="en-US" sz="1800" dirty="0">
+                        <a:latin typeface="Arial"/>
+                        <a:cs typeface="Arial"/>
+                      </a:endParaRPr>
+                    </a:p>
+                  </a:txBody>
+                  <a:tcPr marL="128070" marR="128070" marT="44825" marB="44825"/>
+                </a:tc>
+                <a:tc>
+                  <a:txBody>
+                    <a:bodyPr/>
+                    <a:lstStyle/>
+                    <a:p>
+                      <a:r>
+                        <a:rPr lang="en-US" sz="1800" dirty="0" smtClean="0">
+                          <a:latin typeface="Arial"/>
+                          <a:cs typeface="Arial"/>
+                        </a:rPr>
+                        <a:t>0.16</a:t>
+                      </a:r>
+                      <a:endParaRPr lang="en-US" sz="1800" dirty="0">
+                        <a:latin typeface="Arial"/>
+                        <a:cs typeface="Arial"/>
+                      </a:endParaRPr>
+                    </a:p>
+                  </a:txBody>
+                  <a:tcPr marL="128070" marR="128070" marT="44825" marB="44825"/>
+                </a:tc>
+              </a:tr>
+              <a:tr h="746110">
+                <a:tc>
+                  <a:txBody>
+                    <a:bodyPr/>
+                    <a:lstStyle/>
+                    <a:p>
+                      <a:r>
+                        <a:rPr lang="en-US" sz="1800" dirty="0" smtClean="0">
+                          <a:latin typeface="Arial"/>
+                          <a:cs typeface="Arial"/>
+                        </a:rPr>
+                        <a:t>Likelihood</a:t>
+                      </a:r>
+                      <a:r>
+                        <a:rPr lang="en-US" sz="1800" baseline="0" dirty="0" smtClean="0">
+                          <a:latin typeface="Arial"/>
+                          <a:cs typeface="Arial"/>
+                        </a:rPr>
+                        <a:t> ratio test</a:t>
+                      </a:r>
+                      <a:endParaRPr lang="en-US" sz="1800" dirty="0">
+                        <a:latin typeface="Arial"/>
+                        <a:cs typeface="Arial"/>
+                      </a:endParaRPr>
+                    </a:p>
+                  </a:txBody>
+                  <a:tcPr marL="128070" marR="128070" marT="44825" marB="44825"/>
+                </a:tc>
+                <a:tc>
+                  <a:txBody>
+                    <a:bodyPr/>
+                    <a:lstStyle/>
+                    <a:p>
+                      <a:r>
+                        <a:rPr lang="pt-BR" sz="1800" dirty="0" err="1" smtClean="0">
+                          <a:latin typeface="Arial"/>
+                          <a:cs typeface="Arial"/>
+                        </a:rPr>
+                        <a:t>F</a:t>
+                      </a:r>
+                      <a:r>
+                        <a:rPr lang="pt-BR" sz="1800" dirty="0" smtClean="0">
+                          <a:latin typeface="Arial"/>
+                          <a:cs typeface="Arial"/>
+                        </a:rPr>
+                        <a:t> = 35.9,</a:t>
+                      </a:r>
+                    </a:p>
+                    <a:p>
+                      <a:r>
+                        <a:rPr lang="pt-BR" sz="1800" dirty="0" err="1" smtClean="0">
+                          <a:latin typeface="Arial"/>
+                          <a:cs typeface="Arial"/>
+                        </a:rPr>
+                        <a:t>p</a:t>
+                      </a:r>
+                      <a:r>
+                        <a:rPr lang="pt-BR" sz="1800" dirty="0" smtClean="0">
+                          <a:latin typeface="Arial"/>
+                          <a:cs typeface="Arial"/>
+                        </a:rPr>
+                        <a:t>&lt;</a:t>
+                      </a:r>
+                      <a:r>
+                        <a:rPr lang="en-US" sz="1800" dirty="0" smtClean="0">
+                          <a:latin typeface="Arial"/>
+                          <a:cs typeface="Arial"/>
+                        </a:rPr>
+                        <a:t>3e-</a:t>
+                      </a:r>
+                      <a:r>
+                        <a:rPr lang="en-US" sz="1800" dirty="0" smtClean="0">
+                          <a:latin typeface="Arial"/>
+                          <a:cs typeface="Arial"/>
+                        </a:rPr>
+                        <a:t>9 ***</a:t>
+                      </a:r>
+                      <a:endParaRPr lang="en-US" sz="1800" dirty="0">
+                        <a:latin typeface="Arial"/>
+                        <a:cs typeface="Arial"/>
+                      </a:endParaRPr>
+                    </a:p>
+                  </a:txBody>
+                  <a:tcPr marL="128070" marR="128070" marT="44825" marB="44825"/>
+                </a:tc>
+                <a:tc>
+                  <a:txBody>
+                    <a:bodyPr/>
+                    <a:lstStyle/>
+                    <a:p>
+                      <a:r>
+                        <a:rPr lang="hr-HR" sz="1800" dirty="0" smtClean="0">
+                          <a:latin typeface="Arial"/>
+                          <a:cs typeface="Arial"/>
+                        </a:rPr>
+                        <a:t>F = 19.2,</a:t>
+                      </a:r>
+                    </a:p>
+                    <a:p>
+                      <a:r>
+                        <a:rPr lang="en-US" sz="1800" dirty="0" smtClean="0">
+                          <a:latin typeface="Arial"/>
+                          <a:cs typeface="Arial"/>
+                        </a:rPr>
+                        <a:t>p</a:t>
+                      </a:r>
+                      <a:r>
+                        <a:rPr lang="hr-HR" sz="1800" dirty="0" smtClean="0">
+                          <a:latin typeface="Arial"/>
+                          <a:cs typeface="Arial"/>
+                        </a:rPr>
+                        <a:t>&lt;</a:t>
+                      </a:r>
+                      <a:r>
+                        <a:rPr lang="pt-BR" sz="1800" dirty="0" smtClean="0">
+                          <a:latin typeface="Arial"/>
+                          <a:cs typeface="Arial"/>
+                        </a:rPr>
+                        <a:t>8e-</a:t>
+                      </a:r>
+                      <a:r>
+                        <a:rPr lang="pt-BR" sz="1800" dirty="0" smtClean="0">
+                          <a:latin typeface="Arial"/>
+                          <a:cs typeface="Arial"/>
+                        </a:rPr>
+                        <a:t>9 ***</a:t>
+                      </a:r>
+                      <a:endParaRPr lang="en-US" sz="1800" dirty="0">
+                        <a:latin typeface="Arial"/>
+                        <a:cs typeface="Arial"/>
+                      </a:endParaRPr>
+                    </a:p>
+                  </a:txBody>
+                  <a:tcPr marL="128070" marR="128070" marT="44825" marB="44825"/>
+                </a:tc>
+                <a:tc>
+                  <a:txBody>
+                    <a:bodyPr/>
+                    <a:lstStyle/>
+                    <a:p>
+                      <a:r>
+                        <a:rPr lang="en-US" sz="1800" dirty="0" smtClean="0">
+                          <a:latin typeface="Arial"/>
+                          <a:cs typeface="Arial"/>
+                        </a:rPr>
+                        <a:t>F = </a:t>
+                      </a:r>
+                      <a:r>
+                        <a:rPr lang="hr-HR" sz="1800" dirty="0" smtClean="0">
+                          <a:latin typeface="Arial"/>
+                          <a:cs typeface="Arial"/>
+                        </a:rPr>
+                        <a:t>60.1</a:t>
+                      </a:r>
+                      <a:r>
+                        <a:rPr lang="en-US" sz="1800" dirty="0" smtClean="0">
+                          <a:latin typeface="Arial"/>
+                          <a:cs typeface="Arial"/>
+                        </a:rPr>
+                        <a:t>,</a:t>
+                      </a:r>
+                    </a:p>
+                    <a:p>
+                      <a:r>
+                        <a:rPr lang="en-US" sz="1800" dirty="0" smtClean="0">
+                          <a:latin typeface="Arial"/>
+                          <a:cs typeface="Arial"/>
+                        </a:rPr>
+                        <a:t>p&lt;2.2e-</a:t>
+                      </a:r>
+                      <a:r>
+                        <a:rPr lang="en-US" sz="1800" dirty="0" smtClean="0">
+                          <a:latin typeface="Arial"/>
+                          <a:cs typeface="Arial"/>
+                        </a:rPr>
+                        <a:t>16 ***</a:t>
+                      </a:r>
+                      <a:endParaRPr lang="en-US" sz="1800" dirty="0">
+                        <a:latin typeface="Arial"/>
+                        <a:cs typeface="Arial"/>
+                      </a:endParaRPr>
+                    </a:p>
+                  </a:txBody>
+                  <a:tcPr marL="128070" marR="128070" marT="44825" marB="44825"/>
+                </a:tc>
+                <a:tc>
+                  <a:txBody>
+                    <a:bodyPr/>
+                    <a:lstStyle/>
+                    <a:p>
+                      <a:r>
+                        <a:rPr lang="pt-BR" sz="1800" dirty="0" err="1" smtClean="0">
+                          <a:latin typeface="Arial"/>
+                          <a:cs typeface="Arial"/>
+                        </a:rPr>
+                        <a:t>F</a:t>
+                      </a:r>
+                      <a:r>
+                        <a:rPr lang="pt-BR" sz="1800" dirty="0" smtClean="0">
+                          <a:latin typeface="Arial"/>
+                          <a:cs typeface="Arial"/>
+                        </a:rPr>
+                        <a:t> = </a:t>
+                      </a:r>
+                      <a:r>
+                        <a:rPr lang="hr-HR" sz="1800" dirty="0" smtClean="0">
+                          <a:latin typeface="Arial"/>
+                          <a:cs typeface="Arial"/>
+                        </a:rPr>
+                        <a:t>107.7</a:t>
+                      </a:r>
+                      <a:r>
+                        <a:rPr lang="pt-BR" sz="1800" dirty="0" smtClean="0">
+                          <a:latin typeface="Arial"/>
+                          <a:cs typeface="Arial"/>
+                        </a:rPr>
+                        <a:t>,</a:t>
+                      </a:r>
+                    </a:p>
+                    <a:p>
+                      <a:r>
+                        <a:rPr lang="pt-BR" sz="1800" dirty="0" err="1" smtClean="0">
+                          <a:latin typeface="Arial"/>
+                          <a:cs typeface="Arial"/>
+                        </a:rPr>
+                        <a:t>p</a:t>
+                      </a:r>
+                      <a:r>
+                        <a:rPr lang="pt-BR" sz="1800" dirty="0" smtClean="0">
+                          <a:latin typeface="Arial"/>
+                          <a:cs typeface="Arial"/>
+                        </a:rPr>
+                        <a:t>&lt;</a:t>
+                      </a:r>
+                      <a:r>
+                        <a:rPr lang="is-IS" sz="1800" dirty="0" smtClean="0">
+                          <a:latin typeface="Arial"/>
+                          <a:cs typeface="Arial"/>
+                        </a:rPr>
+                        <a:t>2.2e-</a:t>
+                      </a:r>
+                      <a:r>
+                        <a:rPr lang="is-IS" sz="1800" dirty="0" smtClean="0">
+                          <a:latin typeface="Arial"/>
+                          <a:cs typeface="Arial"/>
+                        </a:rPr>
+                        <a:t>16 ***</a:t>
+                      </a:r>
+                      <a:endParaRPr lang="en-US" sz="1800" dirty="0">
+                        <a:latin typeface="Arial"/>
+                        <a:cs typeface="Arial"/>
+                      </a:endParaRPr>
+                    </a:p>
+                  </a:txBody>
+                  <a:tcPr marL="128070" marR="128070" marT="44825" marB="44825"/>
+                </a:tc>
+              </a:tr>
+            </a:tbl>
+          </a:graphicData>
+        </a:graphic>
+      </p:graphicFrame>
+      <p:graphicFrame>
+        <p:nvGraphicFramePr>
+          <p:cNvPr id="107" name="Table 106"/>
+          <p:cNvGraphicFramePr>
+            <a:graphicFrameLocks noGrp="1"/>
+          </p:cNvGraphicFramePr>
+          <p:nvPr>
+            <p:extLst>
+              <p:ext uri="{D42A27DB-BD31-4B8C-83A1-F6EECF244321}">
+                <p14:modId xmlns:p14="http://schemas.microsoft.com/office/powerpoint/2010/main" val="1869645866"/>
+              </p:ext>
+            </p:extLst>
+          </p:nvPr>
+        </p:nvGraphicFramePr>
+        <p:xfrm>
+          <a:off x="30610337" y="10167310"/>
+          <a:ext cx="5432822" cy="4897754"/>
+        </p:xfrm>
+        <a:graphic>
+          <a:graphicData uri="http://schemas.openxmlformats.org/drawingml/2006/table">
+            <a:tbl>
+              <a:tblPr firstRow="1" bandRow="1">
+                <a:tableStyleId>{3B4B98B0-60AC-42C2-AFA5-B58CD77FA1E5}</a:tableStyleId>
+              </a:tblPr>
+              <a:tblGrid>
+                <a:gridCol w="1977863"/>
+                <a:gridCol w="1651000"/>
+                <a:gridCol w="1803959"/>
+              </a:tblGrid>
+              <a:tr h="993274">
+                <a:tc>
+                  <a:txBody>
+                    <a:bodyPr/>
+                    <a:lstStyle/>
+                    <a:p>
+                      <a:pPr algn="ctr"/>
+                      <a:r>
+                        <a:rPr lang="en-US" sz="2200" b="1" baseline="30000" dirty="0" smtClean="0">
+                          <a:latin typeface="Arial"/>
+                        </a:rPr>
+                        <a:t>18</a:t>
+                      </a:r>
+                      <a:r>
+                        <a:rPr lang="en-US" sz="2200" b="1" dirty="0" smtClean="0">
+                          <a:latin typeface="Arial"/>
+                        </a:rPr>
+                        <a:t>F-AV-1451 LARS Results</a:t>
+                      </a:r>
+                    </a:p>
+                  </a:txBody>
+                  <a:tcPr marL="208023" marR="208023" marT="72808" marB="72808"/>
+                </a:tc>
+                <a:tc>
+                  <a:txBody>
+                    <a:bodyPr/>
+                    <a:lstStyle/>
+                    <a:p>
+                      <a:r>
+                        <a:rPr lang="en-US" sz="1800" dirty="0" smtClean="0">
+                          <a:latin typeface="Arial"/>
+                          <a:cs typeface="Arial"/>
+                        </a:rPr>
+                        <a:t>ADAS-Cog</a:t>
+                      </a:r>
+                      <a:r>
+                        <a:rPr lang="en-US" sz="1800" baseline="0" dirty="0" smtClean="0">
+                          <a:latin typeface="Arial"/>
+                          <a:cs typeface="Arial"/>
+                        </a:rPr>
+                        <a:t> (</a:t>
+                      </a:r>
+                      <a:r>
+                        <a:rPr lang="en-US" sz="1800" dirty="0" smtClean="0">
+                          <a:latin typeface="Arial"/>
+                          <a:cs typeface="Arial"/>
+                        </a:rPr>
+                        <a:t>Factors, n=60</a:t>
+                      </a:r>
+                      <a:r>
+                        <a:rPr lang="en-US" sz="1800" dirty="0" smtClean="0">
+                          <a:latin typeface="Arial"/>
+                          <a:cs typeface="Arial"/>
+                        </a:rPr>
+                        <a:t>)</a:t>
+                      </a:r>
+                      <a:endParaRPr lang="en-US" sz="1800" dirty="0" smtClean="0">
+                        <a:latin typeface="Arial"/>
+                        <a:cs typeface="Arial"/>
+                      </a:endParaRPr>
+                    </a:p>
+                  </a:txBody>
+                  <a:tcPr marL="208023" marR="208023" marT="72808" marB="72808"/>
+                </a:tc>
+                <a:tc>
+                  <a:txBody>
+                    <a:bodyPr/>
+                    <a:lstStyle/>
+                    <a:p>
+                      <a:r>
+                        <a:rPr lang="en-US" sz="1800" dirty="0" smtClean="0">
+                          <a:latin typeface="Arial"/>
+                          <a:cs typeface="Arial"/>
+                        </a:rPr>
+                        <a:t>ADAS-Cog (</a:t>
+                      </a:r>
+                      <a:r>
+                        <a:rPr lang="en-US" sz="1800" dirty="0" err="1" smtClean="0">
+                          <a:latin typeface="Arial"/>
+                          <a:cs typeface="Arial"/>
+                        </a:rPr>
+                        <a:t>Braak</a:t>
+                      </a:r>
+                      <a:r>
+                        <a:rPr lang="en-US" sz="1800" baseline="0" dirty="0" smtClean="0">
+                          <a:latin typeface="Arial"/>
+                          <a:cs typeface="Arial"/>
+                        </a:rPr>
+                        <a:t> SUVR</a:t>
+                      </a:r>
+                      <a:r>
+                        <a:rPr lang="en-US" sz="1800" dirty="0" smtClean="0">
+                          <a:latin typeface="Arial"/>
+                          <a:cs typeface="Arial"/>
+                        </a:rPr>
+                        <a:t>, </a:t>
+                      </a:r>
+                      <a:r>
+                        <a:rPr lang="en-US" sz="1800" dirty="0" smtClean="0">
+                          <a:latin typeface="Arial"/>
+                          <a:cs typeface="Arial"/>
+                        </a:rPr>
+                        <a:t>n=60)</a:t>
+                      </a:r>
+                      <a:endParaRPr lang="en-US" sz="1800" dirty="0">
+                        <a:latin typeface="Arial"/>
+                        <a:cs typeface="Arial"/>
+                      </a:endParaRPr>
+                    </a:p>
+                  </a:txBody>
+                  <a:tcPr marL="208023" marR="208023" marT="72808" marB="72808"/>
+                </a:tc>
+              </a:tr>
+              <a:tr h="1301513">
+                <a:tc>
+                  <a:txBody>
+                    <a:bodyPr/>
+                    <a:lstStyle/>
+                    <a:p>
+                      <a:r>
+                        <a:rPr lang="en-US" sz="1800" dirty="0" smtClean="0">
+                          <a:latin typeface="Arial"/>
+                          <a:cs typeface="Arial"/>
+                        </a:rPr>
+                        <a:t>Significant</a:t>
+                      </a:r>
+                      <a:r>
+                        <a:rPr lang="en-US" sz="1800" baseline="0" dirty="0" smtClean="0">
+                          <a:latin typeface="Arial"/>
+                          <a:cs typeface="Arial"/>
+                        </a:rPr>
+                        <a:t> predictors</a:t>
+                      </a:r>
+                      <a:endParaRPr lang="en-US" sz="1800" dirty="0">
+                        <a:latin typeface="Arial"/>
+                        <a:cs typeface="Arial"/>
+                      </a:endParaRPr>
+                    </a:p>
+                  </a:txBody>
+                  <a:tcPr marL="208023" marR="208023" marT="72808" marB="72808"/>
+                </a:tc>
+                <a:tc>
+                  <a:txBody>
+                    <a:bodyPr/>
+                    <a:lstStyle/>
+                    <a:p>
+                      <a:r>
+                        <a:rPr lang="en-US" sz="1800" b="1" dirty="0" smtClean="0">
+                          <a:latin typeface="Arial"/>
+                          <a:cs typeface="Arial"/>
+                        </a:rPr>
+                        <a:t>#0</a:t>
+                      </a:r>
+                      <a:r>
+                        <a:rPr lang="en-US" sz="1800" dirty="0" smtClean="0">
+                          <a:latin typeface="Arial"/>
+                          <a:cs typeface="Arial"/>
+                        </a:rPr>
+                        <a:t>: ***</a:t>
+                      </a:r>
+                      <a:endParaRPr lang="en-US" sz="1800" dirty="0" smtClean="0">
+                        <a:latin typeface="Arial"/>
+                        <a:cs typeface="Arial"/>
+                      </a:endParaRPr>
+                    </a:p>
+                    <a:p>
+                      <a:r>
+                        <a:rPr lang="el-GR" sz="1800" dirty="0" smtClean="0">
+                          <a:latin typeface="Arial"/>
+                          <a:cs typeface="Arial"/>
+                        </a:rPr>
+                        <a:t>β</a:t>
+                      </a:r>
+                      <a:r>
+                        <a:rPr lang="en-US" sz="1800" dirty="0" smtClean="0">
+                          <a:latin typeface="Arial"/>
+                          <a:cs typeface="Arial"/>
+                        </a:rPr>
+                        <a:t>=-4.6,</a:t>
+                      </a:r>
+                      <a:r>
+                        <a:rPr lang="en-US" sz="1800" baseline="0" dirty="0" smtClean="0">
+                          <a:latin typeface="Arial"/>
+                          <a:cs typeface="Arial"/>
+                        </a:rPr>
+                        <a:t> </a:t>
+                      </a:r>
+                      <a:r>
+                        <a:rPr lang="en-US" sz="1800" dirty="0" smtClean="0">
+                          <a:latin typeface="Arial"/>
+                          <a:cs typeface="Arial"/>
+                        </a:rPr>
+                        <a:t>p&lt;6e-</a:t>
+                      </a:r>
+                      <a:r>
+                        <a:rPr lang="en-US" sz="1800" dirty="0" smtClean="0">
+                          <a:latin typeface="Arial"/>
+                          <a:cs typeface="Arial"/>
+                        </a:rPr>
+                        <a:t>11</a:t>
+                      </a:r>
+                    </a:p>
+                    <a:p>
+                      <a:r>
+                        <a:rPr lang="en-US" sz="1800" b="1" dirty="0" smtClean="0">
+                          <a:latin typeface="Arial"/>
+                          <a:cs typeface="Arial"/>
+                        </a:rPr>
+                        <a:t>#9</a:t>
+                      </a:r>
+                      <a:r>
+                        <a:rPr lang="en-US" sz="1800" dirty="0" smtClean="0">
+                          <a:latin typeface="Arial"/>
+                          <a:cs typeface="Arial"/>
+                        </a:rPr>
+                        <a:t>:</a:t>
+                      </a:r>
+                    </a:p>
+                    <a:p>
+                      <a:r>
+                        <a:rPr lang="el-GR" sz="1800" dirty="0" smtClean="0">
+                          <a:latin typeface="Arial"/>
+                          <a:cs typeface="Arial"/>
+                        </a:rPr>
+                        <a:t>β</a:t>
+                      </a:r>
+                      <a:r>
+                        <a:rPr lang="en-US" sz="1800" dirty="0" smtClean="0">
+                          <a:latin typeface="Arial"/>
+                          <a:cs typeface="Arial"/>
+                        </a:rPr>
+                        <a:t>=0.92,</a:t>
+                      </a:r>
+                      <a:r>
+                        <a:rPr lang="en-US" sz="1800" baseline="0" dirty="0" smtClean="0">
+                          <a:latin typeface="Arial"/>
+                          <a:cs typeface="Arial"/>
+                        </a:rPr>
+                        <a:t> </a:t>
+                      </a:r>
+                      <a:r>
+                        <a:rPr lang="en-US" sz="1800" dirty="0" smtClean="0">
+                          <a:latin typeface="Arial"/>
+                          <a:cs typeface="Arial"/>
+                        </a:rPr>
+                        <a:t>p=0.3</a:t>
+                      </a:r>
+                      <a:endParaRPr lang="en-US" sz="1800" dirty="0" smtClean="0">
+                        <a:latin typeface="Arial"/>
+                        <a:cs typeface="Arial"/>
+                      </a:endParaRPr>
+                    </a:p>
+                  </a:txBody>
+                  <a:tcPr marL="208023" marR="208023" marT="72808" marB="72808"/>
+                </a:tc>
+                <a:tc>
+                  <a:txBody>
+                    <a:bodyPr/>
+                    <a:lstStyle/>
+                    <a:p>
+                      <a:r>
+                        <a:rPr lang="en-US" sz="1800" b="1" dirty="0" err="1" smtClean="0">
+                          <a:latin typeface="Arial"/>
+                          <a:cs typeface="Arial"/>
+                        </a:rPr>
+                        <a:t>Braak</a:t>
+                      </a:r>
+                      <a:r>
+                        <a:rPr lang="en-US" sz="1800" b="1" dirty="0" smtClean="0">
+                          <a:latin typeface="Arial"/>
+                          <a:cs typeface="Arial"/>
+                        </a:rPr>
+                        <a:t> V</a:t>
+                      </a:r>
+                      <a:r>
+                        <a:rPr lang="en-US" sz="1800" b="0" dirty="0" smtClean="0">
+                          <a:latin typeface="Arial"/>
+                          <a:cs typeface="Arial"/>
+                        </a:rPr>
+                        <a:t>: ***</a:t>
+                      </a:r>
+                      <a:endParaRPr lang="en-US" sz="1800" b="0" dirty="0" smtClean="0">
+                        <a:latin typeface="Arial"/>
+                        <a:cs typeface="Arial"/>
+                      </a:endParaRPr>
+                    </a:p>
+                    <a:p>
+                      <a:pPr marL="0" marR="0" indent="0" algn="l" defTabSz="457200" rtl="0" eaLnBrk="1" fontAlgn="auto" latinLnBrk="0" hangingPunct="1">
+                        <a:lnSpc>
+                          <a:spcPct val="100000"/>
+                        </a:lnSpc>
+                        <a:spcBef>
+                          <a:spcPts val="0"/>
+                        </a:spcBef>
+                        <a:spcAft>
+                          <a:spcPts val="0"/>
+                        </a:spcAft>
+                        <a:buClrTx/>
+                        <a:buSzTx/>
+                        <a:buFontTx/>
+                        <a:buNone/>
+                        <a:tabLst/>
+                        <a:defRPr/>
+                      </a:pPr>
+                      <a:r>
+                        <a:rPr lang="el-GR" sz="1800" dirty="0" smtClean="0">
+                          <a:latin typeface="Arial"/>
+                          <a:cs typeface="Arial"/>
+                        </a:rPr>
+                        <a:t>β</a:t>
+                      </a:r>
+                      <a:r>
+                        <a:rPr lang="en-US" sz="1800" dirty="0" smtClean="0">
+                          <a:latin typeface="Arial"/>
+                          <a:cs typeface="Arial"/>
+                        </a:rPr>
+                        <a:t>=</a:t>
+                      </a:r>
+                      <a:r>
+                        <a:rPr lang="en-US" sz="1800" baseline="0" dirty="0" smtClean="0">
+                          <a:latin typeface="Arial"/>
+                          <a:cs typeface="Arial"/>
+                        </a:rPr>
+                        <a:t>29.2, p=8e-4</a:t>
+                      </a:r>
+                      <a:endParaRPr lang="nb-NO" sz="1800" baseline="0" dirty="0" smtClean="0">
+                        <a:latin typeface="Arial"/>
+                        <a:cs typeface="Arial"/>
+                      </a:endParaRPr>
+                    </a:p>
+                    <a:p>
+                      <a:r>
+                        <a:rPr lang="en-US" sz="1800" b="1" dirty="0" err="1" smtClean="0">
+                          <a:latin typeface="Arial"/>
+                          <a:cs typeface="Arial"/>
+                        </a:rPr>
+                        <a:t>Braak</a:t>
+                      </a:r>
+                      <a:r>
+                        <a:rPr lang="en-US" sz="1800" b="1" dirty="0" smtClean="0">
+                          <a:latin typeface="Arial"/>
+                          <a:cs typeface="Arial"/>
+                        </a:rPr>
+                        <a:t> III</a:t>
+                      </a:r>
+                      <a:r>
+                        <a:rPr lang="en-US" sz="1800" b="0" dirty="0" smtClean="0">
+                          <a:latin typeface="Arial"/>
+                          <a:cs typeface="Arial"/>
+                        </a:rPr>
+                        <a:t>:</a:t>
+                      </a:r>
+                    </a:p>
+                    <a:p>
+                      <a:pPr marL="0" marR="0" indent="0" algn="l" defTabSz="457200" rtl="0" eaLnBrk="1" fontAlgn="auto" latinLnBrk="0" hangingPunct="1">
+                        <a:lnSpc>
+                          <a:spcPct val="100000"/>
+                        </a:lnSpc>
+                        <a:spcBef>
+                          <a:spcPts val="0"/>
+                        </a:spcBef>
+                        <a:spcAft>
+                          <a:spcPts val="0"/>
+                        </a:spcAft>
+                        <a:buClrTx/>
+                        <a:buSzTx/>
+                        <a:buFontTx/>
+                        <a:buNone/>
+                        <a:tabLst/>
+                        <a:defRPr/>
+                      </a:pPr>
+                      <a:r>
+                        <a:rPr lang="el-GR" sz="1800" dirty="0" smtClean="0">
+                          <a:latin typeface="Arial"/>
+                          <a:cs typeface="Arial"/>
+                        </a:rPr>
+                        <a:t>β</a:t>
+                      </a:r>
+                      <a:r>
+                        <a:rPr lang="en-US" sz="1800" dirty="0" smtClean="0">
+                          <a:latin typeface="Arial"/>
+                          <a:cs typeface="Arial"/>
+                        </a:rPr>
+                        <a:t>=</a:t>
+                      </a:r>
+                      <a:r>
+                        <a:rPr lang="en-US" sz="1800" baseline="0" dirty="0" smtClean="0">
+                          <a:latin typeface="Arial"/>
+                          <a:cs typeface="Arial"/>
+                        </a:rPr>
+                        <a:t>-5.5, p</a:t>
+                      </a:r>
+                      <a:r>
+                        <a:rPr lang="en-US" sz="1800" baseline="0" dirty="0" smtClean="0">
+                          <a:latin typeface="Arial"/>
+                          <a:cs typeface="Arial"/>
+                        </a:rPr>
+                        <a:t>=0.47</a:t>
+                      </a:r>
+                      <a:endParaRPr lang="nb-NO" sz="1800" baseline="0" dirty="0" smtClean="0">
+                        <a:latin typeface="Arial"/>
+                        <a:cs typeface="Arial"/>
+                      </a:endParaRPr>
+                    </a:p>
+                  </a:txBody>
+                  <a:tcPr marL="208023" marR="208023" marT="72808" marB="72808"/>
+                </a:tc>
+              </a:tr>
+              <a:tr h="381232">
+                <a:tc>
+                  <a:txBody>
+                    <a:bodyPr/>
+                    <a:lstStyle/>
+                    <a:p>
+                      <a:r>
+                        <a:rPr lang="en-US" sz="1800" dirty="0" smtClean="0">
+                          <a:latin typeface="Arial"/>
+                          <a:cs typeface="Arial"/>
+                        </a:rPr>
+                        <a:t>R</a:t>
+                      </a:r>
+                      <a:r>
+                        <a:rPr lang="en-US" sz="1800" baseline="30000" dirty="0" smtClean="0">
+                          <a:latin typeface="Arial"/>
+                          <a:cs typeface="Arial"/>
+                        </a:rPr>
+                        <a:t>2</a:t>
+                      </a:r>
+                      <a:endParaRPr lang="en-US" sz="1800" baseline="30000" dirty="0">
+                        <a:latin typeface="Arial"/>
+                        <a:cs typeface="Arial"/>
+                      </a:endParaRPr>
+                    </a:p>
+                  </a:txBody>
+                  <a:tcPr marL="208023" marR="208023" marT="72808" marB="72808"/>
+                </a:tc>
+                <a:tc>
+                  <a:txBody>
+                    <a:bodyPr/>
+                    <a:lstStyle/>
+                    <a:p>
+                      <a:r>
+                        <a:rPr lang="pt-BR" sz="1800" dirty="0" smtClean="0">
+                          <a:latin typeface="Arial"/>
+                          <a:cs typeface="Arial"/>
+                        </a:rPr>
+                        <a:t>0.53</a:t>
+                      </a:r>
+                      <a:endParaRPr lang="pt-BR" sz="1800" dirty="0" smtClean="0">
+                        <a:latin typeface="Arial"/>
+                        <a:cs typeface="Arial"/>
+                      </a:endParaRPr>
+                    </a:p>
+                  </a:txBody>
+                  <a:tcPr marL="208023" marR="208023" marT="72808" marB="72808"/>
+                </a:tc>
+                <a:tc>
+                  <a:txBody>
+                    <a:bodyPr/>
+                    <a:lstStyle/>
+                    <a:p>
+                      <a:r>
+                        <a:rPr lang="en-US" sz="1800" b="0" dirty="0" smtClean="0">
+                          <a:latin typeface="Arial"/>
+                          <a:cs typeface="Arial"/>
+                        </a:rPr>
+                        <a:t>0.34</a:t>
+                      </a:r>
+                      <a:endParaRPr lang="en-US" sz="1800" b="0" dirty="0">
+                        <a:latin typeface="Arial"/>
+                        <a:cs typeface="Arial"/>
+                      </a:endParaRPr>
+                    </a:p>
+                  </a:txBody>
+                  <a:tcPr marL="208023" marR="208023" marT="72808" marB="72808"/>
+                </a:tc>
+              </a:tr>
+              <a:tr h="410329">
+                <a:tc>
+                  <a:txBody>
+                    <a:bodyPr/>
+                    <a:lstStyle/>
+                    <a:p>
+                      <a:r>
+                        <a:rPr lang="en-US" sz="1800" dirty="0" smtClean="0">
+                          <a:latin typeface="Arial"/>
+                          <a:cs typeface="Arial"/>
+                        </a:rPr>
+                        <a:t>Adj. R</a:t>
+                      </a:r>
+                      <a:r>
+                        <a:rPr lang="en-US" sz="1800" baseline="30000" dirty="0" smtClean="0">
+                          <a:latin typeface="Arial"/>
+                          <a:cs typeface="Arial"/>
+                        </a:rPr>
+                        <a:t>2</a:t>
+                      </a:r>
+                      <a:endParaRPr lang="en-US" sz="1800" baseline="30000" dirty="0">
+                        <a:latin typeface="Arial"/>
+                        <a:cs typeface="Arial"/>
+                      </a:endParaRPr>
+                    </a:p>
+                  </a:txBody>
+                  <a:tcPr marL="208023" marR="208023" marT="72808" marB="72808"/>
+                </a:tc>
+                <a:tc>
+                  <a:txBody>
+                    <a:bodyPr/>
+                    <a:lstStyle/>
+                    <a:p>
+                      <a:r>
+                        <a:rPr lang="nb-NO" sz="1800" dirty="0" smtClean="0">
+                          <a:latin typeface="Arial"/>
+                          <a:cs typeface="Arial"/>
+                        </a:rPr>
+                        <a:t>0.52</a:t>
+                      </a:r>
+                      <a:endParaRPr lang="en-US" sz="1800" dirty="0">
+                        <a:latin typeface="Arial"/>
+                        <a:cs typeface="Arial"/>
+                      </a:endParaRPr>
+                    </a:p>
+                  </a:txBody>
+                  <a:tcPr marL="208023" marR="208023" marT="72808" marB="72808"/>
+                </a:tc>
+                <a:tc>
+                  <a:txBody>
+                    <a:bodyPr/>
+                    <a:lstStyle/>
+                    <a:p>
+                      <a:r>
+                        <a:rPr lang="en-US" sz="1800" dirty="0" smtClean="0">
+                          <a:latin typeface="Arial"/>
+                          <a:cs typeface="Arial"/>
+                        </a:rPr>
+                        <a:t>0.32</a:t>
+                      </a:r>
+                      <a:endParaRPr lang="en-US" sz="1800" dirty="0">
+                        <a:latin typeface="Arial"/>
+                        <a:cs typeface="Arial"/>
+                      </a:endParaRPr>
+                    </a:p>
+                  </a:txBody>
+                  <a:tcPr marL="208023" marR="208023" marT="72808" marB="72808"/>
+                </a:tc>
+              </a:tr>
+              <a:tr h="420635">
+                <a:tc>
+                  <a:txBody>
+                    <a:bodyPr/>
+                    <a:lstStyle/>
+                    <a:p>
+                      <a:r>
+                        <a:rPr lang="en-US" sz="1800" dirty="0" smtClean="0">
+                          <a:latin typeface="Arial"/>
+                          <a:cs typeface="Arial"/>
+                        </a:rPr>
+                        <a:t>R</a:t>
+                      </a:r>
+                      <a:r>
+                        <a:rPr lang="en-US" sz="1800" baseline="30000" dirty="0" smtClean="0">
+                          <a:latin typeface="Arial"/>
+                          <a:cs typeface="Arial"/>
+                        </a:rPr>
+                        <a:t>2</a:t>
+                      </a:r>
+                      <a:r>
+                        <a:rPr lang="en-US" sz="1800" baseline="0" dirty="0" smtClean="0">
+                          <a:latin typeface="Arial"/>
+                          <a:cs typeface="Arial"/>
+                        </a:rPr>
+                        <a:t> Shrinkage</a:t>
+                      </a:r>
+                      <a:endParaRPr lang="en-US" sz="1800" baseline="30000" dirty="0">
+                        <a:latin typeface="Arial"/>
+                        <a:cs typeface="Arial"/>
+                      </a:endParaRPr>
+                    </a:p>
+                  </a:txBody>
+                  <a:tcPr marL="208023" marR="208023" marT="72808" marB="72808"/>
+                </a:tc>
+                <a:tc>
+                  <a:txBody>
+                    <a:bodyPr/>
+                    <a:lstStyle/>
+                    <a:p>
+                      <a:r>
+                        <a:rPr lang="en-US" sz="1800" dirty="0" smtClean="0">
+                          <a:latin typeface="Arial"/>
+                          <a:cs typeface="Arial"/>
+                        </a:rPr>
+                        <a:t>0.40</a:t>
+                      </a:r>
+                      <a:endParaRPr lang="en-US" sz="1800" dirty="0">
+                        <a:latin typeface="Arial"/>
+                        <a:cs typeface="Arial"/>
+                      </a:endParaRPr>
+                    </a:p>
+                  </a:txBody>
+                  <a:tcPr marL="208023" marR="208023" marT="72808" marB="72808"/>
+                </a:tc>
+                <a:tc>
+                  <a:txBody>
+                    <a:bodyPr/>
+                    <a:lstStyle/>
+                    <a:p>
+                      <a:r>
+                        <a:rPr lang="en-US" sz="1800" dirty="0" smtClean="0">
+                          <a:latin typeface="Arial"/>
+                          <a:cs typeface="Arial"/>
+                        </a:rPr>
+                        <a:t>0.08</a:t>
+                      </a:r>
+                      <a:endParaRPr lang="en-US" sz="1800" dirty="0">
+                        <a:latin typeface="Arial"/>
+                        <a:cs typeface="Arial"/>
+                      </a:endParaRPr>
+                    </a:p>
+                  </a:txBody>
+                  <a:tcPr marL="208023" marR="208023" marT="72808" marB="72808"/>
+                </a:tc>
+              </a:tr>
+              <a:tr h="666487">
+                <a:tc>
+                  <a:txBody>
+                    <a:bodyPr/>
+                    <a:lstStyle/>
+                    <a:p>
+                      <a:r>
+                        <a:rPr lang="en-US" sz="1800" dirty="0" smtClean="0">
+                          <a:latin typeface="Arial"/>
+                          <a:cs typeface="Arial"/>
+                        </a:rPr>
+                        <a:t>Likelihood</a:t>
+                      </a:r>
+                      <a:r>
+                        <a:rPr lang="en-US" sz="1800" baseline="0" dirty="0" smtClean="0">
+                          <a:latin typeface="Arial"/>
+                          <a:cs typeface="Arial"/>
+                        </a:rPr>
+                        <a:t> ratio test</a:t>
+                      </a:r>
+                      <a:endParaRPr lang="en-US" sz="1800" dirty="0">
+                        <a:latin typeface="Arial"/>
+                        <a:cs typeface="Arial"/>
+                      </a:endParaRPr>
+                    </a:p>
+                  </a:txBody>
+                  <a:tcPr marL="208023" marR="208023" marT="72808" marB="72808"/>
+                </a:tc>
+                <a:tc>
+                  <a:txBody>
+                    <a:bodyPr/>
+                    <a:lstStyle/>
+                    <a:p>
+                      <a:r>
+                        <a:rPr lang="en-US" sz="1800" dirty="0" smtClean="0">
+                          <a:latin typeface="Arial"/>
+                          <a:cs typeface="Arial"/>
+                        </a:rPr>
+                        <a:t>F = </a:t>
+                      </a:r>
+                      <a:r>
+                        <a:rPr lang="hr-HR" sz="1800" dirty="0" smtClean="0">
+                          <a:latin typeface="Arial"/>
+                          <a:cs typeface="Arial"/>
+                        </a:rPr>
+                        <a:t>32.4</a:t>
+                      </a:r>
+                      <a:r>
+                        <a:rPr lang="en-US" sz="1800" dirty="0" smtClean="0">
+                          <a:latin typeface="Arial"/>
+                          <a:cs typeface="Arial"/>
+                        </a:rPr>
+                        <a:t>,</a:t>
+                      </a:r>
+                    </a:p>
+                    <a:p>
+                      <a:r>
+                        <a:rPr lang="en-US" sz="1800" dirty="0" smtClean="0">
+                          <a:latin typeface="Arial"/>
+                          <a:cs typeface="Arial"/>
+                        </a:rPr>
+                        <a:t>p&lt;4e-</a:t>
+                      </a:r>
+                      <a:r>
+                        <a:rPr lang="en-US" sz="1800" dirty="0" smtClean="0">
+                          <a:latin typeface="Arial"/>
+                          <a:cs typeface="Arial"/>
+                        </a:rPr>
+                        <a:t>10 ***</a:t>
+                      </a:r>
+                      <a:endParaRPr lang="en-US" sz="1800" dirty="0">
+                        <a:latin typeface="Arial"/>
+                        <a:cs typeface="Arial"/>
+                      </a:endParaRPr>
+                    </a:p>
+                  </a:txBody>
+                  <a:tcPr marL="208023" marR="208023" marT="72808" marB="72808"/>
+                </a:tc>
+                <a:tc>
+                  <a:txBody>
+                    <a:bodyPr/>
+                    <a:lstStyle/>
+                    <a:p>
+                      <a:r>
+                        <a:rPr lang="pt-BR" sz="1800" dirty="0" err="1" smtClean="0">
+                          <a:latin typeface="Arial"/>
+                          <a:cs typeface="Arial"/>
+                        </a:rPr>
+                        <a:t>F</a:t>
+                      </a:r>
+                      <a:r>
+                        <a:rPr lang="pt-BR" sz="1800" dirty="0" smtClean="0">
+                          <a:latin typeface="Arial"/>
+                          <a:cs typeface="Arial"/>
+                        </a:rPr>
+                        <a:t> = </a:t>
+                      </a:r>
+                      <a:r>
+                        <a:rPr lang="hr-HR" sz="1800" dirty="0" smtClean="0">
+                          <a:latin typeface="Arial"/>
+                          <a:cs typeface="Arial"/>
+                        </a:rPr>
+                        <a:t>14.9</a:t>
+                      </a:r>
+                      <a:r>
+                        <a:rPr lang="pt-BR" sz="1800" dirty="0" smtClean="0">
+                          <a:latin typeface="Arial"/>
+                          <a:cs typeface="Arial"/>
+                        </a:rPr>
+                        <a:t>,</a:t>
+                      </a:r>
+                    </a:p>
+                    <a:p>
+                      <a:r>
+                        <a:rPr lang="pt-BR" sz="1800" dirty="0" err="1" smtClean="0">
+                          <a:latin typeface="Arial"/>
+                          <a:cs typeface="Arial"/>
+                        </a:rPr>
+                        <a:t>p</a:t>
+                      </a:r>
+                      <a:r>
+                        <a:rPr lang="pt-BR" sz="1800" dirty="0" smtClean="0">
+                          <a:latin typeface="Arial"/>
+                          <a:cs typeface="Arial"/>
+                        </a:rPr>
+                        <a:t>&lt;</a:t>
+                      </a:r>
+                      <a:r>
+                        <a:rPr lang="en-US" sz="1800" dirty="0" smtClean="0">
+                          <a:latin typeface="Arial"/>
+                          <a:cs typeface="Arial"/>
+                        </a:rPr>
+                        <a:t>6e-</a:t>
+                      </a:r>
+                      <a:r>
+                        <a:rPr lang="en-US" sz="1800" dirty="0" smtClean="0">
+                          <a:latin typeface="Arial"/>
+                          <a:cs typeface="Arial"/>
+                        </a:rPr>
+                        <a:t>6 ***</a:t>
+                      </a:r>
+                      <a:endParaRPr lang="en-US" sz="1800" dirty="0">
+                        <a:latin typeface="Arial"/>
+                        <a:cs typeface="Arial"/>
+                      </a:endParaRPr>
+                    </a:p>
+                  </a:txBody>
+                  <a:tcPr marL="208023" marR="208023" marT="72808" marB="72808"/>
+                </a:tc>
+              </a:tr>
+            </a:tbl>
+          </a:graphicData>
+        </a:graphic>
+      </p:graphicFrame>
     </p:spTree>
   </p:cSld>
   <p:clrMapOvr>

--- a/AAIC_poster_AH.pptx
+++ b/AAIC_poster_AH.pptx
@@ -193,7 +193,7 @@
             <a:fld id="{638CD603-6CD8-3547-B973-087475E71BF4}" type="datetimeFigureOut">
               <a:rPr lang="en-US" smtClean="0"/>
               <a:pPr/>
-              <a:t>7/18/16</a:t>
+              <a:t>7/20/16</a:t>
             </a:fld>
             <a:endParaRPr lang="en-US"/>
           </a:p>
@@ -737,7 +737,7 @@
             <a:fld id="{6F968270-718C-D14D-BC56-854E11C91F7D}" type="datetimeFigureOut">
               <a:rPr lang="en-US" smtClean="0"/>
               <a:pPr/>
-              <a:t>7/18/16</a:t>
+              <a:t>7/20/16</a:t>
             </a:fld>
             <a:endParaRPr lang="en-US"/>
           </a:p>
@@ -904,7 +904,7 @@
             <a:fld id="{6F968270-718C-D14D-BC56-854E11C91F7D}" type="datetimeFigureOut">
               <a:rPr lang="en-US" smtClean="0"/>
               <a:pPr/>
-              <a:t>7/18/16</a:t>
+              <a:t>7/20/16</a:t>
             </a:fld>
             <a:endParaRPr lang="en-US"/>
           </a:p>
@@ -1081,7 +1081,7 @@
             <a:fld id="{6F968270-718C-D14D-BC56-854E11C91F7D}" type="datetimeFigureOut">
               <a:rPr lang="en-US" smtClean="0"/>
               <a:pPr/>
-              <a:t>7/18/16</a:t>
+              <a:t>7/20/16</a:t>
             </a:fld>
             <a:endParaRPr lang="en-US"/>
           </a:p>
@@ -1248,7 +1248,7 @@
             <a:fld id="{6F968270-718C-D14D-BC56-854E11C91F7D}" type="datetimeFigureOut">
               <a:rPr lang="en-US" smtClean="0"/>
               <a:pPr/>
-              <a:t>7/18/16</a:t>
+              <a:t>7/20/16</a:t>
             </a:fld>
             <a:endParaRPr lang="en-US"/>
           </a:p>
@@ -1491,7 +1491,7 @@
             <a:fld id="{6F968270-718C-D14D-BC56-854E11C91F7D}" type="datetimeFigureOut">
               <a:rPr lang="en-US" smtClean="0"/>
               <a:pPr/>
-              <a:t>7/18/16</a:t>
+              <a:t>7/20/16</a:t>
             </a:fld>
             <a:endParaRPr lang="en-US"/>
           </a:p>
@@ -1776,7 +1776,7 @@
             <a:fld id="{6F968270-718C-D14D-BC56-854E11C91F7D}" type="datetimeFigureOut">
               <a:rPr lang="en-US" smtClean="0"/>
               <a:pPr/>
-              <a:t>7/18/16</a:t>
+              <a:t>7/20/16</a:t>
             </a:fld>
             <a:endParaRPr lang="en-US"/>
           </a:p>
@@ -2195,7 +2195,7 @@
             <a:fld id="{6F968270-718C-D14D-BC56-854E11C91F7D}" type="datetimeFigureOut">
               <a:rPr lang="en-US" smtClean="0"/>
               <a:pPr/>
-              <a:t>7/18/16</a:t>
+              <a:t>7/20/16</a:t>
             </a:fld>
             <a:endParaRPr lang="en-US"/>
           </a:p>
@@ -2310,7 +2310,7 @@
             <a:fld id="{6F968270-718C-D14D-BC56-854E11C91F7D}" type="datetimeFigureOut">
               <a:rPr lang="en-US" smtClean="0"/>
               <a:pPr/>
-              <a:t>7/18/16</a:t>
+              <a:t>7/20/16</a:t>
             </a:fld>
             <a:endParaRPr lang="en-US"/>
           </a:p>
@@ -2402,7 +2402,7 @@
             <a:fld id="{6F968270-718C-D14D-BC56-854E11C91F7D}" type="datetimeFigureOut">
               <a:rPr lang="en-US" smtClean="0"/>
               <a:pPr/>
-              <a:t>7/18/16</a:t>
+              <a:t>7/20/16</a:t>
             </a:fld>
             <a:endParaRPr lang="en-US"/>
           </a:p>
@@ -2676,7 +2676,7 @@
             <a:fld id="{6F968270-718C-D14D-BC56-854E11C91F7D}" type="datetimeFigureOut">
               <a:rPr lang="en-US" smtClean="0"/>
               <a:pPr/>
-              <a:t>7/18/16</a:t>
+              <a:t>7/20/16</a:t>
             </a:fld>
             <a:endParaRPr lang="en-US"/>
           </a:p>
@@ -2926,7 +2926,7 @@
             <a:fld id="{6F968270-718C-D14D-BC56-854E11C91F7D}" type="datetimeFigureOut">
               <a:rPr lang="en-US" smtClean="0"/>
               <a:pPr/>
-              <a:t>7/18/16</a:t>
+              <a:t>7/20/16</a:t>
             </a:fld>
             <a:endParaRPr lang="en-US"/>
           </a:p>
@@ -3136,7 +3136,7 @@
             <a:fld id="{6F968270-718C-D14D-BC56-854E11C91F7D}" type="datetimeFigureOut">
               <a:rPr lang="en-US" smtClean="0"/>
               <a:pPr/>
-              <a:t>7/18/16</a:t>
+              <a:t>7/20/16</a:t>
             </a:fld>
             <a:endParaRPr lang="en-US"/>
           </a:p>
@@ -3523,7 +3523,7 @@
         </p:nvSpPr>
         <p:spPr>
           <a:xfrm>
-            <a:off x="1" y="272160"/>
+            <a:off x="1" y="163314"/>
             <a:ext cx="36575999" cy="2152726"/>
           </a:xfrm>
           <a:prstGeom prst="rect">
@@ -3674,7 +3674,7 @@
         </p:nvSpPr>
         <p:spPr bwMode="auto">
           <a:xfrm>
-            <a:off x="5" y="2463825"/>
+            <a:off x="5" y="2246133"/>
             <a:ext cx="36575996" cy="1578124"/>
           </a:xfrm>
           <a:prstGeom prst="rect">
@@ -3806,7 +3806,7 @@
         </p:blipFill>
         <p:spPr>
           <a:xfrm>
-            <a:off x="32812546" y="932560"/>
+            <a:off x="32812546" y="823714"/>
             <a:ext cx="3234539" cy="2451870"/>
           </a:xfrm>
           <a:prstGeom prst="rect">
@@ -3830,7 +3830,7 @@
         </p:blipFill>
         <p:spPr>
           <a:xfrm>
-            <a:off x="508005" y="508000"/>
+            <a:off x="508005" y="399154"/>
             <a:ext cx="3234539" cy="3234539"/>
           </a:xfrm>
           <a:prstGeom prst="rect">
@@ -3846,7 +3846,7 @@
         </p:nvSpPr>
         <p:spPr>
           <a:xfrm>
-            <a:off x="223777" y="4003994"/>
+            <a:off x="223777" y="3568610"/>
             <a:ext cx="7278146" cy="1220847"/>
           </a:xfrm>
           <a:prstGeom prst="rect">
@@ -3919,7 +3919,7 @@
         </p:nvSpPr>
         <p:spPr>
           <a:xfrm>
-            <a:off x="7659531" y="4004020"/>
+            <a:off x="7623245" y="3568636"/>
             <a:ext cx="7624918" cy="1233671"/>
           </a:xfrm>
           <a:prstGeom prst="rect">
@@ -3992,7 +3992,7 @@
         </p:nvSpPr>
         <p:spPr>
           <a:xfrm>
-            <a:off x="223777" y="11862575"/>
+            <a:off x="223777" y="11826293"/>
             <a:ext cx="7278146" cy="1220847"/>
           </a:xfrm>
           <a:prstGeom prst="rect">
@@ -4065,7 +4065,7 @@
         </p:nvSpPr>
         <p:spPr>
           <a:xfrm>
-            <a:off x="15411450" y="4002035"/>
+            <a:off x="15411450" y="3566651"/>
             <a:ext cx="20928692" cy="1220847"/>
           </a:xfrm>
           <a:prstGeom prst="rect">
@@ -4138,8 +4138,8 @@
         </p:nvSpPr>
         <p:spPr>
           <a:xfrm>
-            <a:off x="223777" y="5292477"/>
-            <a:ext cx="7278146" cy="6626383"/>
+            <a:off x="223777" y="4857093"/>
+            <a:ext cx="7278146" cy="6969825"/>
           </a:xfrm>
           <a:prstGeom prst="roundRect">
             <a:avLst>
@@ -4181,7 +4181,7 @@
         </p:nvSpPr>
         <p:spPr>
           <a:xfrm>
-            <a:off x="223777" y="13163232"/>
+            <a:off x="223777" y="13126950"/>
             <a:ext cx="7278146" cy="5862113"/>
           </a:xfrm>
           <a:prstGeom prst="roundRect">
@@ -4224,8 +4224,8 @@
         </p:nvSpPr>
         <p:spPr>
           <a:xfrm>
-            <a:off x="7659531" y="5292478"/>
-            <a:ext cx="7624918" cy="13732868"/>
+            <a:off x="7648645" y="4857093"/>
+            <a:ext cx="7607808" cy="14131969"/>
           </a:xfrm>
           <a:prstGeom prst="roundRect">
             <a:avLst>
@@ -4267,8 +4267,8 @@
         </p:nvSpPr>
         <p:spPr>
           <a:xfrm>
-            <a:off x="15411450" y="5292478"/>
-            <a:ext cx="20928692" cy="13732868"/>
+            <a:off x="15411450" y="4857094"/>
+            <a:ext cx="20928692" cy="14131968"/>
           </a:xfrm>
           <a:prstGeom prst="roundRect">
             <a:avLst>
@@ -4314,8 +4314,8 @@
         </p:nvSpPr>
         <p:spPr>
           <a:xfrm>
-            <a:off x="407207" y="5489478"/>
-            <a:ext cx="6904211" cy="6217088"/>
+            <a:off x="407207" y="5054094"/>
+            <a:ext cx="6904211" cy="6524864"/>
           </a:xfrm>
           <a:prstGeom prst="rect">
             <a:avLst/>
@@ -4335,9 +4335,6 @@
               </a:rPr>
               <a:t>Overview</a:t>
             </a:r>
-            <a:endParaRPr lang="en-US" sz="2000" b="1" dirty="0" smtClean="0">
-              <a:latin typeface="Arial"/>
-            </a:endParaRPr>
           </a:p>
           <a:p>
             <a:pPr>
@@ -4357,19 +4354,7 @@
               <a:rPr lang="en-US" sz="1800" dirty="0" smtClean="0">
                 <a:latin typeface="Arial"/>
               </a:rPr>
-              <a:t>The </a:t>
-            </a:r>
-            <a:r>
-              <a:rPr lang="en-US" sz="1800" dirty="0" smtClean="0">
-                <a:latin typeface="Arial"/>
-              </a:rPr>
-              <a:t>cortical </a:t>
-            </a:r>
-            <a:r>
-              <a:rPr lang="en-US" sz="1800" dirty="0" smtClean="0">
-                <a:latin typeface="Arial"/>
-              </a:rPr>
-              <a:t>summary (CS) SUVR of </a:t>
+              <a:t> The cortical summary (CS) SUVR of </a:t>
             </a:r>
             <a:r>
               <a:rPr lang="en-US" sz="1800" baseline="30000" dirty="0" smtClean="0">
@@ -4403,17 +4388,8 @@
               <a:rPr lang="en-US" sz="1800" dirty="0" smtClean="0">
                 <a:latin typeface="Arial"/>
               </a:rPr>
-              <a:t> </a:t>
-            </a:r>
-            <a:r>
-              <a:rPr lang="en-US" sz="1800" dirty="0" smtClean="0">
-                <a:latin typeface="Arial"/>
-              </a:rPr>
-              <a:t>burden</a:t>
-            </a:r>
-            <a:endParaRPr lang="en-US" sz="1800" dirty="0" smtClean="0">
-              <a:latin typeface="Arial"/>
-            </a:endParaRPr>
+              <a:t> burden</a:t>
+            </a:r>
           </a:p>
           <a:p>
             <a:pPr>
@@ -4424,45 +4400,15 @@
               <a:rPr lang="en-US" sz="1800" dirty="0" smtClean="0">
                 <a:latin typeface="Arial"/>
               </a:rPr>
-              <a:t> </a:t>
-            </a:r>
+              <a:t> CS SUVR is impaired by:</a:t>
+            </a:r>
+          </a:p>
+          <a:p>
             <a:r>
               <a:rPr lang="en-US" sz="1800" dirty="0" smtClean="0">
                 <a:latin typeface="Arial"/>
               </a:rPr>
-              <a:t>CS </a:t>
-            </a:r>
-            <a:r>
-              <a:rPr lang="en-US" sz="1800" dirty="0" smtClean="0">
-                <a:latin typeface="Arial"/>
-              </a:rPr>
-              <a:t>SUVR is impaired by:</a:t>
-            </a:r>
-          </a:p>
-          <a:p>
-            <a:r>
-              <a:rPr lang="en-US" sz="1800" dirty="0" smtClean="0">
-                <a:latin typeface="Arial"/>
-              </a:rPr>
-              <a:t>     - noise introduced </a:t>
-            </a:r>
-            <a:r>
-              <a:rPr lang="en-US" sz="1800" dirty="0" smtClean="0">
-                <a:latin typeface="Arial"/>
-              </a:rPr>
-              <a:t>via</a:t>
-            </a:r>
-            <a:r>
-              <a:rPr lang="en-US" sz="1800" dirty="0" smtClean="0">
-                <a:latin typeface="Arial"/>
-              </a:rPr>
-              <a:t> </a:t>
-            </a:r>
-            <a:r>
-              <a:rPr lang="en-US" sz="1800" dirty="0" smtClean="0">
-                <a:latin typeface="Arial"/>
-              </a:rPr>
-              <a:t>choosing a reference region</a:t>
+              <a:t>     - noise introduced via choosing a reference region</a:t>
             </a:r>
           </a:p>
           <a:p>
@@ -4478,17 +4424,8 @@
               <a:rPr lang="en-US" sz="1800" dirty="0" smtClean="0">
                 <a:latin typeface="Arial"/>
               </a:rPr>
-              <a:t>     - ignorance of regional contrasts (except ROI/ref</a:t>
-            </a:r>
-            <a:r>
-              <a:rPr lang="en-US" sz="1800" dirty="0" smtClean="0">
-                <a:latin typeface="Arial"/>
-              </a:rPr>
-              <a:t>)</a:t>
-            </a:r>
-            <a:endParaRPr lang="en-US" sz="1800" dirty="0" smtClean="0">
-              <a:latin typeface="Arial"/>
-            </a:endParaRPr>
+              <a:t>     - ignorance of regional contrasts (except ROI/ref)</a:t>
+            </a:r>
           </a:p>
           <a:p>
             <a:pPr>
@@ -4500,60 +4437,24 @@
             </a:endParaRPr>
           </a:p>
           <a:p>
-            <a:pPr algn="ctr"/>
-            <a:r>
-              <a:rPr lang="en-US" sz="2000" b="1" dirty="0" smtClean="0">
-                <a:latin typeface="Arial"/>
-              </a:rPr>
-              <a:t>Goals</a:t>
-            </a:r>
-          </a:p>
-          <a:p>
-            <a:endParaRPr lang="en-US" sz="1800" b="1" dirty="0" smtClean="0">
-              <a:latin typeface="Arial"/>
-            </a:endParaRPr>
-          </a:p>
-          <a:p>
             <a:pPr>
               <a:buFont typeface="Arial"/>
               <a:buChar char="•"/>
             </a:pPr>
-            <a:r>
-              <a:rPr lang="en-US" sz="1800" b="1" dirty="0" smtClean="0">
+            <a:endParaRPr lang="en-US" sz="1800" dirty="0" smtClean="0">
+              <a:latin typeface="Arial"/>
+            </a:endParaRPr>
+          </a:p>
+          <a:p>
+            <a:pPr algn="ctr"/>
+            <a:r>
+              <a:rPr lang="en-US" sz="2000" b="1" dirty="0" smtClean="0">
                 <a:latin typeface="Arial"/>
               </a:rPr>
-              <a:t> Convert regional uptakes of ADNI </a:t>
-            </a:r>
-            <a:r>
-              <a:rPr lang="en-US" sz="1800" b="1" baseline="30000" dirty="0" smtClean="0">
-                <a:latin typeface="Arial"/>
-              </a:rPr>
-              <a:t>18</a:t>
-            </a:r>
-            <a:r>
-              <a:rPr lang="en-US" sz="1800" b="1" dirty="0" smtClean="0">
-                <a:latin typeface="Arial"/>
-              </a:rPr>
-              <a:t>F-AV-45 and </a:t>
-            </a:r>
-            <a:r>
-              <a:rPr lang="en-US" sz="1800" b="1" baseline="30000" dirty="0" smtClean="0">
-                <a:latin typeface="Arial"/>
-              </a:rPr>
-              <a:t>18</a:t>
-            </a:r>
-            <a:r>
-              <a:rPr lang="en-US" sz="1800" b="1" dirty="0" smtClean="0">
-                <a:latin typeface="Arial"/>
-              </a:rPr>
-              <a:t>F-AV-1451 PET scans to standardized units via a regionally-unbiased intensity normalization </a:t>
-            </a:r>
-            <a:r>
-              <a:rPr lang="en-US" sz="1800" b="1" dirty="0" smtClean="0">
-                <a:latin typeface="Arial"/>
-              </a:rPr>
-              <a:t>method</a:t>
-            </a:r>
+              <a:t>Goals</a:t>
+            </a:r>
+          </a:p>
+          <a:p>
             <a:endParaRPr lang="en-US" sz="1800" b="1" dirty="0" smtClean="0">
               <a:latin typeface="Arial"/>
             </a:endParaRPr>
@@ -4567,17 +4468,32 @@
               <a:rPr lang="en-US" sz="1800" b="1" dirty="0" smtClean="0">
                 <a:latin typeface="Arial"/>
               </a:rPr>
-              <a:t> Perform a sparse nonparametric factor analysis of the normalized regional dataset, determining a set of recurring uptake topographies underlying the variance in individual uptake </a:t>
+              <a:t> Convert regional uptakes of ADNI </a:t>
+            </a:r>
+            <a:r>
+              <a:rPr lang="en-US" sz="1800" b="1" baseline="30000" dirty="0" smtClean="0">
+                <a:latin typeface="Arial"/>
+              </a:rPr>
+              <a:t>18</a:t>
             </a:r>
             <a:r>
               <a:rPr lang="en-US" sz="1800" b="1" dirty="0" smtClean="0">
                 <a:latin typeface="Arial"/>
               </a:rPr>
-              <a:t>patterns</a:t>
-            </a:r>
-            <a:endParaRPr lang="en-US" sz="1800" b="1" dirty="0" smtClean="0">
-              <a:latin typeface="Arial"/>
-            </a:endParaRPr>
+              <a:t>F-AV-45 and </a:t>
+            </a:r>
+            <a:r>
+              <a:rPr lang="en-US" sz="1800" b="1" baseline="30000" dirty="0" smtClean="0">
+                <a:latin typeface="Arial"/>
+              </a:rPr>
+              <a:t>18</a:t>
+            </a:r>
+            <a:r>
+              <a:rPr lang="en-US" sz="1800" b="1" dirty="0" smtClean="0">
+                <a:latin typeface="Arial"/>
+              </a:rPr>
+              <a:t>F-AV-1451 PET scans to standardized units via a regionally-unbiased intensity normalization method</a:t>
+            </a:r>
           </a:p>
           <a:p>
             <a:pPr>
@@ -4585,6 +4501,18 @@
               <a:buChar char="•"/>
             </a:pPr>
             <a:r>
+              <a:rPr lang="en-US" sz="1800" b="1" dirty="0" smtClean="0">
+                <a:latin typeface="Arial"/>
+              </a:rPr>
+              <a:t> Perform a sparse nonparametric factor analysis of the normalized regional dataset, determining a set of recurring uptake topographies underlying the variance in individual uptake patterns</a:t>
+            </a:r>
+          </a:p>
+          <a:p>
+            <a:pPr>
+              <a:buFont typeface="Arial"/>
+              <a:buChar char="•"/>
+            </a:pPr>
+            <a:r>
               <a:rPr lang="en-US" sz="1800" b="1" dirty="0">
                 <a:latin typeface="Arial"/>
               </a:rPr>
@@ -4594,13 +4522,7 @@
               <a:rPr lang="en-US" sz="1800" b="1" dirty="0" smtClean="0">
                 <a:latin typeface="Arial"/>
               </a:rPr>
-              <a:t>Explore the efficacy of topographical factor scores (derived from the factor model) as alternative summary measures of Alzheimer’s disease </a:t>
-            </a:r>
-            <a:r>
-              <a:rPr lang="en-US" sz="1800" b="1" dirty="0" smtClean="0">
-                <a:latin typeface="Arial"/>
-              </a:rPr>
-              <a:t>severity</a:t>
+              <a:t>Explore the efficacy of topographical factor scores (derived from the factor model) as an alternative summary measure of Alzheimer’s disease severity</a:t>
             </a:r>
             <a:endParaRPr lang="en-US" sz="1800" dirty="0" smtClean="0">
               <a:latin typeface="Arial"/>
@@ -4617,13 +4539,13 @@
           <p:nvPr>
             <p:extLst>
               <p:ext uri="{D42A27DB-BD31-4B8C-83A1-F6EECF244321}">
-                <p14:modId xmlns:p14="http://schemas.microsoft.com/office/powerpoint/2010/main" val="2114261796"/>
+                <p14:modId xmlns:p14="http://schemas.microsoft.com/office/powerpoint/2010/main" val="486812995"/>
               </p:ext>
             </p:extLst>
           </p:nvPr>
         </p:nvGraphicFramePr>
         <p:xfrm>
-          <a:off x="620801" y="13485016"/>
+          <a:off x="620801" y="13448734"/>
           <a:ext cx="6437182" cy="5199452"/>
         </p:xfrm>
         <a:graphic>
@@ -5209,8 +5131,8 @@
         </p:nvSpPr>
         <p:spPr>
           <a:xfrm>
-            <a:off x="7978600" y="5489478"/>
-            <a:ext cx="7033847" cy="2616101"/>
+            <a:off x="7942314" y="5054094"/>
+            <a:ext cx="7022592" cy="2339102"/>
           </a:xfrm>
           <a:prstGeom prst="rect">
             <a:avLst/>
@@ -5273,17 +5195,8 @@
               <a:rPr lang="en-US" sz="1800" dirty="0" smtClean="0">
                 <a:latin typeface="Arial"/>
               </a:rPr>
-              <a:t> Correction for partial volume effects with the Rousset algorithm (geometry-dependent transfer matrix</a:t>
-            </a:r>
-            <a:r>
-              <a:rPr lang="en-US" sz="1800" dirty="0" smtClean="0">
-                <a:latin typeface="Arial"/>
-              </a:rPr>
-              <a:t>)</a:t>
-            </a:r>
-            <a:endParaRPr lang="en-US" sz="1800" dirty="0" smtClean="0">
-              <a:latin typeface="Arial"/>
-            </a:endParaRPr>
+              <a:t> Correction for partial volume effects with the Rousset algorithm (geometry-dependent transfer matrix)</a:t>
+            </a:r>
           </a:p>
           <a:p>
             <a:pPr>
@@ -5294,17 +5207,8 @@
               <a:rPr lang="en-US" sz="1800" dirty="0" smtClean="0">
                 <a:latin typeface="Arial"/>
               </a:rPr>
-              <a:t> Intensity normalization by Manhattan (L1) norm, mapping each scan (row) onto a regional standard simplex and preserving uptake </a:t>
-            </a:r>
-            <a:r>
-              <a:rPr lang="en-US" sz="1800" dirty="0" smtClean="0">
-                <a:latin typeface="Arial"/>
-              </a:rPr>
-              <a:t>ratios</a:t>
-            </a:r>
-            <a:endParaRPr lang="en-US" sz="1800" dirty="0" smtClean="0">
-              <a:latin typeface="Arial"/>
-            </a:endParaRPr>
+              <a:t> Intensity normalization by Manhattan (L1) norm maps each scan (row) onto a regional standard simplex and preserves uptake ratios</a:t>
+            </a:r>
           </a:p>
           <a:p>
             <a:pPr>
@@ -5320,205 +5224,92 @@
           </a:p>
         </p:txBody>
       </p:sp>
-      <p:grpSp>
-        <p:nvGrpSpPr>
-          <p:cNvPr id="130" name="Group 129"/>
-          <p:cNvGrpSpPr/>
+      <p:sp>
+        <p:nvSpPr>
+          <p:cNvPr id="149" name="Rectangle 148"/>
+          <p:cNvSpPr/>
           <p:nvPr/>
-        </p:nvGrpSpPr>
-        <p:grpSpPr>
+        </p:nvSpPr>
+        <p:spPr>
           <a:xfrm>
-            <a:off x="9492224" y="8190628"/>
-            <a:ext cx="4053770" cy="1911661"/>
-            <a:chOff x="28001513" y="11888509"/>
-            <a:chExt cx="4053770" cy="1911661"/>
+            <a:off x="10038556" y="7835044"/>
+            <a:ext cx="2322576" cy="310896"/>
           </a:xfrm>
-        </p:grpSpPr>
-        <p:pic>
-          <p:nvPicPr>
-            <p:cNvPr id="131" name="Picture 130" descr="Screen Shot 2016-06-14 at 11.07.16 PM.png"/>
-            <p:cNvPicPr>
-              <a:picLocks noChangeAspect="1"/>
-            </p:cNvPicPr>
-            <p:nvPr/>
-          </p:nvPicPr>
-          <p:blipFill>
-            <a:blip r:embed="rId5">
-              <a:extLst>
-                <a:ext uri="{28A0092B-C50C-407E-A947-70E740481C1C}">
-                  <a14:useLocalDpi xmlns:a14="http://schemas.microsoft.com/office/drawing/2010/main" val="0"/>
-                </a:ext>
-              </a:extLst>
-            </a:blip>
-            <a:stretch>
-              <a:fillRect/>
-            </a:stretch>
-          </p:blipFill>
-          <p:spPr>
-            <a:xfrm>
-              <a:off x="28001513" y="12241583"/>
-              <a:ext cx="2989900" cy="1558587"/>
-            </a:xfrm>
-            <a:prstGeom prst="rect">
-              <a:avLst/>
-            </a:prstGeom>
-          </p:spPr>
-        </p:pic>
-        <p:sp>
-          <p:nvSpPr>
-            <p:cNvPr id="149" name="Rectangle 148"/>
-            <p:cNvSpPr/>
-            <p:nvPr/>
-          </p:nvSpPr>
-          <p:spPr>
-            <a:xfrm>
-              <a:off x="28584131" y="12331129"/>
-              <a:ext cx="2322576" cy="310896"/>
-            </a:xfrm>
-            <a:prstGeom prst="rect">
-              <a:avLst/>
-            </a:prstGeom>
-            <a:solidFill>
-              <a:srgbClr val="FF0000">
-                <a:alpha val="30000"/>
-              </a:srgbClr>
-            </a:solidFill>
-          </p:spPr>
-          <p:style>
-            <a:lnRef idx="1">
-              <a:schemeClr val="accent1"/>
-            </a:lnRef>
-            <a:fillRef idx="3">
-              <a:schemeClr val="accent1"/>
-            </a:fillRef>
-            <a:effectRef idx="2">
-              <a:schemeClr val="accent1"/>
-            </a:effectRef>
-            <a:fontRef idx="minor">
-              <a:schemeClr val="lt1"/>
-            </a:fontRef>
-          </p:style>
-          <p:txBody>
-            <a:bodyPr rtlCol="0" anchor="ctr"/>
-            <a:lstStyle/>
-            <a:p>
-              <a:pPr algn="ctr"/>
-              <a:endParaRPr lang="en-US"/>
-            </a:p>
-          </p:txBody>
-        </p:sp>
-        <p:sp>
-          <p:nvSpPr>
-            <p:cNvPr id="150" name="Rectangle 149"/>
-            <p:cNvSpPr/>
-            <p:nvPr/>
-          </p:nvSpPr>
-          <p:spPr>
-            <a:xfrm>
-              <a:off x="28584131" y="12307611"/>
-              <a:ext cx="502920" cy="1444752"/>
-            </a:xfrm>
-            <a:prstGeom prst="rect">
-              <a:avLst/>
-            </a:prstGeom>
-            <a:solidFill>
-              <a:srgbClr val="3366FF">
-                <a:alpha val="30000"/>
-              </a:srgbClr>
-            </a:solidFill>
-          </p:spPr>
-          <p:style>
-            <a:lnRef idx="1">
-              <a:schemeClr val="accent1"/>
-            </a:lnRef>
-            <a:fillRef idx="3">
-              <a:schemeClr val="accent1"/>
-            </a:fillRef>
-            <a:effectRef idx="2">
-              <a:schemeClr val="accent1"/>
-            </a:effectRef>
-            <a:fontRef idx="minor">
-              <a:schemeClr val="lt1"/>
-            </a:fontRef>
-          </p:style>
-          <p:txBody>
-            <a:bodyPr rtlCol="0" anchor="ctr"/>
-            <a:lstStyle/>
-            <a:p>
-              <a:pPr algn="ctr"/>
-              <a:endParaRPr lang="en-US"/>
-            </a:p>
-          </p:txBody>
-        </p:sp>
-        <p:sp>
-          <p:nvSpPr>
-            <p:cNvPr id="151" name="TextBox 150"/>
-            <p:cNvSpPr txBox="1"/>
-            <p:nvPr/>
-          </p:nvSpPr>
-          <p:spPr>
-            <a:xfrm>
-              <a:off x="28594234" y="11888509"/>
-              <a:ext cx="2279589" cy="369332"/>
-            </a:xfrm>
-            <a:prstGeom prst="rect">
-              <a:avLst/>
-            </a:prstGeom>
-            <a:noFill/>
-          </p:spPr>
-          <p:txBody>
-            <a:bodyPr wrap="square" rtlCol="0">
-              <a:spAutoFit/>
-            </a:bodyPr>
-            <a:lstStyle/>
-            <a:p>
-              <a:r>
-                <a:rPr lang="en-US" sz="1800" b="1" dirty="0" smtClean="0">
-                  <a:latin typeface="Arial"/>
-                </a:rPr>
-                <a:t>Freesurfer Regions</a:t>
-              </a:r>
-              <a:endParaRPr lang="en-US" sz="1800" b="1" dirty="0">
-                <a:latin typeface="Arial"/>
-              </a:endParaRPr>
-            </a:p>
-          </p:txBody>
-        </p:sp>
-        <p:sp>
-          <p:nvSpPr>
-            <p:cNvPr id="152" name="TextBox 151"/>
-            <p:cNvSpPr txBox="1"/>
-            <p:nvPr/>
-          </p:nvSpPr>
-          <p:spPr>
-            <a:xfrm>
-              <a:off x="30944377" y="12806718"/>
-              <a:ext cx="1110906" cy="369332"/>
-            </a:xfrm>
-            <a:prstGeom prst="rect">
-              <a:avLst/>
-            </a:prstGeom>
-            <a:noFill/>
-          </p:spPr>
-          <p:txBody>
-            <a:bodyPr wrap="square" rtlCol="0">
-              <a:spAutoFit/>
-            </a:bodyPr>
-            <a:lstStyle/>
-            <a:p>
-              <a:r>
-                <a:rPr lang="en-US" sz="1800" b="1" dirty="0" smtClean="0">
-                  <a:latin typeface="Arial"/>
-                </a:rPr>
-                <a:t>Scans</a:t>
-              </a:r>
-              <a:endParaRPr lang="en-US" sz="1800" b="1" dirty="0">
-                <a:latin typeface="Arial"/>
-              </a:endParaRPr>
-            </a:p>
-          </p:txBody>
-        </p:sp>
-      </p:grpSp>
+          <a:prstGeom prst="rect">
+            <a:avLst/>
+          </a:prstGeom>
+          <a:solidFill>
+            <a:srgbClr val="FF0000">
+              <a:alpha val="30000"/>
+            </a:srgbClr>
+          </a:solidFill>
+        </p:spPr>
+        <p:style>
+          <a:lnRef idx="1">
+            <a:schemeClr val="accent1"/>
+          </a:lnRef>
+          <a:fillRef idx="3">
+            <a:schemeClr val="accent1"/>
+          </a:fillRef>
+          <a:effectRef idx="2">
+            <a:schemeClr val="accent1"/>
+          </a:effectRef>
+          <a:fontRef idx="minor">
+            <a:schemeClr val="lt1"/>
+          </a:fontRef>
+        </p:style>
+        <p:txBody>
+          <a:bodyPr rtlCol="0" anchor="ctr"/>
+          <a:lstStyle/>
+          <a:p>
+            <a:pPr algn="ctr"/>
+            <a:endParaRPr lang="en-US"/>
+          </a:p>
+        </p:txBody>
+      </p:sp>
+      <p:sp>
+        <p:nvSpPr>
+          <p:cNvPr id="150" name="Rectangle 149"/>
+          <p:cNvSpPr/>
+          <p:nvPr/>
+        </p:nvSpPr>
+        <p:spPr>
+          <a:xfrm>
+            <a:off x="10038556" y="7811526"/>
+            <a:ext cx="502920" cy="1444752"/>
+          </a:xfrm>
+          <a:prstGeom prst="rect">
+            <a:avLst/>
+          </a:prstGeom>
+          <a:solidFill>
+            <a:srgbClr val="3366FF">
+              <a:alpha val="30000"/>
+            </a:srgbClr>
+          </a:solidFill>
+        </p:spPr>
+        <p:style>
+          <a:lnRef idx="1">
+            <a:schemeClr val="accent1"/>
+          </a:lnRef>
+          <a:fillRef idx="3">
+            <a:schemeClr val="accent1"/>
+          </a:fillRef>
+          <a:effectRef idx="2">
+            <a:schemeClr val="accent1"/>
+          </a:effectRef>
+          <a:fontRef idx="minor">
+            <a:schemeClr val="lt1"/>
+          </a:fontRef>
+        </p:style>
+        <p:txBody>
+          <a:bodyPr rtlCol="0" anchor="ctr"/>
+          <a:lstStyle/>
+          <a:p>
+            <a:pPr algn="ctr"/>
+            <a:endParaRPr lang="en-US"/>
+          </a:p>
+        </p:txBody>
+      </p:sp>
       <p:sp>
         <p:nvSpPr>
           <p:cNvPr id="153" name="TextBox 152"/>
@@ -5527,8 +5318,8 @@
         </p:nvSpPr>
         <p:spPr>
           <a:xfrm>
-            <a:off x="7978600" y="10282900"/>
-            <a:ext cx="7033847" cy="2339102"/>
+            <a:off x="7942314" y="9442822"/>
+            <a:ext cx="7033847" cy="3170099"/>
           </a:xfrm>
           <a:prstGeom prst="rect">
             <a:avLst/>
@@ -5579,17 +5370,8 @@
               <a:rPr lang="en-US" sz="1800" dirty="0" smtClean="0">
                 <a:latin typeface="Arial"/>
               </a:rPr>
-              <a:t> improves interpretability of latent factors and downstream predictive </a:t>
-            </a:r>
-            <a:r>
-              <a:rPr lang="en-US" sz="1800" dirty="0" smtClean="0">
-                <a:latin typeface="Arial"/>
-              </a:rPr>
-              <a:t>performance</a:t>
-            </a:r>
-            <a:endParaRPr lang="en-US" sz="1800" dirty="0" smtClean="0">
-              <a:latin typeface="Arial"/>
-            </a:endParaRPr>
+              <a:t> improves interpretability of latent factors and downstream predictive performance</a:t>
+            </a:r>
           </a:p>
           <a:p>
             <a:pPr>
@@ -5600,17 +5382,8 @@
               <a:rPr lang="en-US" sz="1800" dirty="0" smtClean="0">
                 <a:latin typeface="Arial"/>
               </a:rPr>
-              <a:t> Nonparametric models remove manual specification of the number of </a:t>
-            </a:r>
-            <a:r>
-              <a:rPr lang="en-US" sz="1800" dirty="0" smtClean="0">
-                <a:latin typeface="Arial"/>
-              </a:rPr>
-              <a:t>factors</a:t>
-            </a:r>
-            <a:endParaRPr lang="en-US" sz="1800" dirty="0" smtClean="0">
-              <a:latin typeface="Arial"/>
-            </a:endParaRPr>
+              <a:t> Nonparametric models remove manual specification of the number of factors</a:t>
+            </a:r>
           </a:p>
           <a:p>
             <a:pPr>
@@ -5621,41 +5394,156 @@
               <a:rPr lang="en-US" sz="1800" dirty="0" smtClean="0">
                 <a:latin typeface="Arial"/>
               </a:rPr>
-              <a:t> Potential pitfalls include the assumption of a </a:t>
+              <a:t> Potential pitfalls include the assumption of a linear causal model, and the results are only as good as the data</a:t>
+            </a:r>
+          </a:p>
+          <a:p>
+            <a:pPr>
+              <a:buFont typeface="Arial"/>
+              <a:buChar char="•"/>
+            </a:pPr>
+            <a:r>
+              <a:rPr lang="en-US" sz="1800" b="1" dirty="0">
+                <a:latin typeface="Arial"/>
+                <a:cs typeface="Arial"/>
+              </a:rPr>
+              <a:t> </a:t>
+            </a:r>
+            <a:r>
+              <a:rPr lang="en-US" sz="1800" b="1" dirty="0" smtClean="0">
+                <a:latin typeface="Arial"/>
+                <a:cs typeface="Arial"/>
+              </a:rPr>
+              <a:t>G</a:t>
             </a:r>
             <a:r>
               <a:rPr lang="en-US" sz="1800" dirty="0" smtClean="0">
                 <a:latin typeface="Arial"/>
+                <a:cs typeface="Arial"/>
               </a:rPr>
-              <a:t>linear causal </a:t>
+              <a:t> </a:t>
+            </a:r>
+            <a:r>
+              <a:rPr lang="en-US" sz="1800" dirty="0">
+                <a:latin typeface="Arial"/>
+                <a:cs typeface="Arial"/>
+              </a:rPr>
+              <a:t>is </a:t>
             </a:r>
             <a:r>
               <a:rPr lang="en-US" sz="1800" dirty="0" smtClean="0">
                 <a:latin typeface="Arial"/>
+                <a:cs typeface="Arial"/>
               </a:rPr>
-              <a:t>model, and </a:t>
+              <a:t>the matrix </a:t>
+            </a:r>
+            <a:r>
+              <a:rPr lang="en-US" sz="1800" dirty="0">
+                <a:latin typeface="Arial"/>
+                <a:cs typeface="Arial"/>
+              </a:rPr>
+              <a:t>of factor </a:t>
             </a:r>
             <a:r>
               <a:rPr lang="en-US" sz="1800" dirty="0" smtClean="0">
                 <a:latin typeface="Arial"/>
+                <a:cs typeface="Arial"/>
               </a:rPr>
-              <a:t>the results </a:t>
+              <a:t>loadings</a:t>
+            </a:r>
+          </a:p>
+          <a:p>
+            <a:pPr>
+              <a:buFont typeface="Arial"/>
+              <a:buChar char="•"/>
+            </a:pPr>
+            <a:r>
+              <a:rPr lang="en-US" sz="1800" b="1" dirty="0">
+                <a:latin typeface="Arial"/>
+                <a:cs typeface="Arial"/>
+              </a:rPr>
+              <a:t> </a:t>
+            </a:r>
+            <a:r>
+              <a:rPr lang="en-US" sz="1800" b="1" dirty="0" smtClean="0">
+                <a:latin typeface="Arial"/>
+                <a:cs typeface="Arial"/>
+              </a:rPr>
+              <a:t>X</a:t>
             </a:r>
             <a:r>
               <a:rPr lang="en-US" sz="1800" dirty="0" smtClean="0">
                 <a:latin typeface="Arial"/>
+                <a:cs typeface="Arial"/>
               </a:rPr>
-              <a:t>are only as good as the </a:t>
+              <a:t> </a:t>
+            </a:r>
+            <a:r>
+              <a:rPr lang="en-US" sz="1800" dirty="0">
+                <a:latin typeface="Arial"/>
+                <a:cs typeface="Arial"/>
+              </a:rPr>
+              <a:t>is </a:t>
             </a:r>
             <a:r>
               <a:rPr lang="en-US" sz="1800" dirty="0" smtClean="0">
                 <a:latin typeface="Arial"/>
+                <a:cs typeface="Arial"/>
               </a:rPr>
-              <a:t>data</a:t>
-            </a:r>
-            <a:endParaRPr lang="en-US" sz="1800" dirty="0" smtClean="0">
-              <a:latin typeface="Arial"/>
-            </a:endParaRPr>
+              <a:t>the matrix </a:t>
+            </a:r>
+            <a:r>
+              <a:rPr lang="en-US" sz="1800" dirty="0">
+                <a:latin typeface="Arial"/>
+                <a:cs typeface="Arial"/>
+              </a:rPr>
+              <a:t>of independent hidden </a:t>
+            </a:r>
+            <a:r>
+              <a:rPr lang="en-US" sz="1800" dirty="0" smtClean="0">
+                <a:latin typeface="Arial"/>
+                <a:cs typeface="Arial"/>
+              </a:rPr>
+              <a:t>factors</a:t>
+            </a:r>
+          </a:p>
+          <a:p>
+            <a:pPr>
+              <a:buFont typeface="Arial"/>
+              <a:buChar char="•"/>
+            </a:pPr>
+            <a:r>
+              <a:rPr lang="en-US" sz="1800" b="1" dirty="0">
+                <a:latin typeface="Arial"/>
+                <a:ea typeface="Lucida Grande"/>
+                <a:cs typeface="Arial"/>
+              </a:rPr>
+              <a:t> </a:t>
+            </a:r>
+            <a:r>
+              <a:rPr lang="el-GR" sz="1800" b="1" dirty="0" smtClean="0">
+                <a:latin typeface="Arial"/>
+                <a:ea typeface="Lucida Grande"/>
+                <a:cs typeface="Arial"/>
+              </a:rPr>
+              <a:t>Ψ</a:t>
+            </a:r>
+            <a:r>
+              <a:rPr lang="en-US" sz="1800" dirty="0" smtClean="0">
+                <a:latin typeface="Arial"/>
+                <a:ea typeface="Lucida Grande"/>
+                <a:cs typeface="Arial"/>
+              </a:rPr>
+              <a:t> </a:t>
+            </a:r>
+            <a:r>
+              <a:rPr lang="en-US" sz="1800" dirty="0">
+                <a:latin typeface="Arial"/>
+                <a:ea typeface="Lucida Grande"/>
+                <a:cs typeface="Arial"/>
+              </a:rPr>
+              <a:t>is Gaussian noise</a:t>
+            </a:r>
           </a:p>
         </p:txBody>
       </p:sp>
@@ -5667,7 +5555,7 @@
         </p:nvGrpSpPr>
         <p:grpSpPr>
           <a:xfrm>
-            <a:off x="8589861" y="12686672"/>
+            <a:off x="8553575" y="12614108"/>
             <a:ext cx="5912019" cy="2262981"/>
             <a:chOff x="8894663" y="12890727"/>
             <a:chExt cx="5912019" cy="2262981"/>
@@ -5682,7 +5570,7 @@
             <p:nvPr/>
           </p:nvPicPr>
           <p:blipFill rotWithShape="1">
-            <a:blip r:embed="rId6">
+            <a:blip r:embed="rId5">
               <a:extLst>
                 <a:ext uri="{28A0092B-C50C-407E-A947-70E740481C1C}">
                   <a14:useLocalDpi xmlns:a14="http://schemas.microsoft.com/office/drawing/2010/main" val="0"/>
@@ -5757,7 +5645,7 @@
         </p:nvSpPr>
         <p:spPr>
           <a:xfrm>
-            <a:off x="7978600" y="15013646"/>
+            <a:off x="7942314" y="14924089"/>
             <a:ext cx="7033847" cy="3724097"/>
           </a:xfrm>
           <a:prstGeom prst="rect">
@@ -5805,7 +5693,7 @@
               <a:rPr lang="en-US" sz="1800" dirty="0" smtClean="0">
                 <a:latin typeface="Arial"/>
               </a:rPr>
-              <a:t>     - Loadings are regional correlations</a:t>
+              <a:t>     - Loadings as regional correlations</a:t>
             </a:r>
           </a:p>
           <a:p>
@@ -5866,30 +5754,15 @@
               <a:rPr lang="en-US" sz="1800" dirty="0" smtClean="0">
                 <a:latin typeface="Arial"/>
               </a:rPr>
-              <a:t>     - Penalized linear regression models (LARS) targeting </a:t>
-            </a:r>
+              <a:t>     - Penalized linear regression models (LARS) targeting cognition </a:t>
+            </a:r>
+          </a:p>
+          <a:p>
             <a:r>
               <a:rPr lang="en-US" sz="1800" dirty="0" smtClean="0">
                 <a:latin typeface="Arial"/>
               </a:rPr>
-              <a:t>cognition </a:t>
-            </a:r>
-            <a:endParaRPr lang="en-US" sz="1800" dirty="0" smtClean="0">
-              <a:latin typeface="Arial"/>
-            </a:endParaRPr>
-          </a:p>
-          <a:p>
-            <a:r>
-              <a:rPr lang="en-US" sz="1800" dirty="0" smtClean="0">
-                <a:latin typeface="Arial"/>
-              </a:rPr>
-              <a:t>        and </a:t>
-            </a:r>
-            <a:r>
-              <a:rPr lang="en-US" sz="1800" dirty="0" smtClean="0">
-                <a:latin typeface="Arial"/>
-              </a:rPr>
-              <a:t>annualized change in global burden</a:t>
+              <a:t>        and annualized change in global burden</a:t>
             </a:r>
           </a:p>
           <a:p>
@@ -5968,8 +5841,8 @@
         </p:nvSpPr>
         <p:spPr>
           <a:xfrm>
-            <a:off x="15721087" y="5546498"/>
-            <a:ext cx="4060981" cy="707886"/>
+            <a:off x="15411450" y="5055890"/>
+            <a:ext cx="10388396" cy="461665"/>
           </a:xfrm>
           <a:prstGeom prst="rect">
             <a:avLst/>
@@ -5984,25 +5857,10 @@
           <a:p>
             <a:pPr algn="ctr"/>
             <a:r>
-              <a:rPr lang="en-US" sz="2000" b="1" baseline="30000" dirty="0" smtClean="0">
+              <a:rPr lang="en-US" sz="2400" b="1" dirty="0" smtClean="0">
                 <a:latin typeface="Arial"/>
               </a:rPr>
-              <a:t>18</a:t>
-            </a:r>
-            <a:r>
-              <a:rPr lang="en-US" sz="2000" b="1" dirty="0" smtClean="0">
-                <a:latin typeface="Arial"/>
-              </a:rPr>
-              <a:t>F-AV-45 Factor Loadings </a:t>
-            </a:r>
-          </a:p>
-          <a:p>
-            <a:pPr algn="ctr"/>
-            <a:r>
-              <a:rPr lang="en-US" sz="2000" b="1" dirty="0" smtClean="0">
-                <a:latin typeface="Arial"/>
-              </a:rPr>
-              <a:t>(29 Factors)</a:t>
+              <a:t>Amyloid Deposition Topography Factors (29 Factors)</a:t>
             </a:r>
           </a:p>
         </p:txBody>
@@ -6015,8 +5873,8 @@
         </p:nvSpPr>
         <p:spPr>
           <a:xfrm>
-            <a:off x="26259968" y="5552985"/>
-            <a:ext cx="4087083" cy="707886"/>
+            <a:off x="25799846" y="5048000"/>
+            <a:ext cx="10540296" cy="469555"/>
           </a:xfrm>
           <a:prstGeom prst="rect">
             <a:avLst/>
@@ -6031,211 +5889,14 @@
           <a:p>
             <a:pPr algn="ctr"/>
             <a:r>
-              <a:rPr lang="en-US" sz="2000" b="1" baseline="30000" dirty="0" smtClean="0">
+              <a:rPr lang="en-US" sz="2400" b="1" dirty="0" smtClean="0">
                 <a:latin typeface="Arial"/>
               </a:rPr>
-              <a:t>18</a:t>
-            </a:r>
-            <a:r>
-              <a:rPr lang="en-US" sz="2000" b="1" dirty="0" smtClean="0">
-                <a:latin typeface="Arial"/>
-              </a:rPr>
-              <a:t>F-AV-1451 Factor Loadings </a:t>
-            </a:r>
-          </a:p>
-          <a:p>
-            <a:pPr algn="ctr"/>
-            <a:r>
-              <a:rPr lang="en-US" sz="2000" b="1" dirty="0" smtClean="0">
-                <a:latin typeface="Arial"/>
-              </a:rPr>
-              <a:t>(12 Factors)</a:t>
+              <a:t>Tau Deposition Topography Factors (12 Factors)</a:t>
             </a:r>
           </a:p>
         </p:txBody>
       </p:sp>
-      <p:sp>
-        <p:nvSpPr>
-          <p:cNvPr id="159" name="TextBox 158"/>
-          <p:cNvSpPr txBox="1"/>
-          <p:nvPr/>
-        </p:nvSpPr>
-        <p:spPr>
-          <a:xfrm>
-            <a:off x="15721086" y="12123795"/>
-            <a:ext cx="3908591" cy="400110"/>
-          </a:xfrm>
-          <a:prstGeom prst="rect">
-            <a:avLst/>
-          </a:prstGeom>
-          <a:noFill/>
-        </p:spPr>
-        <p:txBody>
-          <a:bodyPr wrap="square" rtlCol="0">
-            <a:spAutoFit/>
-          </a:bodyPr>
-          <a:lstStyle/>
-          <a:p>
-            <a:pPr algn="ctr"/>
-            <a:r>
-              <a:rPr lang="en-US" sz="2000" b="1" dirty="0" smtClean="0">
-                <a:latin typeface="Arial"/>
-              </a:rPr>
-              <a:t>Factor #6 Score vs. CS SUVR</a:t>
-            </a:r>
-          </a:p>
-        </p:txBody>
-      </p:sp>
-      <p:pic>
-        <p:nvPicPr>
-          <p:cNvPr id="161" name="Picture 160" descr="AV45_ss_loadings.jpeg"/>
-          <p:cNvPicPr>
-            <a:picLocks noChangeAspect="1"/>
-          </p:cNvPicPr>
-          <p:nvPr/>
-        </p:nvPicPr>
-        <p:blipFill>
-          <a:blip r:embed="rId7">
-            <a:extLst>
-              <a:ext uri="{28A0092B-C50C-407E-A947-70E740481C1C}">
-                <a14:useLocalDpi xmlns:a14="http://schemas.microsoft.com/office/drawing/2010/main" val="0"/>
-              </a:ext>
-            </a:extLst>
-          </a:blip>
-          <a:stretch>
-            <a:fillRect/>
-          </a:stretch>
-        </p:blipFill>
-        <p:spPr>
-          <a:xfrm>
-            <a:off x="15635929" y="6387210"/>
-            <a:ext cx="3993749" cy="2662499"/>
-          </a:xfrm>
-          <a:prstGeom prst="rect">
-            <a:avLst/>
-          </a:prstGeom>
-        </p:spPr>
-      </p:pic>
-      <p:pic>
-        <p:nvPicPr>
-          <p:cNvPr id="162" name="Picture 161" descr="AV45_regional_loadings.jpeg"/>
-          <p:cNvPicPr>
-            <a:picLocks noChangeAspect="1"/>
-          </p:cNvPicPr>
-          <p:nvPr/>
-        </p:nvPicPr>
-        <p:blipFill>
-          <a:blip r:embed="rId8">
-            <a:extLst>
-              <a:ext uri="{28A0092B-C50C-407E-A947-70E740481C1C}">
-                <a14:useLocalDpi xmlns:a14="http://schemas.microsoft.com/office/drawing/2010/main" val="0"/>
-              </a:ext>
-            </a:extLst>
-          </a:blip>
-          <a:stretch>
-            <a:fillRect/>
-          </a:stretch>
-        </p:blipFill>
-        <p:spPr>
-          <a:xfrm>
-            <a:off x="15635929" y="9299956"/>
-            <a:ext cx="4069939" cy="2713292"/>
-          </a:xfrm>
-          <a:prstGeom prst="rect">
-            <a:avLst/>
-          </a:prstGeom>
-        </p:spPr>
-      </p:pic>
-      <p:pic>
-        <p:nvPicPr>
-          <p:cNvPr id="163" name="Picture 162" descr="AV1451_ss_loadings.jpeg"/>
-          <p:cNvPicPr>
-            <a:picLocks noChangeAspect="1"/>
-          </p:cNvPicPr>
-          <p:nvPr/>
-        </p:nvPicPr>
-        <p:blipFill>
-          <a:blip r:embed="rId9">
-            <a:extLst>
-              <a:ext uri="{28A0092B-C50C-407E-A947-70E740481C1C}">
-                <a14:useLocalDpi xmlns:a14="http://schemas.microsoft.com/office/drawing/2010/main" val="0"/>
-              </a:ext>
-            </a:extLst>
-          </a:blip>
-          <a:stretch>
-            <a:fillRect/>
-          </a:stretch>
-        </p:blipFill>
-        <p:spPr>
-          <a:xfrm>
-            <a:off x="26442921" y="6459832"/>
-            <a:ext cx="3941845" cy="2627897"/>
-          </a:xfrm>
-          <a:prstGeom prst="rect">
-            <a:avLst/>
-          </a:prstGeom>
-        </p:spPr>
-      </p:pic>
-      <p:pic>
-        <p:nvPicPr>
-          <p:cNvPr id="164" name="Picture 163" descr="AV1451_region_loadings.jpeg"/>
-          <p:cNvPicPr>
-            <a:picLocks noChangeAspect="1"/>
-          </p:cNvPicPr>
-          <p:nvPr/>
-        </p:nvPicPr>
-        <p:blipFill>
-          <a:blip r:embed="rId10">
-            <a:extLst>
-              <a:ext uri="{28A0092B-C50C-407E-A947-70E740481C1C}">
-                <a14:useLocalDpi xmlns:a14="http://schemas.microsoft.com/office/drawing/2010/main" val="0"/>
-              </a:ext>
-            </a:extLst>
-          </a:blip>
-          <a:stretch>
-            <a:fillRect/>
-          </a:stretch>
-        </p:blipFill>
-        <p:spPr>
-          <a:xfrm>
-            <a:off x="26442921" y="9424796"/>
-            <a:ext cx="3941845" cy="2627897"/>
-          </a:xfrm>
-          <a:prstGeom prst="rect">
-            <a:avLst/>
-          </a:prstGeom>
-        </p:spPr>
-      </p:pic>
-      <p:pic>
-        <p:nvPicPr>
-          <p:cNvPr id="165" name="Picture 164" descr="AV1451_braak_loadings.jpeg"/>
-          <p:cNvPicPr>
-            <a:picLocks noChangeAspect="1"/>
-          </p:cNvPicPr>
-          <p:nvPr/>
-        </p:nvPicPr>
-        <p:blipFill>
-          <a:blip r:embed="rId11">
-            <a:extLst>
-              <a:ext uri="{28A0092B-C50C-407E-A947-70E740481C1C}">
-                <a14:useLocalDpi xmlns:a14="http://schemas.microsoft.com/office/drawing/2010/main" val="0"/>
-              </a:ext>
-            </a:extLst>
-          </a:blip>
-          <a:stretch>
-            <a:fillRect/>
-          </a:stretch>
-        </p:blipFill>
-        <p:spPr>
-          <a:xfrm>
-            <a:off x="26442922" y="12349865"/>
-            <a:ext cx="3953736" cy="2635824"/>
-          </a:xfrm>
-          <a:prstGeom prst="rect">
-            <a:avLst/>
-          </a:prstGeom>
-        </p:spPr>
-      </p:pic>
       <p:cxnSp>
         <p:nvCxnSpPr>
           <p:cNvPr id="203" name="Straight Connector 202"/>
@@ -6244,8 +5905,8 @@
         </p:nvCxnSpPr>
         <p:spPr>
           <a:xfrm>
-            <a:off x="25861242" y="5869844"/>
-            <a:ext cx="0" cy="12656202"/>
+            <a:off x="25799846" y="5233894"/>
+            <a:ext cx="0" cy="13313834"/>
           </a:xfrm>
           <a:prstGeom prst="line">
             <a:avLst/>
@@ -6281,8 +5942,8 @@
         </p:nvSpPr>
         <p:spPr>
           <a:xfrm>
-            <a:off x="19907703" y="5628239"/>
-            <a:ext cx="5419554" cy="8326590"/>
+            <a:off x="19890157" y="5770893"/>
+            <a:ext cx="5627074" cy="8326590"/>
           </a:xfrm>
           <a:prstGeom prst="roundRect">
             <a:avLst>
@@ -6329,7 +5990,7 @@
         </p:nvGrpSpPr>
         <p:grpSpPr>
           <a:xfrm>
-            <a:off x="20444714" y="5694477"/>
+            <a:off x="20528768" y="5837131"/>
             <a:ext cx="4721054" cy="312216"/>
             <a:chOff x="22088752" y="6228363"/>
             <a:chExt cx="4721054" cy="312216"/>
@@ -6344,7 +6005,7 @@
             <p:nvPr/>
           </p:nvPicPr>
           <p:blipFill>
-            <a:blip r:embed="rId12">
+            <a:blip r:embed="rId6">
               <a:extLst>
                 <a:ext uri="{28A0092B-C50C-407E-A947-70E740481C1C}">
                   <a14:useLocalDpi xmlns:a14="http://schemas.microsoft.com/office/drawing/2010/main" val="0"/>
@@ -6374,7 +6035,7 @@
             <p:nvPr/>
           </p:nvPicPr>
           <p:blipFill>
-            <a:blip r:embed="rId13">
+            <a:blip r:embed="rId7">
               <a:extLst>
                 <a:ext uri="{28A0092B-C50C-407E-A947-70E740481C1C}">
                   <a14:useLocalDpi xmlns:a14="http://schemas.microsoft.com/office/drawing/2010/main" val="0"/>
@@ -6572,7 +6233,7 @@
         </p:nvGrpSpPr>
         <p:grpSpPr>
           <a:xfrm>
-            <a:off x="20000166" y="6235087"/>
+            <a:off x="20084220" y="6479341"/>
             <a:ext cx="5211760" cy="3535640"/>
             <a:chOff x="16635507" y="13553291"/>
             <a:chExt cx="4918909" cy="3336971"/>
@@ -6587,7 +6248,7 @@
             <p:nvPr/>
           </p:nvPicPr>
           <p:blipFill>
-            <a:blip r:embed="rId14">
+            <a:blip r:embed="rId8">
               <a:extLst>
                 <a:ext uri="{28A0092B-C50C-407E-A947-70E740481C1C}">
                   <a14:useLocalDpi xmlns:a14="http://schemas.microsoft.com/office/drawing/2010/main" val="0"/>
@@ -6617,7 +6278,7 @@
             <p:nvPr/>
           </p:nvPicPr>
           <p:blipFill>
-            <a:blip r:embed="rId15">
+            <a:blip r:embed="rId9">
               <a:extLst>
                 <a:ext uri="{28A0092B-C50C-407E-A947-70E740481C1C}">
                   <a14:useLocalDpi xmlns:a14="http://schemas.microsoft.com/office/drawing/2010/main" val="0"/>
@@ -6647,7 +6308,7 @@
             <p:nvPr/>
           </p:nvPicPr>
           <p:blipFill>
-            <a:blip r:embed="rId16">
+            <a:blip r:embed="rId10">
               <a:extLst>
                 <a:ext uri="{28A0092B-C50C-407E-A947-70E740481C1C}">
                   <a14:useLocalDpi xmlns:a14="http://schemas.microsoft.com/office/drawing/2010/main" val="0"/>
@@ -6677,7 +6338,7 @@
             <p:nvPr/>
           </p:nvPicPr>
           <p:blipFill>
-            <a:blip r:embed="rId17">
+            <a:blip r:embed="rId11">
               <a:extLst>
                 <a:ext uri="{28A0092B-C50C-407E-A947-70E740481C1C}">
                   <a14:useLocalDpi xmlns:a14="http://schemas.microsoft.com/office/drawing/2010/main" val="0"/>
@@ -6707,7 +6368,7 @@
             <p:nvPr/>
           </p:nvPicPr>
           <p:blipFill>
-            <a:blip r:embed="rId18">
+            <a:blip r:embed="rId12">
               <a:extLst>
                 <a:ext uri="{28A0092B-C50C-407E-A947-70E740481C1C}">
                   <a14:useLocalDpi xmlns:a14="http://schemas.microsoft.com/office/drawing/2010/main" val="0"/>
@@ -6737,7 +6398,7 @@
             <p:nvPr/>
           </p:nvPicPr>
           <p:blipFill>
-            <a:blip r:embed="rId19">
+            <a:blip r:embed="rId13">
               <a:extLst>
                 <a:ext uri="{28A0092B-C50C-407E-A947-70E740481C1C}">
                   <a14:useLocalDpi xmlns:a14="http://schemas.microsoft.com/office/drawing/2010/main" val="0"/>
@@ -6767,7 +6428,7 @@
             <p:nvPr/>
           </p:nvPicPr>
           <p:blipFill>
-            <a:blip r:embed="rId20">
+            <a:blip r:embed="rId14">
               <a:extLst>
                 <a:ext uri="{28A0092B-C50C-407E-A947-70E740481C1C}">
                   <a14:useLocalDpi xmlns:a14="http://schemas.microsoft.com/office/drawing/2010/main" val="0"/>
@@ -6797,7 +6458,7 @@
             <p:nvPr/>
           </p:nvPicPr>
           <p:blipFill>
-            <a:blip r:embed="rId21">
+            <a:blip r:embed="rId15">
               <a:extLst>
                 <a:ext uri="{28A0092B-C50C-407E-A947-70E740481C1C}">
                   <a14:useLocalDpi xmlns:a14="http://schemas.microsoft.com/office/drawing/2010/main" val="0"/>
@@ -6827,7 +6488,7 @@
             <p:nvPr/>
           </p:nvPicPr>
           <p:blipFill>
-            <a:blip r:embed="rId22">
+            <a:blip r:embed="rId16">
               <a:extLst>
                 <a:ext uri="{28A0092B-C50C-407E-A947-70E740481C1C}">
                   <a14:useLocalDpi xmlns:a14="http://schemas.microsoft.com/office/drawing/2010/main" val="0"/>
@@ -6857,7 +6518,7 @@
             <p:nvPr/>
           </p:nvPicPr>
           <p:blipFill>
-            <a:blip r:embed="rId23">
+            <a:blip r:embed="rId17">
               <a:extLst>
                 <a:ext uri="{28A0092B-C50C-407E-A947-70E740481C1C}">
                   <a14:useLocalDpi xmlns:a14="http://schemas.microsoft.com/office/drawing/2010/main" val="0"/>
@@ -6887,7 +6548,7 @@
             <p:nvPr/>
           </p:nvPicPr>
           <p:blipFill>
-            <a:blip r:embed="rId24">
+            <a:blip r:embed="rId18">
               <a:extLst>
                 <a:ext uri="{28A0092B-C50C-407E-A947-70E740481C1C}">
                   <a14:useLocalDpi xmlns:a14="http://schemas.microsoft.com/office/drawing/2010/main" val="0"/>
@@ -6917,7 +6578,7 @@
             <p:nvPr/>
           </p:nvPicPr>
           <p:blipFill>
-            <a:blip r:embed="rId25">
+            <a:blip r:embed="rId19">
               <a:extLst>
                 <a:ext uri="{28A0092B-C50C-407E-A947-70E740481C1C}">
                   <a14:useLocalDpi xmlns:a14="http://schemas.microsoft.com/office/drawing/2010/main" val="0"/>
@@ -6947,7 +6608,7 @@
             <p:nvPr/>
           </p:nvPicPr>
           <p:blipFill>
-            <a:blip r:embed="rId26">
+            <a:blip r:embed="rId20">
               <a:extLst>
                 <a:ext uri="{28A0092B-C50C-407E-A947-70E740481C1C}">
                   <a14:useLocalDpi xmlns:a14="http://schemas.microsoft.com/office/drawing/2010/main" val="0"/>
@@ -6977,7 +6638,7 @@
             <p:nvPr/>
           </p:nvPicPr>
           <p:blipFill>
-            <a:blip r:embed="rId27">
+            <a:blip r:embed="rId21">
               <a:extLst>
                 <a:ext uri="{28A0092B-C50C-407E-A947-70E740481C1C}">
                   <a14:useLocalDpi xmlns:a14="http://schemas.microsoft.com/office/drawing/2010/main" val="0"/>
@@ -7049,15 +6710,195 @@
         </p:nvGrpSpPr>
         <p:grpSpPr>
           <a:xfrm>
-            <a:off x="19929611" y="9896612"/>
+            <a:off x="20013665" y="10195578"/>
             <a:ext cx="5382455" cy="3839583"/>
-            <a:chOff x="21959857" y="13481807"/>
+            <a:chOff x="21959857" y="13623551"/>
             <a:chExt cx="4880943" cy="3481828"/>
           </a:xfrm>
         </p:grpSpPr>
         <p:pic>
           <p:nvPicPr>
             <p:cNvPr id="197" name="Picture 196" descr="av45_lh_neg_lateral_nsfa14.png"/>
+            <p:cNvPicPr>
+              <a:picLocks noChangeAspect="1"/>
+            </p:cNvPicPr>
+            <p:nvPr/>
+          </p:nvPicPr>
+          <p:blipFill>
+            <a:blip r:embed="rId22">
+              <a:extLst>
+                <a:ext uri="{28A0092B-C50C-407E-A947-70E740481C1C}">
+                  <a14:useLocalDpi xmlns:a14="http://schemas.microsoft.com/office/drawing/2010/main" val="0"/>
+                </a:ext>
+              </a:extLst>
+            </a:blip>
+            <a:stretch>
+              <a:fillRect/>
+            </a:stretch>
+          </p:blipFill>
+          <p:spPr>
+            <a:xfrm>
+              <a:off x="24403040" y="14882115"/>
+              <a:ext cx="1211762" cy="927588"/>
+            </a:xfrm>
+            <a:prstGeom prst="rect">
+              <a:avLst/>
+            </a:prstGeom>
+          </p:spPr>
+        </p:pic>
+        <p:pic>
+          <p:nvPicPr>
+            <p:cNvPr id="189" name="Picture 188" descr="av45_lh_pos_inf_nsfa14.png"/>
+            <p:cNvPicPr>
+              <a:picLocks noChangeAspect="1"/>
+            </p:cNvPicPr>
+            <p:nvPr/>
+          </p:nvPicPr>
+          <p:blipFill>
+            <a:blip r:embed="rId23">
+              <a:extLst>
+                <a:ext uri="{28A0092B-C50C-407E-A947-70E740481C1C}">
+                  <a14:useLocalDpi xmlns:a14="http://schemas.microsoft.com/office/drawing/2010/main" val="0"/>
+                </a:ext>
+              </a:extLst>
+            </a:blip>
+            <a:stretch>
+              <a:fillRect/>
+            </a:stretch>
+          </p:blipFill>
+          <p:spPr>
+            <a:xfrm>
+              <a:off x="22593372" y="13699882"/>
+              <a:ext cx="538340" cy="1182237"/>
+            </a:xfrm>
+            <a:prstGeom prst="rect">
+              <a:avLst/>
+            </a:prstGeom>
+          </p:spPr>
+        </p:pic>
+        <p:pic>
+          <p:nvPicPr>
+            <p:cNvPr id="190" name="Picture 189" descr="av45_lh_pos_lateral_nsfa14.png"/>
+            <p:cNvPicPr>
+              <a:picLocks noChangeAspect="1"/>
+            </p:cNvPicPr>
+            <p:nvPr/>
+          </p:nvPicPr>
+          <p:blipFill>
+            <a:blip r:embed="rId24">
+              <a:extLst>
+                <a:ext uri="{28A0092B-C50C-407E-A947-70E740481C1C}">
+                  <a14:useLocalDpi xmlns:a14="http://schemas.microsoft.com/office/drawing/2010/main" val="0"/>
+                </a:ext>
+              </a:extLst>
+            </a:blip>
+            <a:stretch>
+              <a:fillRect/>
+            </a:stretch>
+          </p:blipFill>
+          <p:spPr>
+            <a:xfrm>
+              <a:off x="22014483" y="14882665"/>
+              <a:ext cx="1200161" cy="908086"/>
+            </a:xfrm>
+            <a:prstGeom prst="rect">
+              <a:avLst/>
+            </a:prstGeom>
+          </p:spPr>
+        </p:pic>
+        <p:pic>
+          <p:nvPicPr>
+            <p:cNvPr id="191" name="Picture 190" descr="av45_lh_pos_medial_nsfa14.png"/>
+            <p:cNvPicPr>
+              <a:picLocks noChangeAspect="1"/>
+            </p:cNvPicPr>
+            <p:nvPr/>
+          </p:nvPicPr>
+          <p:blipFill>
+            <a:blip r:embed="rId25">
+              <a:extLst>
+                <a:ext uri="{28A0092B-C50C-407E-A947-70E740481C1C}">
+                  <a14:useLocalDpi xmlns:a14="http://schemas.microsoft.com/office/drawing/2010/main" val="0"/>
+                </a:ext>
+              </a:extLst>
+            </a:blip>
+            <a:stretch>
+              <a:fillRect/>
+            </a:stretch>
+          </p:blipFill>
+          <p:spPr>
+            <a:xfrm>
+              <a:off x="23183828" y="15769505"/>
+              <a:ext cx="1245182" cy="910393"/>
+            </a:xfrm>
+            <a:prstGeom prst="rect">
+              <a:avLst/>
+            </a:prstGeom>
+          </p:spPr>
+        </p:pic>
+        <p:pic>
+          <p:nvPicPr>
+            <p:cNvPr id="192" name="Picture 191" descr="av45_rh_pos_inf_nsfa14.png"/>
+            <p:cNvPicPr>
+              <a:picLocks noChangeAspect="1"/>
+            </p:cNvPicPr>
+            <p:nvPr/>
+          </p:nvPicPr>
+          <p:blipFill>
+            <a:blip r:embed="rId26">
+              <a:extLst>
+                <a:ext uri="{28A0092B-C50C-407E-A947-70E740481C1C}">
+                  <a14:useLocalDpi xmlns:a14="http://schemas.microsoft.com/office/drawing/2010/main" val="0"/>
+                </a:ext>
+              </a:extLst>
+            </a:blip>
+            <a:stretch>
+              <a:fillRect/>
+            </a:stretch>
+          </p:blipFill>
+          <p:spPr>
+            <a:xfrm>
+              <a:off x="22101658" y="13699882"/>
+              <a:ext cx="540298" cy="1182237"/>
+            </a:xfrm>
+            <a:prstGeom prst="rect">
+              <a:avLst/>
+            </a:prstGeom>
+          </p:spPr>
+        </p:pic>
+        <p:pic>
+          <p:nvPicPr>
+            <p:cNvPr id="193" name="Picture 192" descr="av45_rh_pos_lateral_nsfa14.png"/>
+            <p:cNvPicPr>
+              <a:picLocks noChangeAspect="1"/>
+            </p:cNvPicPr>
+            <p:nvPr/>
+          </p:nvPicPr>
+          <p:blipFill>
+            <a:blip r:embed="rId27">
+              <a:extLst>
+                <a:ext uri="{28A0092B-C50C-407E-A947-70E740481C1C}">
+                  <a14:useLocalDpi xmlns:a14="http://schemas.microsoft.com/office/drawing/2010/main" val="0"/>
+                </a:ext>
+              </a:extLst>
+            </a:blip>
+            <a:stretch>
+              <a:fillRect/>
+            </a:stretch>
+          </p:blipFill>
+          <p:spPr>
+            <a:xfrm>
+              <a:off x="23210566" y="14882115"/>
+              <a:ext cx="1199467" cy="927588"/>
+            </a:xfrm>
+            <a:prstGeom prst="rect">
+              <a:avLst/>
+            </a:prstGeom>
+          </p:spPr>
+        </p:pic>
+        <p:pic>
+          <p:nvPicPr>
+            <p:cNvPr id="194" name="Picture 193" descr="av45_rh_pos_medial_nsfa14.png"/>
             <p:cNvPicPr>
               <a:picLocks noChangeAspect="1"/>
             </p:cNvPicPr>
@@ -7077,8 +6918,8 @@
           </p:blipFill>
           <p:spPr>
             <a:xfrm>
-              <a:off x="24403040" y="14740371"/>
-              <a:ext cx="1211762" cy="927588"/>
+              <a:off x="21959857" y="15782877"/>
+              <a:ext cx="1211960" cy="910393"/>
             </a:xfrm>
             <a:prstGeom prst="rect">
               <a:avLst/>
@@ -7087,7 +6928,7 @@
         </p:pic>
         <p:pic>
           <p:nvPicPr>
-            <p:cNvPr id="189" name="Picture 188" descr="av45_lh_pos_inf_nsfa14.png"/>
+            <p:cNvPr id="195" name="Picture 194" descr="av45_pos_ant_nsfa14.png"/>
             <p:cNvPicPr>
               <a:picLocks noChangeAspect="1"/>
             </p:cNvPicPr>
@@ -7107,8 +6948,8 @@
           </p:blipFill>
           <p:spPr>
             <a:xfrm>
-              <a:off x="22593372" y="13558136"/>
-              <a:ext cx="538340" cy="1182237"/>
+              <a:off x="23205236" y="13677129"/>
+              <a:ext cx="1178060" cy="1204986"/>
             </a:xfrm>
             <a:prstGeom prst="rect">
               <a:avLst/>
@@ -7117,7 +6958,7 @@
         </p:pic>
         <p:pic>
           <p:nvPicPr>
-            <p:cNvPr id="190" name="Picture 189" descr="av45_lh_pos_lateral_nsfa14.png"/>
+            <p:cNvPr id="196" name="Picture 195" descr="av45_lh_neg_inf_nsfa14.png"/>
             <p:cNvPicPr>
               <a:picLocks noChangeAspect="1"/>
             </p:cNvPicPr>
@@ -7137,8 +6978,8 @@
           </p:blipFill>
           <p:spPr>
             <a:xfrm>
-              <a:off x="22014483" y="14740918"/>
-              <a:ext cx="1200161" cy="908086"/>
+              <a:off x="24996582" y="13689955"/>
+              <a:ext cx="527785" cy="1182237"/>
             </a:xfrm>
             <a:prstGeom prst="rect">
               <a:avLst/>
@@ -7147,7 +6988,7 @@
         </p:pic>
         <p:pic>
           <p:nvPicPr>
-            <p:cNvPr id="191" name="Picture 190" descr="av45_lh_pos_medial_nsfa14.png"/>
+            <p:cNvPr id="198" name="Picture 197" descr="av45_lh_neg_medial_nsfa14.png"/>
             <p:cNvPicPr>
               <a:picLocks noChangeAspect="1"/>
             </p:cNvPicPr>
@@ -7167,8 +7008,8 @@
           </p:blipFill>
           <p:spPr>
             <a:xfrm>
-              <a:off x="23183828" y="15627761"/>
-              <a:ext cx="1245182" cy="910393"/>
+              <a:off x="25607497" y="15809708"/>
+              <a:ext cx="1199467" cy="886810"/>
             </a:xfrm>
             <a:prstGeom prst="rect">
               <a:avLst/>
@@ -7177,7 +7018,7 @@
         </p:pic>
         <p:pic>
           <p:nvPicPr>
-            <p:cNvPr id="192" name="Picture 191" descr="av45_rh_pos_inf_nsfa14.png"/>
+            <p:cNvPr id="199" name="Picture 198" descr="av45_neg_ant_nsfa14.png"/>
             <p:cNvPicPr>
               <a:picLocks noChangeAspect="1"/>
             </p:cNvPicPr>
@@ -7197,8 +7038,8 @@
           </p:blipFill>
           <p:spPr>
             <a:xfrm>
-              <a:off x="22101658" y="13558136"/>
-              <a:ext cx="540298" cy="1182237"/>
+              <a:off x="25602867" y="13623551"/>
+              <a:ext cx="1237933" cy="1258564"/>
             </a:xfrm>
             <a:prstGeom prst="rect">
               <a:avLst/>
@@ -7207,7 +7048,7 @@
         </p:pic>
         <p:pic>
           <p:nvPicPr>
-            <p:cNvPr id="193" name="Picture 192" descr="av45_rh_pos_lateral_nsfa14.png"/>
+            <p:cNvPr id="200" name="Picture 199" descr="av45_rh_neg_inf_nsfa14.png"/>
             <p:cNvPicPr>
               <a:picLocks noChangeAspect="1"/>
             </p:cNvPicPr>
@@ -7227,8 +7068,8 @@
           </p:blipFill>
           <p:spPr>
             <a:xfrm>
-              <a:off x="23210566" y="14740371"/>
-              <a:ext cx="1199467" cy="927588"/>
+              <a:off x="24507123" y="13691746"/>
+              <a:ext cx="534629" cy="1200186"/>
             </a:xfrm>
             <a:prstGeom prst="rect">
               <a:avLst/>
@@ -7237,7 +7078,7 @@
         </p:pic>
         <p:pic>
           <p:nvPicPr>
-            <p:cNvPr id="194" name="Picture 193" descr="av45_rh_pos_medial_nsfa14.png"/>
+            <p:cNvPr id="201" name="Picture 200" descr="av45_rh_neg_lateral_nsfa14.png"/>
             <p:cNvPicPr>
               <a:picLocks noChangeAspect="1"/>
             </p:cNvPicPr>
@@ -7257,8 +7098,8 @@
           </p:blipFill>
           <p:spPr>
             <a:xfrm>
-              <a:off x="21959857" y="15641130"/>
-              <a:ext cx="1211960" cy="910393"/>
+              <a:off x="25615864" y="14882117"/>
+              <a:ext cx="1195677" cy="927588"/>
             </a:xfrm>
             <a:prstGeom prst="rect">
               <a:avLst/>
@@ -7267,7 +7108,7 @@
         </p:pic>
         <p:pic>
           <p:nvPicPr>
-            <p:cNvPr id="195" name="Picture 194" descr="av45_pos_ant_nsfa14.png"/>
+            <p:cNvPr id="202" name="Picture 201" descr="av45_rh_neg_medial_nsfa14.png"/>
             <p:cNvPicPr>
               <a:picLocks noChangeAspect="1"/>
             </p:cNvPicPr>
@@ -7287,187 +7128,7 @@
           </p:blipFill>
           <p:spPr>
             <a:xfrm>
-              <a:off x="23205236" y="13535385"/>
-              <a:ext cx="1178060" cy="1204986"/>
-            </a:xfrm>
-            <a:prstGeom prst="rect">
-              <a:avLst/>
-            </a:prstGeom>
-          </p:spPr>
-        </p:pic>
-        <p:pic>
-          <p:nvPicPr>
-            <p:cNvPr id="196" name="Picture 195" descr="av45_lh_neg_inf_nsfa14.png"/>
-            <p:cNvPicPr>
-              <a:picLocks noChangeAspect="1"/>
-            </p:cNvPicPr>
-            <p:nvPr/>
-          </p:nvPicPr>
-          <p:blipFill>
-            <a:blip r:embed="rId36">
-              <a:extLst>
-                <a:ext uri="{28A0092B-C50C-407E-A947-70E740481C1C}">
-                  <a14:useLocalDpi xmlns:a14="http://schemas.microsoft.com/office/drawing/2010/main" val="0"/>
-                </a:ext>
-              </a:extLst>
-            </a:blip>
-            <a:stretch>
-              <a:fillRect/>
-            </a:stretch>
-          </p:blipFill>
-          <p:spPr>
-            <a:xfrm>
-              <a:off x="24996582" y="13548210"/>
-              <a:ext cx="527785" cy="1182237"/>
-            </a:xfrm>
-            <a:prstGeom prst="rect">
-              <a:avLst/>
-            </a:prstGeom>
-          </p:spPr>
-        </p:pic>
-        <p:pic>
-          <p:nvPicPr>
-            <p:cNvPr id="198" name="Picture 197" descr="av45_lh_neg_medial_nsfa14.png"/>
-            <p:cNvPicPr>
-              <a:picLocks noChangeAspect="1"/>
-            </p:cNvPicPr>
-            <p:nvPr/>
-          </p:nvPicPr>
-          <p:blipFill>
-            <a:blip r:embed="rId37">
-              <a:extLst>
-                <a:ext uri="{28A0092B-C50C-407E-A947-70E740481C1C}">
-                  <a14:useLocalDpi xmlns:a14="http://schemas.microsoft.com/office/drawing/2010/main" val="0"/>
-                </a:ext>
-              </a:extLst>
-            </a:blip>
-            <a:stretch>
-              <a:fillRect/>
-            </a:stretch>
-          </p:blipFill>
-          <p:spPr>
-            <a:xfrm>
-              <a:off x="25607497" y="15667959"/>
-              <a:ext cx="1199467" cy="886810"/>
-            </a:xfrm>
-            <a:prstGeom prst="rect">
-              <a:avLst/>
-            </a:prstGeom>
-          </p:spPr>
-        </p:pic>
-        <p:pic>
-          <p:nvPicPr>
-            <p:cNvPr id="199" name="Picture 198" descr="av45_neg_ant_nsfa14.png"/>
-            <p:cNvPicPr>
-              <a:picLocks noChangeAspect="1"/>
-            </p:cNvPicPr>
-            <p:nvPr/>
-          </p:nvPicPr>
-          <p:blipFill>
-            <a:blip r:embed="rId38">
-              <a:extLst>
-                <a:ext uri="{28A0092B-C50C-407E-A947-70E740481C1C}">
-                  <a14:useLocalDpi xmlns:a14="http://schemas.microsoft.com/office/drawing/2010/main" val="0"/>
-                </a:ext>
-              </a:extLst>
-            </a:blip>
-            <a:stretch>
-              <a:fillRect/>
-            </a:stretch>
-          </p:blipFill>
-          <p:spPr>
-            <a:xfrm>
-              <a:off x="25602867" y="13481807"/>
-              <a:ext cx="1237933" cy="1258564"/>
-            </a:xfrm>
-            <a:prstGeom prst="rect">
-              <a:avLst/>
-            </a:prstGeom>
-          </p:spPr>
-        </p:pic>
-        <p:pic>
-          <p:nvPicPr>
-            <p:cNvPr id="200" name="Picture 199" descr="av45_rh_neg_inf_nsfa14.png"/>
-            <p:cNvPicPr>
-              <a:picLocks noChangeAspect="1"/>
-            </p:cNvPicPr>
-            <p:nvPr/>
-          </p:nvPicPr>
-          <p:blipFill>
-            <a:blip r:embed="rId39">
-              <a:extLst>
-                <a:ext uri="{28A0092B-C50C-407E-A947-70E740481C1C}">
-                  <a14:useLocalDpi xmlns:a14="http://schemas.microsoft.com/office/drawing/2010/main" val="0"/>
-                </a:ext>
-              </a:extLst>
-            </a:blip>
-            <a:stretch>
-              <a:fillRect/>
-            </a:stretch>
-          </p:blipFill>
-          <p:spPr>
-            <a:xfrm>
-              <a:off x="24507123" y="13549999"/>
-              <a:ext cx="534629" cy="1200186"/>
-            </a:xfrm>
-            <a:prstGeom prst="rect">
-              <a:avLst/>
-            </a:prstGeom>
-          </p:spPr>
-        </p:pic>
-        <p:pic>
-          <p:nvPicPr>
-            <p:cNvPr id="201" name="Picture 200" descr="av45_rh_neg_lateral_nsfa14.png"/>
-            <p:cNvPicPr>
-              <a:picLocks noChangeAspect="1"/>
-            </p:cNvPicPr>
-            <p:nvPr/>
-          </p:nvPicPr>
-          <p:blipFill>
-            <a:blip r:embed="rId40">
-              <a:extLst>
-                <a:ext uri="{28A0092B-C50C-407E-A947-70E740481C1C}">
-                  <a14:useLocalDpi xmlns:a14="http://schemas.microsoft.com/office/drawing/2010/main" val="0"/>
-                </a:ext>
-              </a:extLst>
-            </a:blip>
-            <a:stretch>
-              <a:fillRect/>
-            </a:stretch>
-          </p:blipFill>
-          <p:spPr>
-            <a:xfrm>
-              <a:off x="25615864" y="14740371"/>
-              <a:ext cx="1195677" cy="927588"/>
-            </a:xfrm>
-            <a:prstGeom prst="rect">
-              <a:avLst/>
-            </a:prstGeom>
-          </p:spPr>
-        </p:pic>
-        <p:pic>
-          <p:nvPicPr>
-            <p:cNvPr id="202" name="Picture 201" descr="av45_rh_neg_medial_nsfa14.png"/>
-            <p:cNvPicPr>
-              <a:picLocks noChangeAspect="1"/>
-            </p:cNvPicPr>
-            <p:nvPr/>
-          </p:nvPicPr>
-          <p:blipFill>
-            <a:blip r:embed="rId41">
-              <a:extLst>
-                <a:ext uri="{28A0092B-C50C-407E-A947-70E740481C1C}">
-                  <a14:useLocalDpi xmlns:a14="http://schemas.microsoft.com/office/drawing/2010/main" val="0"/>
-                </a:ext>
-              </a:extLst>
-            </a:blip>
-            <a:stretch>
-              <a:fillRect/>
-            </a:stretch>
-          </p:blipFill>
-          <p:spPr>
-            <a:xfrm>
-              <a:off x="24455240" y="15687412"/>
+              <a:off x="24455240" y="15829156"/>
               <a:ext cx="1163798" cy="867359"/>
             </a:xfrm>
             <a:prstGeom prst="rect">
@@ -7483,7 +7144,7 @@
           </p:nvSpPr>
           <p:spPr>
             <a:xfrm>
-              <a:off x="23694163" y="16563525"/>
+              <a:off x="23694163" y="16705269"/>
               <a:ext cx="1527776" cy="400110"/>
             </a:xfrm>
             <a:prstGeom prst="rect">
@@ -7526,8 +7187,8 @@
         </p:nvSpPr>
         <p:spPr>
           <a:xfrm>
-            <a:off x="30626935" y="5653826"/>
-            <a:ext cx="5430338" cy="4301869"/>
+            <a:off x="30429200" y="5762954"/>
+            <a:ext cx="5617885" cy="4432624"/>
           </a:xfrm>
           <a:prstGeom prst="roundRect">
             <a:avLst>
@@ -7574,8 +7235,8 @@
         </p:nvGrpSpPr>
         <p:grpSpPr>
           <a:xfrm>
-            <a:off x="30763584" y="6095054"/>
-            <a:ext cx="5166466" cy="3725527"/>
+            <a:off x="30570568" y="6407382"/>
+            <a:ext cx="5344900" cy="3725527"/>
             <a:chOff x="16580029" y="14461554"/>
             <a:chExt cx="4886213" cy="3401288"/>
           </a:xfrm>
@@ -7589,7 +7250,7 @@
             <p:nvPr/>
           </p:nvPicPr>
           <p:blipFill>
-            <a:blip r:embed="rId42">
+            <a:blip r:embed="rId36">
               <a:extLst>
                 <a:ext uri="{28A0092B-C50C-407E-A947-70E740481C1C}">
                   <a14:useLocalDpi xmlns:a14="http://schemas.microsoft.com/office/drawing/2010/main" val="0"/>
@@ -7619,7 +7280,7 @@
             <p:nvPr/>
           </p:nvPicPr>
           <p:blipFill>
-            <a:blip r:embed="rId43">
+            <a:blip r:embed="rId37">
               <a:extLst>
                 <a:ext uri="{28A0092B-C50C-407E-A947-70E740481C1C}">
                   <a14:useLocalDpi xmlns:a14="http://schemas.microsoft.com/office/drawing/2010/main" val="0"/>
@@ -7649,7 +7310,7 @@
             <p:nvPr/>
           </p:nvPicPr>
           <p:blipFill>
-            <a:blip r:embed="rId44">
+            <a:blip r:embed="rId38">
               <a:extLst>
                 <a:ext uri="{28A0092B-C50C-407E-A947-70E740481C1C}">
                   <a14:useLocalDpi xmlns:a14="http://schemas.microsoft.com/office/drawing/2010/main" val="0"/>
@@ -7679,7 +7340,7 @@
             <p:nvPr/>
           </p:nvPicPr>
           <p:blipFill>
-            <a:blip r:embed="rId45">
+            <a:blip r:embed="rId39">
               <a:extLst>
                 <a:ext uri="{28A0092B-C50C-407E-A947-70E740481C1C}">
                   <a14:useLocalDpi xmlns:a14="http://schemas.microsoft.com/office/drawing/2010/main" val="0"/>
@@ -7709,7 +7370,7 @@
             <p:nvPr/>
           </p:nvPicPr>
           <p:blipFill>
-            <a:blip r:embed="rId46">
+            <a:blip r:embed="rId40">
               <a:extLst>
                 <a:ext uri="{28A0092B-C50C-407E-A947-70E740481C1C}">
                   <a14:useLocalDpi xmlns:a14="http://schemas.microsoft.com/office/drawing/2010/main" val="0"/>
@@ -7739,7 +7400,7 @@
             <p:nvPr/>
           </p:nvPicPr>
           <p:blipFill>
-            <a:blip r:embed="rId47">
+            <a:blip r:embed="rId41">
               <a:extLst>
                 <a:ext uri="{28A0092B-C50C-407E-A947-70E740481C1C}">
                   <a14:useLocalDpi xmlns:a14="http://schemas.microsoft.com/office/drawing/2010/main" val="0"/>
@@ -7769,7 +7430,7 @@
             <p:nvPr/>
           </p:nvPicPr>
           <p:blipFill>
-            <a:blip r:embed="rId48">
+            <a:blip r:embed="rId42">
               <a:extLst>
                 <a:ext uri="{28A0092B-C50C-407E-A947-70E740481C1C}">
                   <a14:useLocalDpi xmlns:a14="http://schemas.microsoft.com/office/drawing/2010/main" val="0"/>
@@ -7799,7 +7460,7 @@
             <p:nvPr/>
           </p:nvPicPr>
           <p:blipFill>
-            <a:blip r:embed="rId49">
+            <a:blip r:embed="rId43">
               <a:extLst>
                 <a:ext uri="{28A0092B-C50C-407E-A947-70E740481C1C}">
                   <a14:useLocalDpi xmlns:a14="http://schemas.microsoft.com/office/drawing/2010/main" val="0"/>
@@ -7829,7 +7490,7 @@
             <p:nvPr/>
           </p:nvPicPr>
           <p:blipFill>
-            <a:blip r:embed="rId50">
+            <a:blip r:embed="rId44">
               <a:extLst>
                 <a:ext uri="{28A0092B-C50C-407E-A947-70E740481C1C}">
                   <a14:useLocalDpi xmlns:a14="http://schemas.microsoft.com/office/drawing/2010/main" val="0"/>
@@ -7859,7 +7520,7 @@
             <p:nvPr/>
           </p:nvPicPr>
           <p:blipFill>
-            <a:blip r:embed="rId51">
+            <a:blip r:embed="rId45">
               <a:extLst>
                 <a:ext uri="{28A0092B-C50C-407E-A947-70E740481C1C}">
                   <a14:useLocalDpi xmlns:a14="http://schemas.microsoft.com/office/drawing/2010/main" val="0"/>
@@ -7889,7 +7550,7 @@
             <p:nvPr/>
           </p:nvPicPr>
           <p:blipFill>
-            <a:blip r:embed="rId52">
+            <a:blip r:embed="rId46">
               <a:extLst>
                 <a:ext uri="{28A0092B-C50C-407E-A947-70E740481C1C}">
                   <a14:useLocalDpi xmlns:a14="http://schemas.microsoft.com/office/drawing/2010/main" val="0"/>
@@ -7919,7 +7580,7 @@
             <p:nvPr/>
           </p:nvPicPr>
           <p:blipFill>
-            <a:blip r:embed="rId53">
+            <a:blip r:embed="rId47">
               <a:extLst>
                 <a:ext uri="{28A0092B-C50C-407E-A947-70E740481C1C}">
                   <a14:useLocalDpi xmlns:a14="http://schemas.microsoft.com/office/drawing/2010/main" val="0"/>
@@ -7949,7 +7610,7 @@
             <p:nvPr/>
           </p:nvPicPr>
           <p:blipFill>
-            <a:blip r:embed="rId54">
+            <a:blip r:embed="rId48">
               <a:extLst>
                 <a:ext uri="{28A0092B-C50C-407E-A947-70E740481C1C}">
                   <a14:useLocalDpi xmlns:a14="http://schemas.microsoft.com/office/drawing/2010/main" val="0"/>
@@ -7979,7 +7640,7 @@
             <p:nvPr/>
           </p:nvPicPr>
           <p:blipFill>
-            <a:blip r:embed="rId55">
+            <a:blip r:embed="rId49">
               <a:extLst>
                 <a:ext uri="{28A0092B-C50C-407E-A947-70E740481C1C}">
                   <a14:useLocalDpi xmlns:a14="http://schemas.microsoft.com/office/drawing/2010/main" val="0"/>
@@ -8051,8 +7712,8 @@
         </p:nvGrpSpPr>
         <p:grpSpPr>
           <a:xfrm>
-            <a:off x="31115624" y="5724172"/>
-            <a:ext cx="4721054" cy="312216"/>
+            <a:off x="30934767" y="5833300"/>
+            <a:ext cx="4884105" cy="312216"/>
             <a:chOff x="22088752" y="6228363"/>
             <a:chExt cx="4721054" cy="312216"/>
           </a:xfrm>
@@ -8066,7 +7727,7 @@
             <p:nvPr/>
           </p:nvPicPr>
           <p:blipFill>
-            <a:blip r:embed="rId12">
+            <a:blip r:embed="rId6">
               <a:extLst>
                 <a:ext uri="{28A0092B-C50C-407E-A947-70E740481C1C}">
                   <a14:useLocalDpi xmlns:a14="http://schemas.microsoft.com/office/drawing/2010/main" val="0"/>
@@ -8096,7 +7757,7 @@
             <p:nvPr/>
           </p:nvPicPr>
           <p:blipFill>
-            <a:blip r:embed="rId13">
+            <a:blip r:embed="rId7">
               <a:extLst>
                 <a:ext uri="{28A0092B-C50C-407E-A947-70E740481C1C}">
                   <a14:useLocalDpi xmlns:a14="http://schemas.microsoft.com/office/drawing/2010/main" val="0"/>
@@ -8286,36 +7947,82 @@
           </p:txBody>
         </p:sp>
       </p:grpSp>
-      <p:pic>
-        <p:nvPicPr>
-          <p:cNvPr id="238" name="Picture 237" descr="AV45_cspvc_vs_nsfa6.jpeg"/>
-          <p:cNvPicPr>
-            <a:picLocks noChangeAspect="1"/>
-          </p:cNvPicPr>
+      <p:grpSp>
+        <p:nvGrpSpPr>
+          <p:cNvPr id="9" name="Group 8"/>
+          <p:cNvGrpSpPr/>
           <p:nvPr/>
-        </p:nvPicPr>
-        <p:blipFill>
-          <a:blip r:embed="rId56">
-            <a:extLst>
-              <a:ext uri="{28A0092B-C50C-407E-A947-70E740481C1C}">
-                <a14:useLocalDpi xmlns:a14="http://schemas.microsoft.com/office/drawing/2010/main" val="0"/>
-              </a:ext>
-            </a:extLst>
-          </a:blip>
-          <a:stretch>
-            <a:fillRect/>
-          </a:stretch>
-        </p:blipFill>
-        <p:spPr>
+        </p:nvGrpSpPr>
+        <p:grpSpPr>
           <a:xfrm>
-            <a:off x="15712128" y="12738439"/>
-            <a:ext cx="4056790" cy="1521296"/>
+            <a:off x="15635927" y="12290920"/>
+            <a:ext cx="4069939" cy="1806563"/>
+            <a:chOff x="15635927" y="12269758"/>
+            <a:chExt cx="4069939" cy="1806563"/>
           </a:xfrm>
-          <a:prstGeom prst="rect">
-            <a:avLst/>
-          </a:prstGeom>
-        </p:spPr>
-      </p:pic>
+        </p:grpSpPr>
+        <p:sp>
+          <p:nvSpPr>
+            <p:cNvPr id="159" name="TextBox 158"/>
+            <p:cNvSpPr txBox="1"/>
+            <p:nvPr/>
+          </p:nvSpPr>
+          <p:spPr>
+            <a:xfrm>
+              <a:off x="15635927" y="12269758"/>
+              <a:ext cx="4069939" cy="400110"/>
+            </a:xfrm>
+            <a:prstGeom prst="rect">
+              <a:avLst/>
+            </a:prstGeom>
+            <a:noFill/>
+          </p:spPr>
+          <p:txBody>
+            <a:bodyPr wrap="square" rtlCol="0">
+              <a:spAutoFit/>
+            </a:bodyPr>
+            <a:lstStyle/>
+            <a:p>
+              <a:pPr algn="ctr"/>
+              <a:r>
+                <a:rPr lang="en-US" sz="2000" b="1" dirty="0" smtClean="0">
+                  <a:latin typeface="Arial"/>
+                </a:rPr>
+                <a:t>Factor #6 Score vs. CS SUVR</a:t>
+              </a:r>
+            </a:p>
+          </p:txBody>
+        </p:sp>
+        <p:pic>
+          <p:nvPicPr>
+            <p:cNvPr id="238" name="Picture 237" descr="AV45_cspvc_vs_nsfa6.jpeg"/>
+            <p:cNvPicPr>
+              <a:picLocks noChangeAspect="1"/>
+            </p:cNvPicPr>
+            <p:nvPr/>
+          </p:nvPicPr>
+          <p:blipFill rotWithShape="1">
+            <a:blip r:embed="rId50">
+              <a:extLst>
+                <a:ext uri="{28A0092B-C50C-407E-A947-70E740481C1C}">
+                  <a14:useLocalDpi xmlns:a14="http://schemas.microsoft.com/office/drawing/2010/main" val="0"/>
+                </a:ext>
+              </a:extLst>
+            </a:blip>
+            <a:srcRect l="383" t="8358" r="1794" b="278"/>
+            <a:stretch/>
+          </p:blipFill>
+          <p:spPr>
+            <a:xfrm>
+              <a:off x="15635927" y="12650905"/>
+              <a:ext cx="4069939" cy="1425416"/>
+            </a:xfrm>
+            <a:prstGeom prst="rect">
+              <a:avLst/>
+            </a:prstGeom>
+          </p:spPr>
+        </p:pic>
+      </p:grpSp>
       <p:sp>
         <p:nvSpPr>
           <p:cNvPr id="47" name="Rounded Rectangle 46"/>
@@ -8324,8 +8031,8 @@
         </p:nvSpPr>
         <p:spPr>
           <a:xfrm>
-            <a:off x="26381553" y="15312473"/>
-            <a:ext cx="9523095" cy="3371995"/>
+            <a:off x="26085800" y="15646400"/>
+            <a:ext cx="9961285" cy="3001786"/>
           </a:xfrm>
           <a:prstGeom prst="roundRect">
             <a:avLst/>
@@ -8339,9 +8046,8 @@
           </a:solidFill>
           <a:ln>
             <a:solidFill>
-              <a:schemeClr val="accent1">
-                <a:lumMod val="20000"/>
-                <a:lumOff val="80000"/>
+              <a:schemeClr val="bg1">
+                <a:lumMod val="85000"/>
               </a:schemeClr>
             </a:solidFill>
           </a:ln>
@@ -8378,8 +8084,8 @@
         </p:nvSpPr>
         <p:spPr>
           <a:xfrm>
-            <a:off x="26613641" y="15449030"/>
-            <a:ext cx="9142583" cy="3170099"/>
+            <a:off x="26178864" y="15740979"/>
+            <a:ext cx="9788642" cy="2800767"/>
           </a:xfrm>
           <a:prstGeom prst="rect">
             <a:avLst/>
@@ -8433,29 +8139,32 @@
               <a:rPr lang="en-US" sz="1800" dirty="0" smtClean="0">
                 <a:latin typeface="Arial"/>
               </a:rPr>
-              <a:t>45 factor (#6)</a:t>
-            </a:r>
-            <a:r>
-              <a:rPr lang="en-US" sz="1800" dirty="0">
+              <a:t>45 factor (#6) recapitulates cortical summary SUVR in regional topography and its relationships to </a:t>
+            </a:r>
+            <a:r>
+              <a:rPr lang="en-US" sz="1800" dirty="0" smtClean="0">
                 <a:latin typeface="Arial"/>
               </a:rPr>
-              <a:t> </a:t>
+              <a:t>longitudinal </a:t>
             </a:r>
             <a:r>
               <a:rPr lang="en-US" sz="1800" dirty="0" smtClean="0">
                 <a:latin typeface="Arial"/>
               </a:rPr>
-              <a:t>is very similar to cortical summary SUVR, and outperforms CS SUVR in correlation with cross-sectional cognition amongst florbetapir positive </a:t>
+              <a:t>amyloid deposition </a:t>
             </a:r>
             <a:r>
               <a:rPr lang="en-US" sz="1800" dirty="0" smtClean="0">
                 <a:latin typeface="Arial"/>
               </a:rPr>
-              <a:t>subjects</a:t>
-            </a:r>
-            <a:endParaRPr lang="en-US" sz="1800" dirty="0" smtClean="0">
-              <a:latin typeface="Arial"/>
-            </a:endParaRPr>
+              <a:t>and ADAS-cog amongst </a:t>
+            </a:r>
+            <a:r>
+              <a:rPr lang="en-US" sz="1800" dirty="0" smtClean="0">
+                <a:latin typeface="Arial"/>
+              </a:rPr>
+              <a:t>florbetapir positive subjects</a:t>
+            </a:r>
           </a:p>
           <a:p>
             <a:pPr marL="285750" indent="-285750">
@@ -8469,56 +8178,29 @@
               <a:t>A </a:t>
             </a:r>
             <a:r>
-              <a:rPr lang="en-US" sz="1800" baseline="30000" dirty="0">
+              <a:rPr lang="en-US" sz="1800" baseline="30000" dirty="0" smtClean="0">
                 <a:latin typeface="Arial"/>
               </a:rPr>
               <a:t>18</a:t>
             </a:r>
             <a:r>
+              <a:rPr lang="en-US" sz="1800" dirty="0" smtClean="0">
+                <a:latin typeface="Arial"/>
+              </a:rPr>
+              <a:t>F-AV-45 factor (#14) tracks variation between the cingulate and frontal/inferior temporal regions, providing predictive power </a:t>
+            </a:r>
+            <a:r>
               <a:rPr lang="en-US" sz="1800" dirty="0">
                 <a:latin typeface="Arial"/>
               </a:rPr>
-              <a:t>F-AV-45 factor (</a:t>
+              <a:t>for </a:t>
             </a:r>
             <a:r>
               <a:rPr lang="en-US" sz="1800" dirty="0" smtClean="0">
                 <a:latin typeface="Arial"/>
               </a:rPr>
-              <a:t>#14) </a:t>
-            </a:r>
-            <a:r>
-              <a:rPr lang="en-US" sz="1800" dirty="0" smtClean="0">
-                <a:latin typeface="Arial"/>
-              </a:rPr>
-              <a:t>tracks variation </a:t>
-            </a:r>
-            <a:r>
-              <a:rPr lang="en-US" sz="1800" dirty="0" smtClean="0">
-                <a:latin typeface="Arial"/>
-              </a:rPr>
-              <a:t>between the cingulate and frontal/</a:t>
-            </a:r>
-            <a:r>
-              <a:rPr lang="en-US" sz="1800" dirty="0" smtClean="0">
-                <a:latin typeface="Arial"/>
-              </a:rPr>
-              <a:t>inferior </a:t>
-            </a:r>
-            <a:r>
-              <a:rPr lang="en-US" sz="1800" dirty="0" smtClean="0">
-                <a:latin typeface="Arial"/>
-              </a:rPr>
-              <a:t>temporal regions, providing additional predictive power for cross sectional </a:t>
-            </a:r>
-            <a:r>
-              <a:rPr lang="en-US" sz="1800" dirty="0" smtClean="0">
-                <a:latin typeface="Arial"/>
-              </a:rPr>
-              <a:t>cognition</a:t>
-            </a:r>
-            <a:endParaRPr lang="en-US" sz="1800" dirty="0" smtClean="0">
-              <a:latin typeface="Arial"/>
-            </a:endParaRPr>
+              <a:t>ADAS-cog beyond the cortical summary SUVR</a:t>
+            </a:r>
           </a:p>
           <a:p>
             <a:pPr marL="285750" indent="-285750">
@@ -8526,7 +8208,7 @@
               <a:buChar char="•"/>
             </a:pPr>
             <a:r>
-              <a:rPr lang="en-US" sz="1800" dirty="0">
+              <a:rPr lang="en-US" sz="1800" dirty="0" smtClean="0">
                 <a:latin typeface="Arial"/>
               </a:rPr>
               <a:t>A </a:t>
@@ -8541,57 +8223,27 @@
               <a:rPr lang="en-US" sz="1800" dirty="0">
                 <a:latin typeface="Arial"/>
               </a:rPr>
-              <a:t>F-AV</a:t>
-            </a:r>
-            <a:r>
-              <a:rPr lang="en-US" sz="1800" dirty="0" smtClean="0">
-                <a:latin typeface="Arial"/>
-              </a:rPr>
-              <a:t>-1451 </a:t>
-            </a:r>
-            <a:r>
-              <a:rPr lang="en-US" sz="1800" dirty="0">
-                <a:latin typeface="Arial"/>
-              </a:rPr>
-              <a:t>factor (</a:t>
-            </a:r>
-            <a:r>
-              <a:rPr lang="en-US" sz="1800" dirty="0" smtClean="0">
-                <a:latin typeface="Arial"/>
-              </a:rPr>
-              <a:t>#</a:t>
-            </a:r>
-            <a:r>
-              <a:rPr lang="en-US" sz="1800" dirty="0">
-                <a:latin typeface="Arial"/>
-              </a:rPr>
-              <a:t>0</a:t>
-            </a:r>
-            <a:r>
-              <a:rPr lang="en-US" sz="1800" dirty="0" smtClean="0">
-                <a:latin typeface="Arial"/>
-              </a:rPr>
-              <a:t>) outperforms all </a:t>
-            </a:r>
-            <a:r>
-              <a:rPr lang="en-US" sz="1800" dirty="0" err="1" smtClean="0">
+              <a:t>F-AV-1451 factor (#0) outperforms all </a:t>
+            </a:r>
+            <a:r>
+              <a:rPr lang="en-US" sz="1800" dirty="0" err="1">
                 <a:latin typeface="Arial"/>
               </a:rPr>
               <a:t>Braak</a:t>
             </a:r>
             <a:r>
+              <a:rPr lang="en-US" sz="1800" dirty="0">
+                <a:latin typeface="Arial"/>
+              </a:rPr>
+              <a:t> region SUVRs </a:t>
+            </a:r>
+            <a:r>
               <a:rPr lang="en-US" sz="1800" dirty="0" smtClean="0">
                 <a:latin typeface="Arial"/>
               </a:rPr>
-              <a:t> region SUVRs in correlation with cross-sectional </a:t>
-            </a:r>
-            <a:r>
-              <a:rPr lang="en-US" sz="1800" dirty="0" smtClean="0">
-                <a:latin typeface="Arial"/>
-              </a:rPr>
-              <a:t>cognition</a:t>
-            </a:r>
-            <a:endParaRPr lang="en-US" sz="1800" dirty="0" smtClean="0">
+              <a:t>in relation with ADAS-cog</a:t>
+            </a:r>
+            <a:endParaRPr lang="en-US" sz="1800" dirty="0">
               <a:latin typeface="Arial"/>
             </a:endParaRPr>
           </a:p>
@@ -8601,16 +8253,16 @@
               <a:buChar char="•"/>
             </a:pPr>
             <a:r>
+              <a:rPr lang="en-US" sz="1800" dirty="0">
+                <a:latin typeface="Arial"/>
+              </a:rPr>
+              <a:t>Results encourage further investigation of inter-modal factor associations, the </a:t>
+            </a:r>
+            <a:r>
               <a:rPr lang="en-US" sz="1800" dirty="0" smtClean="0">
                 <a:latin typeface="Arial"/>
               </a:rPr>
-              <a:t>Results encourage further investigation of inter-modal factor associations, the value of factor scores as longitudinal measures, and a voxel-wise factor </a:t>
-            </a:r>
-            <a:r>
-              <a:rPr lang="en-US" sz="1800" dirty="0" smtClean="0">
-                <a:latin typeface="Arial"/>
-              </a:rPr>
-              <a:t>analysis</a:t>
+              <a:t>value of factor scores as longitudinal measures, and a voxel-wise factor analysis</a:t>
             </a:r>
             <a:endParaRPr lang="en-US" sz="2000" dirty="0">
               <a:latin typeface="Arial"/>
@@ -8627,14 +8279,14 @@
           <p:nvPr>
             <p:extLst>
               <p:ext uri="{D42A27DB-BD31-4B8C-83A1-F6EECF244321}">
-                <p14:modId xmlns:p14="http://schemas.microsoft.com/office/powerpoint/2010/main" val="863176717"/>
+                <p14:modId xmlns:p14="http://schemas.microsoft.com/office/powerpoint/2010/main" val="2991081288"/>
               </p:ext>
             </p:extLst>
           </p:nvPr>
         </p:nvGraphicFramePr>
         <p:xfrm>
-          <a:off x="15712126" y="14583743"/>
-          <a:ext cx="9615130" cy="4097251"/>
+          <a:off x="15721087" y="14924089"/>
+          <a:ext cx="9796144" cy="3737405"/>
         </p:xfrm>
         <a:graphic>
           <a:graphicData uri="http://schemas.openxmlformats.org/drawingml/2006/table">
@@ -8643,13 +8295,137 @@
                 <a:tableStyleId>{3B4B98B0-60AC-42C2-AFA5-B58CD77FA1E5}</a:tableStyleId>
               </a:tblPr>
               <a:tblGrid>
-                <a:gridCol w="2310702"/>
-                <a:gridCol w="1600200"/>
-                <a:gridCol w="2006600"/>
-                <a:gridCol w="1981335"/>
-                <a:gridCol w="1716293"/>
+                <a:gridCol w="1644362"/>
+                <a:gridCol w="1616867"/>
+                <a:gridCol w="2095938"/>
+                <a:gridCol w="2395359"/>
+                <a:gridCol w="2043618"/>
               </a:tblGrid>
-              <a:tr h="712147">
+              <a:tr h="456305">
+                <a:tc rowSpan="2">
+                  <a:txBody>
+                    <a:bodyPr/>
+                    <a:lstStyle/>
+                    <a:p>
+                      <a:endParaRPr lang="en-US" sz="1800" dirty="0">
+                        <a:latin typeface="Arial"/>
+                        <a:cs typeface="Arial"/>
+                      </a:endParaRPr>
+                    </a:p>
+                  </a:txBody>
+                  <a:tcPr marL="128070" marR="128070" marT="44825" marB="44825"/>
+                </a:tc>
+                <a:tc gridSpan="2">
+                  <a:txBody>
+                    <a:bodyPr/>
+                    <a:lstStyle/>
+                    <a:p>
+                      <a:pPr algn="ctr"/>
+                      <a:r>
+                        <a:rPr lang="en-US" sz="1800" b="1" baseline="0" dirty="0" smtClean="0">
+                          <a:latin typeface="Arial"/>
+                          <a:cs typeface="Arial"/>
+                        </a:rPr>
+                        <a:t>Dependent: CS change (</a:t>
+                      </a:r>
+                      <a:r>
+                        <a:rPr lang="en-US" sz="1800" b="1" dirty="0" smtClean="0">
+                          <a:latin typeface="Arial"/>
+                          <a:cs typeface="Arial"/>
+                        </a:rPr>
+                        <a:t>n=616)</a:t>
+                      </a:r>
+                      <a:endParaRPr lang="en-US" sz="1800" b="1" dirty="0">
+                        <a:latin typeface="Arial"/>
+                        <a:cs typeface="Arial"/>
+                      </a:endParaRPr>
+                    </a:p>
+                  </a:txBody>
+                  <a:tcPr marL="128070" marR="128070" marT="44825" marB="44825"/>
+                </a:tc>
+                <a:tc hMerge="1">
+                  <a:txBody>
+                    <a:bodyPr/>
+                    <a:lstStyle/>
+                    <a:p>
+                      <a:endParaRPr lang="en-US" sz="1800" dirty="0">
+                        <a:latin typeface="Arial"/>
+                        <a:cs typeface="Arial"/>
+                      </a:endParaRPr>
+                    </a:p>
+                  </a:txBody>
+                  <a:tcPr marL="128070" marR="128070" marT="44825" marB="44825"/>
+                </a:tc>
+                <a:tc gridSpan="2">
+                  <a:txBody>
+                    <a:bodyPr/>
+                    <a:lstStyle/>
+                    <a:p>
+                      <a:pPr algn="ctr"/>
+                      <a:r>
+                        <a:rPr lang="en-US" sz="1800" b="1" dirty="0" smtClean="0">
+                          <a:latin typeface="Arial"/>
+                          <a:cs typeface="Arial"/>
+                        </a:rPr>
+                        <a:t>Dependent:</a:t>
+                      </a:r>
+                      <a:r>
+                        <a:rPr lang="en-US" sz="1800" b="1" baseline="0" dirty="0" smtClean="0">
+                          <a:latin typeface="Arial"/>
+                          <a:cs typeface="Arial"/>
+                        </a:rPr>
+                        <a:t> </a:t>
+                      </a:r>
+                      <a:r>
+                        <a:rPr lang="en-US" sz="1800" b="1" dirty="0" smtClean="0">
+                          <a:latin typeface="Arial"/>
+                          <a:cs typeface="Arial"/>
+                        </a:rPr>
+                        <a:t>ADAS-cog</a:t>
+                      </a:r>
+                      <a:r>
+                        <a:rPr lang="en-US" sz="1800" b="1" baseline="0" dirty="0" smtClean="0">
+                          <a:latin typeface="Arial"/>
+                          <a:cs typeface="Arial"/>
+                        </a:rPr>
+                        <a:t> (</a:t>
+                      </a:r>
+                      <a:r>
+                        <a:rPr lang="en-US" sz="1800" b="1" dirty="0" smtClean="0">
+                          <a:latin typeface="Arial"/>
+                          <a:cs typeface="Arial"/>
+                        </a:rPr>
+                        <a:t>n=516, AV45+)</a:t>
+                      </a:r>
+                    </a:p>
+                  </a:txBody>
+                  <a:tcPr marL="128070" marR="128070" marT="44825" marB="44825"/>
+                </a:tc>
+                <a:tc hMerge="1">
+                  <a:txBody>
+                    <a:bodyPr/>
+                    <a:lstStyle/>
+                    <a:p>
+                      <a:endParaRPr lang="en-US" sz="1800" dirty="0">
+                        <a:latin typeface="Arial"/>
+                        <a:cs typeface="Arial"/>
+                      </a:endParaRPr>
+                    </a:p>
+                  </a:txBody>
+                  <a:tcPr marL="128070" marR="128070" marT="44825" marB="44825"/>
+                </a:tc>
+              </a:tr>
+              <a:tr h="338460">
+                <a:tc vMerge="1">
+                  <a:txBody>
+                    <a:bodyPr/>
+                    <a:lstStyle/>
+                    <a:p>
+                      <a:endParaRPr lang="en-US"/>
+                    </a:p>
+                  </a:txBody>
+                  <a:tcPr/>
+                </a:tc>
                 <a:tc>
                   <a:txBody>
                     <a:bodyPr/>
@@ -8657,19 +8433,116 @@
                     <a:p>
                       <a:pPr algn="ctr"/>
                       <a:r>
-                        <a:rPr lang="en-US" sz="2200" b="1" baseline="30000" dirty="0" smtClean="0">
-                          <a:latin typeface="Arial"/>
-                        </a:rPr>
-                        <a:t>18</a:t>
-                      </a:r>
-                      <a:r>
-                        <a:rPr lang="en-US" sz="2200" b="1" dirty="0" smtClean="0">
-                          <a:latin typeface="Arial"/>
-                        </a:rPr>
-                        <a:t>F-AV-45 LARS Results</a:t>
-                      </a:r>
+                        <a:rPr lang="en-US" sz="1800" b="1" dirty="0" smtClean="0">
+                          <a:latin typeface="Arial"/>
+                          <a:cs typeface="Arial"/>
+                        </a:rPr>
+                        <a:t>Factors</a:t>
+                      </a:r>
+                      <a:endParaRPr lang="en-US" sz="1800" b="1" dirty="0">
+                        <a:latin typeface="Arial"/>
+                        <a:cs typeface="Arial"/>
+                      </a:endParaRPr>
                     </a:p>
+                  </a:txBody>
+                  <a:tcPr marL="128070" marR="128070" marT="44825" marB="44825">
+                    <a:solidFill>
+                      <a:schemeClr val="accent1">
+                        <a:alpha val="20000"/>
+                      </a:schemeClr>
+                    </a:solidFill>
+                  </a:tcPr>
+                </a:tc>
+                <a:tc>
+                  <a:txBody>
+                    <a:bodyPr/>
+                    <a:lstStyle/>
                     <a:p>
+                      <a:pPr algn="ctr"/>
+                      <a:r>
+                        <a:rPr lang="en-US" sz="1800" b="1" dirty="0" smtClean="0">
+                          <a:latin typeface="Arial"/>
+                          <a:cs typeface="Arial"/>
+                        </a:rPr>
+                        <a:t>CS</a:t>
+                      </a:r>
+                      <a:r>
+                        <a:rPr lang="en-US" sz="1800" b="1" baseline="0" dirty="0" smtClean="0">
+                          <a:latin typeface="Arial"/>
+                          <a:cs typeface="Arial"/>
+                        </a:rPr>
+                        <a:t> SUVR</a:t>
+                      </a:r>
+                      <a:endParaRPr lang="en-US" sz="1800" b="1" dirty="0">
+                        <a:latin typeface="Arial"/>
+                        <a:cs typeface="Arial"/>
+                      </a:endParaRPr>
+                    </a:p>
+                  </a:txBody>
+                  <a:tcPr marL="128070" marR="128070" marT="44825" marB="44825"/>
+                </a:tc>
+                <a:tc>
+                  <a:txBody>
+                    <a:bodyPr/>
+                    <a:lstStyle/>
+                    <a:p>
+                      <a:pPr algn="ctr"/>
+                      <a:r>
+                        <a:rPr lang="en-US" sz="1800" b="1" dirty="0" smtClean="0">
+                          <a:latin typeface="Arial"/>
+                          <a:cs typeface="Arial"/>
+                        </a:rPr>
+                        <a:t>Factors</a:t>
+                      </a:r>
+                      <a:endParaRPr lang="en-US" sz="1800" b="1" dirty="0">
+                        <a:latin typeface="Arial"/>
+                        <a:cs typeface="Arial"/>
+                      </a:endParaRPr>
+                    </a:p>
+                  </a:txBody>
+                  <a:tcPr marL="128070" marR="128070" marT="44825" marB="44825">
+                    <a:solidFill>
+                      <a:schemeClr val="accent1">
+                        <a:alpha val="20000"/>
+                      </a:schemeClr>
+                    </a:solidFill>
+                  </a:tcPr>
+                </a:tc>
+                <a:tc>
+                  <a:txBody>
+                    <a:bodyPr/>
+                    <a:lstStyle/>
+                    <a:p>
+                      <a:pPr algn="ctr"/>
+                      <a:r>
+                        <a:rPr lang="en-US" sz="1800" b="1" dirty="0" smtClean="0">
+                          <a:latin typeface="Arial"/>
+                          <a:cs typeface="Arial"/>
+                        </a:rPr>
+                        <a:t>CS SUVR</a:t>
+                      </a:r>
+                      <a:endParaRPr lang="en-US" sz="1800" b="1" dirty="0">
+                        <a:latin typeface="Arial"/>
+                        <a:cs typeface="Arial"/>
+                      </a:endParaRPr>
+                    </a:p>
+                  </a:txBody>
+                  <a:tcPr marL="128070" marR="128070" marT="44825" marB="44825"/>
+                </a:tc>
+              </a:tr>
+              <a:tr h="974595">
+                <a:tc>
+                  <a:txBody>
+                    <a:bodyPr/>
+                    <a:lstStyle/>
+                    <a:p>
+                      <a:r>
+                        <a:rPr lang="en-US" sz="1800" baseline="0" dirty="0" smtClean="0">
+                          <a:latin typeface="Arial"/>
+                          <a:cs typeface="Arial"/>
+                        </a:rPr>
+                        <a:t>Non-zero predictors</a:t>
+                      </a:r>
                       <a:endParaRPr lang="en-US" sz="1800" dirty="0">
                         <a:latin typeface="Arial"/>
                         <a:cs typeface="Arial"/>
@@ -8684,27 +8557,551 @@
                     <a:lstStyle/>
                     <a:p>
                       <a:r>
-                        <a:rPr lang="en-US" sz="1800" baseline="0" dirty="0" smtClean="0">
-                          <a:latin typeface="Arial"/>
-                          <a:cs typeface="Arial"/>
-                        </a:rPr>
-                        <a:t>CS change</a:t>
+                        <a:rPr lang="en-US" sz="1800" b="1" dirty="0" smtClean="0">
+                          <a:latin typeface="Arial"/>
+                          <a:cs typeface="Arial"/>
+                        </a:rPr>
+                        <a:t>#6</a:t>
+                      </a:r>
+                      <a:r>
+                        <a:rPr lang="en-US" sz="1800" dirty="0" smtClean="0">
+                          <a:latin typeface="Arial"/>
+                          <a:cs typeface="Arial"/>
+                        </a:rPr>
+                        <a:t>: **</a:t>
                       </a:r>
                     </a:p>
                     <a:p>
                       <a:r>
+                        <a:rPr lang="el-GR" sz="1800" dirty="0" smtClean="0">
+                          <a:latin typeface="Arial"/>
+                          <a:cs typeface="Arial"/>
+                        </a:rPr>
+                        <a:t>β</a:t>
+                      </a:r>
+                      <a:r>
+                        <a:rPr lang="en-US" sz="1800" dirty="0" smtClean="0">
+                          <a:latin typeface="Arial"/>
+                          <a:cs typeface="Arial"/>
+                        </a:rPr>
+                        <a:t>=</a:t>
+                      </a:r>
+                      <a:r>
+                        <a:rPr lang="uk-UA" sz="1800" dirty="0" smtClean="0">
+                          <a:latin typeface="Arial"/>
+                          <a:cs typeface="Arial"/>
+                        </a:rPr>
+                        <a:t>0.</a:t>
+                      </a:r>
+                      <a:r>
+                        <a:rPr lang="en-US" sz="1800" dirty="0" smtClean="0">
+                          <a:latin typeface="Arial"/>
+                          <a:cs typeface="Arial"/>
+                        </a:rPr>
+                        <a:t>016,</a:t>
+                      </a:r>
+                      <a:endParaRPr lang="en-US" sz="1800" baseline="0" dirty="0" smtClean="0">
+                        <a:latin typeface="Arial"/>
+                        <a:cs typeface="Arial"/>
+                      </a:endParaRPr>
+                    </a:p>
+                    <a:p>
+                      <a:r>
+                        <a:rPr lang="en-US" sz="1800" dirty="0" smtClean="0">
+                          <a:latin typeface="Arial"/>
+                          <a:cs typeface="Arial"/>
+                        </a:rPr>
+                        <a:t>p=3e-9</a:t>
+                      </a:r>
+                      <a:endParaRPr lang="nb-NO" sz="1800" baseline="0" dirty="0" smtClean="0">
+                        <a:latin typeface="Arial"/>
+                        <a:cs typeface="Arial"/>
+                      </a:endParaRPr>
+                    </a:p>
+                  </a:txBody>
+                  <a:tcPr marL="128070" marR="128070" marT="44825" marB="44825">
+                    <a:solidFill>
+                      <a:schemeClr val="tx2">
+                        <a:lumMod val="20000"/>
+                        <a:lumOff val="80000"/>
+                        <a:alpha val="50000"/>
+                      </a:schemeClr>
+                    </a:solidFill>
+                  </a:tcPr>
+                </a:tc>
+                <a:tc>
+                  <a:txBody>
+                    <a:bodyPr/>
+                    <a:lstStyle/>
+                    <a:p>
+                      <a:r>
+                        <a:rPr lang="nb-NO" sz="1800" b="1" dirty="0" smtClean="0">
+                          <a:latin typeface="Arial"/>
+                          <a:cs typeface="Arial"/>
+                        </a:rPr>
+                        <a:t>CS</a:t>
+                      </a:r>
+                      <a:r>
+                        <a:rPr lang="nb-NO" sz="1800" b="1" baseline="0" dirty="0" smtClean="0">
+                          <a:latin typeface="Arial"/>
+                          <a:cs typeface="Arial"/>
+                        </a:rPr>
+                        <a:t> SUVR</a:t>
+                      </a:r>
+                      <a:r>
+                        <a:rPr lang="en-US" sz="1800" dirty="0" smtClean="0">
+                          <a:latin typeface="Arial"/>
+                          <a:cs typeface="Arial"/>
+                        </a:rPr>
+                        <a:t>: ***</a:t>
+                      </a:r>
+                    </a:p>
+                    <a:p>
+                      <a:r>
+                        <a:rPr lang="el-GR" sz="1800" dirty="0" smtClean="0">
+                          <a:latin typeface="Arial"/>
+                          <a:cs typeface="Arial"/>
+                        </a:rPr>
+                        <a:t>β</a:t>
+                      </a:r>
+                      <a:r>
+                        <a:rPr lang="en-US" sz="1800" dirty="0" smtClean="0">
+                          <a:latin typeface="Arial"/>
+                          <a:cs typeface="Arial"/>
+                        </a:rPr>
+                        <a:t>=</a:t>
+                      </a:r>
+                      <a:r>
+                        <a:rPr lang="pl-PL" sz="1800" baseline="0" dirty="0" smtClean="0">
+                          <a:latin typeface="Arial"/>
+                          <a:cs typeface="Arial"/>
+                        </a:rPr>
+                        <a:t>0.021, </a:t>
+                      </a:r>
+                      <a:r>
+                        <a:rPr lang="en-US" sz="1800" dirty="0" smtClean="0">
+                          <a:latin typeface="Arial"/>
+                          <a:cs typeface="Arial"/>
+                        </a:rPr>
+                        <a:t>p=3e-4</a:t>
+                      </a:r>
+                    </a:p>
+                    <a:p>
+                      <a:r>
+                        <a:rPr lang="en-US" sz="1800" b="1" dirty="0" smtClean="0">
+                          <a:latin typeface="Arial"/>
+                          <a:cs typeface="Arial"/>
+                        </a:rPr>
+                        <a:t>APOE ε4</a:t>
+                      </a:r>
+                      <a:r>
+                        <a:rPr lang="en-US" sz="1800" dirty="0" smtClean="0">
+                          <a:latin typeface="Arial"/>
+                          <a:cs typeface="Arial"/>
+                        </a:rPr>
+                        <a:t>: ***</a:t>
+                      </a:r>
+                    </a:p>
+                    <a:p>
+                      <a:r>
+                        <a:rPr lang="el-GR" sz="1800" dirty="0" smtClean="0">
+                          <a:latin typeface="Arial"/>
+                          <a:cs typeface="Arial"/>
+                        </a:rPr>
+                        <a:t>β</a:t>
+                      </a:r>
+                      <a:r>
+                        <a:rPr lang="en-US" sz="1800" dirty="0" smtClean="0">
+                          <a:latin typeface="Arial"/>
+                          <a:cs typeface="Arial"/>
+                        </a:rPr>
+                        <a:t>=0.015</a:t>
+                      </a:r>
+                      <a:r>
+                        <a:rPr lang="pl-PL" sz="1800" baseline="0" dirty="0" smtClean="0">
+                          <a:latin typeface="Arial"/>
+                          <a:cs typeface="Arial"/>
+                        </a:rPr>
+                        <a:t>, </a:t>
+                      </a:r>
+                      <a:r>
+                        <a:rPr lang="en-US" sz="1800" dirty="0" smtClean="0">
+                          <a:latin typeface="Arial"/>
+                          <a:cs typeface="Arial"/>
+                        </a:rPr>
+                        <a:t>p=5e-3</a:t>
+                      </a:r>
+                      <a:endParaRPr lang="nb-NO" sz="1800" baseline="0" dirty="0" smtClean="0">
+                        <a:latin typeface="Arial"/>
+                        <a:cs typeface="Arial"/>
+                      </a:endParaRPr>
+                    </a:p>
+                  </a:txBody>
+                  <a:tcPr marL="128070" marR="128070" marT="44825" marB="44825"/>
+                </a:tc>
+                <a:tc>
+                  <a:txBody>
+                    <a:bodyPr/>
+                    <a:lstStyle/>
+                    <a:p>
+                      <a:r>
+                        <a:rPr lang="en-US" sz="1800" b="1" dirty="0" smtClean="0">
+                          <a:latin typeface="Arial"/>
+                          <a:cs typeface="Arial"/>
+                        </a:rPr>
+                        <a:t>#6</a:t>
+                      </a:r>
+                      <a:r>
+                        <a:rPr lang="en-US" sz="1800" dirty="0" smtClean="0">
+                          <a:latin typeface="Arial"/>
+                          <a:cs typeface="Arial"/>
+                        </a:rPr>
+                        <a:t>: ***</a:t>
+                      </a:r>
+                    </a:p>
+                    <a:p>
+                      <a:r>
+                        <a:rPr lang="el-GR" sz="1800" dirty="0" smtClean="0">
+                          <a:latin typeface="Arial"/>
+                          <a:cs typeface="Arial"/>
+                        </a:rPr>
+                        <a:t>β</a:t>
+                      </a:r>
+                      <a:r>
+                        <a:rPr lang="en-US" sz="1800" dirty="0" smtClean="0">
+                          <a:latin typeface="Arial"/>
+                          <a:cs typeface="Arial"/>
+                        </a:rPr>
+                        <a:t>=5.43,</a:t>
+                      </a:r>
+                      <a:r>
                         <a:rPr lang="en-US" sz="1800" baseline="0" dirty="0" smtClean="0">
                           <a:latin typeface="Arial"/>
                           <a:cs typeface="Arial"/>
                         </a:rPr>
-                        <a:t>(</a:t>
+                        <a:t> </a:t>
                       </a:r>
                       <a:r>
                         <a:rPr lang="en-US" sz="1800" dirty="0" smtClean="0">
                           <a:latin typeface="Arial"/>
                           <a:cs typeface="Arial"/>
                         </a:rPr>
-                        <a:t>Factors, n=616)</a:t>
+                        <a:t>p&lt;2e-16</a:t>
+                      </a:r>
+                      <a:endParaRPr lang="nb-NO" sz="1800" baseline="0" dirty="0" smtClean="0">
+                        <a:latin typeface="Arial"/>
+                        <a:cs typeface="Arial"/>
+                      </a:endParaRPr>
+                    </a:p>
+                    <a:p>
+                      <a:r>
+                        <a:rPr lang="en-US" sz="1800" b="1" dirty="0" smtClean="0">
+                          <a:latin typeface="Arial"/>
+                          <a:cs typeface="Arial"/>
+                        </a:rPr>
+                        <a:t>#14</a:t>
+                      </a:r>
+                      <a:r>
+                        <a:rPr lang="en-US" sz="1800" dirty="0" smtClean="0">
+                          <a:latin typeface="Arial"/>
+                          <a:cs typeface="Arial"/>
+                        </a:rPr>
+                        <a:t>: ***</a:t>
+                      </a:r>
+                    </a:p>
+                    <a:p>
+                      <a:r>
+                        <a:rPr lang="el-GR" sz="1800" dirty="0" smtClean="0">
+                          <a:latin typeface="Arial"/>
+                          <a:cs typeface="Arial"/>
+                        </a:rPr>
+                        <a:t>β</a:t>
+                      </a:r>
+                      <a:r>
+                        <a:rPr lang="en-US" sz="1800" dirty="0" smtClean="0">
+                          <a:latin typeface="Arial"/>
+                          <a:cs typeface="Arial"/>
+                        </a:rPr>
+                        <a:t>=-1.86,</a:t>
+                      </a:r>
+                      <a:r>
+                        <a:rPr lang="en-US" sz="1800" baseline="0" dirty="0" smtClean="0">
+                          <a:latin typeface="Arial"/>
+                          <a:cs typeface="Arial"/>
+                        </a:rPr>
+                        <a:t> </a:t>
+                      </a:r>
+                      <a:r>
+                        <a:rPr lang="en-US" sz="1800" dirty="0" smtClean="0">
+                          <a:latin typeface="Arial"/>
+                          <a:cs typeface="Arial"/>
+                        </a:rPr>
+                        <a:t>p=3e-7</a:t>
+                      </a:r>
+                      <a:endParaRPr lang="nb-NO" sz="1800" baseline="0" dirty="0" smtClean="0">
+                        <a:latin typeface="Arial"/>
+                        <a:cs typeface="Arial"/>
+                      </a:endParaRPr>
+                    </a:p>
+                  </a:txBody>
+                  <a:tcPr marL="128070" marR="128070" marT="44825" marB="44825">
+                    <a:solidFill>
+                      <a:schemeClr val="tx2">
+                        <a:lumMod val="20000"/>
+                        <a:lumOff val="80000"/>
+                        <a:alpha val="50000"/>
+                      </a:schemeClr>
+                    </a:solidFill>
+                  </a:tcPr>
+                </a:tc>
+                <a:tc>
+                  <a:txBody>
+                    <a:bodyPr/>
+                    <a:lstStyle/>
+                    <a:p>
+                      <a:r>
+                        <a:rPr lang="nb-NO" sz="1800" b="1" dirty="0" smtClean="0">
+                          <a:latin typeface="Arial"/>
+                          <a:cs typeface="Arial"/>
+                        </a:rPr>
+                        <a:t>CS</a:t>
+                      </a:r>
+                      <a:r>
+                        <a:rPr lang="nb-NO" sz="1800" b="1" baseline="0" dirty="0" smtClean="0">
+                          <a:latin typeface="Arial"/>
+                          <a:cs typeface="Arial"/>
+                        </a:rPr>
+                        <a:t> SUVR</a:t>
+                      </a:r>
+                      <a:r>
+                        <a:rPr lang="en-US" sz="1800" dirty="0" smtClean="0">
+                          <a:latin typeface="Arial"/>
+                          <a:cs typeface="Arial"/>
+                        </a:rPr>
+                        <a:t>: ***</a:t>
+                      </a:r>
+                    </a:p>
+                    <a:p>
+                      <a:r>
+                        <a:rPr lang="el-GR" sz="1800" dirty="0" smtClean="0">
+                          <a:latin typeface="Arial"/>
+                          <a:cs typeface="Arial"/>
+                        </a:rPr>
+                        <a:t>β</a:t>
+                      </a:r>
+                      <a:r>
+                        <a:rPr lang="en-US" sz="1800" dirty="0" smtClean="0">
+                          <a:latin typeface="Arial"/>
+                          <a:cs typeface="Arial"/>
+                        </a:rPr>
+                        <a:t>=</a:t>
+                      </a:r>
+                      <a:r>
+                        <a:rPr lang="pl-PL" sz="1800" baseline="0" dirty="0" smtClean="0">
+                          <a:latin typeface="Arial"/>
+                          <a:cs typeface="Arial"/>
+                        </a:rPr>
+                        <a:t>8.98, </a:t>
+                      </a:r>
+                      <a:r>
+                        <a:rPr lang="en-US" sz="1800" dirty="0" smtClean="0">
+                          <a:latin typeface="Arial"/>
+                          <a:cs typeface="Arial"/>
+                        </a:rPr>
+                        <a:t>p&lt;2e-16</a:t>
+                      </a:r>
+                    </a:p>
+                  </a:txBody>
+                  <a:tcPr marL="128070" marR="128070" marT="44825" marB="44825"/>
+                </a:tc>
+              </a:tr>
+              <a:tr h="232156">
+                <a:tc>
+                  <a:txBody>
+                    <a:bodyPr/>
+                    <a:lstStyle/>
+                    <a:p>
+                      <a:r>
+                        <a:rPr lang="en-US" sz="1800" dirty="0" smtClean="0">
+                          <a:latin typeface="Arial"/>
+                          <a:cs typeface="Arial"/>
+                        </a:rPr>
+                        <a:t>R</a:t>
+                      </a:r>
+                      <a:r>
+                        <a:rPr lang="en-US" sz="1800" baseline="30000" dirty="0" smtClean="0">
+                          <a:latin typeface="Arial"/>
+                          <a:cs typeface="Arial"/>
+                        </a:rPr>
+                        <a:t>2</a:t>
+                      </a:r>
+                      <a:endParaRPr lang="en-US" sz="1800" baseline="30000" dirty="0">
+                        <a:latin typeface="Arial"/>
+                        <a:cs typeface="Arial"/>
+                      </a:endParaRPr>
+                    </a:p>
+                  </a:txBody>
+                  <a:tcPr marL="128070" marR="128070" marT="44825" marB="44825"/>
+                </a:tc>
+                <a:tc>
+                  <a:txBody>
+                    <a:bodyPr/>
+                    <a:lstStyle/>
+                    <a:p>
+                      <a:r>
+                        <a:rPr lang="nb-NO" sz="1800" baseline="0" dirty="0" smtClean="0">
+                          <a:latin typeface="Arial"/>
+                          <a:cs typeface="Arial"/>
+                        </a:rPr>
+                        <a:t>0.055</a:t>
+                      </a:r>
+                    </a:p>
+                  </a:txBody>
+                  <a:tcPr marL="128070" marR="128070" marT="44825" marB="44825">
+                    <a:solidFill>
+                      <a:schemeClr val="accent1">
+                        <a:alpha val="20000"/>
+                      </a:schemeClr>
+                    </a:solidFill>
+                  </a:tcPr>
+                </a:tc>
+                <a:tc>
+                  <a:txBody>
+                    <a:bodyPr/>
+                    <a:lstStyle/>
+                    <a:p>
+                      <a:r>
+                        <a:rPr lang="nb-NO" sz="1800" baseline="0" dirty="0" smtClean="0">
+                          <a:latin typeface="Arial"/>
+                          <a:cs typeface="Arial"/>
+                        </a:rPr>
+                        <a:t>0.059</a:t>
+                      </a:r>
+                    </a:p>
+                  </a:txBody>
+                  <a:tcPr marL="128070" marR="128070" marT="44825" marB="44825"/>
+                </a:tc>
+                <a:tc>
+                  <a:txBody>
+                    <a:bodyPr/>
+                    <a:lstStyle/>
+                    <a:p>
+                      <a:r>
+                        <a:rPr lang="en-US" sz="1800" dirty="0" smtClean="0">
+                          <a:latin typeface="Arial"/>
+                          <a:cs typeface="Arial"/>
+                        </a:rPr>
+                        <a:t>0.19</a:t>
+                      </a:r>
+                      <a:endParaRPr lang="en-US" sz="1800" dirty="0">
+                        <a:latin typeface="Arial"/>
+                        <a:cs typeface="Arial"/>
+                      </a:endParaRPr>
+                    </a:p>
+                  </a:txBody>
+                  <a:tcPr marL="128070" marR="128070" marT="44825" marB="44825">
+                    <a:solidFill>
+                      <a:schemeClr val="accent1">
+                        <a:alpha val="20000"/>
+                      </a:schemeClr>
+                    </a:solidFill>
+                  </a:tcPr>
+                </a:tc>
+                <a:tc>
+                  <a:txBody>
+                    <a:bodyPr/>
+                    <a:lstStyle/>
+                    <a:p>
+                      <a:r>
+                        <a:rPr lang="en-US" sz="1800" dirty="0" smtClean="0">
+                          <a:latin typeface="Arial"/>
+                          <a:cs typeface="Arial"/>
+                        </a:rPr>
+                        <a:t>0.17</a:t>
+                      </a:r>
+                      <a:endParaRPr lang="en-US" sz="1800" dirty="0">
+                        <a:latin typeface="Arial"/>
+                        <a:cs typeface="Arial"/>
+                      </a:endParaRPr>
+                    </a:p>
+                  </a:txBody>
+                  <a:tcPr marL="128070" marR="128070" marT="44825" marB="44825"/>
+                </a:tc>
+              </a:tr>
+              <a:tr h="201554">
+                <a:tc>
+                  <a:txBody>
+                    <a:bodyPr/>
+                    <a:lstStyle/>
+                    <a:p>
+                      <a:r>
+                        <a:rPr lang="en-US" sz="1800" dirty="0" smtClean="0">
+                          <a:latin typeface="Arial"/>
+                          <a:cs typeface="Arial"/>
+                        </a:rPr>
+                        <a:t>Adj.</a:t>
+                      </a:r>
+                      <a:r>
+                        <a:rPr lang="en-US" sz="1800" baseline="0" dirty="0" smtClean="0">
+                          <a:latin typeface="Arial"/>
+                          <a:cs typeface="Arial"/>
+                        </a:rPr>
+                        <a:t> R</a:t>
+                      </a:r>
+                      <a:r>
+                        <a:rPr lang="en-US" sz="1800" baseline="30000" dirty="0" smtClean="0">
+                          <a:latin typeface="Arial"/>
+                          <a:cs typeface="Arial"/>
+                        </a:rPr>
+                        <a:t>2</a:t>
+                      </a:r>
+                      <a:endParaRPr lang="en-US" sz="1800" baseline="30000" dirty="0">
+                        <a:latin typeface="Arial"/>
+                        <a:cs typeface="Arial"/>
+                      </a:endParaRPr>
+                    </a:p>
+                  </a:txBody>
+                  <a:tcPr marL="128070" marR="128070" marT="44825" marB="44825"/>
+                </a:tc>
+                <a:tc>
+                  <a:txBody>
+                    <a:bodyPr/>
+                    <a:lstStyle/>
+                    <a:p>
+                      <a:r>
+                        <a:rPr lang="en-US" sz="1800" dirty="0" smtClean="0">
+                          <a:latin typeface="Arial"/>
+                          <a:cs typeface="Arial"/>
+                        </a:rPr>
+                        <a:t>0.054</a:t>
+                      </a:r>
+                      <a:endParaRPr lang="en-US" sz="1800" dirty="0">
+                        <a:latin typeface="Arial"/>
+                        <a:cs typeface="Arial"/>
+                      </a:endParaRPr>
+                    </a:p>
+                  </a:txBody>
+                  <a:tcPr marL="128070" marR="128070" marT="44825" marB="44825">
+                    <a:solidFill>
+                      <a:schemeClr val="tx2">
+                        <a:lumMod val="20000"/>
+                        <a:lumOff val="80000"/>
+                        <a:alpha val="50000"/>
+                      </a:schemeClr>
+                    </a:solidFill>
+                  </a:tcPr>
+                </a:tc>
+                <a:tc>
+                  <a:txBody>
+                    <a:bodyPr/>
+                    <a:lstStyle/>
+                    <a:p>
+                      <a:r>
+                        <a:rPr lang="en-US" sz="1800" dirty="0" smtClean="0">
+                          <a:latin typeface="Arial"/>
+                          <a:cs typeface="Arial"/>
+                        </a:rPr>
+                        <a:t>0.056</a:t>
                       </a:r>
                       <a:endParaRPr lang="en-US" sz="1800" dirty="0">
                         <a:latin typeface="Arial"/>
@@ -8720,38 +9117,75 @@
                     <a:lstStyle/>
                     <a:p>
                       <a:r>
-                        <a:rPr lang="en-US" sz="1800" dirty="0" smtClean="0">
-                          <a:latin typeface="Arial"/>
-                          <a:cs typeface="Arial"/>
-                        </a:rPr>
-                        <a:t>CS</a:t>
-                      </a:r>
-                      <a:r>
-                        <a:rPr lang="en-US" sz="1800" baseline="0" dirty="0" smtClean="0">
-                          <a:latin typeface="Arial"/>
-                          <a:cs typeface="Arial"/>
-                        </a:rPr>
-                        <a:t> change</a:t>
-                      </a:r>
-                      <a:endParaRPr lang="en-US" sz="1800" dirty="0" smtClean="0">
+                        <a:rPr lang="nb-NO" sz="1800" dirty="0" smtClean="0">
+                          <a:latin typeface="Arial"/>
+                          <a:cs typeface="Arial"/>
+                        </a:rPr>
+                        <a:t>0.19</a:t>
+                      </a:r>
+                      <a:endParaRPr lang="en-US" sz="1800" dirty="0">
                         <a:latin typeface="Arial"/>
                         <a:cs typeface="Arial"/>
                       </a:endParaRPr>
                     </a:p>
+                  </a:txBody>
+                  <a:tcPr marL="128070" marR="128070" marT="44825" marB="44825">
+                    <a:solidFill>
+                      <a:schemeClr val="tx2">
+                        <a:lumMod val="20000"/>
+                        <a:lumOff val="80000"/>
+                        <a:alpha val="50000"/>
+                      </a:schemeClr>
+                    </a:solidFill>
+                  </a:tcPr>
+                </a:tc>
+                <a:tc>
+                  <a:txBody>
+                    <a:bodyPr/>
+                    <a:lstStyle/>
                     <a:p>
                       <a:r>
                         <a:rPr lang="en-US" sz="1800" dirty="0" smtClean="0">
                           <a:latin typeface="Arial"/>
                           <a:cs typeface="Arial"/>
                         </a:rPr>
-                        <a:t>(CS SUVR, n=616</a:t>
+                        <a:t>0.17</a:t>
+                      </a:r>
+                      <a:endParaRPr lang="en-US" sz="1800" dirty="0">
+                        <a:latin typeface="Arial"/>
+                        <a:cs typeface="Arial"/>
+                      </a:endParaRPr>
+                    </a:p>
+                  </a:txBody>
+                  <a:tcPr marL="128070" marR="128070" marT="44825" marB="44825"/>
+                </a:tc>
+              </a:tr>
+              <a:tr h="218576">
+                <a:tc>
+                  <a:txBody>
+                    <a:bodyPr/>
+                    <a:lstStyle/>
+                    <a:p>
+                      <a:r>
+                        <a:rPr lang="en-US" sz="1800" dirty="0" smtClean="0">
+                          <a:latin typeface="Arial"/>
+                          <a:cs typeface="Arial"/>
+                        </a:rPr>
+                        <a:t>R</a:t>
+                      </a:r>
+                      <a:r>
+                        <a:rPr lang="en-US" sz="1800" baseline="30000" dirty="0" smtClean="0">
+                          <a:latin typeface="Arial"/>
+                          <a:cs typeface="Arial"/>
+                        </a:rPr>
+                        <a:t>2</a:t>
                       </a:r>
                       <a:r>
                         <a:rPr lang="en-US" sz="1800" baseline="0" dirty="0" smtClean="0">
                           <a:latin typeface="Arial"/>
                           <a:cs typeface="Arial"/>
                         </a:rPr>
-                        <a:t>)</a:t>
+                        <a:t> Shrinkage</a:t>
                       </a:r>
                       <a:endParaRPr lang="en-US" sz="1800" dirty="0">
                         <a:latin typeface="Arial"/>
@@ -8771,31 +9205,21 @@
                           <a:latin typeface="Arial"/>
                           <a:cs typeface="Arial"/>
                         </a:rPr>
-                        <a:t>ADAS-Cog</a:t>
-                      </a:r>
-                      <a:endParaRPr lang="en-US" sz="1800" baseline="0" dirty="0" smtClean="0">
+                        <a:t>0.048</a:t>
+                      </a:r>
+                      <a:endParaRPr lang="en-US" sz="1800" dirty="0">
                         <a:latin typeface="Arial"/>
                         <a:cs typeface="Arial"/>
                       </a:endParaRPr>
                     </a:p>
-                    <a:p>
-                      <a:r>
-                        <a:rPr lang="en-US" sz="1800" baseline="0" dirty="0" smtClean="0">
-                          <a:latin typeface="Arial"/>
-                          <a:cs typeface="Arial"/>
-                        </a:rPr>
-                        <a:t>(</a:t>
-                      </a:r>
-                      <a:r>
-                        <a:rPr lang="en-US" sz="1800" dirty="0" smtClean="0">
-                          <a:latin typeface="Arial"/>
-                          <a:cs typeface="Arial"/>
-                        </a:rPr>
-                        <a:t>Factors, n=516)</a:t>
-                      </a:r>
-                    </a:p>
                   </a:txBody>
-                  <a:tcPr marL="128070" marR="128070" marT="44825" marB="44825"/>
+                  <a:tcPr marL="128070" marR="128070" marT="44825" marB="44825">
+                    <a:solidFill>
+                      <a:schemeClr val="accent1">
+                        <a:alpha val="20000"/>
+                      </a:schemeClr>
+                    </a:solidFill>
+                  </a:tcPr>
                 </a:tc>
                 <a:tc>
                   <a:txBody>
@@ -8807,59 +9231,7 @@
                           <a:latin typeface="Arial"/>
                           <a:cs typeface="Arial"/>
                         </a:rPr>
-                        <a:t>ADAS-Cog</a:t>
-                      </a:r>
-                    </a:p>
-                    <a:p>
-                      <a:r>
-                        <a:rPr lang="en-US" sz="1800" dirty="0" smtClean="0">
-                          <a:latin typeface="Arial"/>
-                          <a:cs typeface="Arial"/>
-                        </a:rPr>
-                        <a:t>(CS</a:t>
-                      </a:r>
-                      <a:r>
-                        <a:rPr lang="en-US" sz="1800" baseline="0" dirty="0" smtClean="0">
-                          <a:latin typeface="Arial"/>
-                          <a:cs typeface="Arial"/>
-                        </a:rPr>
-                        <a:t> SUVR</a:t>
-                      </a:r>
-                      <a:r>
-                        <a:rPr lang="en-US" sz="1800" dirty="0" smtClean="0">
-                          <a:latin typeface="Arial"/>
-                          <a:cs typeface="Arial"/>
-                        </a:rPr>
-                        <a:t>, n=516)</a:t>
-                      </a:r>
-                      <a:endParaRPr lang="en-US" sz="1800" dirty="0">
-                        <a:latin typeface="Arial"/>
-                        <a:cs typeface="Arial"/>
-                      </a:endParaRPr>
-                    </a:p>
-                  </a:txBody>
-                  <a:tcPr marL="128070" marR="128070" marT="44825" marB="44825"/>
-                </a:tc>
-              </a:tr>
-              <a:tr h="898907">
-                <a:tc>
-                  <a:txBody>
-                    <a:bodyPr/>
-                    <a:lstStyle/>
-                    <a:p>
-                      <a:r>
-                        <a:rPr lang="en-US" sz="1800" dirty="0" smtClean="0">
-                          <a:latin typeface="Arial"/>
-                          <a:cs typeface="Arial"/>
-                        </a:rPr>
-                        <a:t>Significant</a:t>
-                      </a:r>
-                      <a:r>
-                        <a:rPr lang="en-US" sz="1800" baseline="0" dirty="0" smtClean="0">
-                          <a:latin typeface="Arial"/>
-                          <a:cs typeface="Arial"/>
-                        </a:rPr>
-                        <a:t> predictors</a:t>
+                        <a:t>0.045</a:t>
                       </a:r>
                       <a:endParaRPr lang="en-US" sz="1800" dirty="0">
                         <a:latin typeface="Arial"/>
@@ -8875,81 +9247,39 @@
                     <a:lstStyle/>
                     <a:p>
                       <a:r>
-                        <a:rPr lang="en-US" sz="1800" b="1" dirty="0" smtClean="0">
-                          <a:latin typeface="Arial"/>
-                          <a:cs typeface="Arial"/>
-                        </a:rPr>
-                        <a:t>#6</a:t>
-                      </a:r>
-                      <a:r>
                         <a:rPr lang="en-US" sz="1800" dirty="0" smtClean="0">
                           <a:latin typeface="Arial"/>
                           <a:cs typeface="Arial"/>
                         </a:rPr>
-                        <a:t>: **</a:t>
-                      </a:r>
-                      <a:endParaRPr lang="en-US" sz="1800" dirty="0" smtClean="0">
+                        <a:t>0.18</a:t>
+                      </a:r>
+                      <a:endParaRPr lang="en-US" sz="1800" dirty="0">
                         <a:latin typeface="Arial"/>
                         <a:cs typeface="Arial"/>
                       </a:endParaRPr>
                     </a:p>
+                  </a:txBody>
+                  <a:tcPr marL="128070" marR="128070" marT="44825" marB="44825">
+                    <a:solidFill>
+                      <a:schemeClr val="accent1">
+                        <a:alpha val="20000"/>
+                      </a:schemeClr>
+                    </a:solidFill>
+                  </a:tcPr>
+                </a:tc>
+                <a:tc>
+                  <a:txBody>
+                    <a:bodyPr/>
+                    <a:lstStyle/>
                     <a:p>
                       <a:r>
-                        <a:rPr lang="el-GR" sz="1800" dirty="0" smtClean="0">
-                          <a:latin typeface="Arial"/>
-                          <a:cs typeface="Arial"/>
-                        </a:rPr>
-                        <a:t>β</a:t>
-                      </a:r>
-                      <a:r>
                         <a:rPr lang="en-US" sz="1800" dirty="0" smtClean="0">
                           <a:latin typeface="Arial"/>
                           <a:cs typeface="Arial"/>
                         </a:rPr>
-                        <a:t>=</a:t>
-                      </a:r>
-                      <a:r>
-                        <a:rPr lang="uk-UA" sz="1800" dirty="0" smtClean="0">
-                          <a:latin typeface="Arial"/>
-                          <a:cs typeface="Arial"/>
-                        </a:rPr>
-                        <a:t>0.</a:t>
-                      </a:r>
-                      <a:r>
-                        <a:rPr lang="en-US" sz="1800" dirty="0" smtClean="0">
-                          <a:latin typeface="Arial"/>
-                          <a:cs typeface="Arial"/>
-                        </a:rPr>
-                        <a:t>016</a:t>
-                      </a:r>
-                      <a:r>
-                        <a:rPr lang="en-US" sz="1800" dirty="0" smtClean="0">
-                          <a:latin typeface="Arial"/>
-                          <a:cs typeface="Arial"/>
-                        </a:rPr>
-                        <a:t>,</a:t>
-                      </a:r>
-                      <a:endParaRPr lang="en-US" sz="1800" baseline="0" dirty="0" smtClean="0">
-                        <a:latin typeface="Arial"/>
-                        <a:cs typeface="Arial"/>
-                      </a:endParaRPr>
-                    </a:p>
-                    <a:p>
-                      <a:r>
-                        <a:rPr lang="en-US" sz="1800" dirty="0" smtClean="0">
-                          <a:latin typeface="Arial"/>
-                          <a:cs typeface="Arial"/>
-                        </a:rPr>
-                        <a:t>p</a:t>
-                      </a:r>
-                      <a:r>
-                        <a:rPr lang="en-US" sz="1800" dirty="0" smtClean="0">
-                          <a:latin typeface="Arial"/>
-                          <a:cs typeface="Arial"/>
-                        </a:rPr>
-                        <a:t>=3e-9</a:t>
-                      </a:r>
-                      <a:endParaRPr lang="nb-NO" sz="1800" baseline="0" dirty="0" smtClean="0">
+                        <a:t>0.16</a:t>
+                      </a:r>
+                      <a:endParaRPr lang="en-US" sz="1800" dirty="0">
                         <a:latin typeface="Arial"/>
                         <a:cs typeface="Arial"/>
                       </a:endParaRPr>
@@ -8957,375 +9287,26 @@
                   </a:txBody>
                   <a:tcPr marL="128070" marR="128070" marT="44825" marB="44825"/>
                 </a:tc>
+              </a:tr>
+              <a:tr h="416044">
                 <a:tc>
                   <a:txBody>
                     <a:bodyPr/>
                     <a:lstStyle/>
                     <a:p>
                       <a:r>
-                        <a:rPr lang="nb-NO" sz="1800" b="1" dirty="0" smtClean="0">
-                          <a:latin typeface="Arial"/>
-                          <a:cs typeface="Arial"/>
-                        </a:rPr>
-                        <a:t>CS</a:t>
-                      </a:r>
-                      <a:r>
-                        <a:rPr lang="nb-NO" sz="1800" b="1" baseline="0" dirty="0" smtClean="0">
-                          <a:latin typeface="Arial"/>
-                          <a:cs typeface="Arial"/>
-                        </a:rPr>
-                        <a:t> SUVR</a:t>
-                      </a:r>
-                      <a:r>
                         <a:rPr lang="en-US" sz="1800" dirty="0" smtClean="0">
                           <a:latin typeface="Arial"/>
                           <a:cs typeface="Arial"/>
                         </a:rPr>
-                        <a:t>: ***</a:t>
-                      </a:r>
-                      <a:endParaRPr lang="en-US" sz="1800" dirty="0" smtClean="0">
-                        <a:latin typeface="Arial"/>
-                        <a:cs typeface="Arial"/>
-                      </a:endParaRPr>
-                    </a:p>
-                    <a:p>
-                      <a:r>
-                        <a:rPr lang="el-GR" sz="1800" dirty="0" smtClean="0">
-                          <a:latin typeface="Arial"/>
-                          <a:cs typeface="Arial"/>
-                        </a:rPr>
-                        <a:t>β</a:t>
-                      </a:r>
-                      <a:r>
-                        <a:rPr lang="en-US" sz="1800" dirty="0" smtClean="0">
-                          <a:latin typeface="Arial"/>
-                          <a:cs typeface="Arial"/>
-                        </a:rPr>
-                        <a:t>=</a:t>
-                      </a:r>
-                      <a:r>
-                        <a:rPr lang="pl-PL" sz="1800" baseline="0" dirty="0" smtClean="0">
-                          <a:latin typeface="Arial"/>
-                          <a:cs typeface="Arial"/>
-                        </a:rPr>
-                        <a:t>0.021, </a:t>
-                      </a:r>
-                      <a:r>
-                        <a:rPr lang="en-US" sz="1800" dirty="0" smtClean="0">
-                          <a:latin typeface="Arial"/>
-                          <a:cs typeface="Arial"/>
-                        </a:rPr>
-                        <a:t>p=3e-4</a:t>
-                      </a:r>
-                    </a:p>
-                    <a:p>
-                      <a:r>
-                        <a:rPr lang="en-US" sz="1800" b="1" dirty="0" smtClean="0">
-                          <a:latin typeface="Arial"/>
-                          <a:cs typeface="Arial"/>
-                        </a:rPr>
-                        <a:t>APOE ε4</a:t>
-                      </a:r>
-                      <a:r>
-                        <a:rPr lang="en-US" sz="1800" dirty="0" smtClean="0">
-                          <a:latin typeface="Arial"/>
-                          <a:cs typeface="Arial"/>
-                        </a:rPr>
-                        <a:t>: ***</a:t>
-                      </a:r>
-                      <a:endParaRPr lang="en-US" sz="1800" dirty="0" smtClean="0">
-                        <a:latin typeface="Arial"/>
-                        <a:cs typeface="Arial"/>
-                      </a:endParaRPr>
-                    </a:p>
-                    <a:p>
-                      <a:r>
-                        <a:rPr lang="el-GR" sz="1800" dirty="0" smtClean="0">
-                          <a:latin typeface="Arial"/>
-                          <a:cs typeface="Arial"/>
-                        </a:rPr>
-                        <a:t>β</a:t>
-                      </a:r>
-                      <a:r>
-                        <a:rPr lang="en-US" sz="1800" dirty="0" smtClean="0">
-                          <a:latin typeface="Arial"/>
-                          <a:cs typeface="Arial"/>
-                        </a:rPr>
-                        <a:t>=0.015</a:t>
-                      </a:r>
-                      <a:r>
-                        <a:rPr lang="pl-PL" sz="1800" baseline="0" dirty="0" smtClean="0">
-                          <a:latin typeface="Arial"/>
-                          <a:cs typeface="Arial"/>
-                        </a:rPr>
-                        <a:t>, </a:t>
-                      </a:r>
-                      <a:r>
-                        <a:rPr lang="en-US" sz="1800" dirty="0" smtClean="0">
-                          <a:latin typeface="Arial"/>
-                          <a:cs typeface="Arial"/>
-                        </a:rPr>
-                        <a:t>p=5e-3</a:t>
-                      </a:r>
-                      <a:endParaRPr lang="nb-NO" sz="1800" baseline="0" dirty="0" smtClean="0">
-                        <a:latin typeface="Arial"/>
-                        <a:cs typeface="Arial"/>
-                      </a:endParaRPr>
-                    </a:p>
-                  </a:txBody>
-                  <a:tcPr marL="128070" marR="128070" marT="44825" marB="44825"/>
-                </a:tc>
-                <a:tc>
-                  <a:txBody>
-                    <a:bodyPr/>
-                    <a:lstStyle/>
-                    <a:p>
-                      <a:r>
-                        <a:rPr lang="en-US" sz="1800" b="1" dirty="0" smtClean="0">
-                          <a:latin typeface="Arial"/>
-                          <a:cs typeface="Arial"/>
-                        </a:rPr>
-                        <a:t>#6</a:t>
-                      </a:r>
-                      <a:r>
-                        <a:rPr lang="en-US" sz="1800" dirty="0" smtClean="0">
-                          <a:latin typeface="Arial"/>
-                          <a:cs typeface="Arial"/>
-                        </a:rPr>
-                        <a:t>: ***</a:t>
-                      </a:r>
-                      <a:endParaRPr lang="en-US" sz="1800" dirty="0" smtClean="0">
-                        <a:latin typeface="Arial"/>
-                        <a:cs typeface="Arial"/>
-                      </a:endParaRPr>
-                    </a:p>
-                    <a:p>
-                      <a:r>
-                        <a:rPr lang="el-GR" sz="1800" dirty="0" smtClean="0">
-                          <a:latin typeface="Arial"/>
-                          <a:cs typeface="Arial"/>
-                        </a:rPr>
-                        <a:t>β</a:t>
-                      </a:r>
-                      <a:r>
-                        <a:rPr lang="en-US" sz="1800" dirty="0" smtClean="0">
-                          <a:latin typeface="Arial"/>
-                          <a:cs typeface="Arial"/>
-                        </a:rPr>
-                        <a:t>=5.43,</a:t>
+                        <a:t>Likelihood</a:t>
                       </a:r>
                       <a:r>
                         <a:rPr lang="en-US" sz="1800" baseline="0" dirty="0" smtClean="0">
                           <a:latin typeface="Arial"/>
                           <a:cs typeface="Arial"/>
                         </a:rPr>
-                        <a:t> </a:t>
-                      </a:r>
-                      <a:r>
-                        <a:rPr lang="en-US" sz="1800" dirty="0" smtClean="0">
-                          <a:latin typeface="Arial"/>
-                          <a:cs typeface="Arial"/>
-                        </a:rPr>
-                        <a:t>p&lt;2e-16</a:t>
-                      </a:r>
-                      <a:endParaRPr lang="nb-NO" sz="1800" baseline="0" dirty="0" smtClean="0">
-                        <a:latin typeface="Arial"/>
-                        <a:cs typeface="Arial"/>
-                      </a:endParaRPr>
-                    </a:p>
-                    <a:p>
-                      <a:r>
-                        <a:rPr lang="en-US" sz="1800" b="1" dirty="0" smtClean="0">
-                          <a:latin typeface="Arial"/>
-                          <a:cs typeface="Arial"/>
-                        </a:rPr>
-                        <a:t>#14</a:t>
-                      </a:r>
-                      <a:r>
-                        <a:rPr lang="en-US" sz="1800" dirty="0" smtClean="0">
-                          <a:latin typeface="Arial"/>
-                          <a:cs typeface="Arial"/>
-                        </a:rPr>
-                        <a:t>: ***</a:t>
-                      </a:r>
-                      <a:endParaRPr lang="en-US" sz="1800" dirty="0" smtClean="0">
-                        <a:latin typeface="Arial"/>
-                        <a:cs typeface="Arial"/>
-                      </a:endParaRPr>
-                    </a:p>
-                    <a:p>
-                      <a:r>
-                        <a:rPr lang="el-GR" sz="1800" dirty="0" smtClean="0">
-                          <a:latin typeface="Arial"/>
-                          <a:cs typeface="Arial"/>
-                        </a:rPr>
-                        <a:t>β</a:t>
-                      </a:r>
-                      <a:r>
-                        <a:rPr lang="en-US" sz="1800" dirty="0" smtClean="0">
-                          <a:latin typeface="Arial"/>
-                          <a:cs typeface="Arial"/>
-                        </a:rPr>
-                        <a:t>=-1.86,</a:t>
-                      </a:r>
-                      <a:r>
-                        <a:rPr lang="en-US" sz="1800" baseline="0" dirty="0" smtClean="0">
-                          <a:latin typeface="Arial"/>
-                          <a:cs typeface="Arial"/>
-                        </a:rPr>
-                        <a:t> </a:t>
-                      </a:r>
-                      <a:r>
-                        <a:rPr lang="en-US" sz="1800" dirty="0" smtClean="0">
-                          <a:latin typeface="Arial"/>
-                          <a:cs typeface="Arial"/>
-                        </a:rPr>
-                        <a:t>p=3e-7</a:t>
-                      </a:r>
-                      <a:endParaRPr lang="nb-NO" sz="1800" baseline="0" dirty="0" smtClean="0">
-                        <a:latin typeface="Arial"/>
-                        <a:cs typeface="Arial"/>
-                      </a:endParaRPr>
-                    </a:p>
-                  </a:txBody>
-                  <a:tcPr marL="128070" marR="128070" marT="44825" marB="44825"/>
-                </a:tc>
-                <a:tc>
-                  <a:txBody>
-                    <a:bodyPr/>
-                    <a:lstStyle/>
-                    <a:p>
-                      <a:r>
-                        <a:rPr lang="nb-NO" sz="1800" b="1" dirty="0" smtClean="0">
-                          <a:latin typeface="Arial"/>
-                          <a:cs typeface="Arial"/>
-                        </a:rPr>
-                        <a:t>CS</a:t>
-                      </a:r>
-                      <a:r>
-                        <a:rPr lang="nb-NO" sz="1800" b="1" baseline="0" dirty="0" smtClean="0">
-                          <a:latin typeface="Arial"/>
-                          <a:cs typeface="Arial"/>
-                        </a:rPr>
-                        <a:t> SUVR</a:t>
-                      </a:r>
-                      <a:r>
-                        <a:rPr lang="en-US" sz="1800" dirty="0" smtClean="0">
-                          <a:latin typeface="Arial"/>
-                          <a:cs typeface="Arial"/>
-                        </a:rPr>
-                        <a:t>: ***</a:t>
-                      </a:r>
-                      <a:endParaRPr lang="en-US" sz="1800" dirty="0" smtClean="0">
-                        <a:latin typeface="Arial"/>
-                        <a:cs typeface="Arial"/>
-                      </a:endParaRPr>
-                    </a:p>
-                    <a:p>
-                      <a:r>
-                        <a:rPr lang="el-GR" sz="1800" dirty="0" smtClean="0">
-                          <a:latin typeface="Arial"/>
-                          <a:cs typeface="Arial"/>
-                        </a:rPr>
-                        <a:t>β</a:t>
-                      </a:r>
-                      <a:r>
-                        <a:rPr lang="en-US" sz="1800" dirty="0" smtClean="0">
-                          <a:latin typeface="Arial"/>
-                          <a:cs typeface="Arial"/>
-                        </a:rPr>
-                        <a:t>=</a:t>
-                      </a:r>
-                      <a:r>
-                        <a:rPr lang="pl-PL" sz="1800" baseline="0" dirty="0" smtClean="0">
-                          <a:latin typeface="Arial"/>
-                          <a:cs typeface="Arial"/>
-                        </a:rPr>
-                        <a:t>8.98, </a:t>
-                      </a:r>
-                      <a:r>
-                        <a:rPr lang="en-US" sz="1800" dirty="0" smtClean="0">
-                          <a:latin typeface="Arial"/>
-                          <a:cs typeface="Arial"/>
-                        </a:rPr>
-                        <a:t>p&lt;2e-16</a:t>
-                      </a:r>
-                    </a:p>
-                  </a:txBody>
-                  <a:tcPr marL="128070" marR="128070" marT="44825" marB="44825"/>
-                </a:tc>
-              </a:tr>
-              <a:tr h="379431">
-                <a:tc>
-                  <a:txBody>
-                    <a:bodyPr/>
-                    <a:lstStyle/>
-                    <a:p>
-                      <a:r>
-                        <a:rPr lang="en-US" sz="1800" dirty="0" smtClean="0">
-                          <a:latin typeface="Arial"/>
-                          <a:cs typeface="Arial"/>
-                        </a:rPr>
-                        <a:t>R</a:t>
-                      </a:r>
-                      <a:r>
-                        <a:rPr lang="en-US" sz="1800" baseline="30000" dirty="0" smtClean="0">
-                          <a:latin typeface="Arial"/>
-                          <a:cs typeface="Arial"/>
-                        </a:rPr>
-                        <a:t>2</a:t>
-                      </a:r>
-                      <a:endParaRPr lang="en-US" sz="1800" baseline="30000" dirty="0">
-                        <a:latin typeface="Arial"/>
-                        <a:cs typeface="Arial"/>
-                      </a:endParaRPr>
-                    </a:p>
-                  </a:txBody>
-                  <a:tcPr marL="128070" marR="128070" marT="44825" marB="44825"/>
-                </a:tc>
-                <a:tc>
-                  <a:txBody>
-                    <a:bodyPr/>
-                    <a:lstStyle/>
-                    <a:p>
-                      <a:r>
-                        <a:rPr lang="nb-NO" sz="1800" baseline="0" dirty="0" smtClean="0">
-                          <a:latin typeface="Arial"/>
-                          <a:cs typeface="Arial"/>
-                        </a:rPr>
-                        <a:t>0.055</a:t>
-                      </a:r>
-                    </a:p>
-                  </a:txBody>
-                  <a:tcPr marL="128070" marR="128070" marT="44825" marB="44825"/>
-                </a:tc>
-                <a:tc>
-                  <a:txBody>
-                    <a:bodyPr/>
-                    <a:lstStyle/>
-                    <a:p>
-                      <a:r>
-                        <a:rPr lang="nb-NO" sz="1800" baseline="0" dirty="0" smtClean="0">
-                          <a:latin typeface="Arial"/>
-                          <a:cs typeface="Arial"/>
-                        </a:rPr>
-                        <a:t>0.059</a:t>
-                      </a:r>
-                    </a:p>
-                  </a:txBody>
-                  <a:tcPr marL="128070" marR="128070" marT="44825" marB="44825"/>
-                </a:tc>
-                <a:tc>
-                  <a:txBody>
-                    <a:bodyPr/>
-                    <a:lstStyle/>
-                    <a:p>
-                      <a:r>
-                        <a:rPr lang="en-US" sz="1800" dirty="0" smtClean="0">
-                          <a:latin typeface="Arial"/>
-                          <a:cs typeface="Arial"/>
-                        </a:rPr>
-                        <a:t>0.19</a:t>
+                        <a:t> ratio test</a:t>
                       </a:r>
                       <a:endParaRPr lang="en-US" sz="1800" dirty="0">
                         <a:latin typeface="Arial"/>
@@ -9341,11 +9322,41 @@
                     <a:lstStyle/>
                     <a:p>
                       <a:r>
+                        <a:rPr lang="pt-BR" sz="1800" dirty="0" err="1" smtClean="0">
+                          <a:latin typeface="Arial"/>
+                          <a:cs typeface="Arial"/>
+                        </a:rPr>
+                        <a:t>F</a:t>
+                      </a:r>
+                      <a:r>
+                        <a:rPr lang="pt-BR" sz="1800" dirty="0" smtClean="0">
+                          <a:latin typeface="Arial"/>
+                          <a:cs typeface="Arial"/>
+                        </a:rPr>
+                        <a:t> = 35.9,</a:t>
+                      </a:r>
+                    </a:p>
+                    <a:p>
+                      <a:r>
+                        <a:rPr lang="pt-BR" sz="1800" dirty="0" err="1" smtClean="0">
+                          <a:latin typeface="Arial"/>
+                          <a:cs typeface="Arial"/>
+                        </a:rPr>
+                        <a:t>p</a:t>
+                      </a:r>
+                      <a:r>
+                        <a:rPr lang="pt-BR" sz="1800" dirty="0" smtClean="0">
+                          <a:latin typeface="Arial"/>
+                          <a:cs typeface="Arial"/>
+                        </a:rPr>
+                        <a:t>&lt;</a:t>
+                      </a:r>
+                      <a:r>
                         <a:rPr lang="en-US" sz="1800" dirty="0" smtClean="0">
                           <a:latin typeface="Arial"/>
                           <a:cs typeface="Arial"/>
                         </a:rPr>
-                        <a:t>0.17</a:t>
+                        <a:t>3e-9 ***</a:t>
                       </a:r>
                       <a:endParaRPr lang="en-US" sz="1800" dirty="0">
                         <a:latin typeface="Arial"/>
@@ -9353,43 +9364,15 @@
                       </a:endParaRPr>
                     </a:p>
                   </a:txBody>
-                  <a:tcPr marL="128070" marR="128070" marT="44825" marB="44825"/>
-                </a:tc>
-              </a:tr>
-              <a:tr h="363579">
-                <a:tc>
-                  <a:txBody>
-                    <a:bodyPr/>
-                    <a:lstStyle/>
-                    <a:p>
-                      <a:r>
-                        <a:rPr lang="en-US" sz="1800" dirty="0" smtClean="0">
-                          <a:latin typeface="Arial"/>
-                          <a:cs typeface="Arial"/>
-                        </a:rPr>
-                        <a:t>Adj.</a:t>
-                      </a:r>
-                      <a:r>
-                        <a:rPr lang="en-US" sz="1800" baseline="0" dirty="0" smtClean="0">
-                          <a:latin typeface="Arial"/>
-                          <a:cs typeface="Arial"/>
-                        </a:rPr>
-                        <a:t> R</a:t>
-                      </a:r>
-                      <a:r>
-                        <a:rPr lang="en-US" sz="1800" baseline="30000" dirty="0" smtClean="0">
-                          <a:latin typeface="Arial"/>
-                          <a:cs typeface="Arial"/>
-                        </a:rPr>
-                        <a:t>2</a:t>
-                      </a:r>
-                      <a:endParaRPr lang="en-US" sz="1800" baseline="30000" dirty="0">
-                        <a:latin typeface="Arial"/>
-                        <a:cs typeface="Arial"/>
-                      </a:endParaRPr>
-                    </a:p>
-                  </a:txBody>
-                  <a:tcPr marL="128070" marR="128070" marT="44825" marB="44825"/>
+                  <a:tcPr marL="128070" marR="128070" marT="44825" marB="44825">
+                    <a:solidFill>
+                      <a:schemeClr val="tx2">
+                        <a:lumMod val="20000"/>
+                        <a:lumOff val="80000"/>
+                        <a:alpha val="50000"/>
+                      </a:schemeClr>
+                    </a:solidFill>
+                  </a:tcPr>
                 </a:tc>
                 <a:tc>
                   <a:txBody>
@@ -9397,11 +9380,34 @@
                     <a:lstStyle/>
                     <a:p>
                       <a:r>
+                        <a:rPr lang="hr-HR" sz="1800" dirty="0" smtClean="0">
+                          <a:latin typeface="Arial"/>
+                          <a:cs typeface="Arial"/>
+                        </a:rPr>
+                        <a:t>F = 19.2,</a:t>
+                      </a:r>
+                    </a:p>
+                    <a:p>
+                      <a:r>
                         <a:rPr lang="en-US" sz="1800" dirty="0" smtClean="0">
                           <a:latin typeface="Arial"/>
                           <a:cs typeface="Arial"/>
                         </a:rPr>
-                        <a:t>0.054</a:t>
+                        <a:t>p</a:t>
+                      </a:r>
+                      <a:r>
+                        <a:rPr lang="hr-HR" sz="1800" dirty="0" smtClean="0">
+                          <a:latin typeface="Arial"/>
+                          <a:cs typeface="Arial"/>
+                        </a:rPr>
+                        <a:t>&lt;</a:t>
+                      </a:r>
+                      <a:r>
+                        <a:rPr lang="pt-BR" sz="1800" dirty="0" smtClean="0">
+                          <a:latin typeface="Arial"/>
+                          <a:cs typeface="Arial"/>
+                        </a:rPr>
+                        <a:t>8e-9 ***</a:t>
                       </a:r>
                       <a:endParaRPr lang="en-US" sz="1800" dirty="0">
                         <a:latin typeface="Arial"/>
@@ -9421,7 +9427,30 @@
                           <a:latin typeface="Arial"/>
                           <a:cs typeface="Arial"/>
                         </a:rPr>
-                        <a:t>0.056</a:t>
+                        <a:t>F = </a:t>
+                      </a:r>
+                      <a:r>
+                        <a:rPr lang="hr-HR" sz="1800" dirty="0" smtClean="0">
+                          <a:latin typeface="Arial"/>
+                          <a:cs typeface="Arial"/>
+                        </a:rPr>
+                        <a:t>60.1</a:t>
+                      </a:r>
+                      <a:r>
+                        <a:rPr lang="en-US" sz="1800" dirty="0" smtClean="0">
+                          <a:latin typeface="Arial"/>
+                          <a:cs typeface="Arial"/>
+                        </a:rPr>
+                        <a:t>,</a:t>
+                      </a:r>
+                    </a:p>
+                    <a:p>
+                      <a:r>
+                        <a:rPr lang="en-US" sz="1800" dirty="0" smtClean="0">
+                          <a:latin typeface="Arial"/>
+                          <a:cs typeface="Arial"/>
+                        </a:rPr>
+                        <a:t>p&lt;2.2e-16 ***</a:t>
                       </a:r>
                       <a:endParaRPr lang="en-US" sz="1800" dirty="0">
                         <a:latin typeface="Arial"/>
@@ -9429,7 +9458,15 @@
                       </a:endParaRPr>
                     </a:p>
                   </a:txBody>
-                  <a:tcPr marL="128070" marR="128070" marT="44825" marB="44825"/>
+                  <a:tcPr marL="128070" marR="128070" marT="44825" marB="44825">
+                    <a:solidFill>
+                      <a:schemeClr val="tx2">
+                        <a:lumMod val="20000"/>
+                        <a:lumOff val="80000"/>
+                        <a:alpha val="50000"/>
+                      </a:schemeClr>
+                    </a:solidFill>
+                  </a:tcPr>
                 </a:tc>
                 <a:tc>
                   <a:txBody>
@@ -9437,191 +9474,6 @@
                     <a:lstStyle/>
                     <a:p>
                       <a:r>
-                        <a:rPr lang="nb-NO" sz="1800" dirty="0" smtClean="0">
-                          <a:latin typeface="Arial"/>
-                          <a:cs typeface="Arial"/>
-                        </a:rPr>
-                        <a:t>0.19</a:t>
-                      </a:r>
-                      <a:endParaRPr lang="en-US" sz="1800" dirty="0">
-                        <a:latin typeface="Arial"/>
-                        <a:cs typeface="Arial"/>
-                      </a:endParaRPr>
-                    </a:p>
-                  </a:txBody>
-                  <a:tcPr marL="128070" marR="128070" marT="44825" marB="44825"/>
-                </a:tc>
-                <a:tc>
-                  <a:txBody>
-                    <a:bodyPr/>
-                    <a:lstStyle/>
-                    <a:p>
-                      <a:r>
-                        <a:rPr lang="en-US" sz="1800" dirty="0" smtClean="0">
-                          <a:latin typeface="Arial"/>
-                          <a:cs typeface="Arial"/>
-                        </a:rPr>
-                        <a:t>0.17</a:t>
-                      </a:r>
-                      <a:endParaRPr lang="en-US" sz="1800" dirty="0">
-                        <a:latin typeface="Arial"/>
-                        <a:cs typeface="Arial"/>
-                      </a:endParaRPr>
-                    </a:p>
-                  </a:txBody>
-                  <a:tcPr marL="128070" marR="128070" marT="44825" marB="44825"/>
-                </a:tc>
-              </a:tr>
-              <a:tr h="386280">
-                <a:tc>
-                  <a:txBody>
-                    <a:bodyPr/>
-                    <a:lstStyle/>
-                    <a:p>
-                      <a:r>
-                        <a:rPr lang="en-US" sz="1800" dirty="0" smtClean="0">
-                          <a:latin typeface="Arial"/>
-                          <a:cs typeface="Arial"/>
-                        </a:rPr>
-                        <a:t>R</a:t>
-                      </a:r>
-                      <a:r>
-                        <a:rPr lang="en-US" sz="1800" baseline="30000" dirty="0" smtClean="0">
-                          <a:latin typeface="Arial"/>
-                          <a:cs typeface="Arial"/>
-                        </a:rPr>
-                        <a:t>2</a:t>
-                      </a:r>
-                      <a:r>
-                        <a:rPr lang="en-US" sz="1800" baseline="0" dirty="0" smtClean="0">
-                          <a:latin typeface="Arial"/>
-                          <a:cs typeface="Arial"/>
-                        </a:rPr>
-                        <a:t> Shrinkage</a:t>
-                      </a:r>
-                      <a:endParaRPr lang="en-US" sz="1800" dirty="0">
-                        <a:latin typeface="Arial"/>
-                        <a:cs typeface="Arial"/>
-                      </a:endParaRPr>
-                    </a:p>
-                  </a:txBody>
-                  <a:tcPr marL="128070" marR="128070" marT="44825" marB="44825"/>
-                </a:tc>
-                <a:tc>
-                  <a:txBody>
-                    <a:bodyPr/>
-                    <a:lstStyle/>
-                    <a:p>
-                      <a:r>
-                        <a:rPr lang="en-US" sz="1800" dirty="0" smtClean="0">
-                          <a:latin typeface="Arial"/>
-                          <a:cs typeface="Arial"/>
-                        </a:rPr>
-                        <a:t>0.048</a:t>
-                      </a:r>
-                      <a:endParaRPr lang="en-US" sz="1800" dirty="0">
-                        <a:latin typeface="Arial"/>
-                        <a:cs typeface="Arial"/>
-                      </a:endParaRPr>
-                    </a:p>
-                  </a:txBody>
-                  <a:tcPr marL="128070" marR="128070" marT="44825" marB="44825"/>
-                </a:tc>
-                <a:tc>
-                  <a:txBody>
-                    <a:bodyPr/>
-                    <a:lstStyle/>
-                    <a:p>
-                      <a:r>
-                        <a:rPr lang="en-US" sz="1800" dirty="0" smtClean="0">
-                          <a:latin typeface="Arial"/>
-                          <a:cs typeface="Arial"/>
-                        </a:rPr>
-                        <a:t>0.045</a:t>
-                      </a:r>
-                      <a:endParaRPr lang="en-US" sz="1800" dirty="0">
-                        <a:latin typeface="Arial"/>
-                        <a:cs typeface="Arial"/>
-                      </a:endParaRPr>
-                    </a:p>
-                  </a:txBody>
-                  <a:tcPr marL="128070" marR="128070" marT="44825" marB="44825"/>
-                </a:tc>
-                <a:tc>
-                  <a:txBody>
-                    <a:bodyPr/>
-                    <a:lstStyle/>
-                    <a:p>
-                      <a:r>
-                        <a:rPr lang="en-US" sz="1800" dirty="0" smtClean="0">
-                          <a:latin typeface="Arial"/>
-                          <a:cs typeface="Arial"/>
-                        </a:rPr>
-                        <a:t>0.18</a:t>
-                      </a:r>
-                      <a:endParaRPr lang="en-US" sz="1800" dirty="0">
-                        <a:latin typeface="Arial"/>
-                        <a:cs typeface="Arial"/>
-                      </a:endParaRPr>
-                    </a:p>
-                  </a:txBody>
-                  <a:tcPr marL="128070" marR="128070" marT="44825" marB="44825"/>
-                </a:tc>
-                <a:tc>
-                  <a:txBody>
-                    <a:bodyPr/>
-                    <a:lstStyle/>
-                    <a:p>
-                      <a:r>
-                        <a:rPr lang="en-US" sz="1800" dirty="0" smtClean="0">
-                          <a:latin typeface="Arial"/>
-                          <a:cs typeface="Arial"/>
-                        </a:rPr>
-                        <a:t>0.16</a:t>
-                      </a:r>
-                      <a:endParaRPr lang="en-US" sz="1800" dirty="0">
-                        <a:latin typeface="Arial"/>
-                        <a:cs typeface="Arial"/>
-                      </a:endParaRPr>
-                    </a:p>
-                  </a:txBody>
-                  <a:tcPr marL="128070" marR="128070" marT="44825" marB="44825"/>
-                </a:tc>
-              </a:tr>
-              <a:tr h="746110">
-                <a:tc>
-                  <a:txBody>
-                    <a:bodyPr/>
-                    <a:lstStyle/>
-                    <a:p>
-                      <a:r>
-                        <a:rPr lang="en-US" sz="1800" dirty="0" smtClean="0">
-                          <a:latin typeface="Arial"/>
-                          <a:cs typeface="Arial"/>
-                        </a:rPr>
-                        <a:t>Likelihood</a:t>
-                      </a:r>
-                      <a:r>
-                        <a:rPr lang="en-US" sz="1800" baseline="0" dirty="0" smtClean="0">
-                          <a:latin typeface="Arial"/>
-                          <a:cs typeface="Arial"/>
-                        </a:rPr>
-                        <a:t> ratio test</a:t>
-                      </a:r>
-                      <a:endParaRPr lang="en-US" sz="1800" dirty="0">
-                        <a:latin typeface="Arial"/>
-                        <a:cs typeface="Arial"/>
-                      </a:endParaRPr>
-                    </a:p>
-                  </a:txBody>
-                  <a:tcPr marL="128070" marR="128070" marT="44825" marB="44825"/>
-                </a:tc>
-                <a:tc>
-                  <a:txBody>
-                    <a:bodyPr/>
-                    <a:lstStyle/>
-                    <a:p>
-                      <a:r>
                         <a:rPr lang="pt-BR" sz="1800" dirty="0" err="1" smtClean="0">
                           <a:latin typeface="Arial"/>
                           <a:cs typeface="Arial"/>
@@ -9633,7 +9485,21 @@
                           <a:latin typeface="Arial"/>
                           <a:cs typeface="Arial"/>
                         </a:rPr>
-                        <a:t> = 35.9,</a:t>
+                        <a:t> = </a:t>
+                      </a:r>
+                      <a:r>
+                        <a:rPr lang="hr-HR" sz="1800" dirty="0" smtClean="0">
+                          <a:latin typeface="Arial"/>
+                          <a:cs typeface="Arial"/>
+                        </a:rPr>
+                        <a:t>107.7</a:t>
+                      </a:r>
+                      <a:r>
+                        <a:rPr lang="pt-BR" sz="1800" dirty="0" smtClean="0">
+                          <a:latin typeface="Arial"/>
+                          <a:cs typeface="Arial"/>
+                        </a:rPr>
+                        <a:t>,</a:t>
                       </a:r>
                     </a:p>
                     <a:p>
@@ -9652,189 +9518,11 @@
                         <a:t>&lt;</a:t>
                       </a:r>
                       <a:r>
-                        <a:rPr lang="en-US" sz="1800" dirty="0" smtClean="0">
-                          <a:latin typeface="Arial"/>
-                          <a:cs typeface="Arial"/>
-                        </a:rPr>
-                        <a:t>3e-</a:t>
-                      </a:r>
-                      <a:r>
-                        <a:rPr lang="en-US" sz="1800" dirty="0" smtClean="0">
-                          <a:latin typeface="Arial"/>
-                          <a:cs typeface="Arial"/>
-                        </a:rPr>
-                        <a:t>9 ***</a:t>
-                      </a:r>
-                      <a:endParaRPr lang="en-US" sz="1800" dirty="0">
-                        <a:latin typeface="Arial"/>
-                        <a:cs typeface="Arial"/>
-                      </a:endParaRPr>
-                    </a:p>
-                  </a:txBody>
-                  <a:tcPr marL="128070" marR="128070" marT="44825" marB="44825"/>
-                </a:tc>
-                <a:tc>
-                  <a:txBody>
-                    <a:bodyPr/>
-                    <a:lstStyle/>
-                    <a:p>
-                      <a:r>
-                        <a:rPr lang="hr-HR" sz="1800" dirty="0" smtClean="0">
-                          <a:latin typeface="Arial"/>
-                          <a:cs typeface="Arial"/>
-                        </a:rPr>
-                        <a:t>F = 19.2,</a:t>
-                      </a:r>
-                    </a:p>
-                    <a:p>
-                      <a:r>
-                        <a:rPr lang="en-US" sz="1800" dirty="0" smtClean="0">
-                          <a:latin typeface="Arial"/>
-                          <a:cs typeface="Arial"/>
-                        </a:rPr>
-                        <a:t>p</a:t>
-                      </a:r>
-                      <a:r>
-                        <a:rPr lang="hr-HR" sz="1800" dirty="0" smtClean="0">
-                          <a:latin typeface="Arial"/>
-                          <a:cs typeface="Arial"/>
-                        </a:rPr>
-                        <a:t>&lt;</a:t>
-                      </a:r>
-                      <a:r>
-                        <a:rPr lang="pt-BR" sz="1800" dirty="0" smtClean="0">
-                          <a:latin typeface="Arial"/>
-                          <a:cs typeface="Arial"/>
-                        </a:rPr>
-                        <a:t>8e-</a:t>
-                      </a:r>
-                      <a:r>
-                        <a:rPr lang="pt-BR" sz="1800" dirty="0" smtClean="0">
-                          <a:latin typeface="Arial"/>
-                          <a:cs typeface="Arial"/>
-                        </a:rPr>
-                        <a:t>9 ***</a:t>
-                      </a:r>
-                      <a:endParaRPr lang="en-US" sz="1800" dirty="0">
-                        <a:latin typeface="Arial"/>
-                        <a:cs typeface="Arial"/>
-                      </a:endParaRPr>
-                    </a:p>
-                  </a:txBody>
-                  <a:tcPr marL="128070" marR="128070" marT="44825" marB="44825"/>
-                </a:tc>
-                <a:tc>
-                  <a:txBody>
-                    <a:bodyPr/>
-                    <a:lstStyle/>
-                    <a:p>
-                      <a:r>
-                        <a:rPr lang="en-US" sz="1800" dirty="0" smtClean="0">
-                          <a:latin typeface="Arial"/>
-                          <a:cs typeface="Arial"/>
-                        </a:rPr>
-                        <a:t>F = </a:t>
-                      </a:r>
-                      <a:r>
-                        <a:rPr lang="hr-HR" sz="1800" dirty="0" smtClean="0">
-                          <a:latin typeface="Arial"/>
-                          <a:cs typeface="Arial"/>
-                        </a:rPr>
-                        <a:t>60.1</a:t>
-                      </a:r>
-                      <a:r>
-                        <a:rPr lang="en-US" sz="1800" dirty="0" smtClean="0">
-                          <a:latin typeface="Arial"/>
-                          <a:cs typeface="Arial"/>
-                        </a:rPr>
-                        <a:t>,</a:t>
-                      </a:r>
-                    </a:p>
-                    <a:p>
-                      <a:r>
-                        <a:rPr lang="en-US" sz="1800" dirty="0" smtClean="0">
-                          <a:latin typeface="Arial"/>
-                          <a:cs typeface="Arial"/>
-                        </a:rPr>
-                        <a:t>p&lt;2.2e-</a:t>
-                      </a:r>
-                      <a:r>
-                        <a:rPr lang="en-US" sz="1800" dirty="0" smtClean="0">
-                          <a:latin typeface="Arial"/>
-                          <a:cs typeface="Arial"/>
-                        </a:rPr>
-                        <a:t>16 ***</a:t>
-                      </a:r>
-                      <a:endParaRPr lang="en-US" sz="1800" dirty="0">
-                        <a:latin typeface="Arial"/>
-                        <a:cs typeface="Arial"/>
-                      </a:endParaRPr>
-                    </a:p>
-                  </a:txBody>
-                  <a:tcPr marL="128070" marR="128070" marT="44825" marB="44825"/>
-                </a:tc>
-                <a:tc>
-                  <a:txBody>
-                    <a:bodyPr/>
-                    <a:lstStyle/>
-                    <a:p>
-                      <a:r>
-                        <a:rPr lang="pt-BR" sz="1800" dirty="0" err="1" smtClean="0">
-                          <a:latin typeface="Arial"/>
-                          <a:cs typeface="Arial"/>
-                        </a:rPr>
-                        <a:t>F</a:t>
-                      </a:r>
-                      <a:r>
-                        <a:rPr lang="pt-BR" sz="1800" dirty="0" smtClean="0">
-                          <a:latin typeface="Arial"/>
-                          <a:cs typeface="Arial"/>
-                        </a:rPr>
-                        <a:t> = </a:t>
-                      </a:r>
-                      <a:r>
-                        <a:rPr lang="hr-HR" sz="1800" dirty="0" smtClean="0">
-                          <a:latin typeface="Arial"/>
-                          <a:cs typeface="Arial"/>
-                        </a:rPr>
-                        <a:t>107.7</a:t>
-                      </a:r>
-                      <a:r>
-                        <a:rPr lang="pt-BR" sz="1800" dirty="0" smtClean="0">
-                          <a:latin typeface="Arial"/>
-                          <a:cs typeface="Arial"/>
-                        </a:rPr>
-                        <a:t>,</a:t>
-                      </a:r>
-                    </a:p>
-                    <a:p>
-                      <a:r>
-                        <a:rPr lang="pt-BR" sz="1800" dirty="0" err="1" smtClean="0">
-                          <a:latin typeface="Arial"/>
-                          <a:cs typeface="Arial"/>
-                        </a:rPr>
-                        <a:t>p</a:t>
-                      </a:r>
-                      <a:r>
-                        <a:rPr lang="pt-BR" sz="1800" dirty="0" smtClean="0">
-                          <a:latin typeface="Arial"/>
-                          <a:cs typeface="Arial"/>
-                        </a:rPr>
-                        <a:t>&lt;</a:t>
-                      </a:r>
-                      <a:r>
                         <a:rPr lang="is-IS" sz="1800" dirty="0" smtClean="0">
                           <a:latin typeface="Arial"/>
                           <a:cs typeface="Arial"/>
                         </a:rPr>
-                        <a:t>2.2e-</a:t>
-                      </a:r>
-                      <a:r>
-                        <a:rPr lang="is-IS" sz="1800" dirty="0" smtClean="0">
-                          <a:latin typeface="Arial"/>
-                          <a:cs typeface="Arial"/>
-                        </a:rPr>
-                        <a:t>16 ***</a:t>
+                        <a:t>2.2e-16 ***</a:t>
                       </a:r>
                       <a:endParaRPr lang="en-US" sz="1800" dirty="0">
                         <a:latin typeface="Arial"/>
@@ -9858,14 +9546,14 @@
           <p:nvPr>
             <p:extLst>
               <p:ext uri="{D42A27DB-BD31-4B8C-83A1-F6EECF244321}">
-                <p14:modId xmlns:p14="http://schemas.microsoft.com/office/powerpoint/2010/main" val="1869645866"/>
+                <p14:modId xmlns:p14="http://schemas.microsoft.com/office/powerpoint/2010/main" val="2139588348"/>
               </p:ext>
             </p:extLst>
           </p:nvPr>
         </p:nvGraphicFramePr>
         <p:xfrm>
-          <a:off x="30610337" y="10167310"/>
-          <a:ext cx="5432822" cy="4897754"/>
+          <a:off x="30429200" y="11122201"/>
+          <a:ext cx="5617886" cy="4311152"/>
         </p:xfrm>
         <a:graphic>
           <a:graphicData uri="http://schemas.openxmlformats.org/drawingml/2006/table">
@@ -9874,11 +9562,80 @@
                 <a:tableStyleId>{3B4B98B0-60AC-42C2-AFA5-B58CD77FA1E5}</a:tableStyleId>
               </a:tblPr>
               <a:tblGrid>
-                <a:gridCol w="1977863"/>
-                <a:gridCol w="1651000"/>
-                <a:gridCol w="1803959"/>
+                <a:gridCol w="1516017"/>
+                <a:gridCol w="2061753"/>
+                <a:gridCol w="2040116"/>
               </a:tblGrid>
-              <a:tr h="993274">
+              <a:tr h="276968">
+                <a:tc rowSpan="2">
+                  <a:txBody>
+                    <a:bodyPr/>
+                    <a:lstStyle/>
+                    <a:p>
+                      <a:pPr algn="ctr"/>
+                      <a:endParaRPr lang="en-US" sz="2200" b="1" dirty="0" smtClean="0">
+                        <a:latin typeface="Arial"/>
+                      </a:endParaRPr>
+                    </a:p>
+                  </a:txBody>
+                  <a:tcPr marL="208023" marR="208023" marT="72808" marB="72808"/>
+                </a:tc>
+                <a:tc gridSpan="2">
+                  <a:txBody>
+                    <a:bodyPr/>
+                    <a:lstStyle/>
+                    <a:p>
+                      <a:pPr algn="ctr"/>
+                      <a:r>
+                        <a:rPr lang="en-US" sz="1800" dirty="0" smtClean="0">
+                          <a:latin typeface="Arial"/>
+                          <a:cs typeface="Arial"/>
+                        </a:rPr>
+                        <a:t>Dependent: ADAS-Cog</a:t>
+                      </a:r>
+                      <a:r>
+                        <a:rPr lang="en-US" sz="1800" baseline="0" dirty="0" smtClean="0">
+                          <a:latin typeface="Arial"/>
+                          <a:cs typeface="Arial"/>
+                        </a:rPr>
+                        <a:t> (</a:t>
+                      </a:r>
+                      <a:r>
+                        <a:rPr lang="en-US" sz="1800" dirty="0" smtClean="0">
+                          <a:latin typeface="Arial"/>
+                          <a:cs typeface="Arial"/>
+                        </a:rPr>
+                        <a:t>n=60)</a:t>
+                      </a:r>
+                    </a:p>
+                  </a:txBody>
+                  <a:tcPr marL="208023" marR="208023" marT="72808" marB="72808"/>
+                </a:tc>
+                <a:tc hMerge="1">
+                  <a:txBody>
+                    <a:bodyPr/>
+                    <a:lstStyle/>
+                    <a:p>
+                      <a:endParaRPr lang="en-US" sz="1800" dirty="0">
+                        <a:latin typeface="Arial"/>
+                        <a:cs typeface="Arial"/>
+                      </a:endParaRPr>
+                    </a:p>
+                  </a:txBody>
+                  <a:tcPr marL="208023" marR="208023" marT="72808" marB="72808"/>
+                </a:tc>
+              </a:tr>
+              <a:tr h="222149">
+                <a:tc vMerge="1">
+                  <a:txBody>
+                    <a:bodyPr/>
+                    <a:lstStyle/>
+                    <a:p>
+                      <a:endParaRPr lang="en-US"/>
+                    </a:p>
+                  </a:txBody>
+                  <a:tcPr/>
+                </a:tc>
                 <a:tc>
                   <a:txBody>
                     <a:bodyPr/>
@@ -9886,55 +9643,13 @@
                     <a:p>
                       <a:pPr algn="ctr"/>
                       <a:r>
-                        <a:rPr lang="en-US" sz="2200" b="1" baseline="30000" dirty="0" smtClean="0">
-                          <a:latin typeface="Arial"/>
-                        </a:rPr>
-                        <a:t>18</a:t>
-                      </a:r>
-                      <a:r>
-                        <a:rPr lang="en-US" sz="2200" b="1" dirty="0" smtClean="0">
-                          <a:latin typeface="Arial"/>
-                        </a:rPr>
-                        <a:t>F-AV-1451 LARS Results</a:t>
-                      </a:r>
-                    </a:p>
-                  </a:txBody>
-                  <a:tcPr marL="208023" marR="208023" marT="72808" marB="72808"/>
-                </a:tc>
-                <a:tc>
-                  <a:txBody>
-                    <a:bodyPr/>
-                    <a:lstStyle/>
-                    <a:p>
-                      <a:r>
-                        <a:rPr lang="en-US" sz="1800" dirty="0" smtClean="0">
-                          <a:latin typeface="Arial"/>
-                          <a:cs typeface="Arial"/>
-                        </a:rPr>
-                        <a:t>ADAS-Cog</a:t>
-                      </a:r>
-                      <a:r>
-                        <a:rPr lang="en-US" sz="1800" baseline="0" dirty="0" smtClean="0">
-                          <a:latin typeface="Arial"/>
-                          <a:cs typeface="Arial"/>
-                        </a:rPr>
-                        <a:t> (</a:t>
-                      </a:r>
-                      <a:r>
-                        <a:rPr lang="en-US" sz="1800" dirty="0" smtClean="0">
-                          <a:latin typeface="Arial"/>
-                          <a:cs typeface="Arial"/>
-                        </a:rPr>
-                        <a:t>Factors, n=60</a:t>
-                      </a:r>
-                      <a:r>
-                        <a:rPr lang="en-US" sz="1800" dirty="0" smtClean="0">
-                          <a:latin typeface="Arial"/>
-                          <a:cs typeface="Arial"/>
-                        </a:rPr>
-                        <a:t>)</a:t>
-                      </a:r>
-                      <a:endParaRPr lang="en-US" sz="1800" dirty="0" smtClean="0">
+                        <a:rPr lang="en-US" sz="1800" b="1" dirty="0" smtClean="0">
+                          <a:latin typeface="Arial"/>
+                          <a:cs typeface="Arial"/>
+                        </a:rPr>
+                        <a:t>Factors</a:t>
+                      </a:r>
+                      <a:endParaRPr lang="en-US" sz="1800" b="1" dirty="0">
                         <a:latin typeface="Arial"/>
                         <a:cs typeface="Arial"/>
                       </a:endParaRPr>
@@ -9947,42 +9662,22 @@
                     <a:bodyPr/>
                     <a:lstStyle/>
                     <a:p>
-                      <a:r>
-                        <a:rPr lang="en-US" sz="1800" dirty="0" smtClean="0">
-                          <a:latin typeface="Arial"/>
-                          <a:cs typeface="Arial"/>
-                        </a:rPr>
-                        <a:t>ADAS-Cog (</a:t>
-                      </a:r>
-                      <a:r>
-                        <a:rPr lang="en-US" sz="1800" dirty="0" err="1" smtClean="0">
+                      <a:pPr algn="ctr"/>
+                      <a:r>
+                        <a:rPr lang="en-US" sz="1800" b="1" dirty="0" err="1" smtClean="0">
                           <a:latin typeface="Arial"/>
                           <a:cs typeface="Arial"/>
                         </a:rPr>
                         <a:t>Braak</a:t>
                       </a:r>
                       <a:r>
-                        <a:rPr lang="en-US" sz="1800" baseline="0" dirty="0" smtClean="0">
+                        <a:rPr lang="en-US" sz="1800" b="1" baseline="0" dirty="0" smtClean="0">
                           <a:latin typeface="Arial"/>
                           <a:cs typeface="Arial"/>
                         </a:rPr>
                         <a:t> SUVR</a:t>
                       </a:r>
-                      <a:r>
-                        <a:rPr lang="en-US" sz="1800" dirty="0" smtClean="0">
-                          <a:latin typeface="Arial"/>
-                          <a:cs typeface="Arial"/>
-                        </a:rPr>
-                        <a:t>, </a:t>
-                      </a:r>
-                      <a:r>
-                        <a:rPr lang="en-US" sz="1800" dirty="0" smtClean="0">
-                          <a:latin typeface="Arial"/>
-                          <a:cs typeface="Arial"/>
-                        </a:rPr>
-                        <a:t>n=60)</a:t>
-                      </a:r>
-                      <a:endParaRPr lang="en-US" sz="1800" dirty="0">
+                      <a:endParaRPr lang="en-US" sz="1800" b="1" dirty="0">
                         <a:latin typeface="Arial"/>
                         <a:cs typeface="Arial"/>
                       </a:endParaRPr>
@@ -9991,7 +9686,7 @@
                   <a:tcPr marL="208023" marR="208023" marT="72808" marB="72808"/>
                 </a:tc>
               </a:tr>
-              <a:tr h="1301513">
+              <a:tr h="1072187">
                 <a:tc>
                   <a:txBody>
                     <a:bodyPr/>
@@ -10002,14 +9697,7 @@
                           <a:latin typeface="Arial"/>
                           <a:cs typeface="Arial"/>
                         </a:rPr>
-                        <a:t>Significant</a:t>
-                      </a:r>
-                      <a:r>
-                        <a:rPr lang="en-US" sz="1800" baseline="0" dirty="0" smtClean="0">
-                          <a:latin typeface="Arial"/>
-                          <a:cs typeface="Arial"/>
-                        </a:rPr>
-                        <a:t> predictors</a:t>
+                        <a:t>Non-zero predictors</a:t>
                       </a:r>
                       <a:endParaRPr lang="en-US" sz="1800" dirty="0">
                         <a:latin typeface="Arial"/>
@@ -10038,10 +9726,6 @@
                         </a:rPr>
                         <a:t>: ***</a:t>
                       </a:r>
-                      <a:endParaRPr lang="en-US" sz="1800" dirty="0" smtClean="0">
-                        <a:latin typeface="Arial"/>
-                        <a:cs typeface="Arial"/>
-                      </a:endParaRPr>
                     </a:p>
                     <a:p>
                       <a:r>
@@ -10070,14 +9754,7 @@
                           <a:latin typeface="Arial"/>
                           <a:cs typeface="Arial"/>
                         </a:rPr>
-                        <a:t>p&lt;6e-</a:t>
-                      </a:r>
-                      <a:r>
-                        <a:rPr lang="en-US" sz="1800" dirty="0" smtClean="0">
-                          <a:latin typeface="Arial"/>
-                          <a:cs typeface="Arial"/>
-                        </a:rPr>
-                        <a:t>11</a:t>
+                        <a:t>p=6e-11</a:t>
                       </a:r>
                     </a:p>
                     <a:p>
@@ -10125,13 +9802,17 @@
                         </a:rPr>
                         <a:t>p=0.3</a:t>
                       </a:r>
-                      <a:endParaRPr lang="en-US" sz="1800" dirty="0" smtClean="0">
-                        <a:latin typeface="Arial"/>
-                        <a:cs typeface="Arial"/>
-                      </a:endParaRPr>
                     </a:p>
                   </a:txBody>
-                  <a:tcPr marL="208023" marR="208023" marT="72808" marB="72808"/>
+                  <a:tcPr marL="208023" marR="208023" marT="72808" marB="72808">
+                    <a:solidFill>
+                      <a:schemeClr val="tx2">
+                        <a:lumMod val="20000"/>
+                        <a:lumOff val="80000"/>
+                        <a:alpha val="50000"/>
+                      </a:schemeClr>
+                    </a:solidFill>
+                  </a:tcPr>
                 </a:tc>
                 <a:tc>
                   <a:txBody>
@@ -10159,10 +9840,6 @@
                         </a:rPr>
                         <a:t>: ***</a:t>
                       </a:r>
-                      <a:endParaRPr lang="en-US" sz="1800" b="0" dirty="0" smtClean="0">
-                        <a:latin typeface="Arial"/>
-                        <a:cs typeface="Arial"/>
-                      </a:endParaRPr>
                     </a:p>
                     <a:p>
                       <a:pPr marL="0" marR="0" indent="0" algn="l" defTabSz="457200" rtl="0" eaLnBrk="1" fontAlgn="auto" latinLnBrk="0" hangingPunct="1">
@@ -10268,14 +9945,7 @@
                           <a:latin typeface="Arial"/>
                           <a:cs typeface="Arial"/>
                         </a:rPr>
-                        <a:t>-5.5, p</a:t>
-                      </a:r>
-                      <a:r>
-                        <a:rPr lang="en-US" sz="1800" baseline="0" dirty="0" smtClean="0">
-                          <a:latin typeface="Arial"/>
-                          <a:cs typeface="Arial"/>
-                        </a:rPr>
-                        <a:t>=0.47</a:t>
+                        <a:t>-5.5, p=0.47</a:t>
                       </a:r>
                       <a:endParaRPr lang="nb-NO" sz="1800" baseline="0" dirty="0" smtClean="0">
                         <a:latin typeface="Arial"/>
@@ -10286,7 +9956,7 @@
                   <a:tcPr marL="208023" marR="208023" marT="72808" marB="72808"/>
                 </a:tc>
               </a:tr>
-              <a:tr h="381232">
+              <a:tr h="257907">
                 <a:tc>
                   <a:txBody>
                     <a:bodyPr/>
@@ -10326,13 +9996,15 @@
                         </a:rPr>
                         <a:t>0.53</a:t>
                       </a:r>
-                      <a:endParaRPr lang="pt-BR" sz="1800" dirty="0" smtClean="0">
-                        <a:latin typeface="Arial"/>
-                        <a:cs typeface="Arial"/>
-                      </a:endParaRPr>
                     </a:p>
                   </a:txBody>
-                  <a:tcPr marL="208023" marR="208023" marT="72808" marB="72808"/>
+                  <a:tcPr marL="208023" marR="208023" marT="72808" marB="72808">
+                    <a:solidFill>
+                      <a:schemeClr val="accent1">
+                        <a:alpha val="20000"/>
+                      </a:schemeClr>
+                    </a:solidFill>
+                  </a:tcPr>
                 </a:tc>
                 <a:tc>
                   <a:txBody>
@@ -10355,7 +10027,7 @@
                   <a:tcPr marL="208023" marR="208023" marT="72808" marB="72808"/>
                 </a:tc>
               </a:tr>
-              <a:tr h="410329">
+              <a:tr h="234838">
                 <a:tc>
                   <a:txBody>
                     <a:bodyPr/>
@@ -10401,7 +10073,15 @@
                       </a:endParaRPr>
                     </a:p>
                   </a:txBody>
-                  <a:tcPr marL="208023" marR="208023" marT="72808" marB="72808"/>
+                  <a:tcPr marL="208023" marR="208023" marT="72808" marB="72808">
+                    <a:solidFill>
+                      <a:schemeClr val="tx2">
+                        <a:lumMod val="20000"/>
+                        <a:lumOff val="80000"/>
+                        <a:alpha val="50000"/>
+                      </a:schemeClr>
+                    </a:solidFill>
+                  </a:tcPr>
                 </a:tc>
                 <a:tc>
                   <a:txBody>
@@ -10424,7 +10104,7 @@
                   <a:tcPr marL="208023" marR="208023" marT="72808" marB="72808"/>
                 </a:tc>
               </a:tr>
-              <a:tr h="420635">
+              <a:tr h="370516">
                 <a:tc>
                   <a:txBody>
                     <a:bodyPr/>
@@ -10477,7 +10157,13 @@
                       </a:endParaRPr>
                     </a:p>
                   </a:txBody>
-                  <a:tcPr marL="208023" marR="208023" marT="72808" marB="72808"/>
+                  <a:tcPr marL="208023" marR="208023" marT="72808" marB="72808">
+                    <a:solidFill>
+                      <a:schemeClr val="accent1">
+                        <a:alpha val="20000"/>
+                      </a:schemeClr>
+                    </a:solidFill>
+                  </a:tcPr>
                 </a:tc>
                 <a:tc>
                   <a:txBody>
@@ -10500,7 +10186,7 @@
                   <a:tcPr marL="208023" marR="208023" marT="72808" marB="72808"/>
                 </a:tc>
               </a:tr>
-              <a:tr h="666487">
+              <a:tr h="422369">
                 <a:tc>
                   <a:txBody>
                     <a:bodyPr/>
@@ -10561,14 +10247,7 @@
                           <a:latin typeface="Arial"/>
                           <a:cs typeface="Arial"/>
                         </a:rPr>
-                        <a:t>p&lt;4e-</a:t>
-                      </a:r>
-                      <a:r>
-                        <a:rPr lang="en-US" sz="1800" dirty="0" smtClean="0">
-                          <a:latin typeface="Arial"/>
-                          <a:cs typeface="Arial"/>
-                        </a:rPr>
-                        <a:t>10 ***</a:t>
+                        <a:t>p&lt;4e-10 ***</a:t>
                       </a:r>
                       <a:endParaRPr lang="en-US" sz="1800" dirty="0">
                         <a:latin typeface="Arial"/>
@@ -10576,7 +10255,15 @@
                       </a:endParaRPr>
                     </a:p>
                   </a:txBody>
-                  <a:tcPr marL="208023" marR="208023" marT="72808" marB="72808"/>
+                  <a:tcPr marL="208023" marR="208023" marT="72808" marB="72808">
+                    <a:solidFill>
+                      <a:schemeClr val="tx2">
+                        <a:lumMod val="20000"/>
+                        <a:lumOff val="80000"/>
+                        <a:alpha val="50000"/>
+                      </a:schemeClr>
+                    </a:solidFill>
+                  </a:tcPr>
                 </a:tc>
                 <a:tc>
                   <a:txBody>
@@ -10632,14 +10319,7 @@
                           <a:latin typeface="Arial"/>
                           <a:cs typeface="Arial"/>
                         </a:rPr>
-                        <a:t>6e-</a:t>
-                      </a:r>
-                      <a:r>
-                        <a:rPr lang="en-US" sz="1800" dirty="0" smtClean="0">
-                          <a:latin typeface="Arial"/>
-                          <a:cs typeface="Arial"/>
-                        </a:rPr>
-                        <a:t>6 ***</a:t>
+                        <a:t>6e-6 ***</a:t>
                       </a:r>
                       <a:endParaRPr lang="en-US" sz="1800" dirty="0">
                         <a:latin typeface="Arial"/>
@@ -10654,6 +10334,643 @@
           </a:graphicData>
         </a:graphic>
       </p:graphicFrame>
+      <p:sp>
+        <p:nvSpPr>
+          <p:cNvPr id="108" name="TextBox 107"/>
+          <p:cNvSpPr txBox="1"/>
+          <p:nvPr/>
+        </p:nvSpPr>
+        <p:spPr>
+          <a:xfrm>
+            <a:off x="15721087" y="14386175"/>
+            <a:ext cx="9588625" cy="400110"/>
+          </a:xfrm>
+          <a:prstGeom prst="rect">
+            <a:avLst/>
+          </a:prstGeom>
+          <a:noFill/>
+        </p:spPr>
+        <p:txBody>
+          <a:bodyPr wrap="square" rtlCol="0">
+            <a:spAutoFit/>
+          </a:bodyPr>
+          <a:lstStyle/>
+          <a:p>
+            <a:pPr algn="ctr">
+              <a:defRPr/>
+            </a:pPr>
+            <a:r>
+              <a:rPr lang="en-US" sz="2000" b="1" dirty="0" smtClean="0">
+                <a:latin typeface="Arial"/>
+              </a:rPr>
+              <a:t>Penalized Regression: Factors Associated with Amyloid Change &amp; ADAS-cog</a:t>
+            </a:r>
+            <a:endParaRPr lang="en-US" sz="2000" b="1" dirty="0">
+              <a:latin typeface="Arial"/>
+            </a:endParaRPr>
+          </a:p>
+        </p:txBody>
+      </p:sp>
+      <p:sp>
+        <p:nvSpPr>
+          <p:cNvPr id="4" name="TextBox 3"/>
+          <p:cNvSpPr txBox="1"/>
+          <p:nvPr/>
+        </p:nvSpPr>
+        <p:spPr>
+          <a:xfrm>
+            <a:off x="30616748" y="10354801"/>
+            <a:ext cx="5430338" cy="707886"/>
+          </a:xfrm>
+          <a:prstGeom prst="rect">
+            <a:avLst/>
+          </a:prstGeom>
+          <a:noFill/>
+        </p:spPr>
+        <p:txBody>
+          <a:bodyPr wrap="square" rtlCol="0">
+            <a:spAutoFit/>
+          </a:bodyPr>
+          <a:lstStyle/>
+          <a:p>
+            <a:pPr algn="ctr"/>
+            <a:r>
+              <a:rPr lang="en-US" sz="2000" b="1" dirty="0" smtClean="0">
+                <a:latin typeface="Arial"/>
+              </a:rPr>
+              <a:t>Penalized Regression: Factors Associated with ADAS-Cog</a:t>
+            </a:r>
+            <a:endParaRPr lang="en-US" sz="2000" b="1" dirty="0">
+              <a:latin typeface="Arial"/>
+            </a:endParaRPr>
+          </a:p>
+        </p:txBody>
+      </p:sp>
+      <p:grpSp>
+        <p:nvGrpSpPr>
+          <p:cNvPr id="7" name="Group 6"/>
+          <p:cNvGrpSpPr/>
+          <p:nvPr/>
+        </p:nvGrpSpPr>
+        <p:grpSpPr>
+          <a:xfrm>
+            <a:off x="15635926" y="5599854"/>
+            <a:ext cx="4069939" cy="3218799"/>
+            <a:chOff x="15635926" y="5681326"/>
+            <a:chExt cx="4069939" cy="3218799"/>
+          </a:xfrm>
+        </p:grpSpPr>
+        <p:pic>
+          <p:nvPicPr>
+            <p:cNvPr id="161" name="Picture 160" descr="AV45_ss_loadings.jpeg"/>
+            <p:cNvPicPr>
+              <a:picLocks noChangeAspect="1"/>
+            </p:cNvPicPr>
+            <p:nvPr/>
+          </p:nvPicPr>
+          <p:blipFill rotWithShape="1">
+            <a:blip r:embed="rId51">
+              <a:extLst>
+                <a:ext uri="{28A0092B-C50C-407E-A947-70E740481C1C}">
+                  <a14:useLocalDpi xmlns:a14="http://schemas.microsoft.com/office/drawing/2010/main" val="0"/>
+                </a:ext>
+              </a:extLst>
+            </a:blip>
+            <a:srcRect t="7377" b="-104"/>
+            <a:stretch/>
+          </p:blipFill>
+          <p:spPr>
+            <a:xfrm>
+              <a:off x="15635927" y="6384146"/>
+              <a:ext cx="4069938" cy="2515979"/>
+            </a:xfrm>
+            <a:prstGeom prst="rect">
+              <a:avLst/>
+            </a:prstGeom>
+          </p:spPr>
+        </p:pic>
+        <p:sp>
+          <p:nvSpPr>
+            <p:cNvPr id="118" name="TextBox 117"/>
+            <p:cNvSpPr txBox="1"/>
+            <p:nvPr/>
+          </p:nvSpPr>
+          <p:spPr>
+            <a:xfrm>
+              <a:off x="15635926" y="5681326"/>
+              <a:ext cx="4069939" cy="707886"/>
+            </a:xfrm>
+            <a:prstGeom prst="rect">
+              <a:avLst/>
+            </a:prstGeom>
+            <a:noFill/>
+          </p:spPr>
+          <p:txBody>
+            <a:bodyPr wrap="square" rtlCol="0">
+              <a:spAutoFit/>
+            </a:bodyPr>
+            <a:lstStyle/>
+            <a:p>
+              <a:pPr algn="ctr"/>
+              <a:r>
+                <a:rPr lang="en-US" sz="2000" b="1" dirty="0" smtClean="0">
+                  <a:latin typeface="Arial"/>
+                </a:rPr>
+                <a:t>Averaged Regional Correlations, by Factor</a:t>
+              </a:r>
+            </a:p>
+          </p:txBody>
+        </p:sp>
+      </p:grpSp>
+      <p:grpSp>
+        <p:nvGrpSpPr>
+          <p:cNvPr id="8" name="Group 7"/>
+          <p:cNvGrpSpPr/>
+          <p:nvPr/>
+        </p:nvGrpSpPr>
+        <p:grpSpPr>
+          <a:xfrm>
+            <a:off x="15635926" y="8869453"/>
+            <a:ext cx="4069940" cy="3300972"/>
+            <a:chOff x="15635926" y="8881852"/>
+            <a:chExt cx="4069940" cy="3300972"/>
+          </a:xfrm>
+        </p:grpSpPr>
+        <p:pic>
+          <p:nvPicPr>
+            <p:cNvPr id="162" name="Picture 161" descr="AV45_regional_loadings.jpeg"/>
+            <p:cNvPicPr>
+              <a:picLocks noChangeAspect="1"/>
+            </p:cNvPicPr>
+            <p:nvPr/>
+          </p:nvPicPr>
+          <p:blipFill rotWithShape="1">
+            <a:blip r:embed="rId52">
+              <a:extLst>
+                <a:ext uri="{28A0092B-C50C-407E-A947-70E740481C1C}">
+                  <a14:useLocalDpi xmlns:a14="http://schemas.microsoft.com/office/drawing/2010/main" val="0"/>
+                </a:ext>
+              </a:extLst>
+            </a:blip>
+            <a:srcRect l="905" t="6386" r="2485" b="264"/>
+            <a:stretch/>
+          </p:blipFill>
+          <p:spPr>
+            <a:xfrm>
+              <a:off x="15635927" y="9561026"/>
+              <a:ext cx="4069939" cy="2621798"/>
+            </a:xfrm>
+            <a:prstGeom prst="rect">
+              <a:avLst/>
+            </a:prstGeom>
+          </p:spPr>
+        </p:pic>
+        <p:sp>
+          <p:nvSpPr>
+            <p:cNvPr id="119" name="TextBox 118"/>
+            <p:cNvSpPr txBox="1"/>
+            <p:nvPr/>
+          </p:nvSpPr>
+          <p:spPr>
+            <a:xfrm>
+              <a:off x="15635926" y="8881852"/>
+              <a:ext cx="4069939" cy="707886"/>
+            </a:xfrm>
+            <a:prstGeom prst="rect">
+              <a:avLst/>
+            </a:prstGeom>
+            <a:noFill/>
+          </p:spPr>
+          <p:txBody>
+            <a:bodyPr wrap="square" rtlCol="0">
+              <a:spAutoFit/>
+            </a:bodyPr>
+            <a:lstStyle/>
+            <a:p>
+              <a:pPr algn="ctr"/>
+              <a:r>
+                <a:rPr lang="en-US" sz="2000" b="1" dirty="0" smtClean="0">
+                  <a:latin typeface="Arial"/>
+                </a:rPr>
+                <a:t>Factor Loadings, </a:t>
+              </a:r>
+            </a:p>
+            <a:p>
+              <a:pPr algn="ctr"/>
+              <a:r>
+                <a:rPr lang="en-US" sz="2000" b="1" dirty="0" smtClean="0">
+                  <a:latin typeface="Arial"/>
+                </a:rPr>
+                <a:t>Summarized by Region</a:t>
+              </a:r>
+            </a:p>
+          </p:txBody>
+        </p:sp>
+      </p:grpSp>
+      <p:grpSp>
+        <p:nvGrpSpPr>
+          <p:cNvPr id="10" name="Group 9"/>
+          <p:cNvGrpSpPr/>
+          <p:nvPr/>
+        </p:nvGrpSpPr>
+        <p:grpSpPr>
+          <a:xfrm>
+            <a:off x="26088947" y="5618493"/>
+            <a:ext cx="4087379" cy="3244181"/>
+            <a:chOff x="25751572" y="5688699"/>
+            <a:chExt cx="4087379" cy="3244181"/>
+          </a:xfrm>
+        </p:grpSpPr>
+        <p:pic>
+          <p:nvPicPr>
+            <p:cNvPr id="163" name="Picture 162" descr="AV1451_ss_loadings.jpeg"/>
+            <p:cNvPicPr>
+              <a:picLocks noChangeAspect="1"/>
+            </p:cNvPicPr>
+            <p:nvPr/>
+          </p:nvPicPr>
+          <p:blipFill rotWithShape="1">
+            <a:blip r:embed="rId53">
+              <a:extLst>
+                <a:ext uri="{28A0092B-C50C-407E-A947-70E740481C1C}">
+                  <a14:useLocalDpi xmlns:a14="http://schemas.microsoft.com/office/drawing/2010/main" val="0"/>
+                </a:ext>
+              </a:extLst>
+            </a:blip>
+            <a:srcRect t="7150" b="-400"/>
+            <a:stretch/>
+          </p:blipFill>
+          <p:spPr>
+            <a:xfrm>
+              <a:off x="25751572" y="6391812"/>
+              <a:ext cx="4087379" cy="2541068"/>
+            </a:xfrm>
+            <a:prstGeom prst="rect">
+              <a:avLst/>
+            </a:prstGeom>
+          </p:spPr>
+        </p:pic>
+        <p:sp>
+          <p:nvSpPr>
+            <p:cNvPr id="120" name="TextBox 119"/>
+            <p:cNvSpPr txBox="1"/>
+            <p:nvPr/>
+          </p:nvSpPr>
+          <p:spPr>
+            <a:xfrm>
+              <a:off x="25757624" y="5688699"/>
+              <a:ext cx="4069938" cy="707886"/>
+            </a:xfrm>
+            <a:prstGeom prst="rect">
+              <a:avLst/>
+            </a:prstGeom>
+            <a:noFill/>
+          </p:spPr>
+          <p:txBody>
+            <a:bodyPr wrap="square" rtlCol="0">
+              <a:spAutoFit/>
+            </a:bodyPr>
+            <a:lstStyle/>
+            <a:p>
+              <a:pPr algn="ctr"/>
+              <a:r>
+                <a:rPr lang="en-US" sz="2000" b="1" dirty="0" smtClean="0">
+                  <a:latin typeface="Arial"/>
+                </a:rPr>
+                <a:t>Averaged Regional Correlations, by Factor</a:t>
+              </a:r>
+            </a:p>
+          </p:txBody>
+        </p:sp>
+      </p:grpSp>
+      <p:grpSp>
+        <p:nvGrpSpPr>
+          <p:cNvPr id="11" name="Group 10"/>
+          <p:cNvGrpSpPr/>
+          <p:nvPr/>
+        </p:nvGrpSpPr>
+        <p:grpSpPr>
+          <a:xfrm>
+            <a:off x="26085800" y="8843752"/>
+            <a:ext cx="4087380" cy="3326673"/>
+            <a:chOff x="25751572" y="8921335"/>
+            <a:chExt cx="4087380" cy="3326673"/>
+          </a:xfrm>
+        </p:grpSpPr>
+        <p:pic>
+          <p:nvPicPr>
+            <p:cNvPr id="164" name="Picture 163" descr="AV1451_region_loadings.jpeg"/>
+            <p:cNvPicPr>
+              <a:picLocks noChangeAspect="1"/>
+            </p:cNvPicPr>
+            <p:nvPr/>
+          </p:nvPicPr>
+          <p:blipFill rotWithShape="1">
+            <a:blip r:embed="rId54">
+              <a:extLst>
+                <a:ext uri="{28A0092B-C50C-407E-A947-70E740481C1C}">
+                  <a14:useLocalDpi xmlns:a14="http://schemas.microsoft.com/office/drawing/2010/main" val="0"/>
+                </a:ext>
+              </a:extLst>
+            </a:blip>
+            <a:srcRect l="734" t="6362" r="2301" b="-314"/>
+            <a:stretch/>
+          </p:blipFill>
+          <p:spPr>
+            <a:xfrm>
+              <a:off x="25751572" y="9607834"/>
+              <a:ext cx="4087380" cy="2640174"/>
+            </a:xfrm>
+            <a:prstGeom prst="rect">
+              <a:avLst/>
+            </a:prstGeom>
+          </p:spPr>
+        </p:pic>
+        <p:sp>
+          <p:nvSpPr>
+            <p:cNvPr id="121" name="TextBox 120"/>
+            <p:cNvSpPr txBox="1"/>
+            <p:nvPr/>
+          </p:nvSpPr>
+          <p:spPr>
+            <a:xfrm>
+              <a:off x="25754719" y="8921335"/>
+              <a:ext cx="4084232" cy="707886"/>
+            </a:xfrm>
+            <a:prstGeom prst="rect">
+              <a:avLst/>
+            </a:prstGeom>
+            <a:noFill/>
+          </p:spPr>
+          <p:txBody>
+            <a:bodyPr wrap="square" rtlCol="0">
+              <a:spAutoFit/>
+            </a:bodyPr>
+            <a:lstStyle/>
+            <a:p>
+              <a:pPr algn="ctr"/>
+              <a:r>
+                <a:rPr lang="en-US" sz="2000" b="1" dirty="0" smtClean="0">
+                  <a:latin typeface="Arial"/>
+                </a:rPr>
+                <a:t>Factor Loadings, </a:t>
+              </a:r>
+            </a:p>
+            <a:p>
+              <a:pPr algn="ctr"/>
+              <a:r>
+                <a:rPr lang="en-US" sz="2000" b="1" dirty="0" smtClean="0">
+                  <a:latin typeface="Arial"/>
+                </a:rPr>
+                <a:t>Summarized by Region</a:t>
+              </a:r>
+            </a:p>
+          </p:txBody>
+        </p:sp>
+      </p:grpSp>
+      <p:grpSp>
+        <p:nvGrpSpPr>
+          <p:cNvPr id="12" name="Group 11"/>
+          <p:cNvGrpSpPr/>
+          <p:nvPr/>
+        </p:nvGrpSpPr>
+        <p:grpSpPr>
+          <a:xfrm>
+            <a:off x="26085800" y="12120817"/>
+            <a:ext cx="4075990" cy="3312536"/>
+            <a:chOff x="25751572" y="12273217"/>
+            <a:chExt cx="4075990" cy="3312536"/>
+          </a:xfrm>
+        </p:grpSpPr>
+        <p:pic>
+          <p:nvPicPr>
+            <p:cNvPr id="165" name="Picture 164" descr="AV1451_braak_loadings.jpeg"/>
+            <p:cNvPicPr>
+              <a:picLocks noChangeAspect="1"/>
+            </p:cNvPicPr>
+            <p:nvPr/>
+          </p:nvPicPr>
+          <p:blipFill rotWithShape="1">
+            <a:blip r:embed="rId55">
+              <a:extLst>
+                <a:ext uri="{28A0092B-C50C-407E-A947-70E740481C1C}">
+                  <a14:useLocalDpi xmlns:a14="http://schemas.microsoft.com/office/drawing/2010/main" val="0"/>
+                </a:ext>
+              </a:extLst>
+            </a:blip>
+            <a:srcRect l="732" t="6382" r="2133" b="-53"/>
+            <a:stretch/>
+          </p:blipFill>
+          <p:spPr>
+            <a:xfrm>
+              <a:off x="25751572" y="12965474"/>
+              <a:ext cx="4075989" cy="2620279"/>
+            </a:xfrm>
+            <a:prstGeom prst="rect">
+              <a:avLst/>
+            </a:prstGeom>
+          </p:spPr>
+        </p:pic>
+        <p:sp>
+          <p:nvSpPr>
+            <p:cNvPr id="122" name="TextBox 121"/>
+            <p:cNvSpPr txBox="1"/>
+            <p:nvPr/>
+          </p:nvSpPr>
+          <p:spPr>
+            <a:xfrm>
+              <a:off x="25751572" y="12273217"/>
+              <a:ext cx="4075990" cy="707886"/>
+            </a:xfrm>
+            <a:prstGeom prst="rect">
+              <a:avLst/>
+            </a:prstGeom>
+            <a:noFill/>
+          </p:spPr>
+          <p:txBody>
+            <a:bodyPr wrap="square" rtlCol="0">
+              <a:spAutoFit/>
+            </a:bodyPr>
+            <a:lstStyle/>
+            <a:p>
+              <a:pPr algn="ctr"/>
+              <a:r>
+                <a:rPr lang="en-US" sz="2000" b="1" dirty="0" smtClean="0">
+                  <a:latin typeface="Arial"/>
+                </a:rPr>
+                <a:t>Factor Loadings, </a:t>
+              </a:r>
+            </a:p>
+            <a:p>
+              <a:pPr algn="ctr"/>
+              <a:r>
+                <a:rPr lang="en-US" sz="2000" b="1" dirty="0" smtClean="0">
+                  <a:latin typeface="Arial"/>
+                </a:rPr>
+                <a:t>Summarized by </a:t>
+              </a:r>
+              <a:r>
+                <a:rPr lang="en-US" sz="2000" b="1" dirty="0" err="1" smtClean="0">
+                  <a:latin typeface="Arial"/>
+                </a:rPr>
+                <a:t>Braak</a:t>
+              </a:r>
+              <a:r>
+                <a:rPr lang="en-US" sz="2000" b="1" dirty="0" smtClean="0">
+                  <a:latin typeface="Arial"/>
+                </a:rPr>
+                <a:t> Stage</a:t>
+              </a:r>
+            </a:p>
+          </p:txBody>
+        </p:sp>
+      </p:grpSp>
+      <p:grpSp>
+        <p:nvGrpSpPr>
+          <p:cNvPr id="15" name="Group 14"/>
+          <p:cNvGrpSpPr/>
+          <p:nvPr/>
+        </p:nvGrpSpPr>
+        <p:grpSpPr>
+          <a:xfrm>
+            <a:off x="9439048" y="7411963"/>
+            <a:ext cx="4070660" cy="1751387"/>
+            <a:chOff x="9439048" y="7392424"/>
+            <a:chExt cx="4070660" cy="1751387"/>
+          </a:xfrm>
+        </p:grpSpPr>
+        <p:pic>
+          <p:nvPicPr>
+            <p:cNvPr id="131" name="Picture 130" descr="Screen Shot 2016-06-14 at 11.07.16 PM.png"/>
+            <p:cNvPicPr>
+              <a:picLocks noChangeAspect="1"/>
+            </p:cNvPicPr>
+            <p:nvPr/>
+          </p:nvPicPr>
+          <p:blipFill rotWithShape="1">
+            <a:blip r:embed="rId56">
+              <a:extLst>
+                <a:ext uri="{28A0092B-C50C-407E-A947-70E740481C1C}">
+                  <a14:useLocalDpi xmlns:a14="http://schemas.microsoft.com/office/drawing/2010/main" val="0"/>
+                </a:ext>
+              </a:extLst>
+            </a:blip>
+            <a:srcRect l="14034" r="-5476"/>
+            <a:stretch/>
+          </p:blipFill>
+          <p:spPr>
+            <a:xfrm>
+              <a:off x="9875520" y="7745499"/>
+              <a:ext cx="2734056" cy="1398312"/>
+            </a:xfrm>
+            <a:prstGeom prst="rect">
+              <a:avLst/>
+            </a:prstGeom>
+          </p:spPr>
+        </p:pic>
+        <p:sp>
+          <p:nvSpPr>
+            <p:cNvPr id="151" name="TextBox 150"/>
+            <p:cNvSpPr txBox="1"/>
+            <p:nvPr/>
+          </p:nvSpPr>
+          <p:spPr>
+            <a:xfrm>
+              <a:off x="10048659" y="7392424"/>
+              <a:ext cx="2279589" cy="369332"/>
+            </a:xfrm>
+            <a:prstGeom prst="rect">
+              <a:avLst/>
+            </a:prstGeom>
+            <a:noFill/>
+          </p:spPr>
+          <p:txBody>
+            <a:bodyPr wrap="square" rtlCol="0">
+              <a:spAutoFit/>
+            </a:bodyPr>
+            <a:lstStyle/>
+            <a:p>
+              <a:r>
+                <a:rPr lang="en-US" sz="1800" b="1" dirty="0" smtClean="0">
+                  <a:latin typeface="Arial"/>
+                </a:rPr>
+                <a:t>Freesurfer Regions</a:t>
+              </a:r>
+              <a:endParaRPr lang="en-US" sz="1800" b="1" dirty="0">
+                <a:latin typeface="Arial"/>
+              </a:endParaRPr>
+            </a:p>
+          </p:txBody>
+        </p:sp>
+        <p:sp>
+          <p:nvSpPr>
+            <p:cNvPr id="152" name="TextBox 151"/>
+            <p:cNvSpPr txBox="1"/>
+            <p:nvPr/>
+          </p:nvSpPr>
+          <p:spPr>
+            <a:xfrm>
+              <a:off x="12398802" y="8217050"/>
+              <a:ext cx="1110906" cy="369332"/>
+            </a:xfrm>
+            <a:prstGeom prst="rect">
+              <a:avLst/>
+            </a:prstGeom>
+            <a:noFill/>
+          </p:spPr>
+          <p:txBody>
+            <a:bodyPr wrap="square" rtlCol="0">
+              <a:spAutoFit/>
+            </a:bodyPr>
+            <a:lstStyle/>
+            <a:p>
+              <a:r>
+                <a:rPr lang="en-US" sz="1800" b="1" dirty="0" smtClean="0">
+                  <a:latin typeface="Arial"/>
+                </a:rPr>
+                <a:t>Scans</a:t>
+              </a:r>
+              <a:endParaRPr lang="en-US" sz="1800" b="1" dirty="0">
+                <a:latin typeface="Arial"/>
+              </a:endParaRPr>
+            </a:p>
+          </p:txBody>
+        </p:sp>
+        <p:sp>
+          <p:nvSpPr>
+            <p:cNvPr id="124" name="TextBox 123"/>
+            <p:cNvSpPr txBox="1"/>
+            <p:nvPr/>
+          </p:nvSpPr>
+          <p:spPr>
+            <a:xfrm>
+              <a:off x="9439048" y="8314065"/>
+              <a:ext cx="654176" cy="369332"/>
+            </a:xfrm>
+            <a:prstGeom prst="rect">
+              <a:avLst/>
+            </a:prstGeom>
+            <a:noFill/>
+          </p:spPr>
+          <p:txBody>
+            <a:bodyPr wrap="square" rtlCol="0">
+              <a:spAutoFit/>
+            </a:bodyPr>
+            <a:lstStyle/>
+            <a:p>
+              <a:r>
+                <a:rPr lang="en-US" sz="1800" b="1" dirty="0" smtClean="0">
+                  <a:latin typeface="Arial"/>
+                </a:rPr>
+                <a:t>Y =</a:t>
+              </a:r>
+              <a:endParaRPr lang="en-US" sz="1800" b="1" dirty="0">
+                <a:latin typeface="Arial"/>
+              </a:endParaRPr>
+            </a:p>
+          </p:txBody>
+        </p:sp>
+      </p:grpSp>
     </p:spTree>
   </p:cSld>
   <p:clrMapOvr>

--- a/AAIC_poster_AH.pptx
+++ b/AAIC_poster_AH.pptx
@@ -193,7 +193,7 @@
             <a:fld id="{638CD603-6CD8-3547-B973-087475E71BF4}" type="datetimeFigureOut">
               <a:rPr lang="en-US" smtClean="0"/>
               <a:pPr/>
-              <a:t>7/20/16</a:t>
+              <a:t>7/21/16</a:t>
             </a:fld>
             <a:endParaRPr lang="en-US"/>
           </a:p>
@@ -737,7 +737,7 @@
             <a:fld id="{6F968270-718C-D14D-BC56-854E11C91F7D}" type="datetimeFigureOut">
               <a:rPr lang="en-US" smtClean="0"/>
               <a:pPr/>
-              <a:t>7/20/16</a:t>
+              <a:t>7/21/16</a:t>
             </a:fld>
             <a:endParaRPr lang="en-US"/>
           </a:p>
@@ -904,7 +904,7 @@
             <a:fld id="{6F968270-718C-D14D-BC56-854E11C91F7D}" type="datetimeFigureOut">
               <a:rPr lang="en-US" smtClean="0"/>
               <a:pPr/>
-              <a:t>7/20/16</a:t>
+              <a:t>7/21/16</a:t>
             </a:fld>
             <a:endParaRPr lang="en-US"/>
           </a:p>
@@ -1081,7 +1081,7 @@
             <a:fld id="{6F968270-718C-D14D-BC56-854E11C91F7D}" type="datetimeFigureOut">
               <a:rPr lang="en-US" smtClean="0"/>
               <a:pPr/>
-              <a:t>7/20/16</a:t>
+              <a:t>7/21/16</a:t>
             </a:fld>
             <a:endParaRPr lang="en-US"/>
           </a:p>
@@ -1248,7 +1248,7 @@
             <a:fld id="{6F968270-718C-D14D-BC56-854E11C91F7D}" type="datetimeFigureOut">
               <a:rPr lang="en-US" smtClean="0"/>
               <a:pPr/>
-              <a:t>7/20/16</a:t>
+              <a:t>7/21/16</a:t>
             </a:fld>
             <a:endParaRPr lang="en-US"/>
           </a:p>
@@ -1491,7 +1491,7 @@
             <a:fld id="{6F968270-718C-D14D-BC56-854E11C91F7D}" type="datetimeFigureOut">
               <a:rPr lang="en-US" smtClean="0"/>
               <a:pPr/>
-              <a:t>7/20/16</a:t>
+              <a:t>7/21/16</a:t>
             </a:fld>
             <a:endParaRPr lang="en-US"/>
           </a:p>
@@ -1776,7 +1776,7 @@
             <a:fld id="{6F968270-718C-D14D-BC56-854E11C91F7D}" type="datetimeFigureOut">
               <a:rPr lang="en-US" smtClean="0"/>
               <a:pPr/>
-              <a:t>7/20/16</a:t>
+              <a:t>7/21/16</a:t>
             </a:fld>
             <a:endParaRPr lang="en-US"/>
           </a:p>
@@ -2195,7 +2195,7 @@
             <a:fld id="{6F968270-718C-D14D-BC56-854E11C91F7D}" type="datetimeFigureOut">
               <a:rPr lang="en-US" smtClean="0"/>
               <a:pPr/>
-              <a:t>7/20/16</a:t>
+              <a:t>7/21/16</a:t>
             </a:fld>
             <a:endParaRPr lang="en-US"/>
           </a:p>
@@ -2310,7 +2310,7 @@
             <a:fld id="{6F968270-718C-D14D-BC56-854E11C91F7D}" type="datetimeFigureOut">
               <a:rPr lang="en-US" smtClean="0"/>
               <a:pPr/>
-              <a:t>7/20/16</a:t>
+              <a:t>7/21/16</a:t>
             </a:fld>
             <a:endParaRPr lang="en-US"/>
           </a:p>
@@ -2402,7 +2402,7 @@
             <a:fld id="{6F968270-718C-D14D-BC56-854E11C91F7D}" type="datetimeFigureOut">
               <a:rPr lang="en-US" smtClean="0"/>
               <a:pPr/>
-              <a:t>7/20/16</a:t>
+              <a:t>7/21/16</a:t>
             </a:fld>
             <a:endParaRPr lang="en-US"/>
           </a:p>
@@ -2676,7 +2676,7 @@
             <a:fld id="{6F968270-718C-D14D-BC56-854E11C91F7D}" type="datetimeFigureOut">
               <a:rPr lang="en-US" smtClean="0"/>
               <a:pPr/>
-              <a:t>7/20/16</a:t>
+              <a:t>7/21/16</a:t>
             </a:fld>
             <a:endParaRPr lang="en-US"/>
           </a:p>
@@ -2926,7 +2926,7 @@
             <a:fld id="{6F968270-718C-D14D-BC56-854E11C91F7D}" type="datetimeFigureOut">
               <a:rPr lang="en-US" smtClean="0"/>
               <a:pPr/>
-              <a:t>7/20/16</a:t>
+              <a:t>7/21/16</a:t>
             </a:fld>
             <a:endParaRPr lang="en-US"/>
           </a:p>
@@ -3136,7 +3136,7 @@
             <a:fld id="{6F968270-718C-D14D-BC56-854E11C91F7D}" type="datetimeFigureOut">
               <a:rPr lang="en-US" smtClean="0"/>
               <a:pPr/>
-              <a:t>7/20/16</a:t>
+              <a:t>7/21/16</a:t>
             </a:fld>
             <a:endParaRPr lang="en-US"/>
           </a:p>
@@ -5221,92 +5221,6 @@
               </a:rPr>
               <a:t> Standardize each region (column) to zero mean, unit variance</a:t>
             </a:r>
-          </a:p>
-        </p:txBody>
-      </p:sp>
-      <p:sp>
-        <p:nvSpPr>
-          <p:cNvPr id="149" name="Rectangle 148"/>
-          <p:cNvSpPr/>
-          <p:nvPr/>
-        </p:nvSpPr>
-        <p:spPr>
-          <a:xfrm>
-            <a:off x="10038556" y="7835044"/>
-            <a:ext cx="2322576" cy="310896"/>
-          </a:xfrm>
-          <a:prstGeom prst="rect">
-            <a:avLst/>
-          </a:prstGeom>
-          <a:solidFill>
-            <a:srgbClr val="FF0000">
-              <a:alpha val="30000"/>
-            </a:srgbClr>
-          </a:solidFill>
-        </p:spPr>
-        <p:style>
-          <a:lnRef idx="1">
-            <a:schemeClr val="accent1"/>
-          </a:lnRef>
-          <a:fillRef idx="3">
-            <a:schemeClr val="accent1"/>
-          </a:fillRef>
-          <a:effectRef idx="2">
-            <a:schemeClr val="accent1"/>
-          </a:effectRef>
-          <a:fontRef idx="minor">
-            <a:schemeClr val="lt1"/>
-          </a:fontRef>
-        </p:style>
-        <p:txBody>
-          <a:bodyPr rtlCol="0" anchor="ctr"/>
-          <a:lstStyle/>
-          <a:p>
-            <a:pPr algn="ctr"/>
-            <a:endParaRPr lang="en-US"/>
-          </a:p>
-        </p:txBody>
-      </p:sp>
-      <p:sp>
-        <p:nvSpPr>
-          <p:cNvPr id="150" name="Rectangle 149"/>
-          <p:cNvSpPr/>
-          <p:nvPr/>
-        </p:nvSpPr>
-        <p:spPr>
-          <a:xfrm>
-            <a:off x="10038556" y="7811526"/>
-            <a:ext cx="502920" cy="1444752"/>
-          </a:xfrm>
-          <a:prstGeom prst="rect">
-            <a:avLst/>
-          </a:prstGeom>
-          <a:solidFill>
-            <a:srgbClr val="3366FF">
-              <a:alpha val="30000"/>
-            </a:srgbClr>
-          </a:solidFill>
-        </p:spPr>
-        <p:style>
-          <a:lnRef idx="1">
-            <a:schemeClr val="accent1"/>
-          </a:lnRef>
-          <a:fillRef idx="3">
-            <a:schemeClr val="accent1"/>
-          </a:fillRef>
-          <a:effectRef idx="2">
-            <a:schemeClr val="accent1"/>
-          </a:effectRef>
-          <a:fontRef idx="minor">
-            <a:schemeClr val="lt1"/>
-          </a:fontRef>
-        </p:style>
-        <p:txBody>
-          <a:bodyPr rtlCol="0" anchor="ctr"/>
-          <a:lstStyle/>
-          <a:p>
-            <a:pPr algn="ctr"/>
-            <a:endParaRPr lang="en-US"/>
           </a:p>
         </p:txBody>
       </p:sp>
@@ -8139,31 +8053,7 @@
               <a:rPr lang="en-US" sz="1800" dirty="0" smtClean="0">
                 <a:latin typeface="Arial"/>
               </a:rPr>
-              <a:t>45 factor (#6) recapitulates cortical summary SUVR in regional topography and its relationships to </a:t>
-            </a:r>
-            <a:r>
-              <a:rPr lang="en-US" sz="1800" dirty="0" smtClean="0">
-                <a:latin typeface="Arial"/>
-              </a:rPr>
-              <a:t>longitudinal </a:t>
-            </a:r>
-            <a:r>
-              <a:rPr lang="en-US" sz="1800" dirty="0" smtClean="0">
-                <a:latin typeface="Arial"/>
-              </a:rPr>
-              <a:t>amyloid deposition </a:t>
-            </a:r>
-            <a:r>
-              <a:rPr lang="en-US" sz="1800" dirty="0" smtClean="0">
-                <a:latin typeface="Arial"/>
-              </a:rPr>
-              <a:t>and ADAS-cog amongst </a:t>
-            </a:r>
-            <a:r>
-              <a:rPr lang="en-US" sz="1800" dirty="0" smtClean="0">
-                <a:latin typeface="Arial"/>
-              </a:rPr>
-              <a:t>florbetapir positive subjects</a:t>
+              <a:t>45 factor (#6) recapitulates cortical summary SUVR in regional topography and its relationships to longitudinal amyloid deposition and ADAS-cog amongst florbetapir positive subjects</a:t>
             </a:r>
           </a:p>
           <a:p>
@@ -10833,7 +10723,7 @@
         </p:nvGrpSpPr>
         <p:grpSpPr>
           <a:xfrm>
-            <a:off x="9439048" y="7411963"/>
+            <a:off x="9439048" y="7395353"/>
             <a:ext cx="4070660" cy="1751387"/>
             <a:chOff x="9439048" y="7392424"/>
             <a:chExt cx="4070660" cy="1751387"/>
@@ -10971,6 +10861,92 @@
           </p:txBody>
         </p:sp>
       </p:grpSp>
+      <p:sp>
+        <p:nvSpPr>
+          <p:cNvPr id="150" name="Rectangle 149"/>
+          <p:cNvSpPr/>
+          <p:nvPr/>
+        </p:nvSpPr>
+        <p:spPr>
+          <a:xfrm>
+            <a:off x="10038556" y="7811526"/>
+            <a:ext cx="502920" cy="1335214"/>
+          </a:xfrm>
+          <a:prstGeom prst="rect">
+            <a:avLst/>
+          </a:prstGeom>
+          <a:solidFill>
+            <a:srgbClr val="3366FF">
+              <a:alpha val="30000"/>
+            </a:srgbClr>
+          </a:solidFill>
+        </p:spPr>
+        <p:style>
+          <a:lnRef idx="1">
+            <a:schemeClr val="accent1"/>
+          </a:lnRef>
+          <a:fillRef idx="3">
+            <a:schemeClr val="accent1"/>
+          </a:fillRef>
+          <a:effectRef idx="2">
+            <a:schemeClr val="accent1"/>
+          </a:effectRef>
+          <a:fontRef idx="minor">
+            <a:schemeClr val="lt1"/>
+          </a:fontRef>
+        </p:style>
+        <p:txBody>
+          <a:bodyPr rtlCol="0" anchor="ctr"/>
+          <a:lstStyle/>
+          <a:p>
+            <a:pPr algn="ctr"/>
+            <a:endParaRPr lang="en-US"/>
+          </a:p>
+        </p:txBody>
+      </p:sp>
+      <p:sp>
+        <p:nvSpPr>
+          <p:cNvPr id="149" name="Rectangle 148"/>
+          <p:cNvSpPr/>
+          <p:nvPr/>
+        </p:nvSpPr>
+        <p:spPr>
+          <a:xfrm>
+            <a:off x="10038556" y="7835044"/>
+            <a:ext cx="2322576" cy="310896"/>
+          </a:xfrm>
+          <a:prstGeom prst="rect">
+            <a:avLst/>
+          </a:prstGeom>
+          <a:solidFill>
+            <a:srgbClr val="FF0000">
+              <a:alpha val="30000"/>
+            </a:srgbClr>
+          </a:solidFill>
+        </p:spPr>
+        <p:style>
+          <a:lnRef idx="1">
+            <a:schemeClr val="accent1"/>
+          </a:lnRef>
+          <a:fillRef idx="3">
+            <a:schemeClr val="accent1"/>
+          </a:fillRef>
+          <a:effectRef idx="2">
+            <a:schemeClr val="accent1"/>
+          </a:effectRef>
+          <a:fontRef idx="minor">
+            <a:schemeClr val="lt1"/>
+          </a:fontRef>
+        </p:style>
+        <p:txBody>
+          <a:bodyPr rtlCol="0" anchor="ctr"/>
+          <a:lstStyle/>
+          <a:p>
+            <a:pPr algn="ctr"/>
+            <a:endParaRPr lang="en-US"/>
+          </a:p>
+        </p:txBody>
+      </p:sp>
     </p:spTree>
   </p:cSld>
   <p:clrMapOvr>
